--- a/DP01_Into_And_Adapter_Pattern.pptx
+++ b/DP01_Into_And_Adapter_Pattern.pptx
@@ -4528,25 +4528,6 @@
       </p:sp>
       <p:sp>
         <p:nvSpPr>
-          <p:cNvPr id="3" name="Tartalom helye 2"/>
-          <p:cNvSpPr>
-            <a:spLocks noGrp="1"/>
-          </p:cNvSpPr>
-          <p:nvPr>
-            <p:ph idx="1"/>
-          </p:nvPr>
-        </p:nvSpPr>
-        <p:spPr/>
-        <p:txBody>
-          <a:bodyPr/>
-          <a:lstStyle/>
-          <a:p>
-            <a:endParaRPr lang="hu-HU" dirty="0"/>
-          </a:p>
-        </p:txBody>
-      </p:sp>
-      <p:sp>
-        <p:nvSpPr>
           <p:cNvPr id="5" name="Slide Number Placeholder 4"/>
           <p:cNvSpPr>
             <a:spLocks noGrp="1"/>
@@ -5627,6 +5608,13 @@
   <p:clrMapOvr>
     <a:masterClrMapping/>
   </p:clrMapOvr>
+  <p:timing>
+    <p:tnLst>
+      <p:par>
+        <p:cTn id="1" dur="indefinite" restart="never" nodeType="tmRoot"/>
+      </p:par>
+    </p:tnLst>
+  </p:timing>
 </p:sld>
 </file>
 
@@ -6124,6 +6112,13 @@
   <p:clrMapOvr>
     <a:masterClrMapping/>
   </p:clrMapOvr>
+  <p:timing>
+    <p:tnLst>
+      <p:par>
+        <p:cTn id="1" dur="indefinite" restart="never" nodeType="tmRoot"/>
+      </p:par>
+    </p:tnLst>
+  </p:timing>
 </p:sld>
 </file>
 
@@ -6440,8 +6435,16 @@
           <a:p>
             <a:pPr lvl="1"/>
             <a:r>
-              <a:rPr lang="sv-SE" dirty="0" err="1"/>
+              <a:rPr lang="sv-SE" dirty="0" smtClean="0"/>
               <a:t>Applicability</a:t>
+            </a:r>
+            <a:endParaRPr lang="hu-HU" dirty="0" smtClean="0"/>
+          </a:p>
+          <a:p>
+            <a:pPr lvl="1"/>
+            <a:r>
+              <a:rPr lang="hu-HU" dirty="0" err="1" smtClean="0"/>
+              <a:t>Intent</a:t>
             </a:r>
             <a:endParaRPr lang="sv-SE" dirty="0"/>
           </a:p>
@@ -6455,16 +6458,16 @@
           <a:p>
             <a:pPr lvl="1"/>
             <a:r>
-              <a:rPr lang="sv-SE" dirty="0" err="1"/>
-              <a:t>Code</a:t>
-            </a:r>
-            <a:r>
               <a:rPr lang="sv-SE" dirty="0"/>
-              <a:t> </a:t>
-            </a:r>
-            <a:r>
-              <a:rPr lang="sv-SE" dirty="0" err="1"/>
+              <a:t>Code </a:t>
+            </a:r>
+            <a:r>
+              <a:rPr lang="sv-SE" dirty="0" smtClean="0"/>
               <a:t>example</a:t>
+            </a:r>
+            <a:r>
+              <a:rPr lang="hu-HU" dirty="0" smtClean="0"/>
+              <a:t>s</a:t>
             </a:r>
             <a:endParaRPr lang="sv-SE" dirty="0"/>
           </a:p>

--- a/DP01_Into_And_Adapter_Pattern.pptx
+++ b/DP01_Into_And_Adapter_Pattern.pptx
@@ -5,7 +5,7 @@
     <p:sldMasterId id="2147483660" r:id="rId1"/>
   </p:sldMasterIdLst>
   <p:notesMasterIdLst>
-    <p:notesMasterId r:id="rId28"/>
+    <p:notesMasterId r:id="rId30"/>
   </p:notesMasterIdLst>
   <p:sldIdLst>
     <p:sldId id="256" r:id="rId2"/>
@@ -30,10 +30,12 @@
     <p:sldId id="281" r:id="rId21"/>
     <p:sldId id="275" r:id="rId22"/>
     <p:sldId id="263" r:id="rId23"/>
-    <p:sldId id="276" r:id="rId24"/>
-    <p:sldId id="277" r:id="rId25"/>
-    <p:sldId id="278" r:id="rId26"/>
-    <p:sldId id="264" r:id="rId27"/>
+    <p:sldId id="264" r:id="rId24"/>
+    <p:sldId id="276" r:id="rId25"/>
+    <p:sldId id="277" r:id="rId26"/>
+    <p:sldId id="284" r:id="rId27"/>
+    <p:sldId id="278" r:id="rId28"/>
+    <p:sldId id="285" r:id="rId29"/>
   </p:sldIdLst>
   <p:sldSz cx="12192000" cy="6858000"/>
   <p:notesSz cx="6858000" cy="9144000"/>
@@ -1486,7 +1488,7 @@
           <a:p>
             <a:fld id="{27C334D5-55AD-42ED-8491-40C1A78BB94C}" type="slidenum">
               <a:rPr lang="hu-HU" smtClean="0"/>
-              <a:t>23</a:t>
+              <a:t>24</a:t>
             </a:fld>
             <a:endParaRPr lang="hu-HU"/>
           </a:p>
@@ -7147,47 +7149,7 @@
           <a:p>
             <a:r>
               <a:rPr lang="hu-HU" dirty="0" err="1"/>
-              <a:t>Some</a:t>
-            </a:r>
-            <a:r>
-              <a:rPr lang="hu-HU" dirty="0"/>
-              <a:t> </a:t>
-            </a:r>
-            <a:r>
-              <a:rPr lang="hu-HU" dirty="0" err="1"/>
-              <a:t>words</a:t>
-            </a:r>
-            <a:r>
-              <a:rPr lang="hu-HU" dirty="0"/>
-              <a:t> </a:t>
-            </a:r>
-            <a:r>
-              <a:rPr lang="hu-HU" dirty="0" err="1"/>
-              <a:t>about</a:t>
-            </a:r>
-            <a:r>
-              <a:rPr lang="hu-HU" dirty="0"/>
-              <a:t> </a:t>
-            </a:r>
-            <a:r>
-              <a:rPr lang="hu-HU" dirty="0" err="1"/>
-              <a:t>the</a:t>
-            </a:r>
-            <a:r>
-              <a:rPr lang="hu-HU" dirty="0"/>
-              <a:t> Open/</a:t>
-            </a:r>
-            <a:r>
-              <a:rPr lang="hu-HU" dirty="0" err="1"/>
-              <a:t>Closed</a:t>
-            </a:r>
-            <a:r>
-              <a:rPr lang="hu-HU" dirty="0"/>
-              <a:t> </a:t>
-            </a:r>
-            <a:r>
-              <a:rPr lang="hu-HU" dirty="0" err="1"/>
-              <a:t>Principle</a:t>
+              <a:t>References</a:t>
             </a:r>
             <a:endParaRPr lang="hu-HU" dirty="0"/>
           </a:p>
@@ -7209,512 +7171,29 @@
           <a:lstStyle/>
           <a:p>
             <a:r>
-              <a:rPr lang="hu-HU" dirty="0"/>
-              <a:t>The Open/ </a:t>
-            </a:r>
-            <a:r>
-              <a:rPr lang="hu-HU" dirty="0" err="1"/>
-              <a:t>Closed</a:t>
-            </a:r>
-            <a:r>
-              <a:rPr lang="hu-HU" dirty="0"/>
-              <a:t> </a:t>
-            </a:r>
-            <a:r>
-              <a:rPr lang="hu-HU" dirty="0" err="1"/>
-              <a:t>Principle</a:t>
-            </a:r>
-            <a:r>
-              <a:rPr lang="hu-HU" dirty="0"/>
-              <a:t> </a:t>
-            </a:r>
-            <a:r>
-              <a:rPr lang="hu-HU" dirty="0" err="1"/>
-              <a:t>states</a:t>
-            </a:r>
-            <a:r>
-              <a:rPr lang="hu-HU" dirty="0"/>
-              <a:t> </a:t>
-            </a:r>
-            <a:r>
-              <a:rPr lang="hu-HU" dirty="0" err="1"/>
-              <a:t>that</a:t>
-            </a:r>
-            <a:r>
-              <a:rPr lang="hu-HU" dirty="0"/>
-              <a:t> software </a:t>
-            </a:r>
-            <a:r>
-              <a:rPr lang="hu-HU" dirty="0" err="1"/>
-              <a:t>entities</a:t>
-            </a:r>
-            <a:r>
-              <a:rPr lang="hu-HU" dirty="0"/>
-              <a:t>(</a:t>
-            </a:r>
-            <a:r>
-              <a:rPr lang="hu-HU" dirty="0" err="1"/>
-              <a:t>classes</a:t>
-            </a:r>
-            <a:r>
-              <a:rPr lang="hu-HU" dirty="0"/>
-              <a:t>, </a:t>
-            </a:r>
-            <a:r>
-              <a:rPr lang="hu-HU" dirty="0" err="1"/>
-              <a:t>modules</a:t>
-            </a:r>
-            <a:r>
-              <a:rPr lang="hu-HU" dirty="0"/>
-              <a:t>, </a:t>
-            </a:r>
-            <a:r>
-              <a:rPr lang="hu-HU" dirty="0" err="1"/>
-              <a:t>functions</a:t>
-            </a:r>
-            <a:r>
-              <a:rPr lang="hu-HU" dirty="0"/>
-              <a:t>,etc.) </a:t>
-            </a:r>
-            <a:r>
-              <a:rPr lang="hu-HU" dirty="0" err="1"/>
-              <a:t>should</a:t>
-            </a:r>
-            <a:r>
-              <a:rPr lang="hu-HU" dirty="0"/>
-              <a:t> be </a:t>
-            </a:r>
-            <a:r>
-              <a:rPr lang="hu-HU" dirty="0" err="1"/>
-              <a:t>open</a:t>
-            </a:r>
-            <a:r>
-              <a:rPr lang="hu-HU" dirty="0"/>
-              <a:t> </a:t>
-            </a:r>
-            <a:r>
-              <a:rPr lang="hu-HU" dirty="0" err="1"/>
-              <a:t>for</a:t>
-            </a:r>
-            <a:r>
-              <a:rPr lang="hu-HU" dirty="0"/>
-              <a:t> </a:t>
-            </a:r>
-            <a:r>
-              <a:rPr lang="hu-HU" dirty="0" err="1"/>
-              <a:t>extension</a:t>
-            </a:r>
-            <a:r>
-              <a:rPr lang="hu-HU" dirty="0"/>
-              <a:t>, </a:t>
-            </a:r>
-            <a:r>
-              <a:rPr lang="hu-HU" dirty="0" err="1"/>
-              <a:t>but</a:t>
-            </a:r>
-            <a:r>
-              <a:rPr lang="hu-HU" dirty="0"/>
-              <a:t> </a:t>
-            </a:r>
-            <a:r>
-              <a:rPr lang="hu-HU" dirty="0" err="1"/>
-              <a:t>closed</a:t>
-            </a:r>
-            <a:r>
-              <a:rPr lang="hu-HU" dirty="0"/>
-              <a:t> </a:t>
-            </a:r>
-            <a:r>
-              <a:rPr lang="hu-HU" dirty="0" err="1"/>
-              <a:t>for</a:t>
-            </a:r>
-            <a:r>
-              <a:rPr lang="hu-HU" dirty="0"/>
-              <a:t> </a:t>
-            </a:r>
-            <a:r>
-              <a:rPr lang="hu-HU" dirty="0" err="1"/>
-              <a:t>modification</a:t>
-            </a:r>
-            <a:r>
-              <a:rPr lang="hu-HU" dirty="0"/>
-              <a:t>.</a:t>
-            </a:r>
-          </a:p>
-          <a:p>
-            <a:r>
-              <a:rPr lang="hu-HU" dirty="0"/>
-              <a:t>Open </a:t>
-            </a:r>
-            <a:r>
-              <a:rPr lang="hu-HU" dirty="0" err="1"/>
-              <a:t>to</a:t>
-            </a:r>
-            <a:r>
-              <a:rPr lang="hu-HU" dirty="0"/>
-              <a:t> </a:t>
-            </a:r>
-            <a:r>
-              <a:rPr lang="hu-HU" dirty="0" err="1"/>
-              <a:t>Extension</a:t>
-            </a:r>
-            <a:r>
-              <a:rPr lang="hu-HU" dirty="0"/>
-              <a:t> – New </a:t>
-            </a:r>
-            <a:r>
-              <a:rPr lang="hu-HU" dirty="0" err="1"/>
-              <a:t>behavior</a:t>
-            </a:r>
-            <a:r>
-              <a:rPr lang="hu-HU" dirty="0"/>
-              <a:t> </a:t>
-            </a:r>
-            <a:r>
-              <a:rPr lang="hu-HU" dirty="0" err="1"/>
-              <a:t>can</a:t>
-            </a:r>
-            <a:r>
-              <a:rPr lang="hu-HU" dirty="0"/>
-              <a:t> be </a:t>
-            </a:r>
-            <a:r>
-              <a:rPr lang="hu-HU" dirty="0" err="1"/>
-              <a:t>added</a:t>
-            </a:r>
-            <a:r>
-              <a:rPr lang="hu-HU" dirty="0"/>
-              <a:t> </a:t>
-            </a:r>
-            <a:r>
-              <a:rPr lang="hu-HU" dirty="0" err="1"/>
-              <a:t>in</a:t>
-            </a:r>
-            <a:r>
-              <a:rPr lang="hu-HU" dirty="0"/>
-              <a:t> </a:t>
-            </a:r>
-            <a:r>
-              <a:rPr lang="hu-HU" dirty="0" err="1"/>
-              <a:t>the</a:t>
-            </a:r>
-            <a:r>
-              <a:rPr lang="hu-HU" dirty="0"/>
-              <a:t> </a:t>
-            </a:r>
-            <a:r>
-              <a:rPr lang="hu-HU" dirty="0" err="1"/>
-              <a:t>future</a:t>
-            </a:r>
+              <a:rPr lang="en-US" dirty="0"/>
+              <a:t>Design Patterns: Elements of Reusable Object-Oriented Software</a:t>
+            </a:r>
+            <a:r>
+              <a:rPr lang="hu-HU" dirty="0"/>
+              <a:t> (1994)</a:t>
+            </a:r>
+            <a:endParaRPr lang="sv-SE" dirty="0"/>
+          </a:p>
+          <a:p>
+            <a:r>
+              <a:rPr lang="hu-HU" dirty="0"/>
+              <a:t>Head First Design Patterns</a:t>
+            </a:r>
+          </a:p>
+          <a:p>
+            <a:r>
+              <a:rPr lang="hu-HU" dirty="0"/>
+              <a:t>https://dzone.com/articles/design-patterns-uncovered-0</a:t>
+            </a:r>
+          </a:p>
+          <a:p>
             <a:endParaRPr lang="hu-HU" dirty="0"/>
-          </a:p>
-          <a:p>
-            <a:r>
-              <a:rPr lang="hu-HU" dirty="0" err="1"/>
-              <a:t>Closed</a:t>
-            </a:r>
-            <a:r>
-              <a:rPr lang="hu-HU" dirty="0"/>
-              <a:t> </a:t>
-            </a:r>
-            <a:r>
-              <a:rPr lang="hu-HU" dirty="0" err="1"/>
-              <a:t>to</a:t>
-            </a:r>
-            <a:r>
-              <a:rPr lang="hu-HU" dirty="0"/>
-              <a:t> </a:t>
-            </a:r>
-            <a:r>
-              <a:rPr lang="hu-HU" dirty="0" err="1"/>
-              <a:t>Modification</a:t>
-            </a:r>
-            <a:r>
-              <a:rPr lang="hu-HU" dirty="0"/>
-              <a:t> – </a:t>
-            </a:r>
-            <a:r>
-              <a:rPr lang="hu-HU" dirty="0" err="1"/>
-              <a:t>Changes</a:t>
-            </a:r>
-            <a:r>
-              <a:rPr lang="hu-HU" dirty="0"/>
-              <a:t> </a:t>
-            </a:r>
-            <a:r>
-              <a:rPr lang="hu-HU" dirty="0" err="1"/>
-              <a:t>to</a:t>
-            </a:r>
-            <a:r>
-              <a:rPr lang="hu-HU" dirty="0"/>
-              <a:t> </a:t>
-            </a:r>
-            <a:r>
-              <a:rPr lang="hu-HU" dirty="0" err="1"/>
-              <a:t>source</a:t>
-            </a:r>
-            <a:r>
-              <a:rPr lang="hu-HU" dirty="0"/>
-              <a:t> </a:t>
-            </a:r>
-            <a:r>
-              <a:rPr lang="hu-HU" dirty="0" err="1"/>
-              <a:t>or</a:t>
-            </a:r>
-            <a:r>
-              <a:rPr lang="hu-HU" dirty="0"/>
-              <a:t> </a:t>
-            </a:r>
-            <a:r>
-              <a:rPr lang="hu-HU" dirty="0" err="1"/>
-              <a:t>binary</a:t>
-            </a:r>
-            <a:r>
-              <a:rPr lang="hu-HU" dirty="0"/>
-              <a:t> </a:t>
-            </a:r>
-            <a:r>
-              <a:rPr lang="hu-HU" dirty="0" err="1"/>
-              <a:t>code</a:t>
-            </a:r>
-            <a:r>
-              <a:rPr lang="hu-HU" dirty="0"/>
-              <a:t> </a:t>
-            </a:r>
-            <a:r>
-              <a:rPr lang="hu-HU" dirty="0" err="1"/>
-              <a:t>are</a:t>
-            </a:r>
-            <a:r>
-              <a:rPr lang="hu-HU" dirty="0"/>
-              <a:t> </a:t>
-            </a:r>
-            <a:r>
-              <a:rPr lang="hu-HU" dirty="0" err="1"/>
-              <a:t>not</a:t>
-            </a:r>
-            <a:r>
-              <a:rPr lang="hu-HU" dirty="0"/>
-              <a:t> </a:t>
-            </a:r>
-            <a:r>
-              <a:rPr lang="hu-HU" dirty="0" err="1"/>
-              <a:t>required</a:t>
-            </a:r>
-            <a:r>
-              <a:rPr lang="hu-HU" dirty="0"/>
-              <a:t>, </a:t>
-            </a:r>
-            <a:r>
-              <a:rPr lang="hu-HU" dirty="0" err="1"/>
-              <a:t>we</a:t>
-            </a:r>
-            <a:r>
-              <a:rPr lang="hu-HU" dirty="0"/>
-              <a:t> </a:t>
-            </a:r>
-            <a:r>
-              <a:rPr lang="hu-HU" dirty="0" err="1"/>
-              <a:t>should</a:t>
-            </a:r>
-            <a:r>
-              <a:rPr lang="hu-HU" dirty="0"/>
-              <a:t> </a:t>
-            </a:r>
-            <a:r>
-              <a:rPr lang="hu-HU" dirty="0" err="1"/>
-              <a:t>not</a:t>
-            </a:r>
-            <a:r>
-              <a:rPr lang="hu-HU" dirty="0"/>
-              <a:t> </a:t>
-            </a:r>
-            <a:r>
-              <a:rPr lang="hu-HU" dirty="0" err="1"/>
-              <a:t>recompile</a:t>
-            </a:r>
-            <a:r>
-              <a:rPr lang="hu-HU" dirty="0"/>
-              <a:t> </a:t>
-            </a:r>
-            <a:r>
-              <a:rPr lang="hu-HU" dirty="0" err="1"/>
-              <a:t>the</a:t>
-            </a:r>
-            <a:r>
-              <a:rPr lang="hu-HU" dirty="0"/>
-              <a:t> </a:t>
-            </a:r>
-            <a:r>
-              <a:rPr lang="hu-HU" dirty="0" err="1"/>
-              <a:t>code</a:t>
-            </a:r>
-            <a:r>
-              <a:rPr lang="hu-HU" dirty="0"/>
-              <a:t> </a:t>
-            </a:r>
-            <a:r>
-              <a:rPr lang="hu-HU" dirty="0" err="1"/>
-              <a:t>to</a:t>
-            </a:r>
-            <a:r>
-              <a:rPr lang="hu-HU" dirty="0"/>
-              <a:t> </a:t>
-            </a:r>
-            <a:r>
-              <a:rPr lang="hu-HU" dirty="0" err="1"/>
-              <a:t>achive</a:t>
-            </a:r>
-            <a:r>
-              <a:rPr lang="hu-HU" dirty="0"/>
-              <a:t> </a:t>
-            </a:r>
-            <a:r>
-              <a:rPr lang="hu-HU" dirty="0" err="1"/>
-              <a:t>this</a:t>
-            </a:r>
-            <a:r>
-              <a:rPr lang="hu-HU" dirty="0"/>
-              <a:t>.</a:t>
-            </a:r>
-          </a:p>
-          <a:p>
-            <a:r>
-              <a:rPr lang="hu-HU" dirty="0" err="1"/>
-              <a:t>Rely</a:t>
-            </a:r>
-            <a:r>
-              <a:rPr lang="hu-HU" dirty="0"/>
-              <a:t> </a:t>
-            </a:r>
-            <a:r>
-              <a:rPr lang="hu-HU" dirty="0" err="1"/>
-              <a:t>on</a:t>
-            </a:r>
-            <a:r>
-              <a:rPr lang="hu-HU" dirty="0"/>
-              <a:t> </a:t>
-            </a:r>
-            <a:r>
-              <a:rPr lang="hu-HU" dirty="0" err="1"/>
-              <a:t>abstractions</a:t>
-            </a:r>
-            <a:r>
-              <a:rPr lang="hu-HU" dirty="0"/>
-              <a:t>(</a:t>
-            </a:r>
-            <a:r>
-              <a:rPr lang="hu-HU" dirty="0" err="1"/>
-              <a:t>Interfaces</a:t>
-            </a:r>
-            <a:r>
-              <a:rPr lang="hu-HU" dirty="0"/>
-              <a:t> and </a:t>
-            </a:r>
-            <a:r>
-              <a:rPr lang="hu-HU" dirty="0" err="1"/>
-              <a:t>Abstract</a:t>
-            </a:r>
-            <a:r>
-              <a:rPr lang="hu-HU" dirty="0"/>
-              <a:t> </a:t>
-            </a:r>
-            <a:r>
-              <a:rPr lang="hu-HU" dirty="0" err="1"/>
-              <a:t>base</a:t>
-            </a:r>
-            <a:r>
-              <a:rPr lang="hu-HU" dirty="0"/>
-              <a:t> </a:t>
-            </a:r>
-            <a:r>
-              <a:rPr lang="hu-HU" dirty="0" err="1"/>
-              <a:t>classes</a:t>
-            </a:r>
-            <a:r>
-              <a:rPr lang="hu-HU" dirty="0"/>
-              <a:t>), </a:t>
-            </a:r>
-            <a:r>
-              <a:rPr lang="hu-HU" dirty="0" err="1"/>
-              <a:t>introducing</a:t>
-            </a:r>
-            <a:r>
-              <a:rPr lang="hu-HU" dirty="0"/>
-              <a:t> </a:t>
-            </a:r>
-            <a:r>
-              <a:rPr lang="hu-HU" dirty="0" err="1"/>
-              <a:t>seams</a:t>
-            </a:r>
-            <a:r>
-              <a:rPr lang="hu-HU" dirty="0"/>
-              <a:t>, </a:t>
-            </a:r>
-            <a:r>
-              <a:rPr lang="hu-HU" dirty="0" err="1"/>
-              <a:t>where</a:t>
-            </a:r>
-            <a:r>
-              <a:rPr lang="hu-HU" dirty="0"/>
-              <a:t> </a:t>
-            </a:r>
-            <a:r>
-              <a:rPr lang="hu-HU" dirty="0" err="1"/>
-              <a:t>we</a:t>
-            </a:r>
-            <a:r>
-              <a:rPr lang="hu-HU" dirty="0"/>
-              <a:t> </a:t>
-            </a:r>
-            <a:r>
-              <a:rPr lang="hu-HU" dirty="0" err="1"/>
-              <a:t>can</a:t>
-            </a:r>
-            <a:r>
-              <a:rPr lang="hu-HU" dirty="0"/>
-              <a:t> </a:t>
-            </a:r>
-            <a:r>
-              <a:rPr lang="hu-HU" dirty="0" err="1"/>
-              <a:t>separate</a:t>
-            </a:r>
-            <a:r>
-              <a:rPr lang="hu-HU" dirty="0"/>
-              <a:t> </a:t>
-            </a:r>
-            <a:r>
-              <a:rPr lang="hu-HU" dirty="0" err="1"/>
-              <a:t>different</a:t>
-            </a:r>
-            <a:r>
-              <a:rPr lang="hu-HU" dirty="0"/>
-              <a:t> </a:t>
-            </a:r>
-            <a:r>
-              <a:rPr lang="hu-HU" dirty="0" err="1"/>
-              <a:t>parts</a:t>
-            </a:r>
-            <a:r>
-              <a:rPr lang="hu-HU" dirty="0"/>
-              <a:t> of </a:t>
-            </a:r>
-            <a:r>
-              <a:rPr lang="hu-HU" dirty="0" err="1"/>
-              <a:t>our</a:t>
-            </a:r>
-            <a:r>
-              <a:rPr lang="hu-HU" dirty="0"/>
-              <a:t> </a:t>
-            </a:r>
-            <a:r>
-              <a:rPr lang="hu-HU" dirty="0" err="1"/>
-              <a:t>application</a:t>
-            </a:r>
-            <a:r>
-              <a:rPr lang="hu-HU" dirty="0"/>
-              <a:t>.</a:t>
-            </a:r>
           </a:p>
         </p:txBody>
       </p:sp>
@@ -7744,7 +7223,7 @@
     </p:spTree>
     <p:extLst>
       <p:ext uri="{BB962C8B-B14F-4D97-AF65-F5344CB8AC3E}">
-        <p14:creationId xmlns:p14="http://schemas.microsoft.com/office/powerpoint/2010/main" val="3415002473"/>
+        <p14:creationId xmlns:p14="http://schemas.microsoft.com/office/powerpoint/2010/main" val="2474760466"/>
       </p:ext>
     </p:extLst>
   </p:cSld>
@@ -7851,17 +7330,47 @@
           <a:p>
             <a:r>
               <a:rPr lang="hu-HU" dirty="0"/>
-              <a:t>You can change by adding new classes.</a:t>
-            </a:r>
-          </a:p>
-          <a:p>
-            <a:r>
-              <a:rPr lang="hu-HU" dirty="0" err="1"/>
-              <a:t>Smaller</a:t>
-            </a:r>
-            <a:r>
-              <a:rPr lang="hu-HU" dirty="0"/>
-              <a:t> </a:t>
+              <a:t>The Open/ </a:t>
+            </a:r>
+            <a:r>
+              <a:rPr lang="hu-HU" dirty="0" err="1"/>
+              <a:t>Closed</a:t>
+            </a:r>
+            <a:r>
+              <a:rPr lang="hu-HU" dirty="0"/>
+              <a:t> </a:t>
+            </a:r>
+            <a:r>
+              <a:rPr lang="hu-HU" dirty="0" err="1"/>
+              <a:t>Principle</a:t>
+            </a:r>
+            <a:r>
+              <a:rPr lang="hu-HU" dirty="0"/>
+              <a:t> </a:t>
+            </a:r>
+            <a:r>
+              <a:rPr lang="hu-HU" dirty="0" err="1"/>
+              <a:t>states</a:t>
+            </a:r>
+            <a:r>
+              <a:rPr lang="hu-HU" dirty="0"/>
+              <a:t> </a:t>
+            </a:r>
+            <a:r>
+              <a:rPr lang="hu-HU" dirty="0" err="1"/>
+              <a:t>that</a:t>
+            </a:r>
+            <a:r>
+              <a:rPr lang="hu-HU" dirty="0"/>
+              <a:t> software </a:t>
+            </a:r>
+            <a:r>
+              <a:rPr lang="hu-HU" dirty="0" err="1"/>
+              <a:t>entities</a:t>
+            </a:r>
+            <a:r>
+              <a:rPr lang="hu-HU" dirty="0"/>
+              <a:t>(</a:t>
             </a:r>
             <a:r>
               <a:rPr lang="hu-HU" dirty="0" err="1"/>
@@ -7873,39 +7382,133 @@
             </a:r>
             <a:r>
               <a:rPr lang="hu-HU" dirty="0" err="1"/>
-              <a:t>which</a:t>
-            </a:r>
-            <a:r>
-              <a:rPr lang="hu-HU" dirty="0"/>
-              <a:t> has </a:t>
-            </a:r>
-            <a:r>
-              <a:rPr lang="hu-HU" dirty="0" err="1"/>
-              <a:t>only</a:t>
-            </a:r>
-            <a:r>
-              <a:rPr lang="hu-HU" dirty="0"/>
-              <a:t> </a:t>
-            </a:r>
-            <a:r>
-              <a:rPr lang="hu-HU" dirty="0" err="1"/>
-              <a:t>one</a:t>
-            </a:r>
-            <a:r>
-              <a:rPr lang="hu-HU" dirty="0"/>
-              <a:t> </a:t>
-            </a:r>
-            <a:r>
-              <a:rPr lang="hu-HU" dirty="0" err="1"/>
-              <a:t>job</a:t>
-            </a:r>
-            <a:r>
-              <a:rPr lang="hu-HU" dirty="0"/>
-              <a:t> (</a:t>
-            </a:r>
-            <a:r>
-              <a:rPr lang="hu-HU" dirty="0" err="1"/>
-              <a:t>following</a:t>
+              <a:t>modules</a:t>
+            </a:r>
+            <a:r>
+              <a:rPr lang="hu-HU" dirty="0"/>
+              <a:t>, </a:t>
+            </a:r>
+            <a:r>
+              <a:rPr lang="hu-HU" dirty="0" err="1"/>
+              <a:t>functions</a:t>
+            </a:r>
+            <a:r>
+              <a:rPr lang="hu-HU" dirty="0"/>
+              <a:t>,etc.) </a:t>
+            </a:r>
+            <a:r>
+              <a:rPr lang="hu-HU" dirty="0" err="1"/>
+              <a:t>should</a:t>
+            </a:r>
+            <a:r>
+              <a:rPr lang="hu-HU" dirty="0"/>
+              <a:t> be </a:t>
+            </a:r>
+            <a:r>
+              <a:rPr lang="hu-HU" dirty="0" err="1"/>
+              <a:t>open</a:t>
+            </a:r>
+            <a:r>
+              <a:rPr lang="hu-HU" dirty="0"/>
+              <a:t> </a:t>
+            </a:r>
+            <a:r>
+              <a:rPr lang="hu-HU" dirty="0" err="1"/>
+              <a:t>for</a:t>
+            </a:r>
+            <a:r>
+              <a:rPr lang="hu-HU" dirty="0"/>
+              <a:t> </a:t>
+            </a:r>
+            <a:r>
+              <a:rPr lang="hu-HU" dirty="0" err="1"/>
+              <a:t>extension</a:t>
+            </a:r>
+            <a:r>
+              <a:rPr lang="hu-HU" dirty="0"/>
+              <a:t>, </a:t>
+            </a:r>
+            <a:r>
+              <a:rPr lang="hu-HU" dirty="0" err="1"/>
+              <a:t>but</a:t>
+            </a:r>
+            <a:r>
+              <a:rPr lang="hu-HU" dirty="0"/>
+              <a:t> </a:t>
+            </a:r>
+            <a:r>
+              <a:rPr lang="hu-HU" dirty="0" err="1"/>
+              <a:t>closed</a:t>
+            </a:r>
+            <a:r>
+              <a:rPr lang="hu-HU" dirty="0"/>
+              <a:t> </a:t>
+            </a:r>
+            <a:r>
+              <a:rPr lang="hu-HU" dirty="0" err="1"/>
+              <a:t>for</a:t>
+            </a:r>
+            <a:r>
+              <a:rPr lang="hu-HU" dirty="0"/>
+              <a:t> </a:t>
+            </a:r>
+            <a:r>
+              <a:rPr lang="hu-HU" dirty="0" err="1"/>
+              <a:t>modification</a:t>
+            </a:r>
+            <a:r>
+              <a:rPr lang="hu-HU" dirty="0"/>
+              <a:t>.</a:t>
+            </a:r>
+          </a:p>
+          <a:p>
+            <a:r>
+              <a:rPr lang="hu-HU" dirty="0"/>
+              <a:t>Open </a:t>
+            </a:r>
+            <a:r>
+              <a:rPr lang="hu-HU" dirty="0" err="1"/>
+              <a:t>to</a:t>
+            </a:r>
+            <a:r>
+              <a:rPr lang="hu-HU" dirty="0"/>
+              <a:t> </a:t>
+            </a:r>
+            <a:r>
+              <a:rPr lang="hu-HU" dirty="0" err="1"/>
+              <a:t>Extension</a:t>
+            </a:r>
+            <a:r>
+              <a:rPr lang="hu-HU" dirty="0"/>
+              <a:t> – New </a:t>
+            </a:r>
+            <a:r>
+              <a:rPr lang="hu-HU" dirty="0" err="1"/>
+              <a:t>behavior</a:t>
+            </a:r>
+            <a:r>
+              <a:rPr lang="hu-HU" dirty="0"/>
+              <a:t> </a:t>
+            </a:r>
+            <a:r>
+              <a:rPr lang="hu-HU" dirty="0" err="1"/>
+              <a:t>can</a:t>
+            </a:r>
+            <a:r>
+              <a:rPr lang="hu-HU" dirty="0"/>
+              <a:t> be </a:t>
+            </a:r>
+            <a:r>
+              <a:rPr lang="hu-HU" dirty="0" err="1"/>
+              <a:t>added</a:t>
+            </a:r>
+            <a:r>
+              <a:rPr lang="hu-HU" dirty="0"/>
+              <a:t> </a:t>
+            </a:r>
+            <a:r>
+              <a:rPr lang="hu-HU" dirty="0" err="1"/>
+              <a:t>in</a:t>
             </a:r>
             <a:r>
               <a:rPr lang="hu-HU" dirty="0"/>
@@ -7921,33 +7524,14 @@
             </a:r>
             <a:r>
               <a:rPr lang="hu-HU" dirty="0" err="1"/>
-              <a:t>Single</a:t>
-            </a:r>
-            <a:r>
-              <a:rPr lang="hu-HU" dirty="0"/>
-              <a:t> </a:t>
-            </a:r>
-            <a:r>
-              <a:rPr lang="hu-HU" dirty="0" err="1"/>
-              <a:t>Responsibility</a:t>
-            </a:r>
-            <a:r>
-              <a:rPr lang="hu-HU" dirty="0"/>
-              <a:t> </a:t>
-            </a:r>
-            <a:r>
-              <a:rPr lang="hu-HU" dirty="0" err="1"/>
-              <a:t>principle</a:t>
-            </a:r>
-            <a:r>
-              <a:rPr lang="hu-HU" dirty="0"/>
-              <a:t>)</a:t>
-            </a:r>
-          </a:p>
-          <a:p>
-            <a:r>
-              <a:rPr lang="hu-HU" dirty="0" err="1"/>
-              <a:t>Easy</a:t>
+              <a:t>future</a:t>
+            </a:r>
+            <a:endParaRPr lang="hu-HU" dirty="0"/>
+          </a:p>
+          <a:p>
+            <a:r>
+              <a:rPr lang="hu-HU" dirty="0" err="1"/>
+              <a:t>Closed</a:t>
             </a:r>
             <a:r>
               <a:rPr lang="hu-HU" dirty="0"/>
@@ -7959,11 +7543,205 @@
             </a:r>
             <a:r>
               <a:rPr lang="hu-HU" dirty="0"/>
-              <a:t> test </a:t>
-            </a:r>
-            <a:r>
-              <a:rPr lang="hu-HU" dirty="0" err="1"/>
-              <a:t>new</a:t>
+              <a:t> </a:t>
+            </a:r>
+            <a:r>
+              <a:rPr lang="hu-HU" dirty="0" err="1"/>
+              <a:t>Modification</a:t>
+            </a:r>
+            <a:r>
+              <a:rPr lang="hu-HU" dirty="0"/>
+              <a:t> – </a:t>
+            </a:r>
+            <a:r>
+              <a:rPr lang="hu-HU" dirty="0" err="1"/>
+              <a:t>Changes</a:t>
+            </a:r>
+            <a:r>
+              <a:rPr lang="hu-HU" dirty="0"/>
+              <a:t> </a:t>
+            </a:r>
+            <a:r>
+              <a:rPr lang="hu-HU" dirty="0" err="1"/>
+              <a:t>to</a:t>
+            </a:r>
+            <a:r>
+              <a:rPr lang="hu-HU" dirty="0"/>
+              <a:t> </a:t>
+            </a:r>
+            <a:r>
+              <a:rPr lang="hu-HU" dirty="0" err="1"/>
+              <a:t>source</a:t>
+            </a:r>
+            <a:r>
+              <a:rPr lang="hu-HU" dirty="0"/>
+              <a:t> </a:t>
+            </a:r>
+            <a:r>
+              <a:rPr lang="hu-HU" dirty="0" err="1"/>
+              <a:t>or</a:t>
+            </a:r>
+            <a:r>
+              <a:rPr lang="hu-HU" dirty="0"/>
+              <a:t> </a:t>
+            </a:r>
+            <a:r>
+              <a:rPr lang="hu-HU" dirty="0" err="1"/>
+              <a:t>binary</a:t>
+            </a:r>
+            <a:r>
+              <a:rPr lang="hu-HU" dirty="0"/>
+              <a:t> </a:t>
+            </a:r>
+            <a:r>
+              <a:rPr lang="hu-HU" dirty="0" err="1"/>
+              <a:t>code</a:t>
+            </a:r>
+            <a:r>
+              <a:rPr lang="hu-HU" dirty="0"/>
+              <a:t> </a:t>
+            </a:r>
+            <a:r>
+              <a:rPr lang="hu-HU" dirty="0" err="1"/>
+              <a:t>are</a:t>
+            </a:r>
+            <a:r>
+              <a:rPr lang="hu-HU" dirty="0"/>
+              <a:t> </a:t>
+            </a:r>
+            <a:r>
+              <a:rPr lang="hu-HU" dirty="0" err="1"/>
+              <a:t>not</a:t>
+            </a:r>
+            <a:r>
+              <a:rPr lang="hu-HU" dirty="0"/>
+              <a:t> </a:t>
+            </a:r>
+            <a:r>
+              <a:rPr lang="hu-HU" dirty="0" err="1"/>
+              <a:t>required</a:t>
+            </a:r>
+            <a:r>
+              <a:rPr lang="hu-HU" dirty="0"/>
+              <a:t>, </a:t>
+            </a:r>
+            <a:r>
+              <a:rPr lang="hu-HU" dirty="0" err="1"/>
+              <a:t>we</a:t>
+            </a:r>
+            <a:r>
+              <a:rPr lang="hu-HU" dirty="0"/>
+              <a:t> </a:t>
+            </a:r>
+            <a:r>
+              <a:rPr lang="hu-HU" dirty="0" err="1"/>
+              <a:t>should</a:t>
+            </a:r>
+            <a:r>
+              <a:rPr lang="hu-HU" dirty="0"/>
+              <a:t> </a:t>
+            </a:r>
+            <a:r>
+              <a:rPr lang="hu-HU" dirty="0" err="1"/>
+              <a:t>not</a:t>
+            </a:r>
+            <a:r>
+              <a:rPr lang="hu-HU" dirty="0"/>
+              <a:t> </a:t>
+            </a:r>
+            <a:r>
+              <a:rPr lang="hu-HU" dirty="0" err="1"/>
+              <a:t>recompile</a:t>
+            </a:r>
+            <a:r>
+              <a:rPr lang="hu-HU" dirty="0"/>
+              <a:t> </a:t>
+            </a:r>
+            <a:r>
+              <a:rPr lang="hu-HU" dirty="0" err="1"/>
+              <a:t>the</a:t>
+            </a:r>
+            <a:r>
+              <a:rPr lang="hu-HU" dirty="0"/>
+              <a:t> </a:t>
+            </a:r>
+            <a:r>
+              <a:rPr lang="hu-HU" dirty="0" err="1"/>
+              <a:t>code</a:t>
+            </a:r>
+            <a:r>
+              <a:rPr lang="hu-HU" dirty="0"/>
+              <a:t> </a:t>
+            </a:r>
+            <a:r>
+              <a:rPr lang="hu-HU" dirty="0" err="1"/>
+              <a:t>to</a:t>
+            </a:r>
+            <a:r>
+              <a:rPr lang="hu-HU" dirty="0"/>
+              <a:t> </a:t>
+            </a:r>
+            <a:r>
+              <a:rPr lang="hu-HU" dirty="0" err="1"/>
+              <a:t>achive</a:t>
+            </a:r>
+            <a:r>
+              <a:rPr lang="hu-HU" dirty="0"/>
+              <a:t> </a:t>
+            </a:r>
+            <a:r>
+              <a:rPr lang="hu-HU" dirty="0" err="1"/>
+              <a:t>this</a:t>
+            </a:r>
+            <a:r>
+              <a:rPr lang="hu-HU" dirty="0"/>
+              <a:t>.</a:t>
+            </a:r>
+          </a:p>
+          <a:p>
+            <a:r>
+              <a:rPr lang="hu-HU" dirty="0" err="1"/>
+              <a:t>Rely</a:t>
+            </a:r>
+            <a:r>
+              <a:rPr lang="hu-HU" dirty="0"/>
+              <a:t> </a:t>
+            </a:r>
+            <a:r>
+              <a:rPr lang="hu-HU" dirty="0" err="1"/>
+              <a:t>on</a:t>
+            </a:r>
+            <a:r>
+              <a:rPr lang="hu-HU" dirty="0"/>
+              <a:t> </a:t>
+            </a:r>
+            <a:r>
+              <a:rPr lang="hu-HU" dirty="0" err="1"/>
+              <a:t>abstractions</a:t>
+            </a:r>
+            <a:r>
+              <a:rPr lang="hu-HU" dirty="0"/>
+              <a:t>(</a:t>
+            </a:r>
+            <a:r>
+              <a:rPr lang="hu-HU" dirty="0" err="1"/>
+              <a:t>Interfaces</a:t>
+            </a:r>
+            <a:r>
+              <a:rPr lang="hu-HU" dirty="0"/>
+              <a:t> and </a:t>
+            </a:r>
+            <a:r>
+              <a:rPr lang="hu-HU" dirty="0" err="1"/>
+              <a:t>Abstract</a:t>
+            </a:r>
+            <a:r>
+              <a:rPr lang="hu-HU" dirty="0"/>
+              <a:t> </a:t>
+            </a:r>
+            <a:r>
+              <a:rPr lang="hu-HU" dirty="0" err="1"/>
+              <a:t>base</a:t>
             </a:r>
             <a:r>
               <a:rPr lang="hu-HU" dirty="0"/>
@@ -7975,145 +7753,87 @@
             </a:r>
             <a:r>
               <a:rPr lang="hu-HU" dirty="0"/>
+              <a:t>), </a:t>
+            </a:r>
+            <a:r>
+              <a:rPr lang="hu-HU" dirty="0" err="1"/>
+              <a:t>introducing</a:t>
+            </a:r>
+            <a:r>
+              <a:rPr lang="hu-HU" dirty="0"/>
+              <a:t> </a:t>
+            </a:r>
+            <a:r>
+              <a:rPr lang="hu-HU" dirty="0" err="1"/>
+              <a:t>seams</a:t>
+            </a:r>
+            <a:r>
+              <a:rPr lang="hu-HU" dirty="0"/>
               <a:t>, </a:t>
             </a:r>
             <a:r>
               <a:rPr lang="hu-HU" dirty="0" err="1"/>
-              <a:t>since</a:t>
-            </a:r>
-            <a:r>
-              <a:rPr lang="hu-HU" dirty="0"/>
-              <a:t>:</a:t>
-            </a:r>
-          </a:p>
-          <a:p>
-            <a:pPr lvl="1"/>
-            <a:r>
-              <a:rPr lang="hu-HU" dirty="0" err="1"/>
-              <a:t>Nothing</a:t>
-            </a:r>
-            <a:r>
-              <a:rPr lang="hu-HU" dirty="0"/>
-              <a:t> </a:t>
-            </a:r>
-            <a:r>
-              <a:rPr lang="hu-HU" dirty="0" err="1"/>
-              <a:t>depends</a:t>
-            </a:r>
-            <a:r>
-              <a:rPr lang="hu-HU" dirty="0"/>
-              <a:t> </a:t>
-            </a:r>
-            <a:r>
-              <a:rPr lang="hu-HU" dirty="0" err="1"/>
-              <a:t>on</a:t>
-            </a:r>
-            <a:r>
-              <a:rPr lang="hu-HU" dirty="0"/>
-              <a:t> </a:t>
-            </a:r>
-            <a:r>
-              <a:rPr lang="hu-HU" dirty="0" err="1"/>
-              <a:t>new</a:t>
-            </a:r>
-            <a:r>
-              <a:rPr lang="hu-HU" dirty="0"/>
-              <a:t> </a:t>
-            </a:r>
-            <a:r>
-              <a:rPr lang="hu-HU" dirty="0" err="1"/>
-              <a:t>classes</a:t>
+              <a:t>where</a:t>
+            </a:r>
+            <a:r>
+              <a:rPr lang="hu-HU" dirty="0"/>
+              <a:t> </a:t>
+            </a:r>
+            <a:r>
+              <a:rPr lang="hu-HU" dirty="0" err="1"/>
+              <a:t>we</a:t>
+            </a:r>
+            <a:r>
+              <a:rPr lang="hu-HU" dirty="0"/>
+              <a:t> </a:t>
+            </a:r>
+            <a:r>
+              <a:rPr lang="hu-HU" dirty="0" err="1"/>
+              <a:t>can</a:t>
+            </a:r>
+            <a:r>
+              <a:rPr lang="hu-HU" dirty="0"/>
+              <a:t> </a:t>
+            </a:r>
+            <a:r>
+              <a:rPr lang="hu-HU" dirty="0" err="1"/>
+              <a:t>separate</a:t>
+            </a:r>
+            <a:r>
+              <a:rPr lang="hu-HU" dirty="0"/>
+              <a:t> </a:t>
+            </a:r>
+            <a:r>
+              <a:rPr lang="hu-HU" dirty="0" err="1"/>
+              <a:t>different</a:t>
+            </a:r>
+            <a:r>
+              <a:rPr lang="hu-HU" dirty="0"/>
+              <a:t> </a:t>
+            </a:r>
+            <a:r>
+              <a:rPr lang="hu-HU" dirty="0" err="1"/>
+              <a:t>parts</a:t>
+            </a:r>
+            <a:r>
+              <a:rPr lang="hu-HU" dirty="0"/>
+              <a:t> of </a:t>
+            </a:r>
+            <a:r>
+              <a:rPr lang="hu-HU" dirty="0" err="1"/>
+              <a:t>our</a:t>
+            </a:r>
+            <a:r>
+              <a:rPr lang="hu-HU" dirty="0"/>
+              <a:t> </a:t>
+            </a:r>
+            <a:r>
+              <a:rPr lang="hu-HU" dirty="0" err="1"/>
+              <a:t>application</a:t>
             </a:r>
             <a:r>
               <a:rPr lang="hu-HU" dirty="0"/>
               <a:t>.</a:t>
-            </a:r>
-          </a:p>
-          <a:p>
-            <a:pPr lvl="1"/>
-            <a:r>
-              <a:rPr lang="hu-HU" dirty="0"/>
-              <a:t>New </a:t>
-            </a:r>
-            <a:r>
-              <a:rPr lang="hu-HU" dirty="0" err="1"/>
-              <a:t>classes</a:t>
-            </a:r>
-            <a:r>
-              <a:rPr lang="hu-HU" dirty="0"/>
-              <a:t> </a:t>
-            </a:r>
-            <a:r>
-              <a:rPr lang="hu-HU" dirty="0" err="1"/>
-              <a:t>have</a:t>
-            </a:r>
-            <a:r>
-              <a:rPr lang="hu-HU" dirty="0"/>
-              <a:t> no </a:t>
-            </a:r>
-            <a:r>
-              <a:rPr lang="hu-HU" dirty="0" err="1"/>
-              <a:t>legacy</a:t>
-            </a:r>
-            <a:r>
-              <a:rPr lang="hu-HU" dirty="0"/>
-              <a:t> </a:t>
-            </a:r>
-            <a:r>
-              <a:rPr lang="hu-HU" dirty="0" err="1"/>
-              <a:t>coupling</a:t>
-            </a:r>
-            <a:r>
-              <a:rPr lang="hu-HU" dirty="0"/>
-              <a:t> </a:t>
-            </a:r>
-            <a:r>
-              <a:rPr lang="hu-HU" dirty="0" err="1"/>
-              <a:t>to</a:t>
-            </a:r>
-            <a:r>
-              <a:rPr lang="hu-HU" dirty="0"/>
-              <a:t> </a:t>
-            </a:r>
-            <a:r>
-              <a:rPr lang="hu-HU" dirty="0" err="1"/>
-              <a:t>make</a:t>
-            </a:r>
-            <a:r>
-              <a:rPr lang="hu-HU" dirty="0"/>
-              <a:t> </a:t>
-            </a:r>
-            <a:r>
-              <a:rPr lang="hu-HU" dirty="0" err="1"/>
-              <a:t>them</a:t>
-            </a:r>
-            <a:r>
-              <a:rPr lang="hu-HU" dirty="0"/>
-              <a:t> </a:t>
-            </a:r>
-            <a:r>
-              <a:rPr lang="hu-HU" dirty="0" err="1"/>
-              <a:t>hard</a:t>
-            </a:r>
-            <a:r>
-              <a:rPr lang="hu-HU" dirty="0"/>
-              <a:t> </a:t>
-            </a:r>
-            <a:r>
-              <a:rPr lang="hu-HU" dirty="0" err="1"/>
-              <a:t>to</a:t>
-            </a:r>
-            <a:r>
-              <a:rPr lang="hu-HU" dirty="0"/>
-              <a:t> design </a:t>
-            </a:r>
-            <a:r>
-              <a:rPr lang="hu-HU" dirty="0" err="1"/>
-              <a:t>or</a:t>
-            </a:r>
-            <a:r>
-              <a:rPr lang="hu-HU" dirty="0"/>
-              <a:t> test. </a:t>
             </a:r>
           </a:p>
         </p:txBody>
@@ -8144,7 +7864,7 @@
     </p:spTree>
     <p:extLst>
       <p:ext uri="{BB962C8B-B14F-4D97-AF65-F5344CB8AC3E}">
-        <p14:creationId xmlns:p14="http://schemas.microsoft.com/office/powerpoint/2010/main" val="1216626679"/>
+        <p14:creationId xmlns:p14="http://schemas.microsoft.com/office/powerpoint/2010/main" val="3415002473"/>
       </p:ext>
     </p:extLst>
   </p:cSld>
@@ -8188,7 +7908,166 @@
           <a:p>
             <a:r>
               <a:rPr lang="hu-HU" dirty="0" err="1"/>
-              <a:t>Approaches</a:t>
+              <a:t>Some</a:t>
+            </a:r>
+            <a:r>
+              <a:rPr lang="hu-HU" dirty="0"/>
+              <a:t> </a:t>
+            </a:r>
+            <a:r>
+              <a:rPr lang="hu-HU" dirty="0" err="1"/>
+              <a:t>words</a:t>
+            </a:r>
+            <a:r>
+              <a:rPr lang="hu-HU" dirty="0"/>
+              <a:t> </a:t>
+            </a:r>
+            <a:r>
+              <a:rPr lang="hu-HU" dirty="0" err="1"/>
+              <a:t>about</a:t>
+            </a:r>
+            <a:r>
+              <a:rPr lang="hu-HU" dirty="0"/>
+              <a:t> </a:t>
+            </a:r>
+            <a:r>
+              <a:rPr lang="hu-HU" dirty="0" err="1"/>
+              <a:t>the</a:t>
+            </a:r>
+            <a:r>
+              <a:rPr lang="hu-HU" dirty="0"/>
+              <a:t> Open/</a:t>
+            </a:r>
+            <a:r>
+              <a:rPr lang="hu-HU" dirty="0" err="1"/>
+              <a:t>Closed</a:t>
+            </a:r>
+            <a:r>
+              <a:rPr lang="hu-HU" dirty="0"/>
+              <a:t> </a:t>
+            </a:r>
+            <a:r>
+              <a:rPr lang="hu-HU" dirty="0" err="1"/>
+              <a:t>Principle</a:t>
+            </a:r>
+            <a:endParaRPr lang="hu-HU" dirty="0"/>
+          </a:p>
+        </p:txBody>
+      </p:sp>
+      <p:sp>
+        <p:nvSpPr>
+          <p:cNvPr id="3" name="Tartalom helye 2"/>
+          <p:cNvSpPr>
+            <a:spLocks noGrp="1"/>
+          </p:cNvSpPr>
+          <p:nvPr>
+            <p:ph idx="1"/>
+          </p:nvPr>
+        </p:nvSpPr>
+        <p:spPr/>
+        <p:txBody>
+          <a:bodyPr/>
+          <a:lstStyle/>
+          <a:p>
+            <a:r>
+              <a:rPr lang="hu-HU" dirty="0"/>
+              <a:t>You can change by adding new classes.</a:t>
+            </a:r>
+          </a:p>
+          <a:p>
+            <a:r>
+              <a:rPr lang="hu-HU" dirty="0" err="1"/>
+              <a:t>Smaller</a:t>
+            </a:r>
+            <a:r>
+              <a:rPr lang="hu-HU" dirty="0"/>
+              <a:t> </a:t>
+            </a:r>
+            <a:r>
+              <a:rPr lang="hu-HU" dirty="0" err="1"/>
+              <a:t>classes</a:t>
+            </a:r>
+            <a:r>
+              <a:rPr lang="hu-HU" dirty="0"/>
+              <a:t>, </a:t>
+            </a:r>
+            <a:r>
+              <a:rPr lang="hu-HU" dirty="0" err="1"/>
+              <a:t>which</a:t>
+            </a:r>
+            <a:r>
+              <a:rPr lang="hu-HU" dirty="0"/>
+              <a:t> has </a:t>
+            </a:r>
+            <a:r>
+              <a:rPr lang="hu-HU" dirty="0" err="1"/>
+              <a:t>only</a:t>
+            </a:r>
+            <a:r>
+              <a:rPr lang="hu-HU" dirty="0"/>
+              <a:t> </a:t>
+            </a:r>
+            <a:r>
+              <a:rPr lang="hu-HU" dirty="0" err="1"/>
+              <a:t>one</a:t>
+            </a:r>
+            <a:r>
+              <a:rPr lang="hu-HU" dirty="0"/>
+              <a:t> </a:t>
+            </a:r>
+            <a:r>
+              <a:rPr lang="hu-HU" dirty="0" err="1"/>
+              <a:t>job</a:t>
+            </a:r>
+            <a:r>
+              <a:rPr lang="hu-HU" dirty="0"/>
+              <a:t> (</a:t>
+            </a:r>
+            <a:r>
+              <a:rPr lang="hu-HU" dirty="0" err="1"/>
+              <a:t>following</a:t>
+            </a:r>
+            <a:r>
+              <a:rPr lang="hu-HU" dirty="0"/>
+              <a:t> </a:t>
+            </a:r>
+            <a:r>
+              <a:rPr lang="hu-HU" dirty="0" err="1"/>
+              <a:t>the</a:t>
+            </a:r>
+            <a:r>
+              <a:rPr lang="hu-HU" dirty="0"/>
+              <a:t> </a:t>
+            </a:r>
+            <a:r>
+              <a:rPr lang="hu-HU" dirty="0" err="1"/>
+              <a:t>Single</a:t>
+            </a:r>
+            <a:r>
+              <a:rPr lang="hu-HU" dirty="0"/>
+              <a:t> </a:t>
+            </a:r>
+            <a:r>
+              <a:rPr lang="hu-HU" dirty="0" err="1"/>
+              <a:t>Responsibility</a:t>
+            </a:r>
+            <a:r>
+              <a:rPr lang="hu-HU" dirty="0"/>
+              <a:t> </a:t>
+            </a:r>
+            <a:r>
+              <a:rPr lang="hu-HU" dirty="0" err="1"/>
+              <a:t>principle</a:t>
+            </a:r>
+            <a:r>
+              <a:rPr lang="hu-HU" dirty="0"/>
+              <a:t>)</a:t>
+            </a:r>
+          </a:p>
+          <a:p>
+            <a:r>
+              <a:rPr lang="hu-HU" dirty="0" err="1"/>
+              <a:t>Easy</a:t>
             </a:r>
             <a:r>
               <a:rPr lang="hu-HU" dirty="0"/>
@@ -8200,113 +8079,153 @@
             </a:r>
             <a:r>
               <a:rPr lang="hu-HU" dirty="0"/>
-              <a:t> </a:t>
-            </a:r>
-            <a:r>
-              <a:rPr lang="hu-HU" dirty="0" err="1"/>
-              <a:t>Achieve</a:t>
-            </a:r>
-            <a:r>
-              <a:rPr lang="hu-HU" dirty="0"/>
-              <a:t> OCP</a:t>
-            </a:r>
-          </a:p>
-        </p:txBody>
-      </p:sp>
-      <p:sp>
-        <p:nvSpPr>
-          <p:cNvPr id="3" name="Tartalom helye 2"/>
-          <p:cNvSpPr>
-            <a:spLocks noGrp="1"/>
-          </p:cNvSpPr>
-          <p:nvPr>
-            <p:ph idx="1"/>
-          </p:nvPr>
-        </p:nvSpPr>
-        <p:spPr/>
-        <p:txBody>
-          <a:bodyPr/>
-          <a:lstStyle/>
-          <a:p>
-            <a:r>
-              <a:rPr lang="hu-HU" dirty="0" err="1"/>
-              <a:t>Inheritance</a:t>
-            </a:r>
-            <a:r>
-              <a:rPr lang="hu-HU" dirty="0"/>
-              <a:t> / </a:t>
-            </a:r>
-            <a:r>
-              <a:rPr lang="hu-HU" dirty="0" err="1"/>
-              <a:t>Template</a:t>
-            </a:r>
-            <a:r>
-              <a:rPr lang="hu-HU" dirty="0"/>
-              <a:t> </a:t>
-            </a:r>
-            <a:r>
-              <a:rPr lang="hu-HU" dirty="0" err="1"/>
-              <a:t>Method</a:t>
-            </a:r>
-            <a:r>
-              <a:rPr lang="hu-HU" dirty="0"/>
-              <a:t> </a:t>
-            </a:r>
-            <a:r>
-              <a:rPr lang="hu-HU" dirty="0" err="1"/>
-              <a:t>Pattern</a:t>
-            </a:r>
-            <a:endParaRPr lang="hu-HU" dirty="0"/>
+              <a:t> test </a:t>
+            </a:r>
+            <a:r>
+              <a:rPr lang="hu-HU" dirty="0" err="1"/>
+              <a:t>new</a:t>
+            </a:r>
+            <a:r>
+              <a:rPr lang="hu-HU" dirty="0"/>
+              <a:t> </a:t>
+            </a:r>
+            <a:r>
+              <a:rPr lang="hu-HU" dirty="0" err="1"/>
+              <a:t>classes</a:t>
+            </a:r>
+            <a:r>
+              <a:rPr lang="hu-HU" dirty="0"/>
+              <a:t>, </a:t>
+            </a:r>
+            <a:r>
+              <a:rPr lang="hu-HU" dirty="0" err="1"/>
+              <a:t>since</a:t>
+            </a:r>
+            <a:r>
+              <a:rPr lang="hu-HU" dirty="0"/>
+              <a:t>:</a:t>
+            </a:r>
           </a:p>
           <a:p>
             <a:pPr lvl="1"/>
             <a:r>
               <a:rPr lang="hu-HU" dirty="0" err="1"/>
-              <a:t>Child</a:t>
-            </a:r>
-            <a:r>
-              <a:rPr lang="hu-HU" dirty="0"/>
-              <a:t> </a:t>
-            </a:r>
-            <a:r>
-              <a:rPr lang="hu-HU" dirty="0" err="1"/>
-              <a:t>types</a:t>
-            </a:r>
-            <a:r>
-              <a:rPr lang="hu-HU" dirty="0"/>
-              <a:t> </a:t>
-            </a:r>
-            <a:r>
-              <a:rPr lang="hu-HU" dirty="0" err="1"/>
-              <a:t>override</a:t>
-            </a:r>
-            <a:r>
-              <a:rPr lang="hu-HU" dirty="0"/>
-              <a:t> </a:t>
-            </a:r>
-            <a:r>
-              <a:rPr lang="hu-HU" dirty="0" err="1"/>
-              <a:t>behavior</a:t>
-            </a:r>
-            <a:r>
-              <a:rPr lang="hu-HU" dirty="0"/>
-              <a:t> of a </a:t>
-            </a:r>
-            <a:r>
-              <a:rPr lang="hu-HU" dirty="0" err="1"/>
-              <a:t>base</a:t>
-            </a:r>
-            <a:r>
-              <a:rPr lang="hu-HU" dirty="0"/>
-              <a:t> </a:t>
-            </a:r>
-            <a:r>
-              <a:rPr lang="hu-HU" dirty="0" err="1"/>
-              <a:t>class</a:t>
-            </a:r>
-            <a:r>
-              <a:rPr lang="hu-HU" dirty="0"/>
-              <a:t>(</a:t>
+              <a:t>Nothing</a:t>
+            </a:r>
+            <a:r>
+              <a:rPr lang="hu-HU" dirty="0"/>
+              <a:t> </a:t>
+            </a:r>
+            <a:r>
+              <a:rPr lang="hu-HU" dirty="0" err="1"/>
+              <a:t>depends</a:t>
+            </a:r>
+            <a:r>
+              <a:rPr lang="hu-HU" dirty="0"/>
+              <a:t> </a:t>
+            </a:r>
+            <a:r>
+              <a:rPr lang="hu-HU" dirty="0" err="1"/>
+              <a:t>on</a:t>
+            </a:r>
+            <a:r>
+              <a:rPr lang="hu-HU" dirty="0"/>
+              <a:t> </a:t>
+            </a:r>
+            <a:r>
+              <a:rPr lang="hu-HU" dirty="0" err="1"/>
+              <a:t>new</a:t>
+            </a:r>
+            <a:r>
+              <a:rPr lang="hu-HU" dirty="0"/>
+              <a:t> </a:t>
+            </a:r>
+            <a:r>
+              <a:rPr lang="hu-HU" dirty="0" err="1"/>
+              <a:t>classes</a:t>
+            </a:r>
+            <a:r>
+              <a:rPr lang="hu-HU" dirty="0"/>
+              <a:t>.</a:t>
+            </a:r>
+          </a:p>
+          <a:p>
+            <a:pPr lvl="1"/>
+            <a:r>
+              <a:rPr lang="hu-HU" dirty="0"/>
+              <a:t>New </a:t>
+            </a:r>
+            <a:r>
+              <a:rPr lang="hu-HU" dirty="0" err="1"/>
+              <a:t>classes</a:t>
+            </a:r>
+            <a:r>
+              <a:rPr lang="hu-HU" dirty="0"/>
+              <a:t> </a:t>
+            </a:r>
+            <a:r>
+              <a:rPr lang="hu-HU" dirty="0" err="1"/>
+              <a:t>have</a:t>
+            </a:r>
+            <a:r>
+              <a:rPr lang="hu-HU" dirty="0"/>
+              <a:t> no </a:t>
+            </a:r>
+            <a:r>
+              <a:rPr lang="hu-HU" dirty="0" err="1"/>
+              <a:t>legacy</a:t>
+            </a:r>
+            <a:r>
+              <a:rPr lang="hu-HU" dirty="0"/>
+              <a:t> </a:t>
+            </a:r>
+            <a:r>
+              <a:rPr lang="hu-HU" dirty="0" err="1"/>
+              <a:t>coupling</a:t>
+            </a:r>
+            <a:r>
+              <a:rPr lang="hu-HU" dirty="0"/>
+              <a:t> </a:t>
+            </a:r>
+            <a:r>
+              <a:rPr lang="hu-HU" dirty="0" err="1"/>
+              <a:t>to</a:t>
+            </a:r>
+            <a:r>
+              <a:rPr lang="hu-HU" dirty="0"/>
+              <a:t> </a:t>
+            </a:r>
+            <a:r>
+              <a:rPr lang="hu-HU" dirty="0" err="1"/>
+              <a:t>make</a:t>
+            </a:r>
+            <a:r>
+              <a:rPr lang="hu-HU" dirty="0"/>
+              <a:t> </a:t>
+            </a:r>
+            <a:r>
+              <a:rPr lang="hu-HU" dirty="0" err="1"/>
+              <a:t>them</a:t>
+            </a:r>
+            <a:r>
+              <a:rPr lang="hu-HU" dirty="0"/>
+              <a:t> </a:t>
+            </a:r>
+            <a:r>
+              <a:rPr lang="hu-HU" dirty="0" err="1"/>
+              <a:t>hard</a:t>
+            </a:r>
+            <a:r>
+              <a:rPr lang="hu-HU" dirty="0"/>
+              <a:t> </a:t>
+            </a:r>
+            <a:r>
+              <a:rPr lang="hu-HU" dirty="0" err="1"/>
+              <a:t>to</a:t>
+            </a:r>
+            <a:r>
+              <a:rPr lang="hu-HU" dirty="0"/>
+              <a:t> design </a:t>
             </a:r>
             <a:r>
               <a:rPr lang="hu-HU" dirty="0" err="1"/>
@@ -8314,210 +8233,8 @@
             </a:r>
             <a:r>
               <a:rPr lang="hu-HU" dirty="0"/>
-              <a:t> </a:t>
-            </a:r>
-            <a:r>
-              <a:rPr lang="hu-HU" dirty="0" err="1"/>
-              <a:t>interface</a:t>
-            </a:r>
-            <a:r>
-              <a:rPr lang="hu-HU" dirty="0"/>
-              <a:t>)</a:t>
-            </a:r>
-          </a:p>
-          <a:p>
-            <a:r>
-              <a:rPr lang="hu-HU" dirty="0" err="1"/>
-              <a:t>Composition</a:t>
-            </a:r>
-            <a:r>
-              <a:rPr lang="hu-HU" dirty="0"/>
-              <a:t> / </a:t>
-            </a:r>
-            <a:r>
-              <a:rPr lang="hu-HU" dirty="0" err="1"/>
-              <a:t>Strategy</a:t>
-            </a:r>
-            <a:r>
-              <a:rPr lang="hu-HU" dirty="0"/>
-              <a:t> </a:t>
-            </a:r>
-            <a:r>
-              <a:rPr lang="hu-HU" dirty="0" err="1"/>
-              <a:t>Pattern</a:t>
-            </a:r>
-            <a:endParaRPr lang="hu-HU" dirty="0"/>
-          </a:p>
-          <a:p>
-            <a:pPr lvl="1"/>
-            <a:r>
-              <a:rPr lang="hu-HU" dirty="0" err="1"/>
-              <a:t>Client</a:t>
-            </a:r>
-            <a:r>
-              <a:rPr lang="hu-HU" dirty="0"/>
-              <a:t> </a:t>
-            </a:r>
-            <a:r>
-              <a:rPr lang="hu-HU" dirty="0" err="1"/>
-              <a:t>code</a:t>
-            </a:r>
-            <a:r>
-              <a:rPr lang="hu-HU" dirty="0"/>
-              <a:t> </a:t>
-            </a:r>
-            <a:r>
-              <a:rPr lang="hu-HU" dirty="0" err="1"/>
-              <a:t>depeds</a:t>
-            </a:r>
-            <a:r>
-              <a:rPr lang="hu-HU" dirty="0"/>
-              <a:t> </a:t>
-            </a:r>
-            <a:r>
-              <a:rPr lang="hu-HU" dirty="0" err="1"/>
-              <a:t>on</a:t>
-            </a:r>
-            <a:r>
-              <a:rPr lang="hu-HU" dirty="0"/>
-              <a:t> </a:t>
-            </a:r>
-            <a:r>
-              <a:rPr lang="hu-HU" dirty="0" err="1"/>
-              <a:t>abstraction</a:t>
-            </a:r>
-            <a:r>
-              <a:rPr lang="hu-HU" dirty="0"/>
-              <a:t>(</a:t>
-            </a:r>
-            <a:r>
-              <a:rPr lang="hu-HU" dirty="0" err="1"/>
-              <a:t>Pass</a:t>
-            </a:r>
-            <a:r>
-              <a:rPr lang="hu-HU" dirty="0"/>
-              <a:t> </a:t>
-            </a:r>
-            <a:r>
-              <a:rPr lang="hu-HU" dirty="0" err="1"/>
-              <a:t>in</a:t>
-            </a:r>
-            <a:r>
-              <a:rPr lang="hu-HU" dirty="0"/>
-              <a:t> </a:t>
-            </a:r>
-            <a:r>
-              <a:rPr lang="hu-HU" dirty="0" err="1"/>
-              <a:t>Implementation</a:t>
-            </a:r>
-            <a:r>
-              <a:rPr lang="hu-HU" dirty="0"/>
-              <a:t> </a:t>
-            </a:r>
-            <a:r>
-              <a:rPr lang="hu-HU" dirty="0" err="1"/>
-              <a:t>in</a:t>
-            </a:r>
-            <a:r>
-              <a:rPr lang="hu-HU" dirty="0"/>
-              <a:t> </a:t>
-            </a:r>
-            <a:r>
-              <a:rPr lang="hu-HU" dirty="0" err="1"/>
-              <a:t>the</a:t>
-            </a:r>
-            <a:r>
-              <a:rPr lang="hu-HU" dirty="0"/>
-              <a:t> </a:t>
-            </a:r>
-            <a:r>
-              <a:rPr lang="hu-HU" dirty="0" err="1"/>
-              <a:t>costructor</a:t>
-            </a:r>
-            <a:r>
-              <a:rPr lang="hu-HU" dirty="0"/>
-              <a:t>)</a:t>
-            </a:r>
-          </a:p>
-          <a:p>
-            <a:pPr lvl="1"/>
-            <a:r>
-              <a:rPr lang="hu-HU" dirty="0" err="1"/>
-              <a:t>Provides</a:t>
-            </a:r>
-            <a:r>
-              <a:rPr lang="hu-HU" dirty="0"/>
-              <a:t> a „</a:t>
-            </a:r>
-            <a:r>
-              <a:rPr lang="hu-HU" dirty="0" err="1"/>
-              <a:t>plug</a:t>
-            </a:r>
-            <a:r>
-              <a:rPr lang="hu-HU" dirty="0"/>
-              <a:t> </a:t>
-            </a:r>
-            <a:r>
-              <a:rPr lang="hu-HU" dirty="0" err="1"/>
-              <a:t>in</a:t>
-            </a:r>
-            <a:r>
-              <a:rPr lang="hu-HU" dirty="0"/>
-              <a:t>” </a:t>
-            </a:r>
-            <a:r>
-              <a:rPr lang="hu-HU" dirty="0" err="1"/>
-              <a:t>model</a:t>
-            </a:r>
-            <a:endParaRPr lang="hu-HU" dirty="0"/>
-          </a:p>
-          <a:p>
-            <a:pPr lvl="1"/>
-            <a:r>
-              <a:rPr lang="hu-HU" dirty="0" err="1"/>
-              <a:t>Implementations</a:t>
-            </a:r>
-            <a:r>
-              <a:rPr lang="hu-HU" dirty="0"/>
-              <a:t> </a:t>
-            </a:r>
-            <a:r>
-              <a:rPr lang="hu-HU" dirty="0" err="1"/>
-              <a:t>utilize</a:t>
-            </a:r>
-            <a:r>
-              <a:rPr lang="hu-HU" dirty="0"/>
-              <a:t> </a:t>
-            </a:r>
-            <a:r>
-              <a:rPr lang="hu-HU" dirty="0" err="1"/>
-              <a:t>Inheritance</a:t>
-            </a:r>
-            <a:r>
-              <a:rPr lang="hu-HU" dirty="0"/>
-              <a:t>, </a:t>
-            </a:r>
-            <a:r>
-              <a:rPr lang="hu-HU" dirty="0" err="1"/>
-              <a:t>Client</a:t>
-            </a:r>
-            <a:r>
-              <a:rPr lang="hu-HU" dirty="0"/>
-              <a:t> </a:t>
-            </a:r>
-            <a:r>
-              <a:rPr lang="hu-HU" dirty="0" err="1"/>
-              <a:t>utilizes</a:t>
-            </a:r>
-            <a:r>
-              <a:rPr lang="hu-HU" dirty="0"/>
-              <a:t> </a:t>
-            </a:r>
-            <a:r>
-              <a:rPr lang="hu-HU" dirty="0" err="1"/>
-              <a:t>composition</a:t>
-            </a:r>
-            <a:endParaRPr lang="hu-HU" dirty="0"/>
+              <a:t> test. </a:t>
+            </a:r>
           </a:p>
         </p:txBody>
       </p:sp>
@@ -8547,7 +8264,7 @@
     </p:spTree>
     <p:extLst>
       <p:ext uri="{BB962C8B-B14F-4D97-AF65-F5344CB8AC3E}">
-        <p14:creationId xmlns:p14="http://schemas.microsoft.com/office/powerpoint/2010/main" val="2495193176"/>
+        <p14:creationId xmlns:p14="http://schemas.microsoft.com/office/powerpoint/2010/main" val="1216626679"/>
       </p:ext>
     </p:extLst>
   </p:cSld>
@@ -8590,8 +8307,16 @@
           <a:lstStyle/>
           <a:p>
             <a:r>
-              <a:rPr lang="hu-HU" dirty="0" err="1"/>
-              <a:t>References</a:t>
+              <a:rPr lang="hu-HU" dirty="0" err="1" smtClean="0"/>
+              <a:t>Code</a:t>
+            </a:r>
+            <a:r>
+              <a:rPr lang="hu-HU" dirty="0" smtClean="0"/>
+              <a:t> </a:t>
+            </a:r>
+            <a:r>
+              <a:rPr lang="hu-HU" dirty="0" err="1" smtClean="0"/>
+              <a:t>Example</a:t>
             </a:r>
             <a:endParaRPr lang="hu-HU" dirty="0"/>
           </a:p>
@@ -8612,36 +8337,13 @@
           <a:bodyPr/>
           <a:lstStyle/>
           <a:p>
-            <a:r>
-              <a:rPr lang="en-US" dirty="0"/>
-              <a:t>Design Patterns: Elements of Reusable Object-Oriented Software</a:t>
-            </a:r>
-            <a:r>
-              <a:rPr lang="hu-HU" dirty="0"/>
-              <a:t> (1994)</a:t>
-            </a:r>
-            <a:endParaRPr lang="sv-SE" dirty="0"/>
-          </a:p>
-          <a:p>
-            <a:r>
-              <a:rPr lang="hu-HU" dirty="0"/>
-              <a:t>Head First Design Patterns</a:t>
-            </a:r>
-          </a:p>
-          <a:p>
-            <a:r>
-              <a:rPr lang="hu-HU" dirty="0"/>
-              <a:t>https://dzone.com/articles/design-patterns-uncovered-0</a:t>
-            </a:r>
-          </a:p>
-          <a:p>
-            <a:endParaRPr lang="hu-HU" dirty="0"/>
-          </a:p>
-        </p:txBody>
-      </p:sp>
-      <p:sp>
-        <p:nvSpPr>
-          <p:cNvPr id="4" name="Slide Number Placeholder 3"/>
+            <a:endParaRPr lang="hu-HU"/>
+          </a:p>
+        </p:txBody>
+      </p:sp>
+      <p:sp>
+        <p:nvSpPr>
+          <p:cNvPr id="4" name="Dia számának helye 3"/>
           <p:cNvSpPr>
             <a:spLocks noGrp="1"/>
           </p:cNvSpPr>
@@ -8665,7 +8367,906 @@
     </p:spTree>
     <p:extLst>
       <p:ext uri="{BB962C8B-B14F-4D97-AF65-F5344CB8AC3E}">
-        <p14:creationId xmlns:p14="http://schemas.microsoft.com/office/powerpoint/2010/main" val="2474760466"/>
+        <p14:creationId xmlns:p14="http://schemas.microsoft.com/office/powerpoint/2010/main" val="4936233"/>
+      </p:ext>
+    </p:extLst>
+  </p:cSld>
+  <p:clrMapOvr>
+    <a:masterClrMapping/>
+  </p:clrMapOvr>
+</p:sld>
+</file>
+
+<file path=ppt/slides/slide27.xml><?xml version="1.0" encoding="utf-8"?>
+<p:sld xmlns:a="http://schemas.openxmlformats.org/drawingml/2006/main" xmlns:r="http://schemas.openxmlformats.org/officeDocument/2006/relationships" xmlns:p="http://schemas.openxmlformats.org/presentationml/2006/main">
+  <p:cSld>
+    <p:spTree>
+      <p:nvGrpSpPr>
+        <p:cNvPr id="1" name=""/>
+        <p:cNvGrpSpPr/>
+        <p:nvPr/>
+      </p:nvGrpSpPr>
+      <p:grpSpPr>
+        <a:xfrm>
+          <a:off x="0" y="0"/>
+          <a:ext cx="0" cy="0"/>
+          <a:chOff x="0" y="0"/>
+          <a:chExt cx="0" cy="0"/>
+        </a:xfrm>
+      </p:grpSpPr>
+      <p:sp>
+        <p:nvSpPr>
+          <p:cNvPr id="2" name="Cím 1"/>
+          <p:cNvSpPr>
+            <a:spLocks noGrp="1"/>
+          </p:cNvSpPr>
+          <p:nvPr>
+            <p:ph type="title"/>
+          </p:nvPr>
+        </p:nvSpPr>
+        <p:spPr/>
+        <p:txBody>
+          <a:bodyPr/>
+          <a:lstStyle/>
+          <a:p>
+            <a:r>
+              <a:rPr lang="hu-HU" dirty="0" err="1"/>
+              <a:t>Approaches</a:t>
+            </a:r>
+            <a:r>
+              <a:rPr lang="hu-HU" dirty="0"/>
+              <a:t> </a:t>
+            </a:r>
+            <a:r>
+              <a:rPr lang="hu-HU" dirty="0" err="1"/>
+              <a:t>to</a:t>
+            </a:r>
+            <a:r>
+              <a:rPr lang="hu-HU" dirty="0"/>
+              <a:t> </a:t>
+            </a:r>
+            <a:r>
+              <a:rPr lang="hu-HU" dirty="0" err="1"/>
+              <a:t>Achieve</a:t>
+            </a:r>
+            <a:r>
+              <a:rPr lang="hu-HU" dirty="0"/>
+              <a:t> OCP</a:t>
+            </a:r>
+          </a:p>
+        </p:txBody>
+      </p:sp>
+      <p:sp>
+        <p:nvSpPr>
+          <p:cNvPr id="3" name="Tartalom helye 2"/>
+          <p:cNvSpPr>
+            <a:spLocks noGrp="1"/>
+          </p:cNvSpPr>
+          <p:nvPr>
+            <p:ph idx="1"/>
+          </p:nvPr>
+        </p:nvSpPr>
+        <p:spPr/>
+        <p:txBody>
+          <a:bodyPr/>
+          <a:lstStyle/>
+          <a:p>
+            <a:r>
+              <a:rPr lang="hu-HU" dirty="0" err="1"/>
+              <a:t>Inheritance</a:t>
+            </a:r>
+            <a:r>
+              <a:rPr lang="hu-HU" dirty="0"/>
+              <a:t> / </a:t>
+            </a:r>
+            <a:r>
+              <a:rPr lang="hu-HU" dirty="0" err="1"/>
+              <a:t>Template</a:t>
+            </a:r>
+            <a:r>
+              <a:rPr lang="hu-HU" dirty="0"/>
+              <a:t> </a:t>
+            </a:r>
+            <a:r>
+              <a:rPr lang="hu-HU" dirty="0" err="1"/>
+              <a:t>Method</a:t>
+            </a:r>
+            <a:r>
+              <a:rPr lang="hu-HU" dirty="0"/>
+              <a:t> </a:t>
+            </a:r>
+            <a:r>
+              <a:rPr lang="hu-HU" dirty="0" err="1"/>
+              <a:t>Pattern</a:t>
+            </a:r>
+            <a:endParaRPr lang="hu-HU" dirty="0"/>
+          </a:p>
+          <a:p>
+            <a:pPr lvl="1"/>
+            <a:r>
+              <a:rPr lang="hu-HU" dirty="0" err="1"/>
+              <a:t>Child</a:t>
+            </a:r>
+            <a:r>
+              <a:rPr lang="hu-HU" dirty="0"/>
+              <a:t> </a:t>
+            </a:r>
+            <a:r>
+              <a:rPr lang="hu-HU" dirty="0" err="1"/>
+              <a:t>types</a:t>
+            </a:r>
+            <a:r>
+              <a:rPr lang="hu-HU" dirty="0"/>
+              <a:t> </a:t>
+            </a:r>
+            <a:r>
+              <a:rPr lang="hu-HU" dirty="0" err="1"/>
+              <a:t>override</a:t>
+            </a:r>
+            <a:r>
+              <a:rPr lang="hu-HU" dirty="0"/>
+              <a:t> </a:t>
+            </a:r>
+            <a:r>
+              <a:rPr lang="hu-HU" dirty="0" err="1"/>
+              <a:t>behavior</a:t>
+            </a:r>
+            <a:r>
+              <a:rPr lang="hu-HU" dirty="0"/>
+              <a:t> of a </a:t>
+            </a:r>
+            <a:r>
+              <a:rPr lang="hu-HU" dirty="0" err="1"/>
+              <a:t>base</a:t>
+            </a:r>
+            <a:r>
+              <a:rPr lang="hu-HU" dirty="0"/>
+              <a:t> </a:t>
+            </a:r>
+            <a:r>
+              <a:rPr lang="hu-HU" dirty="0" err="1"/>
+              <a:t>class</a:t>
+            </a:r>
+            <a:r>
+              <a:rPr lang="hu-HU" dirty="0"/>
+              <a:t>(</a:t>
+            </a:r>
+            <a:r>
+              <a:rPr lang="hu-HU" dirty="0" err="1"/>
+              <a:t>or</a:t>
+            </a:r>
+            <a:r>
+              <a:rPr lang="hu-HU" dirty="0"/>
+              <a:t> </a:t>
+            </a:r>
+            <a:r>
+              <a:rPr lang="hu-HU" dirty="0" err="1"/>
+              <a:t>interface</a:t>
+            </a:r>
+            <a:r>
+              <a:rPr lang="hu-HU" dirty="0"/>
+              <a:t>)</a:t>
+            </a:r>
+          </a:p>
+          <a:p>
+            <a:r>
+              <a:rPr lang="hu-HU" dirty="0" err="1"/>
+              <a:t>Composition</a:t>
+            </a:r>
+            <a:r>
+              <a:rPr lang="hu-HU" dirty="0"/>
+              <a:t> / </a:t>
+            </a:r>
+            <a:r>
+              <a:rPr lang="hu-HU" dirty="0" err="1"/>
+              <a:t>Strategy</a:t>
+            </a:r>
+            <a:r>
+              <a:rPr lang="hu-HU" dirty="0"/>
+              <a:t> </a:t>
+            </a:r>
+            <a:r>
+              <a:rPr lang="hu-HU" dirty="0" err="1"/>
+              <a:t>Pattern</a:t>
+            </a:r>
+            <a:endParaRPr lang="hu-HU" dirty="0"/>
+          </a:p>
+          <a:p>
+            <a:pPr lvl="1"/>
+            <a:r>
+              <a:rPr lang="hu-HU" dirty="0" err="1"/>
+              <a:t>Client</a:t>
+            </a:r>
+            <a:r>
+              <a:rPr lang="hu-HU" dirty="0"/>
+              <a:t> </a:t>
+            </a:r>
+            <a:r>
+              <a:rPr lang="hu-HU" dirty="0" err="1"/>
+              <a:t>code</a:t>
+            </a:r>
+            <a:r>
+              <a:rPr lang="hu-HU" dirty="0"/>
+              <a:t> </a:t>
+            </a:r>
+            <a:r>
+              <a:rPr lang="hu-HU" dirty="0" err="1"/>
+              <a:t>depeds</a:t>
+            </a:r>
+            <a:r>
+              <a:rPr lang="hu-HU" dirty="0"/>
+              <a:t> </a:t>
+            </a:r>
+            <a:r>
+              <a:rPr lang="hu-HU" dirty="0" err="1"/>
+              <a:t>on</a:t>
+            </a:r>
+            <a:r>
+              <a:rPr lang="hu-HU" dirty="0"/>
+              <a:t> </a:t>
+            </a:r>
+            <a:r>
+              <a:rPr lang="hu-HU" dirty="0" err="1"/>
+              <a:t>abstraction</a:t>
+            </a:r>
+            <a:r>
+              <a:rPr lang="hu-HU" dirty="0"/>
+              <a:t>(</a:t>
+            </a:r>
+            <a:r>
+              <a:rPr lang="hu-HU" dirty="0" err="1"/>
+              <a:t>Pass</a:t>
+            </a:r>
+            <a:r>
+              <a:rPr lang="hu-HU" dirty="0"/>
+              <a:t> </a:t>
+            </a:r>
+            <a:r>
+              <a:rPr lang="hu-HU" dirty="0" err="1"/>
+              <a:t>in</a:t>
+            </a:r>
+            <a:r>
+              <a:rPr lang="hu-HU" dirty="0"/>
+              <a:t> </a:t>
+            </a:r>
+            <a:r>
+              <a:rPr lang="hu-HU" dirty="0" err="1"/>
+              <a:t>Implementation</a:t>
+            </a:r>
+            <a:r>
+              <a:rPr lang="hu-HU" dirty="0"/>
+              <a:t> </a:t>
+            </a:r>
+            <a:r>
+              <a:rPr lang="hu-HU" dirty="0" err="1"/>
+              <a:t>in</a:t>
+            </a:r>
+            <a:r>
+              <a:rPr lang="hu-HU" dirty="0"/>
+              <a:t> </a:t>
+            </a:r>
+            <a:r>
+              <a:rPr lang="hu-HU" dirty="0" err="1"/>
+              <a:t>the</a:t>
+            </a:r>
+            <a:r>
+              <a:rPr lang="hu-HU" dirty="0"/>
+              <a:t> </a:t>
+            </a:r>
+            <a:r>
+              <a:rPr lang="hu-HU" dirty="0" err="1"/>
+              <a:t>costructor</a:t>
+            </a:r>
+            <a:r>
+              <a:rPr lang="hu-HU" dirty="0"/>
+              <a:t>)</a:t>
+            </a:r>
+          </a:p>
+          <a:p>
+            <a:pPr lvl="1"/>
+            <a:r>
+              <a:rPr lang="hu-HU" dirty="0" err="1"/>
+              <a:t>Provides</a:t>
+            </a:r>
+            <a:r>
+              <a:rPr lang="hu-HU" dirty="0"/>
+              <a:t> a „</a:t>
+            </a:r>
+            <a:r>
+              <a:rPr lang="hu-HU" dirty="0" err="1"/>
+              <a:t>plug</a:t>
+            </a:r>
+            <a:r>
+              <a:rPr lang="hu-HU" dirty="0"/>
+              <a:t> </a:t>
+            </a:r>
+            <a:r>
+              <a:rPr lang="hu-HU" dirty="0" err="1"/>
+              <a:t>in</a:t>
+            </a:r>
+            <a:r>
+              <a:rPr lang="hu-HU" dirty="0"/>
+              <a:t>” </a:t>
+            </a:r>
+            <a:r>
+              <a:rPr lang="hu-HU" dirty="0" err="1"/>
+              <a:t>model</a:t>
+            </a:r>
+            <a:endParaRPr lang="hu-HU" dirty="0"/>
+          </a:p>
+          <a:p>
+            <a:pPr lvl="1"/>
+            <a:r>
+              <a:rPr lang="hu-HU" dirty="0" err="1"/>
+              <a:t>Implementations</a:t>
+            </a:r>
+            <a:r>
+              <a:rPr lang="hu-HU" dirty="0"/>
+              <a:t> </a:t>
+            </a:r>
+            <a:r>
+              <a:rPr lang="hu-HU" dirty="0" err="1"/>
+              <a:t>utilize</a:t>
+            </a:r>
+            <a:r>
+              <a:rPr lang="hu-HU" dirty="0"/>
+              <a:t> </a:t>
+            </a:r>
+            <a:r>
+              <a:rPr lang="hu-HU" dirty="0" err="1"/>
+              <a:t>Inheritance</a:t>
+            </a:r>
+            <a:r>
+              <a:rPr lang="hu-HU" dirty="0"/>
+              <a:t>, </a:t>
+            </a:r>
+            <a:r>
+              <a:rPr lang="hu-HU" dirty="0" err="1"/>
+              <a:t>Client</a:t>
+            </a:r>
+            <a:r>
+              <a:rPr lang="hu-HU" dirty="0"/>
+              <a:t> </a:t>
+            </a:r>
+            <a:r>
+              <a:rPr lang="hu-HU" dirty="0" err="1"/>
+              <a:t>utilizes</a:t>
+            </a:r>
+            <a:r>
+              <a:rPr lang="hu-HU" dirty="0"/>
+              <a:t> </a:t>
+            </a:r>
+            <a:r>
+              <a:rPr lang="hu-HU" dirty="0" err="1"/>
+              <a:t>composition</a:t>
+            </a:r>
+            <a:endParaRPr lang="hu-HU" dirty="0"/>
+          </a:p>
+        </p:txBody>
+      </p:sp>
+      <p:sp>
+        <p:nvSpPr>
+          <p:cNvPr id="4" name="Slide Number Placeholder 3"/>
+          <p:cNvSpPr>
+            <a:spLocks noGrp="1"/>
+          </p:cNvSpPr>
+          <p:nvPr>
+            <p:ph type="sldNum" sz="quarter" idx="12"/>
+          </p:nvPr>
+        </p:nvSpPr>
+        <p:spPr/>
+        <p:txBody>
+          <a:bodyPr/>
+          <a:lstStyle/>
+          <a:p>
+            <a:fld id="{F28C9355-BD38-4B88-A605-51440FB067EA}" type="slidenum">
+              <a:rPr lang="hu-HU" smtClean="0"/>
+              <a:t>27</a:t>
+            </a:fld>
+            <a:endParaRPr lang="hu-HU"/>
+          </a:p>
+        </p:txBody>
+      </p:sp>
+    </p:spTree>
+    <p:extLst>
+      <p:ext uri="{BB962C8B-B14F-4D97-AF65-F5344CB8AC3E}">
+        <p14:creationId xmlns:p14="http://schemas.microsoft.com/office/powerpoint/2010/main" val="2495193176"/>
+      </p:ext>
+    </p:extLst>
+  </p:cSld>
+  <p:clrMapOvr>
+    <a:masterClrMapping/>
+  </p:clrMapOvr>
+</p:sld>
+</file>
+
+<file path=ppt/slides/slide28.xml><?xml version="1.0" encoding="utf-8"?>
+<p:sld xmlns:a="http://schemas.openxmlformats.org/drawingml/2006/main" xmlns:r="http://schemas.openxmlformats.org/officeDocument/2006/relationships" xmlns:p="http://schemas.openxmlformats.org/presentationml/2006/main">
+  <p:cSld>
+    <p:spTree>
+      <p:nvGrpSpPr>
+        <p:cNvPr id="1" name=""/>
+        <p:cNvGrpSpPr/>
+        <p:nvPr/>
+      </p:nvGrpSpPr>
+      <p:grpSpPr>
+        <a:xfrm>
+          <a:off x="0" y="0"/>
+          <a:ext cx="0" cy="0"/>
+          <a:chOff x="0" y="0"/>
+          <a:chExt cx="0" cy="0"/>
+        </a:xfrm>
+      </p:grpSpPr>
+      <p:sp>
+        <p:nvSpPr>
+          <p:cNvPr id="2" name="Cím 1"/>
+          <p:cNvSpPr>
+            <a:spLocks noGrp="1"/>
+          </p:cNvSpPr>
+          <p:nvPr>
+            <p:ph type="title"/>
+          </p:nvPr>
+        </p:nvSpPr>
+        <p:spPr/>
+        <p:txBody>
+          <a:bodyPr/>
+          <a:lstStyle/>
+          <a:p>
+            <a:r>
+              <a:rPr lang="hu-HU" dirty="0" err="1" smtClean="0"/>
+              <a:t>When</a:t>
+            </a:r>
+            <a:r>
+              <a:rPr lang="hu-HU" dirty="0" smtClean="0"/>
+              <a:t> </a:t>
+            </a:r>
+            <a:r>
+              <a:rPr lang="hu-HU" dirty="0" err="1" smtClean="0"/>
+              <a:t>do</a:t>
+            </a:r>
+            <a:r>
+              <a:rPr lang="hu-HU" dirty="0" smtClean="0"/>
+              <a:t> </a:t>
+            </a:r>
+            <a:r>
+              <a:rPr lang="hu-HU" dirty="0" err="1" smtClean="0"/>
+              <a:t>we</a:t>
+            </a:r>
+            <a:r>
+              <a:rPr lang="hu-HU" dirty="0" smtClean="0"/>
+              <a:t> </a:t>
+            </a:r>
+            <a:r>
+              <a:rPr lang="hu-HU" dirty="0" err="1" smtClean="0"/>
+              <a:t>apply</a:t>
+            </a:r>
+            <a:r>
+              <a:rPr lang="hu-HU" dirty="0" smtClean="0"/>
+              <a:t> OCP?</a:t>
+            </a:r>
+            <a:endParaRPr lang="hu-HU" dirty="0"/>
+          </a:p>
+        </p:txBody>
+      </p:sp>
+      <p:sp>
+        <p:nvSpPr>
+          <p:cNvPr id="3" name="Tartalom helye 2"/>
+          <p:cNvSpPr>
+            <a:spLocks noGrp="1"/>
+          </p:cNvSpPr>
+          <p:nvPr>
+            <p:ph idx="1"/>
+          </p:nvPr>
+        </p:nvSpPr>
+        <p:spPr/>
+        <p:txBody>
+          <a:bodyPr>
+            <a:normAutofit lnSpcReduction="10000"/>
+          </a:bodyPr>
+          <a:lstStyle/>
+          <a:p>
+            <a:r>
+              <a:rPr lang="hu-HU" dirty="0" err="1" smtClean="0"/>
+              <a:t>Experience</a:t>
+            </a:r>
+            <a:r>
+              <a:rPr lang="hu-HU" dirty="0" smtClean="0"/>
+              <a:t> </a:t>
+            </a:r>
+            <a:r>
+              <a:rPr lang="hu-HU" dirty="0" err="1" smtClean="0"/>
+              <a:t>tells</a:t>
+            </a:r>
+            <a:r>
+              <a:rPr lang="hu-HU" dirty="0" smtClean="0"/>
+              <a:t> </a:t>
+            </a:r>
+            <a:r>
+              <a:rPr lang="hu-HU" dirty="0" err="1" smtClean="0"/>
+              <a:t>you</a:t>
+            </a:r>
+            <a:endParaRPr lang="hu-HU" dirty="0"/>
+          </a:p>
+          <a:p>
+            <a:r>
+              <a:rPr lang="hu-HU" dirty="0" smtClean="0"/>
+              <a:t>„</a:t>
+            </a:r>
+            <a:r>
+              <a:rPr lang="hu-HU" dirty="0" err="1" smtClean="0"/>
+              <a:t>Fool</a:t>
+            </a:r>
+            <a:r>
+              <a:rPr lang="hu-HU" dirty="0" smtClean="0"/>
+              <a:t> </a:t>
+            </a:r>
+            <a:r>
+              <a:rPr lang="hu-HU" dirty="0" err="1" smtClean="0"/>
+              <a:t>me</a:t>
+            </a:r>
+            <a:r>
+              <a:rPr lang="hu-HU" dirty="0" smtClean="0"/>
+              <a:t> </a:t>
+            </a:r>
+            <a:r>
+              <a:rPr lang="hu-HU" dirty="0" err="1" smtClean="0"/>
+              <a:t>once</a:t>
+            </a:r>
+            <a:r>
+              <a:rPr lang="hu-HU" dirty="0" smtClean="0"/>
+              <a:t>, </a:t>
+            </a:r>
+            <a:r>
+              <a:rPr lang="hu-HU" dirty="0" err="1" smtClean="0"/>
+              <a:t>shame</a:t>
+            </a:r>
+            <a:r>
+              <a:rPr lang="hu-HU" dirty="0" smtClean="0"/>
+              <a:t> </a:t>
+            </a:r>
+            <a:r>
+              <a:rPr lang="hu-HU" dirty="0" err="1" smtClean="0"/>
+              <a:t>on</a:t>
+            </a:r>
+            <a:r>
+              <a:rPr lang="hu-HU" dirty="0" smtClean="0"/>
+              <a:t> </a:t>
+            </a:r>
+            <a:r>
+              <a:rPr lang="hu-HU" dirty="0" err="1" smtClean="0"/>
+              <a:t>you</a:t>
+            </a:r>
+            <a:r>
+              <a:rPr lang="hu-HU" dirty="0" smtClean="0"/>
+              <a:t>,. </a:t>
+            </a:r>
+            <a:r>
+              <a:rPr lang="hu-HU" dirty="0" err="1" smtClean="0"/>
+              <a:t>Fool</a:t>
+            </a:r>
+            <a:r>
+              <a:rPr lang="hu-HU" dirty="0" smtClean="0"/>
+              <a:t> </a:t>
+            </a:r>
+            <a:r>
+              <a:rPr lang="hu-HU" dirty="0" err="1" smtClean="0"/>
+              <a:t>me</a:t>
+            </a:r>
+            <a:r>
+              <a:rPr lang="hu-HU" dirty="0" smtClean="0"/>
+              <a:t> </a:t>
+            </a:r>
+            <a:r>
+              <a:rPr lang="hu-HU" dirty="0" err="1" smtClean="0"/>
+              <a:t>twice</a:t>
+            </a:r>
+            <a:r>
+              <a:rPr lang="hu-HU" dirty="0" smtClean="0"/>
+              <a:t> </a:t>
+            </a:r>
+            <a:r>
+              <a:rPr lang="hu-HU" dirty="0" err="1" smtClean="0"/>
+              <a:t>shame</a:t>
+            </a:r>
+            <a:r>
+              <a:rPr lang="hu-HU" dirty="0" smtClean="0"/>
+              <a:t> </a:t>
+            </a:r>
+            <a:r>
+              <a:rPr lang="hu-HU" dirty="0" err="1" smtClean="0"/>
+              <a:t>on</a:t>
+            </a:r>
+            <a:r>
+              <a:rPr lang="hu-HU" dirty="0" smtClean="0"/>
+              <a:t> </a:t>
+            </a:r>
+            <a:r>
+              <a:rPr lang="hu-HU" dirty="0" err="1" smtClean="0"/>
+              <a:t>me</a:t>
+            </a:r>
+            <a:r>
+              <a:rPr lang="hu-HU" dirty="0" smtClean="0"/>
+              <a:t>”</a:t>
+            </a:r>
+          </a:p>
+          <a:p>
+            <a:r>
+              <a:rPr lang="hu-HU" dirty="0" smtClean="0"/>
+              <a:t>Dont </a:t>
+            </a:r>
+            <a:r>
+              <a:rPr lang="hu-HU" dirty="0" err="1" smtClean="0"/>
+              <a:t>apply</a:t>
+            </a:r>
+            <a:r>
+              <a:rPr lang="hu-HU" dirty="0" smtClean="0"/>
+              <a:t> OCP </a:t>
+            </a:r>
+            <a:r>
+              <a:rPr lang="hu-HU" dirty="0" err="1" smtClean="0"/>
+              <a:t>at</a:t>
+            </a:r>
+            <a:r>
+              <a:rPr lang="hu-HU" dirty="0" smtClean="0"/>
+              <a:t> </a:t>
+            </a:r>
+            <a:r>
+              <a:rPr lang="hu-HU" dirty="0" err="1" smtClean="0"/>
+              <a:t>first</a:t>
+            </a:r>
+            <a:endParaRPr lang="hu-HU" dirty="0" smtClean="0"/>
+          </a:p>
+          <a:p>
+            <a:r>
+              <a:rPr lang="hu-HU" dirty="0" err="1" smtClean="0"/>
+              <a:t>If</a:t>
+            </a:r>
+            <a:r>
+              <a:rPr lang="hu-HU" dirty="0" smtClean="0"/>
+              <a:t> </a:t>
+            </a:r>
+            <a:r>
+              <a:rPr lang="hu-HU" dirty="0" err="1" smtClean="0"/>
+              <a:t>the</a:t>
+            </a:r>
+            <a:r>
+              <a:rPr lang="hu-HU" dirty="0" smtClean="0"/>
+              <a:t> </a:t>
+            </a:r>
+            <a:r>
+              <a:rPr lang="hu-HU" dirty="0" err="1" smtClean="0"/>
+              <a:t>module</a:t>
+            </a:r>
+            <a:r>
+              <a:rPr lang="hu-HU" dirty="0" smtClean="0"/>
+              <a:t> </a:t>
+            </a:r>
+            <a:r>
+              <a:rPr lang="hu-HU" dirty="0" err="1" smtClean="0"/>
+              <a:t>changes</a:t>
+            </a:r>
+            <a:r>
+              <a:rPr lang="hu-HU" dirty="0" smtClean="0"/>
+              <a:t> </a:t>
+            </a:r>
+            <a:r>
+              <a:rPr lang="hu-HU" dirty="0" err="1" smtClean="0"/>
+              <a:t>once</a:t>
+            </a:r>
+            <a:r>
+              <a:rPr lang="hu-HU" dirty="0" smtClean="0"/>
+              <a:t>, </a:t>
+            </a:r>
+            <a:r>
+              <a:rPr lang="hu-HU" dirty="0" err="1" smtClean="0"/>
+              <a:t>accept</a:t>
+            </a:r>
+            <a:r>
+              <a:rPr lang="hu-HU" dirty="0" smtClean="0"/>
+              <a:t> </a:t>
+            </a:r>
+            <a:r>
+              <a:rPr lang="hu-HU" dirty="0" err="1" smtClean="0"/>
+              <a:t>it</a:t>
+            </a:r>
+            <a:r>
+              <a:rPr lang="hu-HU" dirty="0" smtClean="0"/>
+              <a:t>.</a:t>
+            </a:r>
+          </a:p>
+          <a:p>
+            <a:r>
+              <a:rPr lang="hu-HU" dirty="0" err="1" smtClean="0"/>
+              <a:t>If</a:t>
+            </a:r>
+            <a:r>
+              <a:rPr lang="hu-HU" dirty="0" smtClean="0"/>
+              <a:t> </a:t>
+            </a:r>
+            <a:r>
+              <a:rPr lang="hu-HU" dirty="0" err="1" smtClean="0"/>
+              <a:t>it</a:t>
+            </a:r>
+            <a:r>
+              <a:rPr lang="hu-HU" dirty="0" smtClean="0"/>
+              <a:t> </a:t>
+            </a:r>
+            <a:r>
+              <a:rPr lang="hu-HU" dirty="0" err="1" smtClean="0"/>
+              <a:t>changes</a:t>
+            </a:r>
+            <a:r>
+              <a:rPr lang="hu-HU" dirty="0"/>
+              <a:t> </a:t>
+            </a:r>
+            <a:r>
+              <a:rPr lang="hu-HU" dirty="0" err="1" smtClean="0"/>
+              <a:t>at</a:t>
+            </a:r>
+            <a:r>
+              <a:rPr lang="hu-HU" dirty="0" smtClean="0"/>
+              <a:t> </a:t>
+            </a:r>
+            <a:r>
+              <a:rPr lang="hu-HU" dirty="0" err="1" smtClean="0"/>
+              <a:t>the</a:t>
+            </a:r>
+            <a:r>
+              <a:rPr lang="hu-HU" dirty="0" smtClean="0"/>
+              <a:t> </a:t>
+            </a:r>
+            <a:r>
+              <a:rPr lang="hu-HU" dirty="0" err="1" smtClean="0"/>
+              <a:t>second</a:t>
+            </a:r>
+            <a:r>
+              <a:rPr lang="hu-HU" dirty="0" smtClean="0"/>
+              <a:t> </a:t>
+            </a:r>
+            <a:r>
+              <a:rPr lang="hu-HU" dirty="0" err="1" smtClean="0"/>
+              <a:t>time</a:t>
+            </a:r>
+            <a:r>
+              <a:rPr lang="hu-HU" dirty="0" smtClean="0"/>
+              <a:t>, </a:t>
+            </a:r>
+            <a:r>
+              <a:rPr lang="hu-HU" dirty="0" err="1" smtClean="0"/>
+              <a:t>refactor</a:t>
+            </a:r>
+            <a:r>
+              <a:rPr lang="hu-HU" dirty="0" smtClean="0"/>
+              <a:t> </a:t>
+            </a:r>
+            <a:r>
+              <a:rPr lang="hu-HU" dirty="0" err="1" smtClean="0"/>
+              <a:t>to</a:t>
+            </a:r>
+            <a:r>
+              <a:rPr lang="hu-HU" dirty="0" smtClean="0"/>
+              <a:t> </a:t>
+            </a:r>
+            <a:r>
+              <a:rPr lang="hu-HU" dirty="0" err="1" smtClean="0"/>
+              <a:t>achive</a:t>
+            </a:r>
+            <a:r>
+              <a:rPr lang="hu-HU" dirty="0" smtClean="0"/>
+              <a:t> OCP.</a:t>
+            </a:r>
+          </a:p>
+          <a:p>
+            <a:endParaRPr lang="hu-HU" dirty="0"/>
+          </a:p>
+          <a:p>
+            <a:r>
+              <a:rPr lang="hu-HU" dirty="0" err="1" smtClean="0"/>
+              <a:t>Remember</a:t>
+            </a:r>
+            <a:r>
+              <a:rPr lang="hu-HU" dirty="0" smtClean="0"/>
+              <a:t>:</a:t>
+            </a:r>
+          </a:p>
+          <a:p>
+            <a:r>
+              <a:rPr lang="hu-HU" dirty="0" err="1" smtClean="0"/>
+              <a:t>Thre</a:t>
+            </a:r>
+            <a:r>
+              <a:rPr lang="hu-HU" dirty="0" smtClean="0"/>
+              <a:t> </a:t>
+            </a:r>
+            <a:r>
+              <a:rPr lang="hu-HU" dirty="0" err="1" smtClean="0"/>
+              <a:t>Aint</a:t>
+            </a:r>
+            <a:r>
+              <a:rPr lang="hu-HU" dirty="0" smtClean="0"/>
+              <a:t> no </a:t>
+            </a:r>
+            <a:r>
+              <a:rPr lang="hu-HU" dirty="0" err="1" smtClean="0"/>
+              <a:t>such</a:t>
+            </a:r>
+            <a:r>
+              <a:rPr lang="hu-HU" dirty="0" smtClean="0"/>
+              <a:t> </a:t>
+            </a:r>
+            <a:r>
+              <a:rPr lang="hu-HU" dirty="0" err="1" smtClean="0"/>
+              <a:t>thing</a:t>
+            </a:r>
+            <a:r>
+              <a:rPr lang="hu-HU" dirty="0" smtClean="0"/>
+              <a:t> </a:t>
+            </a:r>
+            <a:r>
+              <a:rPr lang="hu-HU" dirty="0" err="1" smtClean="0"/>
+              <a:t>as</a:t>
+            </a:r>
+            <a:r>
+              <a:rPr lang="hu-HU" dirty="0" smtClean="0"/>
+              <a:t> a free </a:t>
+            </a:r>
+            <a:r>
+              <a:rPr lang="hu-HU" dirty="0" err="1" smtClean="0"/>
+              <a:t>lunch</a:t>
+            </a:r>
+            <a:r>
+              <a:rPr lang="hu-HU" dirty="0" smtClean="0"/>
+              <a:t>.</a:t>
+            </a:r>
+          </a:p>
+          <a:p>
+            <a:r>
+              <a:rPr lang="hu-HU" dirty="0" smtClean="0"/>
+              <a:t>OCP </a:t>
+            </a:r>
+            <a:r>
+              <a:rPr lang="hu-HU" dirty="0" err="1" smtClean="0"/>
+              <a:t>adds</a:t>
+            </a:r>
+            <a:r>
+              <a:rPr lang="hu-HU" dirty="0" smtClean="0"/>
+              <a:t> </a:t>
+            </a:r>
+            <a:r>
+              <a:rPr lang="hu-HU" dirty="0" err="1" smtClean="0"/>
+              <a:t>complexity</a:t>
+            </a:r>
+            <a:endParaRPr lang="hu-HU" dirty="0"/>
+          </a:p>
+        </p:txBody>
+      </p:sp>
+      <p:sp>
+        <p:nvSpPr>
+          <p:cNvPr id="4" name="Dia számának helye 3"/>
+          <p:cNvSpPr>
+            <a:spLocks noGrp="1"/>
+          </p:cNvSpPr>
+          <p:nvPr>
+            <p:ph type="sldNum" sz="quarter" idx="12"/>
+          </p:nvPr>
+        </p:nvSpPr>
+        <p:spPr/>
+        <p:txBody>
+          <a:bodyPr/>
+          <a:lstStyle/>
+          <a:p>
+            <a:fld id="{F28C9355-BD38-4B88-A605-51440FB067EA}" type="slidenum">
+              <a:rPr lang="hu-HU" smtClean="0"/>
+              <a:t>28</a:t>
+            </a:fld>
+            <a:endParaRPr lang="hu-HU"/>
+          </a:p>
+        </p:txBody>
+      </p:sp>
+    </p:spTree>
+    <p:extLst>
+      <p:ext uri="{BB962C8B-B14F-4D97-AF65-F5344CB8AC3E}">
+        <p14:creationId xmlns:p14="http://schemas.microsoft.com/office/powerpoint/2010/main" val="369854987"/>
       </p:ext>
     </p:extLst>
   </p:cSld>

--- a/DP01_Into_And_Adapter_Pattern.pptx
+++ b/DP01_Into_And_Adapter_Pattern.pptx
@@ -5,7 +5,7 @@
     <p:sldMasterId id="2147483660" r:id="rId1"/>
   </p:sldMasterIdLst>
   <p:notesMasterIdLst>
-    <p:notesMasterId r:id="rId30"/>
+    <p:notesMasterId r:id="rId33"/>
   </p:notesMasterIdLst>
   <p:sldIdLst>
     <p:sldId id="256" r:id="rId2"/>
@@ -20,22 +20,25 @@
     <p:sldId id="265" r:id="rId11"/>
     <p:sldId id="268" r:id="rId12"/>
     <p:sldId id="269" r:id="rId13"/>
-    <p:sldId id="273" r:id="rId14"/>
-    <p:sldId id="279" r:id="rId15"/>
-    <p:sldId id="271" r:id="rId16"/>
+    <p:sldId id="279" r:id="rId14"/>
+    <p:sldId id="271" r:id="rId15"/>
+    <p:sldId id="273" r:id="rId16"/>
     <p:sldId id="270" r:id="rId17"/>
     <p:sldId id="274" r:id="rId18"/>
-    <p:sldId id="283" r:id="rId19"/>
-    <p:sldId id="280" r:id="rId20"/>
-    <p:sldId id="281" r:id="rId21"/>
-    <p:sldId id="275" r:id="rId22"/>
-    <p:sldId id="263" r:id="rId23"/>
-    <p:sldId id="264" r:id="rId24"/>
-    <p:sldId id="276" r:id="rId25"/>
-    <p:sldId id="277" r:id="rId26"/>
-    <p:sldId id="284" r:id="rId27"/>
-    <p:sldId id="278" r:id="rId28"/>
-    <p:sldId id="285" r:id="rId29"/>
+    <p:sldId id="286" r:id="rId19"/>
+    <p:sldId id="283" r:id="rId20"/>
+    <p:sldId id="287" r:id="rId21"/>
+    <p:sldId id="280" r:id="rId22"/>
+    <p:sldId id="281" r:id="rId23"/>
+    <p:sldId id="275" r:id="rId24"/>
+    <p:sldId id="263" r:id="rId25"/>
+    <p:sldId id="264" r:id="rId26"/>
+    <p:sldId id="288" r:id="rId27"/>
+    <p:sldId id="276" r:id="rId28"/>
+    <p:sldId id="277" r:id="rId29"/>
+    <p:sldId id="284" r:id="rId30"/>
+    <p:sldId id="278" r:id="rId31"/>
+    <p:sldId id="285" r:id="rId32"/>
   </p:sldIdLst>
   <p:sldSz cx="12192000" cy="6858000"/>
   <p:notesSz cx="6858000" cy="9144000"/>
@@ -235,7 +238,7 @@
           <a:p>
             <a:fld id="{D795D247-86FA-4CE0-BE2D-7B42EFC4C75B}" type="datetimeFigureOut">
               <a:rPr lang="hu-HU" smtClean="0"/>
-              <a:t>2016.05.25.</a:t>
+              <a:t>2016.05.26.</a:t>
             </a:fld>
             <a:endParaRPr lang="hu-HU"/>
           </a:p>
@@ -1277,7 +1280,7 @@
       </p:grpSpPr>
       <p:sp>
         <p:nvSpPr>
-          <p:cNvPr id="2" name="Diakép helye 1"/>
+          <p:cNvPr id="2" name="Slide Image Placeholder 1"/>
           <p:cNvSpPr>
             <a:spLocks noGrp="1" noRot="1" noChangeAspect="1"/>
           </p:cNvSpPr>
@@ -1289,7 +1292,7 @@
       </p:sp>
       <p:sp>
         <p:nvSpPr>
-          <p:cNvPr id="3" name="Jegyzetek helye 2"/>
+          <p:cNvPr id="3" name="Notes Placeholder 2"/>
           <p:cNvSpPr>
             <a:spLocks noGrp="1"/>
           </p:cNvSpPr>
@@ -1302,94 +1305,13 @@
           <a:bodyPr/>
           <a:lstStyle/>
           <a:p>
-            <a:r>
-              <a:rPr lang="en-US" sz="1200" b="0" i="1" u="none" strike="noStrike" kern="1200" baseline="0" dirty="0">
-                <a:solidFill>
-                  <a:schemeClr val="tx1"/>
-                </a:solidFill>
-                <a:latin typeface="+mn-lt"/>
-                <a:ea typeface="+mn-ea"/>
-                <a:cs typeface="+mn-cs"/>
-              </a:rPr>
-              <a:t>Implementing class adapters in C++. </a:t>
-            </a:r>
-            <a:r>
-              <a:rPr lang="en-US" sz="1200" b="0" i="0" u="none" strike="noStrike" kern="1200" baseline="0" dirty="0">
-                <a:solidFill>
-                  <a:schemeClr val="tx1"/>
-                </a:solidFill>
-                <a:latin typeface="+mn-lt"/>
-                <a:ea typeface="+mn-ea"/>
-                <a:cs typeface="+mn-cs"/>
-              </a:rPr>
-              <a:t>In a C++ implementation of a class</a:t>
-            </a:r>
-          </a:p>
-          <a:p>
-            <a:r>
-              <a:rPr lang="en-US" sz="1200" b="0" i="0" u="none" strike="noStrike" kern="1200" baseline="0" dirty="0">
-                <a:solidFill>
-                  <a:schemeClr val="tx1"/>
-                </a:solidFill>
-                <a:latin typeface="+mn-lt"/>
-                <a:ea typeface="+mn-ea"/>
-                <a:cs typeface="+mn-cs"/>
-              </a:rPr>
-              <a:t>adapter, Adapter would inherit publicly from Target and privately from</a:t>
-            </a:r>
-          </a:p>
-          <a:p>
-            <a:r>
-              <a:rPr lang="en-US" sz="1200" b="0" i="0" u="none" strike="noStrike" kern="1200" baseline="0" dirty="0" err="1">
-                <a:solidFill>
-                  <a:schemeClr val="tx1"/>
-                </a:solidFill>
-                <a:latin typeface="+mn-lt"/>
-                <a:ea typeface="+mn-ea"/>
-                <a:cs typeface="+mn-cs"/>
-              </a:rPr>
-              <a:t>Adaptee</a:t>
-            </a:r>
-            <a:r>
-              <a:rPr lang="en-US" sz="1200" b="0" i="0" u="none" strike="noStrike" kern="1200" baseline="0" dirty="0">
-                <a:solidFill>
-                  <a:schemeClr val="tx1"/>
-                </a:solidFill>
-                <a:latin typeface="+mn-lt"/>
-                <a:ea typeface="+mn-ea"/>
-                <a:cs typeface="+mn-cs"/>
-              </a:rPr>
-              <a:t>. Thus Adapter would be a subtype of Target but not of </a:t>
-            </a:r>
-            <a:r>
-              <a:rPr lang="en-US" sz="1200" b="0" i="0" u="none" strike="noStrike" kern="1200" baseline="0" dirty="0" err="1">
-                <a:solidFill>
-                  <a:schemeClr val="tx1"/>
-                </a:solidFill>
-                <a:latin typeface="+mn-lt"/>
-                <a:ea typeface="+mn-ea"/>
-                <a:cs typeface="+mn-cs"/>
-              </a:rPr>
-              <a:t>Adaptee</a:t>
-            </a:r>
-            <a:r>
-              <a:rPr lang="en-US" sz="1200" b="0" i="0" u="none" strike="noStrike" kern="1200" baseline="0" dirty="0">
-                <a:solidFill>
-                  <a:schemeClr val="tx1"/>
-                </a:solidFill>
-                <a:latin typeface="+mn-lt"/>
-                <a:ea typeface="+mn-ea"/>
-                <a:cs typeface="+mn-cs"/>
-              </a:rPr>
-              <a:t>.</a:t>
-            </a:r>
-            <a:endParaRPr lang="hu-HU" dirty="0"/>
-          </a:p>
-        </p:txBody>
-      </p:sp>
-      <p:sp>
-        <p:nvSpPr>
-          <p:cNvPr id="4" name="Dia számának helye 3"/>
+            <a:endParaRPr lang="sv-SE" dirty="0"/>
+          </a:p>
+        </p:txBody>
+      </p:sp>
+      <p:sp>
+        <p:nvSpPr>
+          <p:cNvPr id="4" name="Slide Number Placeholder 3"/>
           <p:cNvSpPr>
             <a:spLocks noGrp="1"/>
           </p:cNvSpPr>
@@ -1404,7 +1326,7 @@
           <a:p>
             <a:fld id="{27C334D5-55AD-42ED-8491-40C1A78BB94C}" type="slidenum">
               <a:rPr lang="hu-HU" smtClean="0"/>
-              <a:t>19</a:t>
+              <a:t>18</a:t>
             </a:fld>
             <a:endParaRPr lang="hu-HU"/>
           </a:p>
@@ -1413,7 +1335,7 @@
     </p:spTree>
     <p:extLst>
       <p:ext uri="{BB962C8B-B14F-4D97-AF65-F5344CB8AC3E}">
-        <p14:creationId xmlns:p14="http://schemas.microsoft.com/office/powerpoint/2010/main" val="412758241"/>
+        <p14:creationId xmlns:p14="http://schemas.microsoft.com/office/powerpoint/2010/main" val="3732935561"/>
       </p:ext>
     </p:extLst>
   </p:cSld>
@@ -1467,7 +1389,353 @@
           <a:bodyPr/>
           <a:lstStyle/>
           <a:p>
-            <a:endParaRPr lang="sv-SE"/>
+            <a:r>
+              <a:rPr lang="sv-SE" dirty="0"/>
+              <a:t>Solution:</a:t>
+            </a:r>
+            <a:r>
+              <a:rPr lang="sv-SE" baseline="0" dirty="0"/>
+              <a:t> is to </a:t>
+            </a:r>
+            <a:r>
+              <a:rPr lang="sv-SE" baseline="0" dirty="0" err="1"/>
+              <a:t>define</a:t>
+            </a:r>
+            <a:r>
+              <a:rPr lang="sv-SE" baseline="0" dirty="0"/>
+              <a:t> </a:t>
+            </a:r>
+            <a:r>
+              <a:rPr lang="sv-SE" baseline="0" dirty="0" err="1"/>
+              <a:t>TextShape</a:t>
+            </a:r>
+            <a:r>
+              <a:rPr lang="sv-SE" baseline="0" dirty="0"/>
+              <a:t> so </a:t>
+            </a:r>
+            <a:r>
+              <a:rPr lang="sv-SE" baseline="0" dirty="0" err="1"/>
+              <a:t>that</a:t>
+            </a:r>
+            <a:r>
+              <a:rPr lang="sv-SE" baseline="0" dirty="0"/>
+              <a:t> it </a:t>
+            </a:r>
+            <a:r>
+              <a:rPr lang="sv-SE" baseline="0" dirty="0" err="1"/>
+              <a:t>adapts</a:t>
+            </a:r>
+            <a:r>
+              <a:rPr lang="sv-SE" baseline="0" dirty="0"/>
+              <a:t> the </a:t>
+            </a:r>
+            <a:r>
+              <a:rPr lang="sv-SE" baseline="0" dirty="0" err="1"/>
+              <a:t>TextView</a:t>
+            </a:r>
+            <a:r>
+              <a:rPr lang="sv-SE" baseline="0" dirty="0"/>
+              <a:t> interface to </a:t>
+            </a:r>
+            <a:r>
+              <a:rPr lang="sv-SE" baseline="0" dirty="0" err="1"/>
+              <a:t>Shapes</a:t>
+            </a:r>
+            <a:r>
+              <a:rPr lang="sv-SE" baseline="0" dirty="0"/>
+              <a:t> interface.</a:t>
+            </a:r>
+          </a:p>
+          <a:p>
+            <a:r>
+              <a:rPr lang="sv-SE" baseline="0" dirty="0" err="1"/>
+              <a:t>Composing</a:t>
+            </a:r>
+            <a:r>
+              <a:rPr lang="sv-SE" baseline="0" dirty="0"/>
+              <a:t> a </a:t>
+            </a:r>
+            <a:r>
+              <a:rPr lang="sv-SE" baseline="0" dirty="0" err="1"/>
+              <a:t>TextView</a:t>
+            </a:r>
+            <a:r>
+              <a:rPr lang="sv-SE" baseline="0" dirty="0"/>
+              <a:t> </a:t>
+            </a:r>
+            <a:r>
+              <a:rPr lang="sv-SE" baseline="0" dirty="0" err="1"/>
+              <a:t>instance</a:t>
+            </a:r>
+            <a:r>
+              <a:rPr lang="sv-SE" baseline="0" dirty="0"/>
+              <a:t> </a:t>
+            </a:r>
+            <a:r>
+              <a:rPr lang="sv-SE" baseline="0" dirty="0" err="1"/>
+              <a:t>within</a:t>
+            </a:r>
+            <a:r>
+              <a:rPr lang="sv-SE" baseline="0" dirty="0"/>
+              <a:t> a </a:t>
+            </a:r>
+            <a:r>
+              <a:rPr lang="sv-SE" baseline="0" dirty="0" err="1"/>
+              <a:t>TextShape</a:t>
+            </a:r>
+            <a:r>
+              <a:rPr lang="sv-SE" baseline="0" dirty="0"/>
+              <a:t> and </a:t>
+            </a:r>
+            <a:r>
+              <a:rPr lang="sv-SE" baseline="0" dirty="0" err="1"/>
+              <a:t>implementing</a:t>
+            </a:r>
+            <a:r>
+              <a:rPr lang="sv-SE" baseline="0" dirty="0"/>
+              <a:t> </a:t>
+            </a:r>
+            <a:r>
+              <a:rPr lang="sv-SE" baseline="0" dirty="0" err="1"/>
+              <a:t>TextShape</a:t>
+            </a:r>
+            <a:r>
+              <a:rPr lang="sv-SE" baseline="0" dirty="0"/>
+              <a:t> in terms </a:t>
+            </a:r>
+            <a:r>
+              <a:rPr lang="sv-SE" baseline="0" dirty="0" err="1"/>
+              <a:t>of</a:t>
+            </a:r>
+            <a:r>
+              <a:rPr lang="sv-SE" baseline="0" dirty="0"/>
+              <a:t> </a:t>
+            </a:r>
+            <a:r>
+              <a:rPr lang="sv-SE" baseline="0" dirty="0" err="1"/>
+              <a:t>TextViews</a:t>
+            </a:r>
+            <a:r>
+              <a:rPr lang="sv-SE" baseline="0" dirty="0"/>
+              <a:t> interface.</a:t>
+            </a:r>
+          </a:p>
+          <a:p>
+            <a:r>
+              <a:rPr lang="en-US" sz="1200" b="0" i="0" u="none" strike="noStrike" kern="1200" baseline="0" dirty="0">
+                <a:solidFill>
+                  <a:schemeClr val="tx1"/>
+                </a:solidFill>
+                <a:latin typeface="+mn-lt"/>
+                <a:ea typeface="+mn-ea"/>
+                <a:cs typeface="+mn-cs"/>
+              </a:rPr>
+              <a:t>Often the adapter is responsible for functionality the adapted class doesn't</a:t>
+            </a:r>
+          </a:p>
+          <a:p>
+            <a:r>
+              <a:rPr lang="sv-SE" sz="1200" b="0" i="0" u="none" strike="noStrike" kern="1200" baseline="0" dirty="0" err="1">
+                <a:solidFill>
+                  <a:schemeClr val="tx1"/>
+                </a:solidFill>
+                <a:latin typeface="+mn-lt"/>
+                <a:ea typeface="+mn-ea"/>
+                <a:cs typeface="+mn-cs"/>
+              </a:rPr>
+              <a:t>provide</a:t>
+            </a:r>
+            <a:r>
+              <a:rPr lang="sv-SE" sz="1200" b="0" i="0" u="none" strike="noStrike" kern="1200" baseline="0" dirty="0">
+                <a:solidFill>
+                  <a:schemeClr val="tx1"/>
+                </a:solidFill>
+                <a:latin typeface="+mn-lt"/>
+                <a:ea typeface="+mn-ea"/>
+                <a:cs typeface="+mn-cs"/>
+              </a:rPr>
+              <a:t>.</a:t>
+            </a:r>
+          </a:p>
+          <a:p>
+            <a:r>
+              <a:rPr lang="en-US" sz="1200" b="0" i="0" u="none" strike="noStrike" kern="1200" baseline="0" dirty="0">
+                <a:solidFill>
+                  <a:schemeClr val="tx1"/>
+                </a:solidFill>
+                <a:latin typeface="+mn-lt"/>
+                <a:ea typeface="+mn-ea"/>
+                <a:cs typeface="+mn-cs"/>
+              </a:rPr>
+              <a:t>The diagram shows how an adapter can fulfill such responsibilities.</a:t>
+            </a:r>
+          </a:p>
+          <a:p>
+            <a:endParaRPr lang="en-US" sz="1200" b="0" i="0" u="none" strike="noStrike" kern="1200" baseline="0" dirty="0">
+              <a:solidFill>
+                <a:schemeClr val="tx1"/>
+              </a:solidFill>
+              <a:latin typeface="+mn-lt"/>
+              <a:ea typeface="+mn-ea"/>
+              <a:cs typeface="+mn-cs"/>
+            </a:endParaRPr>
+          </a:p>
+          <a:p>
+            <a:r>
+              <a:rPr lang="en-US" sz="1200" b="0" i="0" u="none" strike="noStrike" kern="1200" baseline="0" dirty="0">
+                <a:solidFill>
+                  <a:schemeClr val="tx1"/>
+                </a:solidFill>
+                <a:latin typeface="+mn-lt"/>
+                <a:ea typeface="+mn-ea"/>
+                <a:cs typeface="+mn-cs"/>
+              </a:rPr>
+              <a:t>The user should be able to "drag" every Shape object to a new location interactively,</a:t>
+            </a:r>
+          </a:p>
+          <a:p>
+            <a:r>
+              <a:rPr lang="en-US" sz="1200" b="0" i="0" u="none" strike="noStrike" kern="1200" baseline="0" dirty="0">
+                <a:solidFill>
+                  <a:schemeClr val="tx1"/>
+                </a:solidFill>
+                <a:latin typeface="+mn-lt"/>
+                <a:ea typeface="+mn-ea"/>
+                <a:cs typeface="+mn-cs"/>
+              </a:rPr>
+              <a:t>but </a:t>
+            </a:r>
+            <a:r>
+              <a:rPr lang="en-US" sz="1200" b="0" i="0" u="none" strike="noStrike" kern="1200" baseline="0" dirty="0" err="1">
+                <a:solidFill>
+                  <a:schemeClr val="tx1"/>
+                </a:solidFill>
+                <a:latin typeface="+mn-lt"/>
+                <a:ea typeface="+mn-ea"/>
+                <a:cs typeface="+mn-cs"/>
+              </a:rPr>
+              <a:t>TextView</a:t>
+            </a:r>
+            <a:r>
+              <a:rPr lang="en-US" sz="1200" b="0" i="0" u="none" strike="noStrike" kern="1200" baseline="0" dirty="0">
+                <a:solidFill>
+                  <a:schemeClr val="tx1"/>
+                </a:solidFill>
+                <a:latin typeface="+mn-lt"/>
+                <a:ea typeface="+mn-ea"/>
+                <a:cs typeface="+mn-cs"/>
+              </a:rPr>
+              <a:t> isn't designed to do that. </a:t>
+            </a:r>
+            <a:r>
+              <a:rPr lang="en-US" sz="1200" b="0" i="0" u="none" strike="noStrike" kern="1200" baseline="0" dirty="0" err="1">
+                <a:solidFill>
+                  <a:schemeClr val="tx1"/>
+                </a:solidFill>
+                <a:latin typeface="+mn-lt"/>
+                <a:ea typeface="+mn-ea"/>
+                <a:cs typeface="+mn-cs"/>
+              </a:rPr>
+              <a:t>TextShape</a:t>
+            </a:r>
+            <a:r>
+              <a:rPr lang="en-US" sz="1200" b="0" i="0" u="none" strike="noStrike" kern="1200" baseline="0" dirty="0">
+                <a:solidFill>
+                  <a:schemeClr val="tx1"/>
+                </a:solidFill>
+                <a:latin typeface="+mn-lt"/>
+                <a:ea typeface="+mn-ea"/>
+                <a:cs typeface="+mn-cs"/>
+              </a:rPr>
+              <a:t> can add this missing</a:t>
+            </a:r>
+          </a:p>
+          <a:p>
+            <a:r>
+              <a:rPr lang="en-US" sz="1200" b="0" i="0" u="none" strike="noStrike" kern="1200" baseline="0" dirty="0">
+                <a:solidFill>
+                  <a:schemeClr val="tx1"/>
+                </a:solidFill>
+                <a:latin typeface="+mn-lt"/>
+                <a:ea typeface="+mn-ea"/>
+                <a:cs typeface="+mn-cs"/>
+              </a:rPr>
+              <a:t>functionality by implementing Shape's </a:t>
+            </a:r>
+            <a:r>
+              <a:rPr lang="en-US" sz="1200" b="0" i="0" u="none" strike="noStrike" kern="1200" baseline="0" dirty="0" err="1">
+                <a:solidFill>
+                  <a:schemeClr val="tx1"/>
+                </a:solidFill>
+                <a:latin typeface="+mn-lt"/>
+                <a:ea typeface="+mn-ea"/>
+                <a:cs typeface="+mn-cs"/>
+              </a:rPr>
+              <a:t>CreateManipulator</a:t>
+            </a:r>
+            <a:r>
+              <a:rPr lang="en-US" sz="1200" b="0" i="0" u="none" strike="noStrike" kern="1200" baseline="0" dirty="0">
+                <a:solidFill>
+                  <a:schemeClr val="tx1"/>
+                </a:solidFill>
+                <a:latin typeface="+mn-lt"/>
+                <a:ea typeface="+mn-ea"/>
+                <a:cs typeface="+mn-cs"/>
+              </a:rPr>
+              <a:t> operation, which returns</a:t>
+            </a:r>
+          </a:p>
+          <a:p>
+            <a:r>
+              <a:rPr lang="en-US" sz="1200" b="0" i="0" u="none" strike="noStrike" kern="1200" baseline="0" dirty="0">
+                <a:solidFill>
+                  <a:schemeClr val="tx1"/>
+                </a:solidFill>
+                <a:latin typeface="+mn-lt"/>
+                <a:ea typeface="+mn-ea"/>
+                <a:cs typeface="+mn-cs"/>
+              </a:rPr>
+              <a:t>an instance of the appropriate Manipulator subclass.</a:t>
+            </a:r>
+          </a:p>
+          <a:p>
+            <a:endParaRPr lang="en-US" sz="1200" b="0" i="0" u="none" strike="noStrike" kern="1200" baseline="0" dirty="0">
+              <a:solidFill>
+                <a:schemeClr val="tx1"/>
+              </a:solidFill>
+              <a:latin typeface="+mn-lt"/>
+              <a:ea typeface="+mn-ea"/>
+              <a:cs typeface="+mn-cs"/>
+            </a:endParaRPr>
+          </a:p>
+          <a:p>
+            <a:r>
+              <a:rPr lang="en-US" sz="1200" b="0" i="0" u="none" strike="noStrike" kern="1200" baseline="0" dirty="0">
+                <a:solidFill>
+                  <a:schemeClr val="tx1"/>
+                </a:solidFill>
+                <a:latin typeface="+mn-lt"/>
+                <a:ea typeface="+mn-ea"/>
+                <a:cs typeface="+mn-cs"/>
+              </a:rPr>
+              <a:t>Manipulator is an abstract class for objects that know how to animate a Shape</a:t>
+            </a:r>
+          </a:p>
+          <a:p>
+            <a:r>
+              <a:rPr lang="en-US" sz="1200" b="0" i="0" u="none" strike="noStrike" kern="1200" baseline="0" dirty="0">
+                <a:solidFill>
+                  <a:schemeClr val="tx1"/>
+                </a:solidFill>
+                <a:latin typeface="+mn-lt"/>
+                <a:ea typeface="+mn-ea"/>
+                <a:cs typeface="+mn-cs"/>
+              </a:rPr>
+              <a:t>in response to user input, like dragging the shape to a new location.</a:t>
+            </a:r>
+          </a:p>
+          <a:p>
+            <a:endParaRPr lang="sv-SE" dirty="0"/>
           </a:p>
         </p:txBody>
       </p:sp>
@@ -1488,7 +1756,368 @@
           <a:p>
             <a:fld id="{27C334D5-55AD-42ED-8491-40C1A78BB94C}" type="slidenum">
               <a:rPr lang="hu-HU" smtClean="0"/>
-              <a:t>24</a:t>
+              <a:t>19</a:t>
+            </a:fld>
+            <a:endParaRPr lang="hu-HU"/>
+          </a:p>
+        </p:txBody>
+      </p:sp>
+    </p:spTree>
+    <p:extLst>
+      <p:ext uri="{BB962C8B-B14F-4D97-AF65-F5344CB8AC3E}">
+        <p14:creationId xmlns:p14="http://schemas.microsoft.com/office/powerpoint/2010/main" val="3350099505"/>
+      </p:ext>
+    </p:extLst>
+  </p:cSld>
+  <p:clrMapOvr>
+    <a:masterClrMapping/>
+  </p:clrMapOvr>
+</p:notes>
+</file>
+
+<file path=ppt/notesSlides/notesSlide4.xml><?xml version="1.0" encoding="utf-8"?>
+<p:notes xmlns:a="http://schemas.openxmlformats.org/drawingml/2006/main" xmlns:r="http://schemas.openxmlformats.org/officeDocument/2006/relationships" xmlns:p="http://schemas.openxmlformats.org/presentationml/2006/main">
+  <p:cSld>
+    <p:spTree>
+      <p:nvGrpSpPr>
+        <p:cNvPr id="1" name=""/>
+        <p:cNvGrpSpPr/>
+        <p:nvPr/>
+      </p:nvGrpSpPr>
+      <p:grpSpPr>
+        <a:xfrm>
+          <a:off x="0" y="0"/>
+          <a:ext cx="0" cy="0"/>
+          <a:chOff x="0" y="0"/>
+          <a:chExt cx="0" cy="0"/>
+        </a:xfrm>
+      </p:grpSpPr>
+      <p:sp>
+        <p:nvSpPr>
+          <p:cNvPr id="2" name="Diakép helye 1"/>
+          <p:cNvSpPr>
+            <a:spLocks noGrp="1" noRot="1" noChangeAspect="1"/>
+          </p:cNvSpPr>
+          <p:nvPr>
+            <p:ph type="sldImg"/>
+          </p:nvPr>
+        </p:nvSpPr>
+        <p:spPr/>
+      </p:sp>
+      <p:sp>
+        <p:nvSpPr>
+          <p:cNvPr id="3" name="Jegyzetek helye 2"/>
+          <p:cNvSpPr>
+            <a:spLocks noGrp="1"/>
+          </p:cNvSpPr>
+          <p:nvPr>
+            <p:ph type="body" idx="1"/>
+          </p:nvPr>
+        </p:nvSpPr>
+        <p:spPr/>
+        <p:txBody>
+          <a:bodyPr/>
+          <a:lstStyle/>
+          <a:p>
+            <a:r>
+              <a:rPr lang="en-US" sz="1200" b="0" i="1" u="none" strike="noStrike" kern="1200" baseline="0" dirty="0">
+                <a:solidFill>
+                  <a:schemeClr val="tx1"/>
+                </a:solidFill>
+                <a:latin typeface="+mn-lt"/>
+                <a:ea typeface="+mn-ea"/>
+                <a:cs typeface="+mn-cs"/>
+              </a:rPr>
+              <a:t>Implementing class adapters in C++. </a:t>
+            </a:r>
+            <a:r>
+              <a:rPr lang="en-US" sz="1200" b="0" i="0" u="none" strike="noStrike" kern="1200" baseline="0" dirty="0">
+                <a:solidFill>
+                  <a:schemeClr val="tx1"/>
+                </a:solidFill>
+                <a:latin typeface="+mn-lt"/>
+                <a:ea typeface="+mn-ea"/>
+                <a:cs typeface="+mn-cs"/>
+              </a:rPr>
+              <a:t>In a C++ implementation of a class</a:t>
+            </a:r>
+          </a:p>
+          <a:p>
+            <a:r>
+              <a:rPr lang="en-US" sz="1200" b="0" i="0" u="none" strike="noStrike" kern="1200" baseline="0" dirty="0">
+                <a:solidFill>
+                  <a:schemeClr val="tx1"/>
+                </a:solidFill>
+                <a:latin typeface="+mn-lt"/>
+                <a:ea typeface="+mn-ea"/>
+                <a:cs typeface="+mn-cs"/>
+              </a:rPr>
+              <a:t>adapter, Adapter would inherit publicly from Target and privately from</a:t>
+            </a:r>
+          </a:p>
+          <a:p>
+            <a:r>
+              <a:rPr lang="en-US" sz="1200" b="0" i="0" u="none" strike="noStrike" kern="1200" baseline="0" dirty="0" err="1">
+                <a:solidFill>
+                  <a:schemeClr val="tx1"/>
+                </a:solidFill>
+                <a:latin typeface="+mn-lt"/>
+                <a:ea typeface="+mn-ea"/>
+                <a:cs typeface="+mn-cs"/>
+              </a:rPr>
+              <a:t>Adaptee</a:t>
+            </a:r>
+            <a:r>
+              <a:rPr lang="en-US" sz="1200" b="0" i="0" u="none" strike="noStrike" kern="1200" baseline="0" dirty="0">
+                <a:solidFill>
+                  <a:schemeClr val="tx1"/>
+                </a:solidFill>
+                <a:latin typeface="+mn-lt"/>
+                <a:ea typeface="+mn-ea"/>
+                <a:cs typeface="+mn-cs"/>
+              </a:rPr>
+              <a:t>. Thus Adapter would be a subtype of Target but not of </a:t>
+            </a:r>
+            <a:r>
+              <a:rPr lang="en-US" sz="1200" b="0" i="0" u="none" strike="noStrike" kern="1200" baseline="0" dirty="0" err="1">
+                <a:solidFill>
+                  <a:schemeClr val="tx1"/>
+                </a:solidFill>
+                <a:latin typeface="+mn-lt"/>
+                <a:ea typeface="+mn-ea"/>
+                <a:cs typeface="+mn-cs"/>
+              </a:rPr>
+              <a:t>Adaptee</a:t>
+            </a:r>
+            <a:r>
+              <a:rPr lang="en-US" sz="1200" b="0" i="0" u="none" strike="noStrike" kern="1200" baseline="0" dirty="0">
+                <a:solidFill>
+                  <a:schemeClr val="tx1"/>
+                </a:solidFill>
+                <a:latin typeface="+mn-lt"/>
+                <a:ea typeface="+mn-ea"/>
+                <a:cs typeface="+mn-cs"/>
+              </a:rPr>
+              <a:t>.</a:t>
+            </a:r>
+            <a:endParaRPr lang="hu-HU" dirty="0"/>
+          </a:p>
+        </p:txBody>
+      </p:sp>
+      <p:sp>
+        <p:nvSpPr>
+          <p:cNvPr id="4" name="Dia számának helye 3"/>
+          <p:cNvSpPr>
+            <a:spLocks noGrp="1"/>
+          </p:cNvSpPr>
+          <p:nvPr>
+            <p:ph type="sldNum" sz="quarter" idx="10"/>
+          </p:nvPr>
+        </p:nvSpPr>
+        <p:spPr/>
+        <p:txBody>
+          <a:bodyPr/>
+          <a:lstStyle/>
+          <a:p>
+            <a:fld id="{27C334D5-55AD-42ED-8491-40C1A78BB94C}" type="slidenum">
+              <a:rPr lang="hu-HU" smtClean="0"/>
+              <a:t>21</a:t>
+            </a:fld>
+            <a:endParaRPr lang="hu-HU"/>
+          </a:p>
+        </p:txBody>
+      </p:sp>
+    </p:spTree>
+    <p:extLst>
+      <p:ext uri="{BB962C8B-B14F-4D97-AF65-F5344CB8AC3E}">
+        <p14:creationId xmlns:p14="http://schemas.microsoft.com/office/powerpoint/2010/main" val="412758241"/>
+      </p:ext>
+    </p:extLst>
+  </p:cSld>
+  <p:clrMapOvr>
+    <a:masterClrMapping/>
+  </p:clrMapOvr>
+</p:notes>
+</file>
+
+<file path=ppt/notesSlides/notesSlide5.xml><?xml version="1.0" encoding="utf-8"?>
+<p:notes xmlns:a="http://schemas.openxmlformats.org/drawingml/2006/main" xmlns:r="http://schemas.openxmlformats.org/officeDocument/2006/relationships" xmlns:p="http://schemas.openxmlformats.org/presentationml/2006/main">
+  <p:cSld>
+    <p:spTree>
+      <p:nvGrpSpPr>
+        <p:cNvPr id="1" name=""/>
+        <p:cNvGrpSpPr/>
+        <p:nvPr/>
+      </p:nvGrpSpPr>
+      <p:grpSpPr>
+        <a:xfrm>
+          <a:off x="0" y="0"/>
+          <a:ext cx="0" cy="0"/>
+          <a:chOff x="0" y="0"/>
+          <a:chExt cx="0" cy="0"/>
+        </a:xfrm>
+      </p:grpSpPr>
+      <p:sp>
+        <p:nvSpPr>
+          <p:cNvPr id="2" name="Slide Image Placeholder 1"/>
+          <p:cNvSpPr>
+            <a:spLocks noGrp="1" noRot="1" noChangeAspect="1"/>
+          </p:cNvSpPr>
+          <p:nvPr>
+            <p:ph type="sldImg"/>
+          </p:nvPr>
+        </p:nvSpPr>
+        <p:spPr/>
+      </p:sp>
+      <p:sp>
+        <p:nvSpPr>
+          <p:cNvPr id="3" name="Notes Placeholder 2"/>
+          <p:cNvSpPr>
+            <a:spLocks noGrp="1"/>
+          </p:cNvSpPr>
+          <p:nvPr>
+            <p:ph type="body" idx="1"/>
+          </p:nvPr>
+        </p:nvSpPr>
+        <p:spPr/>
+        <p:txBody>
+          <a:bodyPr/>
+          <a:lstStyle/>
+          <a:p>
+            <a:pPr marL="0" marR="0" indent="0" algn="l" defTabSz="914400" rtl="0" eaLnBrk="1" fontAlgn="auto" latinLnBrk="0" hangingPunct="1">
+              <a:lnSpc>
+                <a:spcPct val="100000"/>
+              </a:lnSpc>
+              <a:spcBef>
+                <a:spcPts val="0"/>
+              </a:spcBef>
+              <a:spcAft>
+                <a:spcPts val="0"/>
+              </a:spcAft>
+              <a:buClrTx/>
+              <a:buSzTx/>
+              <a:buFontTx/>
+              <a:buNone/>
+              <a:tabLst/>
+              <a:defRPr/>
+            </a:pPr>
+            <a:r>
+              <a:rPr lang="hu-HU" dirty="0"/>
+              <a:t>Facade - </a:t>
+            </a:r>
+            <a:r>
+              <a:rPr lang="en-US" dirty="0"/>
+              <a:t>Provide a unified interface to a set of interfaces in a subsystem. Facade defines a higher-level interface that makes the subsystem easier to use.</a:t>
+            </a:r>
+            <a:endParaRPr lang="hu-HU" dirty="0"/>
+          </a:p>
+          <a:p>
+            <a:endParaRPr lang="sv-SE" dirty="0"/>
+          </a:p>
+        </p:txBody>
+      </p:sp>
+      <p:sp>
+        <p:nvSpPr>
+          <p:cNvPr id="4" name="Slide Number Placeholder 3"/>
+          <p:cNvSpPr>
+            <a:spLocks noGrp="1"/>
+          </p:cNvSpPr>
+          <p:nvPr>
+            <p:ph type="sldNum" sz="quarter" idx="10"/>
+          </p:nvPr>
+        </p:nvSpPr>
+        <p:spPr/>
+        <p:txBody>
+          <a:bodyPr/>
+          <a:lstStyle/>
+          <a:p>
+            <a:fld id="{27C334D5-55AD-42ED-8491-40C1A78BB94C}" type="slidenum">
+              <a:rPr lang="hu-HU" smtClean="0"/>
+              <a:t>23</a:t>
+            </a:fld>
+            <a:endParaRPr lang="hu-HU"/>
+          </a:p>
+        </p:txBody>
+      </p:sp>
+    </p:spTree>
+    <p:extLst>
+      <p:ext uri="{BB962C8B-B14F-4D97-AF65-F5344CB8AC3E}">
+        <p14:creationId xmlns:p14="http://schemas.microsoft.com/office/powerpoint/2010/main" val="2306725996"/>
+      </p:ext>
+    </p:extLst>
+  </p:cSld>
+  <p:clrMapOvr>
+    <a:masterClrMapping/>
+  </p:clrMapOvr>
+</p:notes>
+</file>
+
+<file path=ppt/notesSlides/notesSlide6.xml><?xml version="1.0" encoding="utf-8"?>
+<p:notes xmlns:a="http://schemas.openxmlformats.org/drawingml/2006/main" xmlns:r="http://schemas.openxmlformats.org/officeDocument/2006/relationships" xmlns:p="http://schemas.openxmlformats.org/presentationml/2006/main">
+  <p:cSld>
+    <p:spTree>
+      <p:nvGrpSpPr>
+        <p:cNvPr id="1" name=""/>
+        <p:cNvGrpSpPr/>
+        <p:nvPr/>
+      </p:nvGrpSpPr>
+      <p:grpSpPr>
+        <a:xfrm>
+          <a:off x="0" y="0"/>
+          <a:ext cx="0" cy="0"/>
+          <a:chOff x="0" y="0"/>
+          <a:chExt cx="0" cy="0"/>
+        </a:xfrm>
+      </p:grpSpPr>
+      <p:sp>
+        <p:nvSpPr>
+          <p:cNvPr id="2" name="Slide Image Placeholder 1"/>
+          <p:cNvSpPr>
+            <a:spLocks noGrp="1" noRot="1" noChangeAspect="1"/>
+          </p:cNvSpPr>
+          <p:nvPr>
+            <p:ph type="sldImg"/>
+          </p:nvPr>
+        </p:nvSpPr>
+        <p:spPr/>
+      </p:sp>
+      <p:sp>
+        <p:nvSpPr>
+          <p:cNvPr id="3" name="Notes Placeholder 2"/>
+          <p:cNvSpPr>
+            <a:spLocks noGrp="1"/>
+          </p:cNvSpPr>
+          <p:nvPr>
+            <p:ph type="body" idx="1"/>
+          </p:nvPr>
+        </p:nvSpPr>
+        <p:spPr/>
+        <p:txBody>
+          <a:bodyPr/>
+          <a:lstStyle/>
+          <a:p>
+            <a:endParaRPr lang="sv-SE"/>
+          </a:p>
+        </p:txBody>
+      </p:sp>
+      <p:sp>
+        <p:nvSpPr>
+          <p:cNvPr id="4" name="Slide Number Placeholder 3"/>
+          <p:cNvSpPr>
+            <a:spLocks noGrp="1"/>
+          </p:cNvSpPr>
+          <p:nvPr>
+            <p:ph type="sldNum" sz="quarter" idx="10"/>
+          </p:nvPr>
+        </p:nvSpPr>
+        <p:spPr/>
+        <p:txBody>
+          <a:bodyPr/>
+          <a:lstStyle/>
+          <a:p>
+            <a:fld id="{27C334D5-55AD-42ED-8491-40C1A78BB94C}" type="slidenum">
+              <a:rPr lang="hu-HU" smtClean="0"/>
+              <a:t>27</a:t>
             </a:fld>
             <a:endParaRPr lang="hu-HU"/>
           </a:p>
@@ -1636,9 +2265,9 @@
           <a:bodyPr/>
           <a:lstStyle/>
           <a:p>
-            <a:fld id="{48C0C014-2D3F-4BC7-B778-21FA01B01EF7}" type="datetime1">
+            <a:fld id="{4A0B9BF5-94C2-436A-A4B0-A7902FD5718B}" type="datetime1">
               <a:rPr lang="hu-HU" smtClean="0"/>
-              <a:t>2016.05.25.</a:t>
+              <a:t>2016.05.26.</a:t>
             </a:fld>
             <a:endParaRPr lang="hu-HU"/>
           </a:p>
@@ -1659,6 +2288,10 @@
           <a:bodyPr/>
           <a:lstStyle/>
           <a:p>
+            <a:r>
+              <a:rPr lang="en-US"/>
+              <a:t>Introduction to Design Patterns and Adapter Pattern </a:t>
+            </a:r>
             <a:endParaRPr lang="hu-HU"/>
           </a:p>
         </p:txBody>
@@ -1696,7 +2329,6 @@
   <p:clrMapOvr>
     <a:masterClrMapping/>
   </p:clrMapOvr>
-  <p:hf hdr="0" ftr="0" dt="0"/>
 </p:sldLayout>
 </file>
 
@@ -1807,9 +2439,9 @@
           <a:bodyPr/>
           <a:lstStyle/>
           <a:p>
-            <a:fld id="{48C0C014-2D3F-4BC7-B778-21FA01B01EF7}" type="datetime1">
+            <a:fld id="{BA206A0F-1F7E-4F75-A5BC-7EDAECFFF905}" type="datetime1">
               <a:rPr lang="hu-HU" smtClean="0"/>
-              <a:t>2016.05.25.</a:t>
+              <a:t>2016.05.26.</a:t>
             </a:fld>
             <a:endParaRPr lang="hu-HU"/>
           </a:p>
@@ -1830,6 +2462,10 @@
           <a:bodyPr/>
           <a:lstStyle/>
           <a:p>
+            <a:r>
+              <a:rPr lang="en-US"/>
+              <a:t>Introduction to Design Patterns and Adapter Pattern </a:t>
+            </a:r>
             <a:endParaRPr lang="hu-HU"/>
           </a:p>
         </p:txBody>
@@ -1867,7 +2503,6 @@
   <p:clrMapOvr>
     <a:masterClrMapping/>
   </p:clrMapOvr>
-  <p:hf hdr="0" ftr="0" dt="0"/>
 </p:sldLayout>
 </file>
 
@@ -1988,9 +2623,9 @@
           <a:bodyPr/>
           <a:lstStyle/>
           <a:p>
-            <a:fld id="{48C0C014-2D3F-4BC7-B778-21FA01B01EF7}" type="datetime1">
+            <a:fld id="{89E49323-A675-4FDD-A28C-1F911BEF18D8}" type="datetime1">
               <a:rPr lang="hu-HU" smtClean="0"/>
-              <a:t>2016.05.25.</a:t>
+              <a:t>2016.05.26.</a:t>
             </a:fld>
             <a:endParaRPr lang="hu-HU"/>
           </a:p>
@@ -2011,6 +2646,10 @@
           <a:bodyPr/>
           <a:lstStyle/>
           <a:p>
+            <a:r>
+              <a:rPr lang="en-US"/>
+              <a:t>Introduction to Design Patterns and Adapter Pattern </a:t>
+            </a:r>
             <a:endParaRPr lang="hu-HU"/>
           </a:p>
         </p:txBody>
@@ -2048,7 +2687,6 @@
   <p:clrMapOvr>
     <a:masterClrMapping/>
   </p:clrMapOvr>
-  <p:hf hdr="0" ftr="0" dt="0"/>
 </p:sldLayout>
 </file>
 
@@ -2159,9 +2797,9 @@
           <a:bodyPr/>
           <a:lstStyle/>
           <a:p>
-            <a:fld id="{48C0C014-2D3F-4BC7-B778-21FA01B01EF7}" type="datetime1">
+            <a:fld id="{EEBCD2AD-9FFC-4B03-95EF-40825E88E425}" type="datetime1">
               <a:rPr lang="hu-HU" smtClean="0"/>
-              <a:t>2016.05.25.</a:t>
+              <a:t>2016.05.26.</a:t>
             </a:fld>
             <a:endParaRPr lang="hu-HU"/>
           </a:p>
@@ -2182,6 +2820,10 @@
           <a:bodyPr/>
           <a:lstStyle/>
           <a:p>
+            <a:r>
+              <a:rPr lang="en-US"/>
+              <a:t>Introduction to Design Patterns and Adapter Pattern </a:t>
+            </a:r>
             <a:endParaRPr lang="hu-HU"/>
           </a:p>
         </p:txBody>
@@ -2219,7 +2861,6 @@
   <p:clrMapOvr>
     <a:masterClrMapping/>
   </p:clrMapOvr>
-  <p:hf hdr="0" ftr="0" dt="0"/>
 </p:sldLayout>
 </file>
 
@@ -2406,9 +3047,9 @@
           <a:bodyPr/>
           <a:lstStyle/>
           <a:p>
-            <a:fld id="{48C0C014-2D3F-4BC7-B778-21FA01B01EF7}" type="datetime1">
+            <a:fld id="{4E80176F-03C0-4B42-85AD-625799CA0725}" type="datetime1">
               <a:rPr lang="hu-HU" smtClean="0"/>
-              <a:t>2016.05.25.</a:t>
+              <a:t>2016.05.26.</a:t>
             </a:fld>
             <a:endParaRPr lang="hu-HU"/>
           </a:p>
@@ -2429,6 +3070,10 @@
           <a:bodyPr/>
           <a:lstStyle/>
           <a:p>
+            <a:r>
+              <a:rPr lang="en-US"/>
+              <a:t>Introduction to Design Patterns and Adapter Pattern </a:t>
+            </a:r>
             <a:endParaRPr lang="hu-HU"/>
           </a:p>
         </p:txBody>
@@ -2466,7 +3111,6 @@
   <p:clrMapOvr>
     <a:masterClrMapping/>
   </p:clrMapOvr>
-  <p:hf hdr="0" ftr="0" dt="0"/>
 </p:sldLayout>
 </file>
 
@@ -2639,9 +3283,9 @@
           <a:bodyPr/>
           <a:lstStyle/>
           <a:p>
-            <a:fld id="{48C0C014-2D3F-4BC7-B778-21FA01B01EF7}" type="datetime1">
+            <a:fld id="{67AD4904-050A-4EFD-8A1D-B84E66F35123}" type="datetime1">
               <a:rPr lang="hu-HU" smtClean="0"/>
-              <a:t>2016.05.25.</a:t>
+              <a:t>2016.05.26.</a:t>
             </a:fld>
             <a:endParaRPr lang="hu-HU"/>
           </a:p>
@@ -2662,6 +3306,10 @@
           <a:bodyPr/>
           <a:lstStyle/>
           <a:p>
+            <a:r>
+              <a:rPr lang="en-US"/>
+              <a:t>Introduction to Design Patterns and Adapter Pattern </a:t>
+            </a:r>
             <a:endParaRPr lang="hu-HU"/>
           </a:p>
         </p:txBody>
@@ -2699,7 +3347,6 @@
   <p:clrMapOvr>
     <a:masterClrMapping/>
   </p:clrMapOvr>
-  <p:hf hdr="0" ftr="0" dt="0"/>
 </p:sldLayout>
 </file>
 
@@ -3007,9 +3654,9 @@
           <a:bodyPr/>
           <a:lstStyle/>
           <a:p>
-            <a:fld id="{48C0C014-2D3F-4BC7-B778-21FA01B01EF7}" type="datetime1">
+            <a:fld id="{7C075B26-4D9B-47C9-83DF-EDCF45346F85}" type="datetime1">
               <a:rPr lang="hu-HU" smtClean="0"/>
-              <a:t>2016.05.25.</a:t>
+              <a:t>2016.05.26.</a:t>
             </a:fld>
             <a:endParaRPr lang="hu-HU"/>
           </a:p>
@@ -3030,6 +3677,10 @@
           <a:bodyPr/>
           <a:lstStyle/>
           <a:p>
+            <a:r>
+              <a:rPr lang="en-US"/>
+              <a:t>Introduction to Design Patterns and Adapter Pattern </a:t>
+            </a:r>
             <a:endParaRPr lang="hu-HU"/>
           </a:p>
         </p:txBody>
@@ -3067,7 +3718,6 @@
   <p:clrMapOvr>
     <a:masterClrMapping/>
   </p:clrMapOvr>
-  <p:hf hdr="0" ftr="0" dt="0"/>
 </p:sldLayout>
 </file>
 
@@ -3126,9 +3776,9 @@
           <a:bodyPr/>
           <a:lstStyle/>
           <a:p>
-            <a:fld id="{48C0C014-2D3F-4BC7-B778-21FA01B01EF7}" type="datetime1">
+            <a:fld id="{28E2769C-481E-450D-84C2-C305D5A067B2}" type="datetime1">
               <a:rPr lang="hu-HU" smtClean="0"/>
-              <a:t>2016.05.25.</a:t>
+              <a:t>2016.05.26.</a:t>
             </a:fld>
             <a:endParaRPr lang="hu-HU"/>
           </a:p>
@@ -3149,6 +3799,10 @@
           <a:bodyPr/>
           <a:lstStyle/>
           <a:p>
+            <a:r>
+              <a:rPr lang="en-US"/>
+              <a:t>Introduction to Design Patterns and Adapter Pattern </a:t>
+            </a:r>
             <a:endParaRPr lang="hu-HU"/>
           </a:p>
         </p:txBody>
@@ -3186,7 +3840,6 @@
   <p:clrMapOvr>
     <a:masterClrMapping/>
   </p:clrMapOvr>
-  <p:hf hdr="0" ftr="0" dt="0"/>
 </p:sldLayout>
 </file>
 
@@ -3222,9 +3875,9 @@
           <a:bodyPr/>
           <a:lstStyle/>
           <a:p>
-            <a:fld id="{48C0C014-2D3F-4BC7-B778-21FA01B01EF7}" type="datetime1">
+            <a:fld id="{2DFFB8B3-B1C3-4B3E-97E5-3FC3853218CD}" type="datetime1">
               <a:rPr lang="hu-HU" smtClean="0"/>
-              <a:t>2016.05.25.</a:t>
+              <a:t>2016.05.26.</a:t>
             </a:fld>
             <a:endParaRPr lang="hu-HU"/>
           </a:p>
@@ -3245,6 +3898,10 @@
           <a:bodyPr/>
           <a:lstStyle/>
           <a:p>
+            <a:r>
+              <a:rPr lang="en-US"/>
+              <a:t>Introduction to Design Patterns and Adapter Pattern </a:t>
+            </a:r>
             <a:endParaRPr lang="hu-HU"/>
           </a:p>
         </p:txBody>
@@ -3282,7 +3939,6 @@
   <p:clrMapOvr>
     <a:masterClrMapping/>
   </p:clrMapOvr>
-  <p:hf hdr="0" ftr="0" dt="0"/>
 </p:sldLayout>
 </file>
 
@@ -3500,9 +4156,9 @@
           <a:bodyPr/>
           <a:lstStyle/>
           <a:p>
-            <a:fld id="{48C0C014-2D3F-4BC7-B778-21FA01B01EF7}" type="datetime1">
+            <a:fld id="{070CDBFB-20B5-4005-A1B8-AC71C79EBA90}" type="datetime1">
               <a:rPr lang="hu-HU" smtClean="0"/>
-              <a:t>2016.05.25.</a:t>
+              <a:t>2016.05.26.</a:t>
             </a:fld>
             <a:endParaRPr lang="hu-HU"/>
           </a:p>
@@ -3523,6 +4179,10 @@
           <a:bodyPr/>
           <a:lstStyle/>
           <a:p>
+            <a:r>
+              <a:rPr lang="en-US"/>
+              <a:t>Introduction to Design Patterns and Adapter Pattern </a:t>
+            </a:r>
             <a:endParaRPr lang="hu-HU"/>
           </a:p>
         </p:txBody>
@@ -3560,7 +4220,6 @@
   <p:clrMapOvr>
     <a:masterClrMapping/>
   </p:clrMapOvr>
-  <p:hf hdr="0" ftr="0" dt="0"/>
 </p:sldLayout>
 </file>
 
@@ -3758,9 +4417,9 @@
           <a:bodyPr/>
           <a:lstStyle/>
           <a:p>
-            <a:fld id="{48C0C014-2D3F-4BC7-B778-21FA01B01EF7}" type="datetime1">
+            <a:fld id="{C208348B-93A4-4176-9C72-3643D63A81F1}" type="datetime1">
               <a:rPr lang="hu-HU" smtClean="0"/>
-              <a:t>2016.05.25.</a:t>
+              <a:t>2016.05.26.</a:t>
             </a:fld>
             <a:endParaRPr lang="hu-HU"/>
           </a:p>
@@ -3781,6 +4440,10 @@
           <a:bodyPr/>
           <a:lstStyle/>
           <a:p>
+            <a:r>
+              <a:rPr lang="en-US"/>
+              <a:t>Introduction to Design Patterns and Adapter Pattern </a:t>
+            </a:r>
             <a:endParaRPr lang="hu-HU"/>
           </a:p>
         </p:txBody>
@@ -3818,7 +4481,6 @@
   <p:clrMapOvr>
     <a:masterClrMapping/>
   </p:clrMapOvr>
-  <p:hf hdr="0" ftr="0" dt="0"/>
 </p:sldLayout>
 </file>
 
@@ -3972,9 +4634,9 @@
             </a:lvl1pPr>
           </a:lstStyle>
           <a:p>
-            <a:fld id="{48C0C014-2D3F-4BC7-B778-21FA01B01EF7}" type="datetime1">
+            <a:fld id="{B753AA49-1A2F-446C-9A06-EBD572795534}" type="datetime1">
               <a:rPr lang="hu-HU" smtClean="0"/>
-              <a:t>2016.05.25.</a:t>
+              <a:t>2016.05.26.</a:t>
             </a:fld>
             <a:endParaRPr lang="hu-HU"/>
           </a:p>
@@ -4013,6 +4675,10 @@
             </a:lvl1pPr>
           </a:lstStyle>
           <a:p>
+            <a:r>
+              <a:rPr lang="en-US"/>
+              <a:t>Introduction to Design Patterns and Adapter Pattern </a:t>
+            </a:r>
             <a:endParaRPr lang="hu-HU"/>
           </a:p>
         </p:txBody>
@@ -4079,7 +4745,7 @@
     <p:sldLayoutId id="2147483670" r:id="rId10"/>
     <p:sldLayoutId id="2147483671" r:id="rId11"/>
   </p:sldLayoutIdLst>
-  <p:hf hdr="0" ftr="0" dt="0"/>
+  <p:hf hdr="0"/>
   <p:txStyles>
     <p:titleStyle>
       <a:lvl1pPr algn="l" defTabSz="914400" rtl="0" eaLnBrk="1" latinLnBrk="0" hangingPunct="1">
@@ -4471,6 +5137,52 @@
           </a:p>
         </p:txBody>
       </p:sp>
+      <p:sp>
+        <p:nvSpPr>
+          <p:cNvPr id="5" name="Date Placeholder 4"/>
+          <p:cNvSpPr>
+            <a:spLocks noGrp="1"/>
+          </p:cNvSpPr>
+          <p:nvPr>
+            <p:ph type="dt" sz="half" idx="10"/>
+          </p:nvPr>
+        </p:nvSpPr>
+        <p:spPr/>
+        <p:txBody>
+          <a:bodyPr/>
+          <a:lstStyle/>
+          <a:p>
+            <a:fld id="{F48EB717-1215-4196-A865-88B6D0B5F300}" type="datetime1">
+              <a:rPr lang="hu-HU" smtClean="0"/>
+              <a:t>2016.05.26.</a:t>
+            </a:fld>
+            <a:endParaRPr lang="hu-HU"/>
+          </a:p>
+        </p:txBody>
+      </p:sp>
+      <p:sp>
+        <p:nvSpPr>
+          <p:cNvPr id="6" name="Footer Placeholder 5"/>
+          <p:cNvSpPr>
+            <a:spLocks noGrp="1"/>
+          </p:cNvSpPr>
+          <p:nvPr>
+            <p:ph type="ftr" sz="quarter" idx="11"/>
+          </p:nvPr>
+        </p:nvSpPr>
+        <p:spPr/>
+        <p:txBody>
+          <a:bodyPr/>
+          <a:lstStyle/>
+          <a:p>
+            <a:r>
+              <a:rPr lang="en-US"/>
+              <a:t>Introduction to Design Patterns and Adapter Pattern </a:t>
+            </a:r>
+            <a:endParaRPr lang="hu-HU"/>
+          </a:p>
+        </p:txBody>
+      </p:sp>
     </p:spTree>
     <p:extLst>
       <p:ext uri="{BB962C8B-B14F-4D97-AF65-F5344CB8AC3E}">
@@ -4575,6 +5287,52 @@
           </a:prstGeom>
         </p:spPr>
       </p:pic>
+      <p:sp>
+        <p:nvSpPr>
+          <p:cNvPr id="3" name="Date Placeholder 2"/>
+          <p:cNvSpPr>
+            <a:spLocks noGrp="1"/>
+          </p:cNvSpPr>
+          <p:nvPr>
+            <p:ph type="dt" sz="half" idx="10"/>
+          </p:nvPr>
+        </p:nvSpPr>
+        <p:spPr/>
+        <p:txBody>
+          <a:bodyPr/>
+          <a:lstStyle/>
+          <a:p>
+            <a:fld id="{7E80C123-62B5-4591-B195-9D35A73E1710}" type="datetime1">
+              <a:rPr lang="hu-HU" smtClean="0"/>
+              <a:t>2016.05.26.</a:t>
+            </a:fld>
+            <a:endParaRPr lang="hu-HU"/>
+          </a:p>
+        </p:txBody>
+      </p:sp>
+      <p:sp>
+        <p:nvSpPr>
+          <p:cNvPr id="6" name="Footer Placeholder 5"/>
+          <p:cNvSpPr>
+            <a:spLocks noGrp="1"/>
+          </p:cNvSpPr>
+          <p:nvPr>
+            <p:ph type="ftr" sz="quarter" idx="11"/>
+          </p:nvPr>
+        </p:nvSpPr>
+        <p:spPr/>
+        <p:txBody>
+          <a:bodyPr/>
+          <a:lstStyle/>
+          <a:p>
+            <a:r>
+              <a:rPr lang="en-US"/>
+              <a:t>Introduction to Design Patterns and Adapter Pattern </a:t>
+            </a:r>
+            <a:endParaRPr lang="hu-HU"/>
+          </a:p>
+        </p:txBody>
+      </p:sp>
     </p:spTree>
     <p:extLst>
       <p:ext uri="{BB962C8B-B14F-4D97-AF65-F5344CB8AC3E}">
@@ -4813,6 +5571,52 @@
           </a:prstGeom>
         </p:spPr>
       </p:pic>
+      <p:sp>
+        <p:nvSpPr>
+          <p:cNvPr id="6" name="Date Placeholder 5"/>
+          <p:cNvSpPr>
+            <a:spLocks noGrp="1"/>
+          </p:cNvSpPr>
+          <p:nvPr>
+            <p:ph type="dt" sz="half" idx="10"/>
+          </p:nvPr>
+        </p:nvSpPr>
+        <p:spPr/>
+        <p:txBody>
+          <a:bodyPr/>
+          <a:lstStyle/>
+          <a:p>
+            <a:fld id="{86D11014-3E60-44FF-B748-F2880E554F52}" type="datetime1">
+              <a:rPr lang="hu-HU" smtClean="0"/>
+              <a:t>2016.05.26.</a:t>
+            </a:fld>
+            <a:endParaRPr lang="hu-HU"/>
+          </a:p>
+        </p:txBody>
+      </p:sp>
+      <p:sp>
+        <p:nvSpPr>
+          <p:cNvPr id="7" name="Footer Placeholder 6"/>
+          <p:cNvSpPr>
+            <a:spLocks noGrp="1"/>
+          </p:cNvSpPr>
+          <p:nvPr>
+            <p:ph type="ftr" sz="quarter" idx="11"/>
+          </p:nvPr>
+        </p:nvSpPr>
+        <p:spPr/>
+        <p:txBody>
+          <a:bodyPr/>
+          <a:lstStyle/>
+          <a:p>
+            <a:r>
+              <a:rPr lang="en-US"/>
+              <a:t>Introduction to Design Patterns and Adapter Pattern </a:t>
+            </a:r>
+            <a:endParaRPr lang="hu-HU"/>
+          </a:p>
+        </p:txBody>
+      </p:sp>
     </p:spTree>
     <p:extLst>
       <p:ext uri="{BB962C8B-B14F-4D97-AF65-F5344CB8AC3E}">
@@ -4917,6 +5721,52 @@
           </a:prstGeom>
         </p:spPr>
       </p:pic>
+      <p:sp>
+        <p:nvSpPr>
+          <p:cNvPr id="4" name="Date Placeholder 3"/>
+          <p:cNvSpPr>
+            <a:spLocks noGrp="1"/>
+          </p:cNvSpPr>
+          <p:nvPr>
+            <p:ph type="dt" sz="half" idx="10"/>
+          </p:nvPr>
+        </p:nvSpPr>
+        <p:spPr/>
+        <p:txBody>
+          <a:bodyPr/>
+          <a:lstStyle/>
+          <a:p>
+            <a:fld id="{BC18F6D3-DB64-4F85-8CBB-9C5F4A790FE7}" type="datetime1">
+              <a:rPr lang="hu-HU" smtClean="0"/>
+              <a:t>2016.05.26.</a:t>
+            </a:fld>
+            <a:endParaRPr lang="hu-HU"/>
+          </a:p>
+        </p:txBody>
+      </p:sp>
+      <p:sp>
+        <p:nvSpPr>
+          <p:cNvPr id="6" name="Footer Placeholder 5"/>
+          <p:cNvSpPr>
+            <a:spLocks noGrp="1"/>
+          </p:cNvSpPr>
+          <p:nvPr>
+            <p:ph type="ftr" sz="quarter" idx="11"/>
+          </p:nvPr>
+        </p:nvSpPr>
+        <p:spPr/>
+        <p:txBody>
+          <a:bodyPr/>
+          <a:lstStyle/>
+          <a:p>
+            <a:r>
+              <a:rPr lang="en-US"/>
+              <a:t>Introduction to Design Patterns and Adapter Pattern </a:t>
+            </a:r>
+            <a:endParaRPr lang="hu-HU"/>
+          </a:p>
+        </p:txBody>
+      </p:sp>
     </p:spTree>
     <p:extLst>
       <p:ext uri="{BB962C8B-B14F-4D97-AF65-F5344CB8AC3E}">
@@ -4949,338 +5799,7 @@
       </p:grpSpPr>
       <p:sp>
         <p:nvSpPr>
-          <p:cNvPr id="2" name="Cím 1"/>
-          <p:cNvSpPr>
-            <a:spLocks noGrp="1"/>
-          </p:cNvSpPr>
-          <p:nvPr>
-            <p:ph type="title"/>
-          </p:nvPr>
-        </p:nvSpPr>
-        <p:spPr/>
-        <p:txBody>
-          <a:bodyPr/>
-          <a:lstStyle/>
-          <a:p>
-            <a:r>
-              <a:rPr lang="hu-HU" dirty="0" err="1"/>
-              <a:t>Intent</a:t>
-            </a:r>
-            <a:endParaRPr lang="hu-HU" dirty="0"/>
-          </a:p>
-        </p:txBody>
-      </p:sp>
-      <p:sp>
-        <p:nvSpPr>
-          <p:cNvPr id="3" name="Tartalom helye 2"/>
-          <p:cNvSpPr>
-            <a:spLocks noGrp="1"/>
-          </p:cNvSpPr>
-          <p:nvPr>
-            <p:ph idx="1"/>
-          </p:nvPr>
-        </p:nvSpPr>
-        <p:spPr/>
-        <p:txBody>
-          <a:bodyPr/>
-          <a:lstStyle/>
-          <a:p>
-            <a:r>
-              <a:rPr lang="hu-HU" dirty="0" err="1"/>
-              <a:t>Convert</a:t>
-            </a:r>
-            <a:r>
-              <a:rPr lang="hu-HU" dirty="0"/>
-              <a:t> </a:t>
-            </a:r>
-            <a:r>
-              <a:rPr lang="hu-HU" dirty="0" err="1"/>
-              <a:t>the</a:t>
-            </a:r>
-            <a:r>
-              <a:rPr lang="hu-HU" dirty="0"/>
-              <a:t> </a:t>
-            </a:r>
-            <a:r>
-              <a:rPr lang="hu-HU" dirty="0" err="1"/>
-              <a:t>interface</a:t>
-            </a:r>
-            <a:r>
-              <a:rPr lang="hu-HU" dirty="0"/>
-              <a:t> of a </a:t>
-            </a:r>
-            <a:r>
-              <a:rPr lang="hu-HU" dirty="0" err="1"/>
-              <a:t>class</a:t>
-            </a:r>
-            <a:r>
-              <a:rPr lang="hu-HU" dirty="0"/>
-              <a:t> </a:t>
-            </a:r>
-            <a:r>
-              <a:rPr lang="hu-HU" dirty="0" err="1"/>
-              <a:t>into</a:t>
-            </a:r>
-            <a:r>
-              <a:rPr lang="hu-HU" dirty="0"/>
-              <a:t> </a:t>
-            </a:r>
-            <a:r>
-              <a:rPr lang="hu-HU" dirty="0" err="1"/>
-              <a:t>another</a:t>
-            </a:r>
-            <a:r>
-              <a:rPr lang="hu-HU" dirty="0"/>
-              <a:t> </a:t>
-            </a:r>
-            <a:r>
-              <a:rPr lang="hu-HU" dirty="0" err="1"/>
-              <a:t>interface</a:t>
-            </a:r>
-            <a:r>
-              <a:rPr lang="hu-HU" dirty="0"/>
-              <a:t> </a:t>
-            </a:r>
-            <a:r>
-              <a:rPr lang="hu-HU" dirty="0" err="1"/>
-              <a:t>client</a:t>
-            </a:r>
-            <a:r>
-              <a:rPr lang="hu-HU" dirty="0"/>
-              <a:t> </a:t>
-            </a:r>
-            <a:r>
-              <a:rPr lang="hu-HU" dirty="0" err="1"/>
-              <a:t>expects</a:t>
-            </a:r>
-            <a:r>
-              <a:rPr lang="hu-HU" dirty="0"/>
-              <a:t>.</a:t>
-            </a:r>
-          </a:p>
-          <a:p>
-            <a:endParaRPr lang="hu-HU" dirty="0"/>
-          </a:p>
-          <a:p>
-            <a:r>
-              <a:rPr lang="hu-HU" dirty="0" err="1"/>
-              <a:t>Allow</a:t>
-            </a:r>
-            <a:r>
-              <a:rPr lang="hu-HU" dirty="0"/>
-              <a:t> </a:t>
-            </a:r>
-            <a:r>
-              <a:rPr lang="hu-HU" dirty="0" err="1"/>
-              <a:t>classes</a:t>
-            </a:r>
-            <a:r>
-              <a:rPr lang="hu-HU" dirty="0"/>
-              <a:t> </a:t>
-            </a:r>
-            <a:r>
-              <a:rPr lang="hu-HU" dirty="0" err="1"/>
-              <a:t>to</a:t>
-            </a:r>
-            <a:r>
-              <a:rPr lang="hu-HU" dirty="0"/>
-              <a:t> </a:t>
-            </a:r>
-            <a:r>
-              <a:rPr lang="hu-HU" dirty="0" err="1"/>
-              <a:t>work</a:t>
-            </a:r>
-            <a:r>
-              <a:rPr lang="hu-HU" dirty="0"/>
-              <a:t> </a:t>
-            </a:r>
-            <a:r>
-              <a:rPr lang="hu-HU" dirty="0" err="1"/>
-              <a:t>together</a:t>
-            </a:r>
-            <a:r>
-              <a:rPr lang="hu-HU" dirty="0"/>
-              <a:t> </a:t>
-            </a:r>
-            <a:r>
-              <a:rPr lang="hu-HU" dirty="0" err="1"/>
-              <a:t>that</a:t>
-            </a:r>
-            <a:r>
-              <a:rPr lang="hu-HU" dirty="0"/>
-              <a:t> </a:t>
-            </a:r>
-            <a:r>
-              <a:rPr lang="hu-HU" dirty="0" err="1"/>
-              <a:t>couldn’t</a:t>
-            </a:r>
-            <a:r>
-              <a:rPr lang="hu-HU" dirty="0"/>
-              <a:t> </a:t>
-            </a:r>
-            <a:r>
-              <a:rPr lang="hu-HU" dirty="0" err="1"/>
-              <a:t>otherwise</a:t>
-            </a:r>
-            <a:r>
-              <a:rPr lang="hu-HU" dirty="0"/>
-              <a:t> </a:t>
-            </a:r>
-            <a:r>
-              <a:rPr lang="hu-HU" dirty="0" err="1"/>
-              <a:t>due</a:t>
-            </a:r>
-            <a:r>
-              <a:rPr lang="hu-HU" dirty="0"/>
-              <a:t> </a:t>
-            </a:r>
-            <a:r>
-              <a:rPr lang="hu-HU" dirty="0" err="1"/>
-              <a:t>to</a:t>
-            </a:r>
-            <a:r>
-              <a:rPr lang="hu-HU" dirty="0"/>
-              <a:t> </a:t>
-            </a:r>
-            <a:r>
-              <a:rPr lang="hu-HU" dirty="0" err="1"/>
-              <a:t>incompatible</a:t>
-            </a:r>
-            <a:r>
-              <a:rPr lang="hu-HU" dirty="0"/>
-              <a:t> </a:t>
-            </a:r>
-            <a:r>
-              <a:rPr lang="hu-HU" dirty="0" err="1"/>
-              <a:t>interfaces</a:t>
-            </a:r>
-            <a:r>
-              <a:rPr lang="hu-HU" dirty="0"/>
-              <a:t>.</a:t>
-            </a:r>
-          </a:p>
-          <a:p>
-            <a:endParaRPr lang="hu-HU" dirty="0"/>
-          </a:p>
-          <a:p>
-            <a:r>
-              <a:rPr lang="hu-HU" dirty="0" err="1"/>
-              <a:t>Future-proof</a:t>
-            </a:r>
-            <a:r>
-              <a:rPr lang="hu-HU" dirty="0"/>
-              <a:t> </a:t>
-            </a:r>
-            <a:r>
-              <a:rPr lang="hu-HU" dirty="0" err="1"/>
-              <a:t>client</a:t>
-            </a:r>
-            <a:r>
-              <a:rPr lang="hu-HU" dirty="0"/>
-              <a:t> </a:t>
-            </a:r>
-            <a:r>
-              <a:rPr lang="hu-HU" dirty="0" err="1"/>
-              <a:t>implementations</a:t>
-            </a:r>
-            <a:r>
-              <a:rPr lang="hu-HU" dirty="0"/>
-              <a:t> </a:t>
-            </a:r>
-            <a:r>
-              <a:rPr lang="hu-HU" dirty="0" err="1"/>
-              <a:t>by</a:t>
-            </a:r>
-            <a:r>
-              <a:rPr lang="hu-HU" dirty="0"/>
-              <a:t> </a:t>
-            </a:r>
-            <a:r>
-              <a:rPr lang="hu-HU" dirty="0" err="1"/>
-              <a:t>having</a:t>
-            </a:r>
-            <a:r>
-              <a:rPr lang="hu-HU" dirty="0"/>
-              <a:t> </a:t>
-            </a:r>
-            <a:r>
-              <a:rPr lang="hu-HU" dirty="0" err="1"/>
-              <a:t>them</a:t>
-            </a:r>
-            <a:r>
-              <a:rPr lang="hu-HU" dirty="0"/>
-              <a:t> </a:t>
-            </a:r>
-            <a:r>
-              <a:rPr lang="hu-HU" dirty="0" err="1"/>
-              <a:t>depend</a:t>
-            </a:r>
-            <a:r>
-              <a:rPr lang="hu-HU" dirty="0"/>
-              <a:t> </a:t>
-            </a:r>
-            <a:r>
-              <a:rPr lang="hu-HU" dirty="0" err="1"/>
-              <a:t>on</a:t>
-            </a:r>
-            <a:r>
-              <a:rPr lang="hu-HU" dirty="0"/>
-              <a:t> Adapter </a:t>
-            </a:r>
-            <a:r>
-              <a:rPr lang="hu-HU" dirty="0" err="1"/>
-              <a:t>interface</a:t>
-            </a:r>
-            <a:r>
-              <a:rPr lang="hu-HU" dirty="0"/>
-              <a:t>, </a:t>
-            </a:r>
-            <a:r>
-              <a:rPr lang="hu-HU" dirty="0" err="1"/>
-              <a:t>rather</a:t>
-            </a:r>
-            <a:r>
-              <a:rPr lang="hu-HU" dirty="0"/>
-              <a:t> </a:t>
-            </a:r>
-            <a:r>
-              <a:rPr lang="hu-HU" dirty="0" err="1"/>
-              <a:t>than</a:t>
-            </a:r>
-            <a:r>
-              <a:rPr lang="hu-HU" dirty="0"/>
-              <a:t> </a:t>
-            </a:r>
-            <a:r>
-              <a:rPr lang="hu-HU" dirty="0" err="1"/>
-              <a:t>concrete</a:t>
-            </a:r>
-            <a:r>
-              <a:rPr lang="hu-HU" dirty="0"/>
-              <a:t> </a:t>
-            </a:r>
-            <a:r>
-              <a:rPr lang="hu-HU" dirty="0" err="1"/>
-              <a:t>classes</a:t>
-            </a:r>
-            <a:r>
-              <a:rPr lang="hu-HU" dirty="0"/>
-              <a:t> </a:t>
-            </a:r>
-            <a:r>
-              <a:rPr lang="hu-HU" dirty="0" err="1"/>
-              <a:t>directly</a:t>
-            </a:r>
-            <a:r>
-              <a:rPr lang="hu-HU" dirty="0"/>
-              <a:t>.</a:t>
-            </a:r>
-          </a:p>
-        </p:txBody>
-      </p:sp>
-      <p:sp>
-        <p:nvSpPr>
-          <p:cNvPr id="4" name="Slide Number Placeholder 3"/>
+          <p:cNvPr id="2" name="Slide Number Placeholder 1"/>
           <p:cNvSpPr>
             <a:spLocks noGrp="1"/>
           </p:cNvSpPr>
@@ -5296,59 +5815,6 @@
             <a:fld id="{F28C9355-BD38-4B88-A605-51440FB067EA}" type="slidenum">
               <a:rPr lang="hu-HU" smtClean="0"/>
               <a:t>13</a:t>
-            </a:fld>
-            <a:endParaRPr lang="hu-HU"/>
-          </a:p>
-        </p:txBody>
-      </p:sp>
-    </p:spTree>
-    <p:extLst>
-      <p:ext uri="{BB962C8B-B14F-4D97-AF65-F5344CB8AC3E}">
-        <p14:creationId xmlns:p14="http://schemas.microsoft.com/office/powerpoint/2010/main" val="900672435"/>
-      </p:ext>
-    </p:extLst>
-  </p:cSld>
-  <p:clrMapOvr>
-    <a:masterClrMapping/>
-  </p:clrMapOvr>
-</p:sld>
-</file>
-
-<file path=ppt/slides/slide14.xml><?xml version="1.0" encoding="utf-8"?>
-<p:sld xmlns:a="http://schemas.openxmlformats.org/drawingml/2006/main" xmlns:r="http://schemas.openxmlformats.org/officeDocument/2006/relationships" xmlns:p="http://schemas.openxmlformats.org/presentationml/2006/main">
-  <p:cSld>
-    <p:spTree>
-      <p:nvGrpSpPr>
-        <p:cNvPr id="1" name=""/>
-        <p:cNvGrpSpPr/>
-        <p:nvPr/>
-      </p:nvGrpSpPr>
-      <p:grpSpPr>
-        <a:xfrm>
-          <a:off x="0" y="0"/>
-          <a:ext cx="0" cy="0"/>
-          <a:chOff x="0" y="0"/>
-          <a:chExt cx="0" cy="0"/>
-        </a:xfrm>
-      </p:grpSpPr>
-      <p:sp>
-        <p:nvSpPr>
-          <p:cNvPr id="2" name="Slide Number Placeholder 1"/>
-          <p:cNvSpPr>
-            <a:spLocks noGrp="1"/>
-          </p:cNvSpPr>
-          <p:nvPr>
-            <p:ph type="sldNum" sz="quarter" idx="12"/>
-          </p:nvPr>
-        </p:nvSpPr>
-        <p:spPr/>
-        <p:txBody>
-          <a:bodyPr/>
-          <a:lstStyle/>
-          <a:p>
-            <a:fld id="{F28C9355-BD38-4B88-A605-51440FB067EA}" type="slidenum">
-              <a:rPr lang="hu-HU" smtClean="0"/>
-              <a:t>14</a:t>
             </a:fld>
             <a:endParaRPr lang="hu-HU"/>
           </a:p>
@@ -5384,10 +5850,205 @@
           </a:prstGeom>
         </p:spPr>
       </p:pic>
+      <p:sp>
+        <p:nvSpPr>
+          <p:cNvPr id="4" name="Date Placeholder 3"/>
+          <p:cNvSpPr>
+            <a:spLocks noGrp="1"/>
+          </p:cNvSpPr>
+          <p:nvPr>
+            <p:ph type="dt" sz="half" idx="10"/>
+          </p:nvPr>
+        </p:nvSpPr>
+        <p:spPr/>
+        <p:txBody>
+          <a:bodyPr/>
+          <a:lstStyle/>
+          <a:p>
+            <a:fld id="{C8381734-BE33-4AF1-BCB9-8C03D6B982BB}" type="datetime1">
+              <a:rPr lang="hu-HU" smtClean="0"/>
+              <a:t>2016.05.26.</a:t>
+            </a:fld>
+            <a:endParaRPr lang="hu-HU"/>
+          </a:p>
+        </p:txBody>
+      </p:sp>
+      <p:sp>
+        <p:nvSpPr>
+          <p:cNvPr id="5" name="Footer Placeholder 4"/>
+          <p:cNvSpPr>
+            <a:spLocks noGrp="1"/>
+          </p:cNvSpPr>
+          <p:nvPr>
+            <p:ph type="ftr" sz="quarter" idx="11"/>
+          </p:nvPr>
+        </p:nvSpPr>
+        <p:spPr/>
+        <p:txBody>
+          <a:bodyPr/>
+          <a:lstStyle/>
+          <a:p>
+            <a:r>
+              <a:rPr lang="en-US"/>
+              <a:t>Introduction to Design Patterns and Adapter Pattern </a:t>
+            </a:r>
+            <a:endParaRPr lang="hu-HU"/>
+          </a:p>
+        </p:txBody>
+      </p:sp>
     </p:spTree>
     <p:extLst>
       <p:ext uri="{BB962C8B-B14F-4D97-AF65-F5344CB8AC3E}">
         <p14:creationId xmlns:p14="http://schemas.microsoft.com/office/powerpoint/2010/main" val="1962576322"/>
+      </p:ext>
+    </p:extLst>
+  </p:cSld>
+  <p:clrMapOvr>
+    <a:masterClrMapping/>
+  </p:clrMapOvr>
+</p:sld>
+</file>
+
+<file path=ppt/slides/slide14.xml><?xml version="1.0" encoding="utf-8"?>
+<p:sld xmlns:a="http://schemas.openxmlformats.org/drawingml/2006/main" xmlns:r="http://schemas.openxmlformats.org/officeDocument/2006/relationships" xmlns:p="http://schemas.openxmlformats.org/presentationml/2006/main">
+  <p:cSld>
+    <p:spTree>
+      <p:nvGrpSpPr>
+        <p:cNvPr id="1" name=""/>
+        <p:cNvGrpSpPr/>
+        <p:nvPr/>
+      </p:nvGrpSpPr>
+      <p:grpSpPr>
+        <a:xfrm>
+          <a:off x="0" y="0"/>
+          <a:ext cx="0" cy="0"/>
+          <a:chOff x="0" y="0"/>
+          <a:chExt cx="0" cy="0"/>
+        </a:xfrm>
+      </p:grpSpPr>
+      <p:sp>
+        <p:nvSpPr>
+          <p:cNvPr id="2" name="Cím 1"/>
+          <p:cNvSpPr>
+            <a:spLocks noGrp="1"/>
+          </p:cNvSpPr>
+          <p:nvPr>
+            <p:ph type="title"/>
+          </p:nvPr>
+        </p:nvSpPr>
+        <p:spPr/>
+        <p:txBody>
+          <a:bodyPr/>
+          <a:lstStyle/>
+          <a:p>
+            <a:r>
+              <a:rPr lang="hu-HU" dirty="0"/>
+              <a:t>Adapter </a:t>
+            </a:r>
+            <a:r>
+              <a:rPr lang="hu-HU" dirty="0" err="1"/>
+              <a:t>Example</a:t>
+            </a:r>
+            <a:endParaRPr lang="hu-HU" dirty="0"/>
+          </a:p>
+        </p:txBody>
+      </p:sp>
+      <p:sp>
+        <p:nvSpPr>
+          <p:cNvPr id="3" name="Tartalom helye 2"/>
+          <p:cNvSpPr>
+            <a:spLocks noGrp="1"/>
+          </p:cNvSpPr>
+          <p:nvPr>
+            <p:ph idx="1"/>
+          </p:nvPr>
+        </p:nvSpPr>
+        <p:spPr/>
+        <p:txBody>
+          <a:bodyPr/>
+          <a:lstStyle/>
+          <a:p>
+            <a:r>
+              <a:rPr lang="en-US" dirty="0"/>
+              <a:t>https://github.com/esziger/design_patterns/tree/master/Adapter_Examples/Adapter_plug</a:t>
+            </a:r>
+            <a:endParaRPr lang="hu-HU" dirty="0"/>
+          </a:p>
+        </p:txBody>
+      </p:sp>
+      <p:sp>
+        <p:nvSpPr>
+          <p:cNvPr id="4" name="Slide Number Placeholder 3"/>
+          <p:cNvSpPr>
+            <a:spLocks noGrp="1"/>
+          </p:cNvSpPr>
+          <p:nvPr>
+            <p:ph type="sldNum" sz="quarter" idx="12"/>
+          </p:nvPr>
+        </p:nvSpPr>
+        <p:spPr/>
+        <p:txBody>
+          <a:bodyPr/>
+          <a:lstStyle/>
+          <a:p>
+            <a:fld id="{F28C9355-BD38-4B88-A605-51440FB067EA}" type="slidenum">
+              <a:rPr lang="hu-HU" smtClean="0"/>
+              <a:t>14</a:t>
+            </a:fld>
+            <a:endParaRPr lang="hu-HU"/>
+          </a:p>
+        </p:txBody>
+      </p:sp>
+      <p:sp>
+        <p:nvSpPr>
+          <p:cNvPr id="5" name="Date Placeholder 4"/>
+          <p:cNvSpPr>
+            <a:spLocks noGrp="1"/>
+          </p:cNvSpPr>
+          <p:nvPr>
+            <p:ph type="dt" sz="half" idx="10"/>
+          </p:nvPr>
+        </p:nvSpPr>
+        <p:spPr/>
+        <p:txBody>
+          <a:bodyPr/>
+          <a:lstStyle/>
+          <a:p>
+            <a:fld id="{5253BD9E-1EEB-46AD-BF29-7F8238BC9A25}" type="datetime1">
+              <a:rPr lang="hu-HU" smtClean="0"/>
+              <a:t>2016.05.26.</a:t>
+            </a:fld>
+            <a:endParaRPr lang="hu-HU"/>
+          </a:p>
+        </p:txBody>
+      </p:sp>
+      <p:sp>
+        <p:nvSpPr>
+          <p:cNvPr id="6" name="Footer Placeholder 5"/>
+          <p:cNvSpPr>
+            <a:spLocks noGrp="1"/>
+          </p:cNvSpPr>
+          <p:nvPr>
+            <p:ph type="ftr" sz="quarter" idx="11"/>
+          </p:nvPr>
+        </p:nvSpPr>
+        <p:spPr/>
+        <p:txBody>
+          <a:bodyPr/>
+          <a:lstStyle/>
+          <a:p>
+            <a:r>
+              <a:rPr lang="en-US"/>
+              <a:t>Introduction to Design Patterns and Adapter Pattern </a:t>
+            </a:r>
+            <a:endParaRPr lang="hu-HU"/>
+          </a:p>
+        </p:txBody>
+      </p:sp>
+    </p:spTree>
+    <p:extLst>
+      <p:ext uri="{BB962C8B-B14F-4D97-AF65-F5344CB8AC3E}">
+        <p14:creationId xmlns:p14="http://schemas.microsoft.com/office/powerpoint/2010/main" val="30835261"/>
       </p:ext>
     </p:extLst>
   </p:cSld>
@@ -5430,12 +6091,8 @@
           <a:lstStyle/>
           <a:p>
             <a:r>
-              <a:rPr lang="hu-HU" dirty="0"/>
-              <a:t>Adapter </a:t>
-            </a:r>
-            <a:r>
-              <a:rPr lang="hu-HU" dirty="0" err="1"/>
-              <a:t>Example</a:t>
+              <a:rPr lang="hu-HU" dirty="0" err="1"/>
+              <a:t>Intent</a:t>
             </a:r>
             <a:endParaRPr lang="hu-HU" dirty="0"/>
           </a:p>
@@ -5457,10 +6114,295 @@
           <a:lstStyle/>
           <a:p>
             <a:r>
-              <a:rPr lang="en-US" dirty="0"/>
-              <a:t>https://github.com/esziger/design_patterns/tree/master/Adapter_Examples/Adapter_plug</a:t>
-            </a:r>
+              <a:rPr lang="hu-HU" dirty="0" err="1"/>
+              <a:t>Convert</a:t>
+            </a:r>
+            <a:r>
+              <a:rPr lang="hu-HU" dirty="0"/>
+              <a:t> </a:t>
+            </a:r>
+            <a:r>
+              <a:rPr lang="hu-HU" dirty="0" err="1"/>
+              <a:t>the</a:t>
+            </a:r>
+            <a:r>
+              <a:rPr lang="hu-HU" dirty="0"/>
+              <a:t> </a:t>
+            </a:r>
+            <a:r>
+              <a:rPr lang="hu-HU" dirty="0" err="1"/>
+              <a:t>interface</a:t>
+            </a:r>
+            <a:r>
+              <a:rPr lang="hu-HU" dirty="0"/>
+              <a:t> of a </a:t>
+            </a:r>
+            <a:r>
+              <a:rPr lang="hu-HU" dirty="0" err="1"/>
+              <a:t>class</a:t>
+            </a:r>
+            <a:r>
+              <a:rPr lang="hu-HU" dirty="0"/>
+              <a:t> </a:t>
+            </a:r>
+            <a:r>
+              <a:rPr lang="hu-HU" dirty="0" err="1"/>
+              <a:t>into</a:t>
+            </a:r>
+            <a:r>
+              <a:rPr lang="hu-HU" dirty="0"/>
+              <a:t> </a:t>
+            </a:r>
+            <a:r>
+              <a:rPr lang="hu-HU" dirty="0" err="1"/>
+              <a:t>another</a:t>
+            </a:r>
+            <a:r>
+              <a:rPr lang="hu-HU" dirty="0"/>
+              <a:t> </a:t>
+            </a:r>
+            <a:r>
+              <a:rPr lang="hu-HU" dirty="0" err="1"/>
+              <a:t>interface</a:t>
+            </a:r>
+            <a:r>
+              <a:rPr lang="hu-HU" dirty="0"/>
+              <a:t> </a:t>
+            </a:r>
+            <a:r>
+              <a:rPr lang="hu-HU" dirty="0" err="1"/>
+              <a:t>client</a:t>
+            </a:r>
+            <a:r>
+              <a:rPr lang="hu-HU" dirty="0"/>
+              <a:t> </a:t>
+            </a:r>
+            <a:r>
+              <a:rPr lang="hu-HU" dirty="0" err="1"/>
+              <a:t>expects</a:t>
+            </a:r>
+            <a:r>
+              <a:rPr lang="hu-HU" dirty="0"/>
+              <a:t>.</a:t>
+            </a:r>
+          </a:p>
+          <a:p>
             <a:endParaRPr lang="hu-HU" dirty="0"/>
+          </a:p>
+          <a:p>
+            <a:r>
+              <a:rPr lang="hu-HU" dirty="0" err="1"/>
+              <a:t>Allow</a:t>
+            </a:r>
+            <a:r>
+              <a:rPr lang="hu-HU" dirty="0"/>
+              <a:t> </a:t>
+            </a:r>
+            <a:r>
+              <a:rPr lang="hu-HU" dirty="0" err="1"/>
+              <a:t>classes</a:t>
+            </a:r>
+            <a:r>
+              <a:rPr lang="hu-HU" dirty="0"/>
+              <a:t> </a:t>
+            </a:r>
+            <a:r>
+              <a:rPr lang="hu-HU" dirty="0" err="1"/>
+              <a:t>to</a:t>
+            </a:r>
+            <a:r>
+              <a:rPr lang="hu-HU" dirty="0"/>
+              <a:t> </a:t>
+            </a:r>
+            <a:r>
+              <a:rPr lang="hu-HU" dirty="0" err="1"/>
+              <a:t>work</a:t>
+            </a:r>
+            <a:r>
+              <a:rPr lang="hu-HU" dirty="0"/>
+              <a:t> </a:t>
+            </a:r>
+            <a:r>
+              <a:rPr lang="hu-HU" dirty="0" err="1"/>
+              <a:t>together</a:t>
+            </a:r>
+            <a:r>
+              <a:rPr lang="hu-HU" dirty="0"/>
+              <a:t> </a:t>
+            </a:r>
+            <a:r>
+              <a:rPr lang="hu-HU" dirty="0" err="1"/>
+              <a:t>that</a:t>
+            </a:r>
+            <a:r>
+              <a:rPr lang="hu-HU" dirty="0"/>
+              <a:t> </a:t>
+            </a:r>
+            <a:r>
+              <a:rPr lang="hu-HU" dirty="0" err="1"/>
+              <a:t>couldn’t</a:t>
+            </a:r>
+            <a:r>
+              <a:rPr lang="hu-HU" dirty="0"/>
+              <a:t> </a:t>
+            </a:r>
+            <a:r>
+              <a:rPr lang="hu-HU" dirty="0" err="1"/>
+              <a:t>otherwise</a:t>
+            </a:r>
+            <a:r>
+              <a:rPr lang="hu-HU" dirty="0"/>
+              <a:t> </a:t>
+            </a:r>
+            <a:r>
+              <a:rPr lang="hu-HU" dirty="0" err="1"/>
+              <a:t>due</a:t>
+            </a:r>
+            <a:r>
+              <a:rPr lang="hu-HU" dirty="0"/>
+              <a:t> </a:t>
+            </a:r>
+            <a:r>
+              <a:rPr lang="hu-HU" dirty="0" err="1"/>
+              <a:t>to</a:t>
+            </a:r>
+            <a:r>
+              <a:rPr lang="hu-HU" dirty="0"/>
+              <a:t> </a:t>
+            </a:r>
+            <a:r>
+              <a:rPr lang="hu-HU" dirty="0" err="1"/>
+              <a:t>incompatible</a:t>
+            </a:r>
+            <a:r>
+              <a:rPr lang="hu-HU" dirty="0"/>
+              <a:t> </a:t>
+            </a:r>
+            <a:r>
+              <a:rPr lang="hu-HU" dirty="0" err="1"/>
+              <a:t>interfaces</a:t>
+            </a:r>
+            <a:r>
+              <a:rPr lang="hu-HU" dirty="0"/>
+              <a:t>.</a:t>
+            </a:r>
+          </a:p>
+          <a:p>
+            <a:endParaRPr lang="hu-HU" dirty="0"/>
+          </a:p>
+          <a:p>
+            <a:r>
+              <a:rPr lang="hu-HU" dirty="0" err="1"/>
+              <a:t>Future-proof</a:t>
+            </a:r>
+            <a:r>
+              <a:rPr lang="hu-HU" dirty="0"/>
+              <a:t> </a:t>
+            </a:r>
+            <a:r>
+              <a:rPr lang="hu-HU" dirty="0" err="1"/>
+              <a:t>client</a:t>
+            </a:r>
+            <a:r>
+              <a:rPr lang="hu-HU" dirty="0"/>
+              <a:t> </a:t>
+            </a:r>
+            <a:r>
+              <a:rPr lang="hu-HU" dirty="0" err="1"/>
+              <a:t>implementations</a:t>
+            </a:r>
+            <a:r>
+              <a:rPr lang="hu-HU" dirty="0"/>
+              <a:t> </a:t>
+            </a:r>
+            <a:r>
+              <a:rPr lang="hu-HU" dirty="0" err="1"/>
+              <a:t>by</a:t>
+            </a:r>
+            <a:r>
+              <a:rPr lang="hu-HU" dirty="0"/>
+              <a:t> </a:t>
+            </a:r>
+            <a:r>
+              <a:rPr lang="hu-HU" dirty="0" err="1"/>
+              <a:t>having</a:t>
+            </a:r>
+            <a:r>
+              <a:rPr lang="hu-HU" dirty="0"/>
+              <a:t> </a:t>
+            </a:r>
+            <a:r>
+              <a:rPr lang="hu-HU" dirty="0" err="1"/>
+              <a:t>them</a:t>
+            </a:r>
+            <a:r>
+              <a:rPr lang="hu-HU" dirty="0"/>
+              <a:t> </a:t>
+            </a:r>
+            <a:r>
+              <a:rPr lang="hu-HU" dirty="0" err="1"/>
+              <a:t>depend</a:t>
+            </a:r>
+            <a:r>
+              <a:rPr lang="hu-HU" dirty="0"/>
+              <a:t> </a:t>
+            </a:r>
+            <a:r>
+              <a:rPr lang="hu-HU" dirty="0" err="1"/>
+              <a:t>on</a:t>
+            </a:r>
+            <a:r>
+              <a:rPr lang="hu-HU" dirty="0"/>
+              <a:t> Adapter </a:t>
+            </a:r>
+            <a:r>
+              <a:rPr lang="hu-HU" dirty="0" err="1"/>
+              <a:t>interface</a:t>
+            </a:r>
+            <a:r>
+              <a:rPr lang="hu-HU" dirty="0"/>
+              <a:t>, </a:t>
+            </a:r>
+            <a:r>
+              <a:rPr lang="hu-HU" dirty="0" err="1"/>
+              <a:t>rather</a:t>
+            </a:r>
+            <a:r>
+              <a:rPr lang="hu-HU" dirty="0"/>
+              <a:t> </a:t>
+            </a:r>
+            <a:r>
+              <a:rPr lang="hu-HU" dirty="0" err="1"/>
+              <a:t>than</a:t>
+            </a:r>
+            <a:r>
+              <a:rPr lang="hu-HU" dirty="0"/>
+              <a:t> </a:t>
+            </a:r>
+            <a:r>
+              <a:rPr lang="hu-HU" dirty="0" err="1"/>
+              <a:t>concrete</a:t>
+            </a:r>
+            <a:r>
+              <a:rPr lang="hu-HU" dirty="0"/>
+              <a:t> </a:t>
+            </a:r>
+            <a:r>
+              <a:rPr lang="hu-HU" dirty="0" err="1"/>
+              <a:t>classes</a:t>
+            </a:r>
+            <a:r>
+              <a:rPr lang="hu-HU" dirty="0"/>
+              <a:t> </a:t>
+            </a:r>
+            <a:r>
+              <a:rPr lang="hu-HU" dirty="0" err="1"/>
+              <a:t>directly</a:t>
+            </a:r>
+            <a:r>
+              <a:rPr lang="hu-HU" dirty="0"/>
+              <a:t>.</a:t>
+            </a:r>
           </a:p>
         </p:txBody>
       </p:sp>
@@ -5487,10 +6429,56 @@
           </a:p>
         </p:txBody>
       </p:sp>
+      <p:sp>
+        <p:nvSpPr>
+          <p:cNvPr id="5" name="Date Placeholder 4"/>
+          <p:cNvSpPr>
+            <a:spLocks noGrp="1"/>
+          </p:cNvSpPr>
+          <p:nvPr>
+            <p:ph type="dt" sz="half" idx="10"/>
+          </p:nvPr>
+        </p:nvSpPr>
+        <p:spPr/>
+        <p:txBody>
+          <a:bodyPr/>
+          <a:lstStyle/>
+          <a:p>
+            <a:fld id="{7B790B5C-8349-4D98-9096-2132C3237BF4}" type="datetime1">
+              <a:rPr lang="hu-HU" smtClean="0"/>
+              <a:t>2016.05.26.</a:t>
+            </a:fld>
+            <a:endParaRPr lang="hu-HU"/>
+          </a:p>
+        </p:txBody>
+      </p:sp>
+      <p:sp>
+        <p:nvSpPr>
+          <p:cNvPr id="6" name="Footer Placeholder 5"/>
+          <p:cNvSpPr>
+            <a:spLocks noGrp="1"/>
+          </p:cNvSpPr>
+          <p:nvPr>
+            <p:ph type="ftr" sz="quarter" idx="11"/>
+          </p:nvPr>
+        </p:nvSpPr>
+        <p:spPr/>
+        <p:txBody>
+          <a:bodyPr/>
+          <a:lstStyle/>
+          <a:p>
+            <a:r>
+              <a:rPr lang="en-US"/>
+              <a:t>Introduction to Design Patterns and Adapter Pattern </a:t>
+            </a:r>
+            <a:endParaRPr lang="hu-HU"/>
+          </a:p>
+        </p:txBody>
+      </p:sp>
     </p:spTree>
     <p:extLst>
       <p:ext uri="{BB962C8B-B14F-4D97-AF65-F5344CB8AC3E}">
-        <p14:creationId xmlns:p14="http://schemas.microsoft.com/office/powerpoint/2010/main" val="30835261"/>
+        <p14:creationId xmlns:p14="http://schemas.microsoft.com/office/powerpoint/2010/main" val="900672435"/>
       </p:ext>
     </p:extLst>
   </p:cSld>
@@ -5600,6 +6588,52 @@
           </a:p>
         </p:txBody>
       </p:sp>
+      <p:sp>
+        <p:nvSpPr>
+          <p:cNvPr id="5" name="Date Placeholder 4"/>
+          <p:cNvSpPr>
+            <a:spLocks noGrp="1"/>
+          </p:cNvSpPr>
+          <p:nvPr>
+            <p:ph type="dt" sz="half" idx="10"/>
+          </p:nvPr>
+        </p:nvSpPr>
+        <p:spPr/>
+        <p:txBody>
+          <a:bodyPr/>
+          <a:lstStyle/>
+          <a:p>
+            <a:fld id="{79C10B16-BFCD-40CC-988B-AB9B2E58F7D0}" type="datetime1">
+              <a:rPr lang="hu-HU" smtClean="0"/>
+              <a:t>2016.05.26.</a:t>
+            </a:fld>
+            <a:endParaRPr lang="hu-HU"/>
+          </a:p>
+        </p:txBody>
+      </p:sp>
+      <p:sp>
+        <p:nvSpPr>
+          <p:cNvPr id="6" name="Footer Placeholder 5"/>
+          <p:cNvSpPr>
+            <a:spLocks noGrp="1"/>
+          </p:cNvSpPr>
+          <p:nvPr>
+            <p:ph type="ftr" sz="quarter" idx="11"/>
+          </p:nvPr>
+        </p:nvSpPr>
+        <p:spPr/>
+        <p:txBody>
+          <a:bodyPr/>
+          <a:lstStyle/>
+          <a:p>
+            <a:r>
+              <a:rPr lang="en-US"/>
+              <a:t>Introduction to Design Patterns and Adapter Pattern </a:t>
+            </a:r>
+            <a:endParaRPr lang="hu-HU"/>
+          </a:p>
+        </p:txBody>
+      </p:sp>
     </p:spTree>
     <p:extLst>
       <p:ext uri="{BB962C8B-B14F-4D97-AF65-F5344CB8AC3E}">
@@ -5610,13 +6644,6 @@
   <p:clrMapOvr>
     <a:masterClrMapping/>
   </p:clrMapOvr>
-  <p:timing>
-    <p:tnLst>
-      <p:par>
-        <p:cTn id="1" dur="indefinite" restart="never" nodeType="tmRoot"/>
-      </p:par>
-    </p:tnLst>
-  </p:timing>
 </p:sld>
 </file>
 
@@ -6104,6 +7131,52 @@
           </a:p>
         </p:txBody>
       </p:sp>
+      <p:sp>
+        <p:nvSpPr>
+          <p:cNvPr id="5" name="Date Placeholder 4"/>
+          <p:cNvSpPr>
+            <a:spLocks noGrp="1"/>
+          </p:cNvSpPr>
+          <p:nvPr>
+            <p:ph type="dt" sz="half" idx="10"/>
+          </p:nvPr>
+        </p:nvSpPr>
+        <p:spPr/>
+        <p:txBody>
+          <a:bodyPr/>
+          <a:lstStyle/>
+          <a:p>
+            <a:fld id="{2A877809-83E5-49EF-901A-425B6CBBB636}" type="datetime1">
+              <a:rPr lang="hu-HU" smtClean="0"/>
+              <a:t>2016.05.26.</a:t>
+            </a:fld>
+            <a:endParaRPr lang="hu-HU"/>
+          </a:p>
+        </p:txBody>
+      </p:sp>
+      <p:sp>
+        <p:nvSpPr>
+          <p:cNvPr id="6" name="Footer Placeholder 5"/>
+          <p:cNvSpPr>
+            <a:spLocks noGrp="1"/>
+          </p:cNvSpPr>
+          <p:nvPr>
+            <p:ph type="ftr" sz="quarter" idx="11"/>
+          </p:nvPr>
+        </p:nvSpPr>
+        <p:spPr/>
+        <p:txBody>
+          <a:bodyPr/>
+          <a:lstStyle/>
+          <a:p>
+            <a:r>
+              <a:rPr lang="en-US"/>
+              <a:t>Introduction to Design Patterns and Adapter Pattern </a:t>
+            </a:r>
+            <a:endParaRPr lang="hu-HU"/>
+          </a:p>
+        </p:txBody>
+      </p:sp>
     </p:spTree>
     <p:extLst>
       <p:ext uri="{BB962C8B-B14F-4D97-AF65-F5344CB8AC3E}">
@@ -6114,13 +7187,6 @@
   <p:clrMapOvr>
     <a:masterClrMapping/>
   </p:clrMapOvr>
-  <p:timing>
-    <p:tnLst>
-      <p:par>
-        <p:cTn id="1" dur="indefinite" restart="never" nodeType="tmRoot"/>
-      </p:par>
-    </p:tnLst>
-  </p:timing>
 </p:sld>
 </file>
 
@@ -6160,7 +7226,483 @@
               <a:rPr lang="sv-SE" dirty="0" err="1"/>
               <a:t>Example</a:t>
             </a:r>
+            <a:r>
+              <a:rPr lang="sv-SE" dirty="0"/>
+              <a:t> II.</a:t>
+            </a:r>
+          </a:p>
+        </p:txBody>
+      </p:sp>
+      <p:sp>
+        <p:nvSpPr>
+          <p:cNvPr id="3" name="Content Placeholder 2"/>
+          <p:cNvSpPr>
+            <a:spLocks noGrp="1"/>
+          </p:cNvSpPr>
+          <p:nvPr>
+            <p:ph idx="1"/>
+          </p:nvPr>
+        </p:nvSpPr>
+        <p:spPr/>
+        <p:txBody>
+          <a:bodyPr>
+            <a:normAutofit fontScale="92500" lnSpcReduction="10000"/>
+          </a:bodyPr>
+          <a:lstStyle/>
+          <a:p>
+            <a:r>
+              <a:rPr lang="sv-SE" dirty="0" err="1"/>
+              <a:t>Drawing</a:t>
+            </a:r>
+            <a:r>
+              <a:rPr lang="sv-SE" dirty="0"/>
+              <a:t> editor </a:t>
+            </a:r>
+            <a:r>
+              <a:rPr lang="sv-SE" dirty="0" err="1"/>
+              <a:t>application</a:t>
+            </a:r>
             <a:endParaRPr lang="sv-SE" dirty="0"/>
+          </a:p>
+          <a:p>
+            <a:r>
+              <a:rPr lang="sv-SE" dirty="0"/>
+              <a:t>The interface for </a:t>
+            </a:r>
+            <a:r>
+              <a:rPr lang="sv-SE" dirty="0" err="1"/>
+              <a:t>graphical</a:t>
+            </a:r>
+            <a:r>
+              <a:rPr lang="sv-SE" dirty="0"/>
+              <a:t> </a:t>
+            </a:r>
+            <a:r>
+              <a:rPr lang="sv-SE" dirty="0" err="1"/>
+              <a:t>objects</a:t>
+            </a:r>
+            <a:r>
+              <a:rPr lang="sv-SE" dirty="0"/>
+              <a:t> is </a:t>
+            </a:r>
+            <a:r>
+              <a:rPr lang="sv-SE" dirty="0" err="1"/>
+              <a:t>defined</a:t>
+            </a:r>
+            <a:r>
+              <a:rPr lang="sv-SE" dirty="0"/>
+              <a:t> as an abstract </a:t>
+            </a:r>
+            <a:r>
+              <a:rPr lang="sv-SE" dirty="0" err="1"/>
+              <a:t>class</a:t>
+            </a:r>
+            <a:r>
+              <a:rPr lang="sv-SE" dirty="0"/>
+              <a:t> </a:t>
+            </a:r>
+            <a:r>
+              <a:rPr lang="sv-SE" dirty="0" err="1"/>
+              <a:t>Shape</a:t>
+            </a:r>
+            <a:r>
+              <a:rPr lang="sv-SE" dirty="0"/>
+              <a:t>.</a:t>
+            </a:r>
+          </a:p>
+          <a:p>
+            <a:r>
+              <a:rPr lang="sv-SE" dirty="0" err="1"/>
+              <a:t>Subclass</a:t>
+            </a:r>
+            <a:r>
+              <a:rPr lang="sv-SE" dirty="0"/>
+              <a:t> </a:t>
+            </a:r>
+            <a:r>
+              <a:rPr lang="sv-SE" dirty="0" err="1"/>
+              <a:t>of</a:t>
+            </a:r>
+            <a:r>
+              <a:rPr lang="sv-SE" dirty="0"/>
+              <a:t> </a:t>
+            </a:r>
+            <a:r>
+              <a:rPr lang="sv-SE" dirty="0" err="1"/>
+              <a:t>shapes</a:t>
+            </a:r>
+            <a:r>
+              <a:rPr lang="sv-SE" dirty="0"/>
+              <a:t>: </a:t>
+            </a:r>
+            <a:r>
+              <a:rPr lang="sv-SE" dirty="0" err="1"/>
+              <a:t>LineShape</a:t>
+            </a:r>
+            <a:r>
+              <a:rPr lang="sv-SE" dirty="0"/>
+              <a:t>, </a:t>
+            </a:r>
+            <a:r>
+              <a:rPr lang="sv-SE" dirty="0" err="1"/>
+              <a:t>PolygonShape</a:t>
+            </a:r>
+            <a:r>
+              <a:rPr lang="sv-SE" dirty="0"/>
+              <a:t> etc...</a:t>
+            </a:r>
+          </a:p>
+          <a:p>
+            <a:r>
+              <a:rPr lang="sv-SE" dirty="0" err="1"/>
+              <a:t>LineShape</a:t>
+            </a:r>
+            <a:r>
+              <a:rPr lang="sv-SE" dirty="0"/>
+              <a:t> and </a:t>
+            </a:r>
+            <a:r>
+              <a:rPr lang="sv-SE" dirty="0" err="1"/>
+              <a:t>PolygonShape</a:t>
+            </a:r>
+            <a:r>
+              <a:rPr lang="sv-SE" dirty="0"/>
+              <a:t> implementation is </a:t>
+            </a:r>
+            <a:r>
+              <a:rPr lang="sv-SE" dirty="0" err="1"/>
+              <a:t>easy</a:t>
+            </a:r>
+            <a:r>
+              <a:rPr lang="sv-SE" dirty="0"/>
+              <a:t>, </a:t>
+            </a:r>
+            <a:r>
+              <a:rPr lang="sv-SE" dirty="0" err="1"/>
+              <a:t>but</a:t>
+            </a:r>
+            <a:r>
+              <a:rPr lang="sv-SE" dirty="0"/>
+              <a:t> </a:t>
+            </a:r>
+            <a:r>
+              <a:rPr lang="sv-SE" dirty="0" err="1"/>
+              <a:t>TextShape</a:t>
+            </a:r>
+            <a:r>
+              <a:rPr lang="sv-SE" dirty="0"/>
+              <a:t> </a:t>
+            </a:r>
+            <a:r>
+              <a:rPr lang="sv-SE" dirty="0" err="1"/>
+              <a:t>subclass</a:t>
+            </a:r>
+            <a:r>
+              <a:rPr lang="sv-SE" dirty="0"/>
+              <a:t> </a:t>
+            </a:r>
+            <a:r>
+              <a:rPr lang="sv-SE" dirty="0" err="1"/>
+              <a:t>that</a:t>
+            </a:r>
+            <a:r>
+              <a:rPr lang="sv-SE" dirty="0"/>
+              <a:t> </a:t>
+            </a:r>
+            <a:r>
+              <a:rPr lang="sv-SE" dirty="0" err="1"/>
+              <a:t>can</a:t>
+            </a:r>
+            <a:r>
+              <a:rPr lang="sv-SE" dirty="0"/>
+              <a:t> display and </a:t>
+            </a:r>
+            <a:r>
+              <a:rPr lang="sv-SE" dirty="0" err="1"/>
+              <a:t>edit</a:t>
+            </a:r>
+            <a:r>
+              <a:rPr lang="sv-SE" dirty="0"/>
+              <a:t> text is </a:t>
+            </a:r>
+            <a:r>
+              <a:rPr lang="sv-SE" dirty="0" err="1"/>
+              <a:t>little</a:t>
+            </a:r>
+            <a:r>
+              <a:rPr lang="sv-SE" dirty="0"/>
+              <a:t> bit </a:t>
+            </a:r>
+            <a:r>
+              <a:rPr lang="sv-SE" dirty="0" err="1"/>
+              <a:t>more</a:t>
+            </a:r>
+            <a:r>
+              <a:rPr lang="sv-SE" dirty="0"/>
+              <a:t> </a:t>
+            </a:r>
+            <a:r>
+              <a:rPr lang="sv-SE" dirty="0" err="1"/>
+              <a:t>difficult</a:t>
+            </a:r>
+            <a:r>
+              <a:rPr lang="sv-SE" dirty="0"/>
+              <a:t>.</a:t>
+            </a:r>
+          </a:p>
+          <a:p>
+            <a:r>
+              <a:rPr lang="sv-SE" dirty="0" err="1"/>
+              <a:t>We</a:t>
+            </a:r>
+            <a:r>
+              <a:rPr lang="sv-SE" dirty="0"/>
+              <a:t> </a:t>
+            </a:r>
+            <a:r>
+              <a:rPr lang="sv-SE" dirty="0" err="1"/>
+              <a:t>would</a:t>
+            </a:r>
+            <a:r>
+              <a:rPr lang="sv-SE" dirty="0"/>
+              <a:t> like to </a:t>
+            </a:r>
+            <a:r>
+              <a:rPr lang="sv-SE" dirty="0" err="1"/>
+              <a:t>use</a:t>
+            </a:r>
+            <a:r>
+              <a:rPr lang="sv-SE" dirty="0"/>
+              <a:t> an off-the-</a:t>
+            </a:r>
+            <a:r>
+              <a:rPr lang="sv-SE" dirty="0" err="1"/>
+              <a:t>shelf</a:t>
+            </a:r>
+            <a:r>
+              <a:rPr lang="sv-SE" dirty="0"/>
+              <a:t> </a:t>
+            </a:r>
+            <a:r>
+              <a:rPr lang="sv-SE" dirty="0" err="1"/>
+              <a:t>user</a:t>
+            </a:r>
+            <a:r>
+              <a:rPr lang="sv-SE" dirty="0"/>
+              <a:t> interface </a:t>
+            </a:r>
+            <a:r>
+              <a:rPr lang="sv-SE" dirty="0" err="1"/>
+              <a:t>toolkit</a:t>
+            </a:r>
+            <a:r>
+              <a:rPr lang="sv-SE" dirty="0"/>
+              <a:t>(</a:t>
+            </a:r>
+            <a:r>
+              <a:rPr lang="sv-SE" dirty="0" err="1"/>
+              <a:t>called</a:t>
+            </a:r>
+            <a:r>
+              <a:rPr lang="sv-SE" dirty="0"/>
+              <a:t> </a:t>
+            </a:r>
+            <a:r>
+              <a:rPr lang="sv-SE" dirty="0" err="1"/>
+              <a:t>Textview</a:t>
+            </a:r>
+            <a:r>
+              <a:rPr lang="sv-SE" dirty="0"/>
+              <a:t>).</a:t>
+            </a:r>
+          </a:p>
+          <a:p>
+            <a:r>
+              <a:rPr lang="sv-SE" dirty="0" err="1"/>
+              <a:t>Ideally</a:t>
+            </a:r>
+            <a:r>
+              <a:rPr lang="sv-SE" dirty="0"/>
+              <a:t> </a:t>
+            </a:r>
+            <a:r>
+              <a:rPr lang="sv-SE" dirty="0" err="1"/>
+              <a:t>we</a:t>
+            </a:r>
+            <a:r>
+              <a:rPr lang="sv-SE" dirty="0"/>
+              <a:t> </a:t>
+            </a:r>
+            <a:r>
+              <a:rPr lang="sv-SE" dirty="0" err="1"/>
+              <a:t>would</a:t>
+            </a:r>
+            <a:r>
+              <a:rPr lang="sv-SE" dirty="0"/>
+              <a:t> like to </a:t>
+            </a:r>
+            <a:r>
+              <a:rPr lang="sv-SE" dirty="0" err="1"/>
+              <a:t>reuse</a:t>
+            </a:r>
+            <a:r>
+              <a:rPr lang="sv-SE" dirty="0"/>
+              <a:t> </a:t>
+            </a:r>
+            <a:r>
+              <a:rPr lang="sv-SE" dirty="0" err="1"/>
+              <a:t>TextView</a:t>
+            </a:r>
+            <a:r>
+              <a:rPr lang="sv-SE" dirty="0"/>
+              <a:t> to </a:t>
+            </a:r>
+            <a:r>
+              <a:rPr lang="sv-SE" dirty="0" err="1"/>
+              <a:t>implement</a:t>
+            </a:r>
+            <a:r>
+              <a:rPr lang="sv-SE" dirty="0"/>
+              <a:t> </a:t>
+            </a:r>
+            <a:r>
+              <a:rPr lang="sv-SE" dirty="0" err="1"/>
+              <a:t>TextShape</a:t>
+            </a:r>
+            <a:r>
+              <a:rPr lang="sv-SE" dirty="0"/>
+              <a:t>, </a:t>
+            </a:r>
+            <a:r>
+              <a:rPr lang="sv-SE" dirty="0" err="1"/>
+              <a:t>but</a:t>
+            </a:r>
+            <a:r>
+              <a:rPr lang="sv-SE" dirty="0"/>
+              <a:t> the </a:t>
+            </a:r>
+            <a:r>
+              <a:rPr lang="sv-SE" dirty="0" err="1"/>
+              <a:t>toolkit</a:t>
+            </a:r>
+            <a:r>
+              <a:rPr lang="sv-SE" dirty="0"/>
+              <a:t> interface is different. So </a:t>
+            </a:r>
+            <a:r>
+              <a:rPr lang="sv-SE" dirty="0" err="1"/>
+              <a:t>we</a:t>
+            </a:r>
+            <a:r>
+              <a:rPr lang="sv-SE" dirty="0"/>
+              <a:t> </a:t>
+            </a:r>
+            <a:r>
+              <a:rPr lang="sv-SE" dirty="0" err="1"/>
+              <a:t>cant</a:t>
+            </a:r>
+            <a:r>
+              <a:rPr lang="sv-SE" dirty="0"/>
+              <a:t> </a:t>
+            </a:r>
+            <a:r>
+              <a:rPr lang="sv-SE" dirty="0" err="1"/>
+              <a:t>use</a:t>
+            </a:r>
+            <a:r>
+              <a:rPr lang="sv-SE" dirty="0"/>
+              <a:t> </a:t>
+            </a:r>
+            <a:r>
+              <a:rPr lang="sv-SE" dirty="0" err="1"/>
+              <a:t>TextView</a:t>
+            </a:r>
+            <a:r>
+              <a:rPr lang="sv-SE" dirty="0"/>
+              <a:t> and </a:t>
+            </a:r>
+            <a:r>
+              <a:rPr lang="sv-SE" dirty="0" err="1"/>
+              <a:t>Shape</a:t>
+            </a:r>
+            <a:r>
+              <a:rPr lang="sv-SE" dirty="0"/>
+              <a:t> </a:t>
+            </a:r>
+            <a:r>
+              <a:rPr lang="sv-SE" dirty="0" err="1"/>
+              <a:t>objects</a:t>
+            </a:r>
+            <a:r>
+              <a:rPr lang="sv-SE" dirty="0"/>
+              <a:t> </a:t>
+            </a:r>
+            <a:r>
+              <a:rPr lang="sv-SE" dirty="0" err="1"/>
+              <a:t>interchangeably</a:t>
+            </a:r>
+            <a:r>
+              <a:rPr lang="sv-SE" dirty="0"/>
+              <a:t>.</a:t>
+            </a:r>
+          </a:p>
+          <a:p>
+            <a:r>
+              <a:rPr lang="sv-SE" dirty="0" err="1"/>
+              <a:t>TextView</a:t>
+            </a:r>
+            <a:r>
+              <a:rPr lang="sv-SE" dirty="0"/>
+              <a:t> source </a:t>
+            </a:r>
+            <a:r>
+              <a:rPr lang="sv-SE" dirty="0" err="1"/>
+              <a:t>code</a:t>
+            </a:r>
+            <a:r>
+              <a:rPr lang="sv-SE" dirty="0"/>
+              <a:t> is not </a:t>
+            </a:r>
+            <a:r>
+              <a:rPr lang="sv-SE" dirty="0" err="1"/>
+              <a:t>available</a:t>
+            </a:r>
+            <a:r>
+              <a:rPr lang="sv-SE" dirty="0"/>
+              <a:t>, so </a:t>
+            </a:r>
+            <a:r>
+              <a:rPr lang="sv-SE" dirty="0" err="1"/>
+              <a:t>we</a:t>
+            </a:r>
+            <a:r>
+              <a:rPr lang="sv-SE" dirty="0"/>
+              <a:t> </a:t>
+            </a:r>
+            <a:r>
+              <a:rPr lang="sv-SE" dirty="0" err="1"/>
+              <a:t>can</a:t>
+            </a:r>
+            <a:r>
+              <a:rPr lang="sv-SE" dirty="0"/>
+              <a:t> not </a:t>
+            </a:r>
+            <a:r>
+              <a:rPr lang="sv-SE" dirty="0" err="1"/>
+              <a:t>change</a:t>
+            </a:r>
+            <a:r>
+              <a:rPr lang="sv-SE" dirty="0"/>
+              <a:t> </a:t>
+            </a:r>
+            <a:r>
+              <a:rPr lang="sv-SE" dirty="0" err="1"/>
+              <a:t>its</a:t>
+            </a:r>
+            <a:r>
+              <a:rPr lang="sv-SE" dirty="0"/>
+              <a:t> interface. </a:t>
+            </a:r>
           </a:p>
         </p:txBody>
       </p:sp>
@@ -6187,34 +7729,56 @@
           </a:p>
         </p:txBody>
       </p:sp>
-      <p:pic>
-        <p:nvPicPr>
-          <p:cNvPr id="5" name="Picture 4"/>
-          <p:cNvPicPr>
-            <a:picLocks noChangeAspect="1"/>
-          </p:cNvPicPr>
-          <p:nvPr/>
-        </p:nvPicPr>
-        <p:blipFill>
-          <a:blip r:embed="rId2"/>
-          <a:stretch>
-            <a:fillRect/>
-          </a:stretch>
-        </p:blipFill>
-        <p:spPr>
-          <a:xfrm>
-            <a:off x="1241323" y="1553035"/>
-            <a:ext cx="10337993" cy="3919537"/>
-          </a:xfrm>
-          <a:prstGeom prst="rect">
-            <a:avLst/>
-          </a:prstGeom>
-        </p:spPr>
-      </p:pic>
+      <p:sp>
+        <p:nvSpPr>
+          <p:cNvPr id="5" name="Date Placeholder 4"/>
+          <p:cNvSpPr>
+            <a:spLocks noGrp="1"/>
+          </p:cNvSpPr>
+          <p:nvPr>
+            <p:ph type="dt" sz="half" idx="10"/>
+          </p:nvPr>
+        </p:nvSpPr>
+        <p:spPr/>
+        <p:txBody>
+          <a:bodyPr/>
+          <a:lstStyle/>
+          <a:p>
+            <a:fld id="{9B89FD34-62EA-439C-8F97-8D7183FB77B4}" type="datetime1">
+              <a:rPr lang="hu-HU" smtClean="0"/>
+              <a:t>2016.05.26.</a:t>
+            </a:fld>
+            <a:endParaRPr lang="hu-HU"/>
+          </a:p>
+        </p:txBody>
+      </p:sp>
+      <p:sp>
+        <p:nvSpPr>
+          <p:cNvPr id="6" name="Footer Placeholder 5"/>
+          <p:cNvSpPr>
+            <a:spLocks noGrp="1"/>
+          </p:cNvSpPr>
+          <p:nvPr>
+            <p:ph type="ftr" sz="quarter" idx="11"/>
+          </p:nvPr>
+        </p:nvSpPr>
+        <p:spPr/>
+        <p:txBody>
+          <a:bodyPr/>
+          <a:lstStyle/>
+          <a:p>
+            <a:r>
+              <a:rPr lang="en-US"/>
+              <a:t>Introduction to Design Patterns and Adapter Pattern </a:t>
+            </a:r>
+            <a:endParaRPr lang="hu-HU"/>
+          </a:p>
+        </p:txBody>
+      </p:sp>
     </p:spTree>
     <p:extLst>
       <p:ext uri="{BB962C8B-B14F-4D97-AF65-F5344CB8AC3E}">
-        <p14:creationId xmlns:p14="http://schemas.microsoft.com/office/powerpoint/2010/main" val="3409929667"/>
+        <p14:creationId xmlns:p14="http://schemas.microsoft.com/office/powerpoint/2010/main" val="1238826453"/>
       </p:ext>
     </p:extLst>
   </p:cSld>
@@ -6243,7 +7807,7 @@
       </p:grpSpPr>
       <p:sp>
         <p:nvSpPr>
-          <p:cNvPr id="2" name="Cím 1"/>
+          <p:cNvPr id="2" name="Title 1"/>
           <p:cNvSpPr>
             <a:spLocks noGrp="1"/>
           </p:cNvSpPr>
@@ -6257,27 +7821,19 @@
           <a:lstStyle/>
           <a:p>
             <a:r>
-              <a:rPr lang="hu-HU" dirty="0" err="1"/>
-              <a:t>Class</a:t>
-            </a:r>
-            <a:r>
-              <a:rPr lang="hu-HU" dirty="0"/>
-              <a:t> Adapter </a:t>
-            </a:r>
-            <a:r>
-              <a:rPr lang="hu-HU" dirty="0" err="1"/>
-              <a:t>Class</a:t>
-            </a:r>
-            <a:r>
-              <a:rPr lang="hu-HU" dirty="0"/>
-              <a:t> Diagram</a:t>
-            </a:r>
-          </a:p>
-        </p:txBody>
-      </p:sp>
-      <p:sp>
-        <p:nvSpPr>
-          <p:cNvPr id="3" name="Slide Number Placeholder 2"/>
+              <a:rPr lang="sv-SE" dirty="0" err="1"/>
+              <a:t>Example</a:t>
+            </a:r>
+            <a:r>
+              <a:rPr lang="sv-SE" dirty="0"/>
+              <a:t> II.</a:t>
+            </a:r>
+          </a:p>
+        </p:txBody>
+      </p:sp>
+      <p:sp>
+        <p:nvSpPr>
+          <p:cNvPr id="4" name="Slide Number Placeholder 3"/>
           <p:cNvSpPr>
             <a:spLocks noGrp="1"/>
           </p:cNvSpPr>
@@ -6300,7 +7856,7 @@
       </p:sp>
       <p:pic>
         <p:nvPicPr>
-          <p:cNvPr id="4" name="Kép 3"/>
+          <p:cNvPr id="5" name="Picture 4"/>
           <p:cNvPicPr>
             <a:picLocks noChangeAspect="1"/>
           </p:cNvPicPr>
@@ -6314,18 +7870,64 @@
         </p:blipFill>
         <p:spPr>
           <a:xfrm>
-            <a:off x="1285875" y="1624012"/>
-            <a:ext cx="9620250" cy="3609975"/>
+            <a:off x="1241323" y="1553035"/>
+            <a:ext cx="10337993" cy="3919537"/>
           </a:xfrm>
           <a:prstGeom prst="rect">
             <a:avLst/>
           </a:prstGeom>
         </p:spPr>
       </p:pic>
+      <p:sp>
+        <p:nvSpPr>
+          <p:cNvPr id="3" name="Date Placeholder 2"/>
+          <p:cNvSpPr>
+            <a:spLocks noGrp="1"/>
+          </p:cNvSpPr>
+          <p:nvPr>
+            <p:ph type="dt" sz="half" idx="10"/>
+          </p:nvPr>
+        </p:nvSpPr>
+        <p:spPr/>
+        <p:txBody>
+          <a:bodyPr/>
+          <a:lstStyle/>
+          <a:p>
+            <a:fld id="{2FA24B5B-913E-4BD8-97EA-78EDF5C82E7D}" type="datetime1">
+              <a:rPr lang="hu-HU" smtClean="0"/>
+              <a:t>2016.05.26.</a:t>
+            </a:fld>
+            <a:endParaRPr lang="hu-HU"/>
+          </a:p>
+        </p:txBody>
+      </p:sp>
+      <p:sp>
+        <p:nvSpPr>
+          <p:cNvPr id="6" name="Footer Placeholder 5"/>
+          <p:cNvSpPr>
+            <a:spLocks noGrp="1"/>
+          </p:cNvSpPr>
+          <p:nvPr>
+            <p:ph type="ftr" sz="quarter" idx="11"/>
+          </p:nvPr>
+        </p:nvSpPr>
+        <p:spPr/>
+        <p:txBody>
+          <a:bodyPr/>
+          <a:lstStyle/>
+          <a:p>
+            <a:r>
+              <a:rPr lang="en-US"/>
+              <a:t>Introduction to Design Patterns and Adapter Pattern </a:t>
+            </a:r>
+            <a:endParaRPr lang="hu-HU"/>
+          </a:p>
+        </p:txBody>
+      </p:sp>
     </p:spTree>
     <p:extLst>
       <p:ext uri="{BB962C8B-B14F-4D97-AF65-F5344CB8AC3E}">
-        <p14:creationId xmlns:p14="http://schemas.microsoft.com/office/powerpoint/2010/main" val="2142353860"/>
+        <p14:creationId xmlns:p14="http://schemas.microsoft.com/office/powerpoint/2010/main" val="3409929667"/>
       </p:ext>
     </p:extLst>
   </p:cSld>
@@ -6437,15 +8039,15 @@
           <a:p>
             <a:pPr lvl="1"/>
             <a:r>
-              <a:rPr lang="sv-SE" dirty="0" smtClean="0"/>
+              <a:rPr lang="sv-SE" dirty="0"/>
               <a:t>Applicability</a:t>
             </a:r>
-            <a:endParaRPr lang="hu-HU" dirty="0" smtClean="0"/>
+            <a:endParaRPr lang="hu-HU" dirty="0"/>
           </a:p>
           <a:p>
             <a:pPr lvl="1"/>
             <a:r>
-              <a:rPr lang="hu-HU" dirty="0" err="1" smtClean="0"/>
+              <a:rPr lang="hu-HU" dirty="0" err="1"/>
               <a:t>Intent</a:t>
             </a:r>
             <a:endParaRPr lang="sv-SE" dirty="0"/>
@@ -6456,19 +8058,20 @@
               <a:rPr lang="sv-SE" dirty="0"/>
               <a:t>Class Diagram</a:t>
             </a:r>
+            <a:r>
+              <a:rPr lang="hu-HU" dirty="0"/>
+              <a:t> of the class and object Adapter</a:t>
+            </a:r>
+            <a:endParaRPr lang="sv-SE" dirty="0"/>
           </a:p>
           <a:p>
             <a:pPr lvl="1"/>
             <a:r>
               <a:rPr lang="sv-SE" dirty="0"/>
-              <a:t>Code </a:t>
-            </a:r>
-            <a:r>
-              <a:rPr lang="sv-SE" dirty="0" smtClean="0"/>
-              <a:t>example</a:t>
-            </a:r>
-            <a:r>
-              <a:rPr lang="hu-HU" dirty="0" smtClean="0"/>
+              <a:t>Code example</a:t>
+            </a:r>
+            <a:r>
+              <a:rPr lang="hu-HU" dirty="0"/>
               <a:t>s</a:t>
             </a:r>
             <a:endParaRPr lang="sv-SE" dirty="0"/>
@@ -6494,6 +8097,52 @@
               <a:rPr lang="hu-HU" smtClean="0"/>
               <a:t>2</a:t>
             </a:fld>
+            <a:endParaRPr lang="hu-HU"/>
+          </a:p>
+        </p:txBody>
+      </p:sp>
+      <p:sp>
+        <p:nvSpPr>
+          <p:cNvPr id="5" name="Date Placeholder 4"/>
+          <p:cNvSpPr>
+            <a:spLocks noGrp="1"/>
+          </p:cNvSpPr>
+          <p:nvPr>
+            <p:ph type="dt" sz="half" idx="10"/>
+          </p:nvPr>
+        </p:nvSpPr>
+        <p:spPr/>
+        <p:txBody>
+          <a:bodyPr/>
+          <a:lstStyle/>
+          <a:p>
+            <a:fld id="{AACCC550-BFB9-42FB-9F88-F9CE7281183F}" type="datetime1">
+              <a:rPr lang="hu-HU" smtClean="0"/>
+              <a:t>2016.05.26.</a:t>
+            </a:fld>
+            <a:endParaRPr lang="hu-HU"/>
+          </a:p>
+        </p:txBody>
+      </p:sp>
+      <p:sp>
+        <p:nvSpPr>
+          <p:cNvPr id="6" name="Footer Placeholder 5"/>
+          <p:cNvSpPr>
+            <a:spLocks noGrp="1"/>
+          </p:cNvSpPr>
+          <p:nvPr>
+            <p:ph type="ftr" sz="quarter" idx="11"/>
+          </p:nvPr>
+        </p:nvSpPr>
+        <p:spPr/>
+        <p:txBody>
+          <a:bodyPr/>
+          <a:lstStyle/>
+          <a:p>
+            <a:r>
+              <a:rPr lang="en-US"/>
+              <a:t>Introduction to Design Patterns and Adapter Pattern </a:t>
+            </a:r>
             <a:endParaRPr lang="hu-HU"/>
           </a:p>
         </p:txBody>
@@ -6530,7 +8179,7 @@
       </p:grpSpPr>
       <p:sp>
         <p:nvSpPr>
-          <p:cNvPr id="2" name="Cím 1"/>
+          <p:cNvPr id="2" name="Title 1"/>
           <p:cNvSpPr>
             <a:spLocks noGrp="1"/>
           </p:cNvSpPr>
@@ -6544,27 +8193,19 @@
           <a:lstStyle/>
           <a:p>
             <a:r>
-              <a:rPr lang="hu-HU" dirty="0" err="1"/>
-              <a:t>Object</a:t>
-            </a:r>
-            <a:r>
-              <a:rPr lang="hu-HU" dirty="0"/>
-              <a:t> Adapter vs. </a:t>
-            </a:r>
-            <a:r>
-              <a:rPr lang="hu-HU" dirty="0" err="1"/>
-              <a:t>Class</a:t>
-            </a:r>
-            <a:r>
-              <a:rPr lang="hu-HU" dirty="0"/>
-              <a:t> Adapter</a:t>
-            </a:r>
-          </a:p>
-        </p:txBody>
-      </p:sp>
-      <p:sp>
-        <p:nvSpPr>
-          <p:cNvPr id="3" name="Tartalom helye 2"/>
+              <a:rPr lang="sv-SE" dirty="0" err="1"/>
+              <a:t>Example</a:t>
+            </a:r>
+            <a:r>
+              <a:rPr lang="sv-SE" dirty="0"/>
+              <a:t> II</a:t>
+            </a:r>
+          </a:p>
+        </p:txBody>
+      </p:sp>
+      <p:sp>
+        <p:nvSpPr>
+          <p:cNvPr id="3" name="Content Placeholder 2"/>
           <p:cNvSpPr>
             <a:spLocks noGrp="1"/>
           </p:cNvSpPr>
@@ -6574,240 +8215,12 @@
         </p:nvSpPr>
         <p:spPr/>
         <p:txBody>
-          <a:bodyPr>
-            <a:normAutofit/>
-          </a:bodyPr>
-          <a:lstStyle/>
-          <a:p>
-            <a:r>
-              <a:rPr lang="hu-HU" sz="2400" dirty="0" err="1"/>
-              <a:t>Class</a:t>
-            </a:r>
-            <a:r>
-              <a:rPr lang="hu-HU" sz="2400" dirty="0"/>
-              <a:t> Adapter:</a:t>
-            </a:r>
-          </a:p>
-          <a:p>
-            <a:pPr lvl="1"/>
-            <a:r>
-              <a:rPr lang="en-US" sz="2000" dirty="0"/>
-              <a:t>adapts </a:t>
-            </a:r>
-            <a:r>
-              <a:rPr lang="en-US" sz="2000" dirty="0" err="1"/>
-              <a:t>Adaptee</a:t>
-            </a:r>
-            <a:r>
-              <a:rPr lang="en-US" sz="2000" dirty="0"/>
-              <a:t> to Target by committing to a concrete Adapter class. As a</a:t>
-            </a:r>
-            <a:r>
-              <a:rPr lang="hu-HU" sz="2000" dirty="0"/>
-              <a:t> </a:t>
-            </a:r>
-            <a:r>
-              <a:rPr lang="en-US" sz="2000" dirty="0"/>
-              <a:t>consequence, a class adapter won't work when we want to adapt a class </a:t>
-            </a:r>
-            <a:r>
-              <a:rPr lang="en-US" sz="2000" i="1" dirty="0"/>
-              <a:t>and</a:t>
-            </a:r>
-            <a:r>
-              <a:rPr lang="hu-HU" sz="2000" i="1" dirty="0"/>
-              <a:t> </a:t>
-            </a:r>
-            <a:r>
-              <a:rPr lang="hu-HU" sz="2000" dirty="0" err="1"/>
-              <a:t>all</a:t>
-            </a:r>
-            <a:r>
-              <a:rPr lang="hu-HU" sz="2000" dirty="0"/>
-              <a:t> </a:t>
-            </a:r>
-            <a:r>
-              <a:rPr lang="hu-HU" sz="2000" dirty="0" err="1"/>
-              <a:t>its</a:t>
-            </a:r>
-            <a:r>
-              <a:rPr lang="hu-HU" sz="2000" dirty="0"/>
-              <a:t> </a:t>
-            </a:r>
-            <a:r>
-              <a:rPr lang="hu-HU" sz="2000" dirty="0" err="1"/>
-              <a:t>subclasses</a:t>
-            </a:r>
-            <a:r>
-              <a:rPr lang="hu-HU" sz="2000" dirty="0"/>
-              <a:t>.</a:t>
-            </a:r>
-          </a:p>
-          <a:p>
-            <a:pPr lvl="1"/>
-            <a:r>
-              <a:rPr lang="en-US" sz="2000" dirty="0"/>
-              <a:t>lets Adapter override some of </a:t>
-            </a:r>
-            <a:r>
-              <a:rPr lang="en-US" sz="2000" dirty="0" err="1"/>
-              <a:t>Adaptee's</a:t>
-            </a:r>
-            <a:r>
-              <a:rPr lang="en-US" sz="2000" dirty="0"/>
-              <a:t> behavior, since Adapter is a</a:t>
-            </a:r>
-            <a:r>
-              <a:rPr lang="hu-HU" sz="2000" dirty="0"/>
-              <a:t> </a:t>
-            </a:r>
-            <a:r>
-              <a:rPr lang="hu-HU" sz="2000" dirty="0" err="1"/>
-              <a:t>subclass</a:t>
-            </a:r>
-            <a:r>
-              <a:rPr lang="hu-HU" sz="2000" dirty="0"/>
-              <a:t> of </a:t>
-            </a:r>
-            <a:r>
-              <a:rPr lang="hu-HU" sz="2000" dirty="0" err="1"/>
-              <a:t>Adaptee</a:t>
-            </a:r>
-            <a:r>
-              <a:rPr lang="hu-HU" sz="2000" dirty="0"/>
-              <a:t>.</a:t>
-            </a:r>
-          </a:p>
-          <a:p>
-            <a:pPr lvl="1"/>
-            <a:r>
-              <a:rPr lang="en-US" sz="2000" dirty="0"/>
-              <a:t>introduces only one object, and no additional pointer indirection is needed</a:t>
-            </a:r>
-            <a:r>
-              <a:rPr lang="hu-HU" sz="2000" dirty="0"/>
-              <a:t> </a:t>
-            </a:r>
-            <a:r>
-              <a:rPr lang="en-US" sz="2000" dirty="0"/>
-              <a:t>to get to the </a:t>
-            </a:r>
-            <a:r>
-              <a:rPr lang="en-US" sz="2000" dirty="0" err="1"/>
-              <a:t>adaptee</a:t>
-            </a:r>
-            <a:r>
-              <a:rPr lang="en-US" sz="2000" dirty="0"/>
-              <a:t>.</a:t>
-            </a:r>
-            <a:endParaRPr lang="hu-HU" sz="2000" dirty="0"/>
-          </a:p>
-          <a:p>
-            <a:endParaRPr lang="hu-HU" sz="2000" dirty="0"/>
-          </a:p>
-          <a:p>
-            <a:r>
-              <a:rPr lang="hu-HU" sz="2400" dirty="0" err="1"/>
-              <a:t>Object</a:t>
-            </a:r>
-            <a:r>
-              <a:rPr lang="hu-HU" sz="2400" dirty="0"/>
-              <a:t> Adapter:</a:t>
-            </a:r>
-          </a:p>
-          <a:p>
-            <a:pPr lvl="1"/>
-            <a:r>
-              <a:rPr lang="en-US" sz="2000" dirty="0"/>
-              <a:t>lets a single Adapter work with many </a:t>
-            </a:r>
-            <a:r>
-              <a:rPr lang="en-US" sz="2000" dirty="0" err="1"/>
-              <a:t>Adaptees</a:t>
-            </a:r>
-            <a:r>
-              <a:rPr lang="en-US" sz="2000" dirty="0"/>
-              <a:t>—that is, the </a:t>
-            </a:r>
-            <a:r>
-              <a:rPr lang="en-US" sz="2000" dirty="0" err="1"/>
-              <a:t>Adaptee</a:t>
-            </a:r>
-            <a:r>
-              <a:rPr lang="en-US" sz="2000" dirty="0"/>
-              <a:t> itself</a:t>
-            </a:r>
-            <a:r>
-              <a:rPr lang="hu-HU" sz="2000" dirty="0"/>
-              <a:t> </a:t>
-            </a:r>
-            <a:r>
-              <a:rPr lang="en-US" sz="2000" dirty="0"/>
-              <a:t>and all of its subclasses (if any). The Adapter can also add functionality</a:t>
-            </a:r>
-            <a:r>
-              <a:rPr lang="hu-HU" sz="2000" dirty="0"/>
-              <a:t> </a:t>
-            </a:r>
-            <a:r>
-              <a:rPr lang="en-US" sz="2000" dirty="0"/>
-              <a:t>to all </a:t>
-            </a:r>
-            <a:r>
-              <a:rPr lang="en-US" sz="2000" dirty="0" err="1"/>
-              <a:t>Adaptees</a:t>
-            </a:r>
-            <a:r>
-              <a:rPr lang="en-US" sz="2000" dirty="0"/>
-              <a:t> at once.</a:t>
-            </a:r>
-            <a:endParaRPr lang="hu-HU" sz="2000" dirty="0"/>
-          </a:p>
-          <a:p>
-            <a:pPr lvl="1"/>
-            <a:r>
-              <a:rPr lang="en-US" sz="2000" dirty="0"/>
-              <a:t>makes it harder to override </a:t>
-            </a:r>
-            <a:r>
-              <a:rPr lang="en-US" sz="2000" dirty="0" err="1"/>
-              <a:t>Adaptee</a:t>
-            </a:r>
-            <a:r>
-              <a:rPr lang="en-US" sz="2000" dirty="0"/>
-              <a:t> behavior. It will require </a:t>
-            </a:r>
-            <a:r>
-              <a:rPr lang="en-US" sz="2000" dirty="0" err="1"/>
-              <a:t>subclassing</a:t>
-            </a:r>
-            <a:r>
-              <a:rPr lang="hu-HU" sz="2000" dirty="0"/>
-              <a:t> </a:t>
-            </a:r>
-            <a:r>
-              <a:rPr lang="en-US" sz="2000" dirty="0" err="1"/>
-              <a:t>Adaptee</a:t>
-            </a:r>
-            <a:r>
-              <a:rPr lang="en-US" sz="2000" dirty="0"/>
-              <a:t> and making Adapter refer to the subclass rather than the </a:t>
-            </a:r>
-            <a:r>
-              <a:rPr lang="en-US" sz="2000" dirty="0" err="1"/>
-              <a:t>Adaptee</a:t>
-            </a:r>
-            <a:r>
-              <a:rPr lang="hu-HU" sz="2000" dirty="0"/>
-              <a:t> </a:t>
-            </a:r>
-            <a:r>
-              <a:rPr lang="hu-HU" sz="2000" dirty="0" err="1"/>
-              <a:t>itself</a:t>
-            </a:r>
-            <a:r>
-              <a:rPr lang="hu-HU" sz="2000" dirty="0"/>
-              <a:t>.</a:t>
+          <a:bodyPr/>
+          <a:lstStyle/>
+          <a:p>
+            <a:r>
+              <a:rPr lang="sv-SE" dirty="0"/>
+              <a:t>https://github.com/esziger/design_patterns/tree/master/Adapter_Examples/Adapter_shape/src</a:t>
             </a:r>
           </a:p>
         </p:txBody>
@@ -6835,10 +8248,56 @@
           </a:p>
         </p:txBody>
       </p:sp>
+      <p:sp>
+        <p:nvSpPr>
+          <p:cNvPr id="5" name="Date Placeholder 4"/>
+          <p:cNvSpPr>
+            <a:spLocks noGrp="1"/>
+          </p:cNvSpPr>
+          <p:nvPr>
+            <p:ph type="dt" sz="half" idx="10"/>
+          </p:nvPr>
+        </p:nvSpPr>
+        <p:spPr/>
+        <p:txBody>
+          <a:bodyPr/>
+          <a:lstStyle/>
+          <a:p>
+            <a:fld id="{6203697A-50FD-4782-AC27-A0CF69B7A280}" type="datetime1">
+              <a:rPr lang="hu-HU" smtClean="0"/>
+              <a:t>2016.05.26.</a:t>
+            </a:fld>
+            <a:endParaRPr lang="hu-HU"/>
+          </a:p>
+        </p:txBody>
+      </p:sp>
+      <p:sp>
+        <p:nvSpPr>
+          <p:cNvPr id="6" name="Footer Placeholder 5"/>
+          <p:cNvSpPr>
+            <a:spLocks noGrp="1"/>
+          </p:cNvSpPr>
+          <p:nvPr>
+            <p:ph type="ftr" sz="quarter" idx="11"/>
+          </p:nvPr>
+        </p:nvSpPr>
+        <p:spPr/>
+        <p:txBody>
+          <a:bodyPr/>
+          <a:lstStyle/>
+          <a:p>
+            <a:r>
+              <a:rPr lang="en-US"/>
+              <a:t>Introduction to Design Patterns and Adapter Pattern </a:t>
+            </a:r>
+            <a:endParaRPr lang="hu-HU"/>
+          </a:p>
+        </p:txBody>
+      </p:sp>
     </p:spTree>
     <p:extLst>
       <p:ext uri="{BB962C8B-B14F-4D97-AF65-F5344CB8AC3E}">
-        <p14:creationId xmlns:p14="http://schemas.microsoft.com/office/powerpoint/2010/main" val="2819883161"/>
+        <p14:creationId xmlns:p14="http://schemas.microsoft.com/office/powerpoint/2010/main" val="3127994624"/>
       </p:ext>
     </p:extLst>
   </p:cSld>
@@ -6882,80 +8341,26 @@
           <a:p>
             <a:r>
               <a:rPr lang="hu-HU" dirty="0" err="1"/>
-              <a:t>Related</a:t>
-            </a:r>
-            <a:r>
-              <a:rPr lang="hu-HU" dirty="0"/>
-              <a:t> </a:t>
-            </a:r>
-            <a:r>
-              <a:rPr lang="hu-HU" dirty="0" err="1"/>
-              <a:t>Patterns</a:t>
-            </a:r>
-            <a:endParaRPr lang="hu-HU" dirty="0"/>
-          </a:p>
-        </p:txBody>
-      </p:sp>
-      <p:sp>
-        <p:nvSpPr>
-          <p:cNvPr id="3" name="Tartalom helye 2"/>
-          <p:cNvSpPr>
-            <a:spLocks noGrp="1"/>
-          </p:cNvSpPr>
-          <p:nvPr>
-            <p:ph idx="1"/>
-          </p:nvPr>
-        </p:nvSpPr>
-        <p:spPr/>
-        <p:txBody>
-          <a:bodyPr/>
-          <a:lstStyle/>
-          <a:p>
-            <a:r>
-              <a:rPr lang="en-US" dirty="0"/>
-              <a:t>Bridge - has a structure similar to an object adapter, but Bridge has a different intent: It is meant to separate an interface from its implementation so that they can be varied easily and independently. An adapter is meant to change the interface </a:t>
-            </a:r>
-            <a:r>
-              <a:rPr lang="sv-SE" dirty="0" err="1"/>
-              <a:t>of</a:t>
-            </a:r>
-            <a:r>
-              <a:rPr lang="sv-SE" dirty="0"/>
-              <a:t> an </a:t>
-            </a:r>
-            <a:r>
-              <a:rPr lang="sv-SE" i="1" dirty="0" err="1"/>
-              <a:t>existing</a:t>
-            </a:r>
-            <a:r>
-              <a:rPr lang="sv-SE" i="1" dirty="0"/>
-              <a:t> </a:t>
-            </a:r>
-            <a:r>
-              <a:rPr lang="sv-SE" dirty="0" err="1"/>
-              <a:t>object</a:t>
-            </a:r>
-            <a:r>
-              <a:rPr lang="sv-SE" dirty="0"/>
-              <a:t>.</a:t>
-            </a:r>
-          </a:p>
-          <a:p>
-            <a:r>
-              <a:rPr lang="hu-HU" dirty="0"/>
-              <a:t>Facade - </a:t>
-            </a:r>
-            <a:r>
-              <a:rPr lang="en-US" dirty="0"/>
-              <a:t>Provide a unified interface to a set of interfaces in a subsystem. Facade defines a higher-level interface that makes the subsystem easier to use.</a:t>
-            </a:r>
-            <a:endParaRPr lang="hu-HU" dirty="0"/>
-          </a:p>
-        </p:txBody>
-      </p:sp>
-      <p:sp>
-        <p:nvSpPr>
-          <p:cNvPr id="4" name="Slide Number Placeholder 3"/>
+              <a:t>Class</a:t>
+            </a:r>
+            <a:r>
+              <a:rPr lang="hu-HU" dirty="0"/>
+              <a:t> Adapter </a:t>
+            </a:r>
+            <a:r>
+              <a:rPr lang="hu-HU" dirty="0" err="1"/>
+              <a:t>Class</a:t>
+            </a:r>
+            <a:r>
+              <a:rPr lang="hu-HU" dirty="0"/>
+              <a:t> Diagram</a:t>
+            </a:r>
+          </a:p>
+        </p:txBody>
+      </p:sp>
+      <p:sp>
+        <p:nvSpPr>
+          <p:cNvPr id="3" name="Slide Number Placeholder 2"/>
           <p:cNvSpPr>
             <a:spLocks noGrp="1"/>
           </p:cNvSpPr>
@@ -6976,10 +8381,80 @@
           </a:p>
         </p:txBody>
       </p:sp>
+      <p:pic>
+        <p:nvPicPr>
+          <p:cNvPr id="4" name="Kép 3"/>
+          <p:cNvPicPr>
+            <a:picLocks noChangeAspect="1"/>
+          </p:cNvPicPr>
+          <p:nvPr/>
+        </p:nvPicPr>
+        <p:blipFill>
+          <a:blip r:embed="rId3"/>
+          <a:stretch>
+            <a:fillRect/>
+          </a:stretch>
+        </p:blipFill>
+        <p:spPr>
+          <a:xfrm>
+            <a:off x="1285875" y="1624012"/>
+            <a:ext cx="9620250" cy="3609975"/>
+          </a:xfrm>
+          <a:prstGeom prst="rect">
+            <a:avLst/>
+          </a:prstGeom>
+        </p:spPr>
+      </p:pic>
+      <p:sp>
+        <p:nvSpPr>
+          <p:cNvPr id="5" name="Date Placeholder 4"/>
+          <p:cNvSpPr>
+            <a:spLocks noGrp="1"/>
+          </p:cNvSpPr>
+          <p:nvPr>
+            <p:ph type="dt" sz="half" idx="10"/>
+          </p:nvPr>
+        </p:nvSpPr>
+        <p:spPr/>
+        <p:txBody>
+          <a:bodyPr/>
+          <a:lstStyle/>
+          <a:p>
+            <a:fld id="{A68DE064-BC02-4EE4-8612-CACC7812D289}" type="datetime1">
+              <a:rPr lang="hu-HU" smtClean="0"/>
+              <a:t>2016.05.26.</a:t>
+            </a:fld>
+            <a:endParaRPr lang="hu-HU"/>
+          </a:p>
+        </p:txBody>
+      </p:sp>
+      <p:sp>
+        <p:nvSpPr>
+          <p:cNvPr id="6" name="Footer Placeholder 5"/>
+          <p:cNvSpPr>
+            <a:spLocks noGrp="1"/>
+          </p:cNvSpPr>
+          <p:nvPr>
+            <p:ph type="ftr" sz="quarter" idx="11"/>
+          </p:nvPr>
+        </p:nvSpPr>
+        <p:spPr/>
+        <p:txBody>
+          <a:bodyPr/>
+          <a:lstStyle/>
+          <a:p>
+            <a:r>
+              <a:rPr lang="en-US"/>
+              <a:t>Introduction to Design Patterns and Adapter Pattern </a:t>
+            </a:r>
+            <a:endParaRPr lang="hu-HU"/>
+          </a:p>
+        </p:txBody>
+      </p:sp>
     </p:spTree>
     <p:extLst>
       <p:ext uri="{BB962C8B-B14F-4D97-AF65-F5344CB8AC3E}">
-        <p14:creationId xmlns:p14="http://schemas.microsoft.com/office/powerpoint/2010/main" val="424542634"/>
+        <p14:creationId xmlns:p14="http://schemas.microsoft.com/office/powerpoint/2010/main" val="2142353860"/>
       </p:ext>
     </p:extLst>
   </p:cSld>
@@ -7022,26 +8497,21 @@
           <a:lstStyle/>
           <a:p>
             <a:r>
-              <a:rPr lang="hu-HU" dirty="0"/>
-              <a:t>Adapter in</a:t>
-            </a:r>
-            <a:r>
-              <a:rPr lang="sv-SE" dirty="0"/>
-              <a:t> </a:t>
-            </a:r>
-            <a:r>
-              <a:rPr lang="sv-SE" dirty="0" err="1"/>
-              <a:t>our</a:t>
-            </a:r>
-            <a:r>
-              <a:rPr lang="sv-SE" dirty="0"/>
-              <a:t> </a:t>
-            </a:r>
-            <a:r>
-              <a:rPr lang="sv-SE" dirty="0" err="1"/>
-              <a:t>Application</a:t>
-            </a:r>
-            <a:endParaRPr lang="hu-HU" dirty="0"/>
+              <a:rPr lang="hu-HU" dirty="0" err="1"/>
+              <a:t>Object</a:t>
+            </a:r>
+            <a:r>
+              <a:rPr lang="hu-HU" dirty="0"/>
+              <a:t> Adapter vs. </a:t>
+            </a:r>
+            <a:r>
+              <a:rPr lang="hu-HU" dirty="0" err="1"/>
+              <a:t>Class</a:t>
+            </a:r>
+            <a:r>
+              <a:rPr lang="hu-HU" dirty="0"/>
+              <a:t> Adapter</a:t>
+            </a:r>
           </a:p>
         </p:txBody>
       </p:sp>
@@ -7057,24 +8527,237 @@
         </p:nvSpPr>
         <p:spPr/>
         <p:txBody>
-          <a:bodyPr/>
-          <a:lstStyle/>
-          <a:p>
-            <a:r>
-              <a:rPr lang="sv-SE" dirty="0" err="1"/>
-              <a:t>Results</a:t>
-            </a:r>
-            <a:r>
-              <a:rPr lang="sv-SE" dirty="0"/>
-              <a:t> for </a:t>
-            </a:r>
-            <a:r>
-              <a:rPr lang="sv-SE" dirty="0" err="1"/>
-              <a:t>searching</a:t>
-            </a:r>
-            <a:r>
-              <a:rPr lang="sv-SE" dirty="0"/>
-              <a:t> to ”Adapter”: </a:t>
+          <a:bodyPr>
+            <a:normAutofit/>
+          </a:bodyPr>
+          <a:lstStyle/>
+          <a:p>
+            <a:r>
+              <a:rPr lang="hu-HU" sz="2400" dirty="0" err="1"/>
+              <a:t>Class</a:t>
+            </a:r>
+            <a:r>
+              <a:rPr lang="hu-HU" sz="2400" dirty="0"/>
+              <a:t> Adapter:</a:t>
+            </a:r>
+          </a:p>
+          <a:p>
+            <a:pPr lvl="1"/>
+            <a:r>
+              <a:rPr lang="en-US" sz="2000" dirty="0"/>
+              <a:t>adapts </a:t>
+            </a:r>
+            <a:r>
+              <a:rPr lang="en-US" sz="2000" dirty="0" err="1"/>
+              <a:t>Adaptee</a:t>
+            </a:r>
+            <a:r>
+              <a:rPr lang="en-US" sz="2000" dirty="0"/>
+              <a:t> to Target by committing to a concrete Adapter class. As a</a:t>
+            </a:r>
+            <a:r>
+              <a:rPr lang="hu-HU" sz="2000" dirty="0"/>
+              <a:t> </a:t>
+            </a:r>
+            <a:r>
+              <a:rPr lang="en-US" sz="2000" dirty="0"/>
+              <a:t>consequence, a class adapter won't work when we want to adapt a class </a:t>
+            </a:r>
+            <a:r>
+              <a:rPr lang="en-US" sz="2000" i="1" dirty="0"/>
+              <a:t>and</a:t>
+            </a:r>
+            <a:r>
+              <a:rPr lang="hu-HU" sz="2000" i="1" dirty="0"/>
+              <a:t> </a:t>
+            </a:r>
+            <a:r>
+              <a:rPr lang="hu-HU" sz="2000" dirty="0" err="1"/>
+              <a:t>all</a:t>
+            </a:r>
+            <a:r>
+              <a:rPr lang="hu-HU" sz="2000" dirty="0"/>
+              <a:t> </a:t>
+            </a:r>
+            <a:r>
+              <a:rPr lang="hu-HU" sz="2000" dirty="0" err="1"/>
+              <a:t>its</a:t>
+            </a:r>
+            <a:r>
+              <a:rPr lang="hu-HU" sz="2000" dirty="0"/>
+              <a:t> </a:t>
+            </a:r>
+            <a:r>
+              <a:rPr lang="hu-HU" sz="2000" dirty="0" err="1"/>
+              <a:t>subclasses</a:t>
+            </a:r>
+            <a:r>
+              <a:rPr lang="hu-HU" sz="2000" dirty="0"/>
+              <a:t>.</a:t>
+            </a:r>
+          </a:p>
+          <a:p>
+            <a:pPr lvl="1"/>
+            <a:r>
+              <a:rPr lang="en-US" sz="2000" dirty="0"/>
+              <a:t>lets Adapter override some of </a:t>
+            </a:r>
+            <a:r>
+              <a:rPr lang="en-US" sz="2000" dirty="0" err="1"/>
+              <a:t>Adaptee's</a:t>
+            </a:r>
+            <a:r>
+              <a:rPr lang="en-US" sz="2000" dirty="0"/>
+              <a:t> behavior, since Adapter is a</a:t>
+            </a:r>
+            <a:r>
+              <a:rPr lang="hu-HU" sz="2000" dirty="0"/>
+              <a:t> </a:t>
+            </a:r>
+            <a:r>
+              <a:rPr lang="hu-HU" sz="2000" dirty="0" err="1"/>
+              <a:t>subclass</a:t>
+            </a:r>
+            <a:r>
+              <a:rPr lang="hu-HU" sz="2000" dirty="0"/>
+              <a:t> of </a:t>
+            </a:r>
+            <a:r>
+              <a:rPr lang="hu-HU" sz="2000" dirty="0" err="1"/>
+              <a:t>Adaptee</a:t>
+            </a:r>
+            <a:r>
+              <a:rPr lang="hu-HU" sz="2000" dirty="0"/>
+              <a:t>.</a:t>
+            </a:r>
+          </a:p>
+          <a:p>
+            <a:pPr lvl="1"/>
+            <a:r>
+              <a:rPr lang="en-US" sz="2000" dirty="0"/>
+              <a:t>introduces only one object, and no additional pointer indirection is needed</a:t>
+            </a:r>
+            <a:r>
+              <a:rPr lang="hu-HU" sz="2000" dirty="0"/>
+              <a:t> </a:t>
+            </a:r>
+            <a:r>
+              <a:rPr lang="en-US" sz="2000" dirty="0"/>
+              <a:t>to get to the </a:t>
+            </a:r>
+            <a:r>
+              <a:rPr lang="en-US" sz="2000" dirty="0" err="1"/>
+              <a:t>adaptee</a:t>
+            </a:r>
+            <a:r>
+              <a:rPr lang="en-US" sz="2000" dirty="0"/>
+              <a:t>.</a:t>
+            </a:r>
+            <a:endParaRPr lang="hu-HU" sz="2000" dirty="0"/>
+          </a:p>
+          <a:p>
+            <a:r>
+              <a:rPr lang="hu-HU" sz="2400" dirty="0" err="1"/>
+              <a:t>Object</a:t>
+            </a:r>
+            <a:r>
+              <a:rPr lang="hu-HU" sz="2400" dirty="0"/>
+              <a:t> Adapter:</a:t>
+            </a:r>
+          </a:p>
+          <a:p>
+            <a:pPr lvl="1"/>
+            <a:r>
+              <a:rPr lang="en-US" sz="2000" dirty="0"/>
+              <a:t>lets a single Adapter work with many </a:t>
+            </a:r>
+            <a:r>
+              <a:rPr lang="en-US" sz="2000" dirty="0" err="1"/>
+              <a:t>Adaptees</a:t>
+            </a:r>
+            <a:r>
+              <a:rPr lang="en-US" sz="2000" dirty="0"/>
+              <a:t>—that is, the </a:t>
+            </a:r>
+            <a:r>
+              <a:rPr lang="en-US" sz="2000" dirty="0" err="1"/>
+              <a:t>Adaptee</a:t>
+            </a:r>
+            <a:r>
+              <a:rPr lang="en-US" sz="2000" dirty="0"/>
+              <a:t> itself</a:t>
+            </a:r>
+            <a:r>
+              <a:rPr lang="hu-HU" sz="2000" dirty="0"/>
+              <a:t> </a:t>
+            </a:r>
+            <a:r>
+              <a:rPr lang="en-US" sz="2000" dirty="0"/>
+              <a:t>and all of its subclasses (if any). The Adapter can also add functionality</a:t>
+            </a:r>
+            <a:r>
+              <a:rPr lang="hu-HU" sz="2000" dirty="0"/>
+              <a:t> </a:t>
+            </a:r>
+            <a:r>
+              <a:rPr lang="en-US" sz="2000" dirty="0"/>
+              <a:t>to all </a:t>
+            </a:r>
+            <a:r>
+              <a:rPr lang="en-US" sz="2000" dirty="0" err="1"/>
+              <a:t>Adaptees</a:t>
+            </a:r>
+            <a:r>
+              <a:rPr lang="en-US" sz="2000" dirty="0"/>
+              <a:t> at once.</a:t>
+            </a:r>
+            <a:endParaRPr lang="hu-HU" sz="2000" dirty="0"/>
+          </a:p>
+          <a:p>
+            <a:pPr lvl="1"/>
+            <a:r>
+              <a:rPr lang="en-US" sz="2000" dirty="0"/>
+              <a:t>makes it harder to override </a:t>
+            </a:r>
+            <a:r>
+              <a:rPr lang="en-US" sz="2000" dirty="0" err="1"/>
+              <a:t>Adaptee</a:t>
+            </a:r>
+            <a:r>
+              <a:rPr lang="en-US" sz="2000" dirty="0"/>
+              <a:t> behavior. It will require </a:t>
+            </a:r>
+            <a:r>
+              <a:rPr lang="en-US" sz="2000" dirty="0" err="1"/>
+              <a:t>subclassing</a:t>
+            </a:r>
+            <a:r>
+              <a:rPr lang="hu-HU" sz="2000" dirty="0"/>
+              <a:t> </a:t>
+            </a:r>
+            <a:r>
+              <a:rPr lang="en-US" sz="2000" dirty="0" err="1"/>
+              <a:t>Adaptee</a:t>
+            </a:r>
+            <a:r>
+              <a:rPr lang="en-US" sz="2000" dirty="0"/>
+              <a:t> and making Adapter refer to the subclass rather than the </a:t>
+            </a:r>
+            <a:r>
+              <a:rPr lang="en-US" sz="2000" dirty="0" err="1"/>
+              <a:t>Adaptee</a:t>
+            </a:r>
+            <a:r>
+              <a:rPr lang="hu-HU" sz="2000" dirty="0"/>
+              <a:t> </a:t>
+            </a:r>
+            <a:r>
+              <a:rPr lang="hu-HU" sz="2000" dirty="0" err="1"/>
+              <a:t>itself</a:t>
+            </a:r>
+            <a:r>
+              <a:rPr lang="hu-HU" sz="2000" dirty="0"/>
+              <a:t>.</a:t>
             </a:r>
           </a:p>
         </p:txBody>
@@ -7102,10 +8785,56 @@
           </a:p>
         </p:txBody>
       </p:sp>
+      <p:sp>
+        <p:nvSpPr>
+          <p:cNvPr id="5" name="Date Placeholder 4"/>
+          <p:cNvSpPr>
+            <a:spLocks noGrp="1"/>
+          </p:cNvSpPr>
+          <p:nvPr>
+            <p:ph type="dt" sz="half" idx="10"/>
+          </p:nvPr>
+        </p:nvSpPr>
+        <p:spPr/>
+        <p:txBody>
+          <a:bodyPr/>
+          <a:lstStyle/>
+          <a:p>
+            <a:fld id="{4FA55A65-201C-4926-852A-68D1EEFEFEB9}" type="datetime1">
+              <a:rPr lang="hu-HU" smtClean="0"/>
+              <a:t>2016.05.26.</a:t>
+            </a:fld>
+            <a:endParaRPr lang="hu-HU"/>
+          </a:p>
+        </p:txBody>
+      </p:sp>
+      <p:sp>
+        <p:nvSpPr>
+          <p:cNvPr id="6" name="Footer Placeholder 5"/>
+          <p:cNvSpPr>
+            <a:spLocks noGrp="1"/>
+          </p:cNvSpPr>
+          <p:nvPr>
+            <p:ph type="ftr" sz="quarter" idx="11"/>
+          </p:nvPr>
+        </p:nvSpPr>
+        <p:spPr/>
+        <p:txBody>
+          <a:bodyPr/>
+          <a:lstStyle/>
+          <a:p>
+            <a:r>
+              <a:rPr lang="en-US"/>
+              <a:t>Introduction to Design Patterns and Adapter Pattern </a:t>
+            </a:r>
+            <a:endParaRPr lang="hu-HU"/>
+          </a:p>
+        </p:txBody>
+      </p:sp>
     </p:spTree>
     <p:extLst>
       <p:ext uri="{BB962C8B-B14F-4D97-AF65-F5344CB8AC3E}">
-        <p14:creationId xmlns:p14="http://schemas.microsoft.com/office/powerpoint/2010/main" val="1736693063"/>
+        <p14:creationId xmlns:p14="http://schemas.microsoft.com/office/powerpoint/2010/main" val="2819883161"/>
       </p:ext>
     </p:extLst>
   </p:cSld>
@@ -7148,10 +8877,9 @@
           <a:lstStyle/>
           <a:p>
             <a:r>
-              <a:rPr lang="hu-HU" dirty="0" err="1"/>
-              <a:t>References</a:t>
-            </a:r>
-            <a:endParaRPr lang="hu-HU" dirty="0"/>
+              <a:rPr lang="hu-HU" dirty="0"/>
+              <a:t>Related Pattern</a:t>
+            </a:r>
           </a:p>
         </p:txBody>
       </p:sp>
@@ -7172,28 +8900,32 @@
           <a:p>
             <a:r>
               <a:rPr lang="en-US" dirty="0"/>
-              <a:t>Design Patterns: Elements of Reusable Object-Oriented Software</a:t>
-            </a:r>
-            <a:r>
-              <a:rPr lang="hu-HU" dirty="0"/>
-              <a:t> (1994)</a:t>
-            </a:r>
-            <a:endParaRPr lang="sv-SE" dirty="0"/>
-          </a:p>
-          <a:p>
-            <a:r>
-              <a:rPr lang="hu-HU" dirty="0"/>
-              <a:t>Head First Design Patterns</a:t>
-            </a:r>
-          </a:p>
-          <a:p>
-            <a:r>
-              <a:rPr lang="hu-HU" dirty="0"/>
-              <a:t>https://dzone.com/articles/design-patterns-uncovered-0</a:t>
-            </a:r>
-          </a:p>
-          <a:p>
-            <a:endParaRPr lang="hu-HU" dirty="0"/>
+              <a:t>Bridge - has a structure similar to an object adapter, but Bridge has a different intent: It is meant to separate an interface from its implementation so that they can be varied easily and independently. An adapter is meant to change the interface </a:t>
+            </a:r>
+            <a:r>
+              <a:rPr lang="sv-SE" dirty="0" err="1"/>
+              <a:t>of</a:t>
+            </a:r>
+            <a:r>
+              <a:rPr lang="sv-SE" dirty="0"/>
+              <a:t> an </a:t>
+            </a:r>
+            <a:r>
+              <a:rPr lang="sv-SE" i="1" dirty="0" err="1"/>
+              <a:t>existing</a:t>
+            </a:r>
+            <a:r>
+              <a:rPr lang="sv-SE" i="1" dirty="0"/>
+              <a:t> </a:t>
+            </a:r>
+            <a:r>
+              <a:rPr lang="sv-SE" dirty="0" err="1"/>
+              <a:t>object</a:t>
+            </a:r>
+            <a:r>
+              <a:rPr lang="sv-SE" dirty="0"/>
+              <a:t>.</a:t>
+            </a:r>
           </a:p>
         </p:txBody>
       </p:sp>
@@ -7220,10 +8952,56 @@
           </a:p>
         </p:txBody>
       </p:sp>
+      <p:sp>
+        <p:nvSpPr>
+          <p:cNvPr id="5" name="Date Placeholder 4"/>
+          <p:cNvSpPr>
+            <a:spLocks noGrp="1"/>
+          </p:cNvSpPr>
+          <p:nvPr>
+            <p:ph type="dt" sz="half" idx="10"/>
+          </p:nvPr>
+        </p:nvSpPr>
+        <p:spPr/>
+        <p:txBody>
+          <a:bodyPr/>
+          <a:lstStyle/>
+          <a:p>
+            <a:fld id="{2E55ACBC-948F-4B39-961D-A80766425376}" type="datetime1">
+              <a:rPr lang="hu-HU" smtClean="0"/>
+              <a:t>2016.05.26.</a:t>
+            </a:fld>
+            <a:endParaRPr lang="hu-HU"/>
+          </a:p>
+        </p:txBody>
+      </p:sp>
+      <p:sp>
+        <p:nvSpPr>
+          <p:cNvPr id="6" name="Footer Placeholder 5"/>
+          <p:cNvSpPr>
+            <a:spLocks noGrp="1"/>
+          </p:cNvSpPr>
+          <p:nvPr>
+            <p:ph type="ftr" sz="quarter" idx="11"/>
+          </p:nvPr>
+        </p:nvSpPr>
+        <p:spPr/>
+        <p:txBody>
+          <a:bodyPr/>
+          <a:lstStyle/>
+          <a:p>
+            <a:r>
+              <a:rPr lang="en-US"/>
+              <a:t>Introduction to Design Patterns and Adapter Pattern </a:t>
+            </a:r>
+            <a:endParaRPr lang="hu-HU"/>
+          </a:p>
+        </p:txBody>
+      </p:sp>
     </p:spTree>
     <p:extLst>
       <p:ext uri="{BB962C8B-B14F-4D97-AF65-F5344CB8AC3E}">
-        <p14:creationId xmlns:p14="http://schemas.microsoft.com/office/powerpoint/2010/main" val="2474760466"/>
+        <p14:creationId xmlns:p14="http://schemas.microsoft.com/office/powerpoint/2010/main" val="424542634"/>
       </p:ext>
     </p:extLst>
   </p:cSld>
@@ -7266,48 +9044,24 @@
           <a:lstStyle/>
           <a:p>
             <a:r>
-              <a:rPr lang="hu-HU" dirty="0" err="1"/>
-              <a:t>Some</a:t>
-            </a:r>
-            <a:r>
-              <a:rPr lang="hu-HU" dirty="0"/>
-              <a:t> </a:t>
-            </a:r>
-            <a:r>
-              <a:rPr lang="hu-HU" dirty="0" err="1"/>
-              <a:t>words</a:t>
-            </a:r>
-            <a:r>
-              <a:rPr lang="hu-HU" dirty="0"/>
-              <a:t> </a:t>
-            </a:r>
-            <a:r>
-              <a:rPr lang="hu-HU" dirty="0" err="1"/>
-              <a:t>about</a:t>
-            </a:r>
-            <a:r>
-              <a:rPr lang="hu-HU" dirty="0"/>
-              <a:t> </a:t>
-            </a:r>
-            <a:r>
-              <a:rPr lang="hu-HU" dirty="0" err="1"/>
-              <a:t>the</a:t>
-            </a:r>
-            <a:r>
-              <a:rPr lang="hu-HU" dirty="0"/>
-              <a:t> Open/</a:t>
-            </a:r>
-            <a:r>
-              <a:rPr lang="hu-HU" dirty="0" err="1"/>
-              <a:t>Closed</a:t>
-            </a:r>
-            <a:r>
-              <a:rPr lang="hu-HU" dirty="0"/>
-              <a:t> </a:t>
-            </a:r>
-            <a:r>
-              <a:rPr lang="hu-HU" dirty="0" err="1"/>
-              <a:t>Principle</a:t>
+              <a:rPr lang="hu-HU" dirty="0"/>
+              <a:t>Adapter in</a:t>
+            </a:r>
+            <a:r>
+              <a:rPr lang="sv-SE" dirty="0"/>
+              <a:t> </a:t>
+            </a:r>
+            <a:r>
+              <a:rPr lang="sv-SE" dirty="0" err="1"/>
+              <a:t>our</a:t>
+            </a:r>
+            <a:r>
+              <a:rPr lang="sv-SE" dirty="0"/>
+              <a:t> </a:t>
+            </a:r>
+            <a:r>
+              <a:rPr lang="sv-SE" dirty="0" err="1"/>
+              <a:t>Application</a:t>
             </a:r>
             <a:endParaRPr lang="hu-HU" dirty="0"/>
           </a:p>
@@ -7329,511 +9083,60 @@
           <a:lstStyle/>
           <a:p>
             <a:r>
-              <a:rPr lang="hu-HU" dirty="0"/>
-              <a:t>The Open/ </a:t>
-            </a:r>
-            <a:r>
-              <a:rPr lang="hu-HU" dirty="0" err="1"/>
-              <a:t>Closed</a:t>
-            </a:r>
-            <a:r>
-              <a:rPr lang="hu-HU" dirty="0"/>
-              <a:t> </a:t>
-            </a:r>
-            <a:r>
-              <a:rPr lang="hu-HU" dirty="0" err="1"/>
-              <a:t>Principle</a:t>
-            </a:r>
-            <a:r>
-              <a:rPr lang="hu-HU" dirty="0"/>
-              <a:t> </a:t>
-            </a:r>
-            <a:r>
-              <a:rPr lang="hu-HU" dirty="0" err="1"/>
-              <a:t>states</a:t>
-            </a:r>
-            <a:r>
-              <a:rPr lang="hu-HU" dirty="0"/>
-              <a:t> </a:t>
-            </a:r>
-            <a:r>
-              <a:rPr lang="hu-HU" dirty="0" err="1"/>
-              <a:t>that</a:t>
-            </a:r>
-            <a:r>
-              <a:rPr lang="hu-HU" dirty="0"/>
-              <a:t> software </a:t>
-            </a:r>
-            <a:r>
-              <a:rPr lang="hu-HU" dirty="0" err="1"/>
-              <a:t>entities</a:t>
-            </a:r>
-            <a:r>
-              <a:rPr lang="hu-HU" dirty="0"/>
-              <a:t>(</a:t>
-            </a:r>
-            <a:r>
-              <a:rPr lang="hu-HU" dirty="0" err="1"/>
-              <a:t>classes</a:t>
-            </a:r>
-            <a:r>
-              <a:rPr lang="hu-HU" dirty="0"/>
+              <a:rPr lang="sv-SE" dirty="0"/>
+              <a:t>HW: Check </a:t>
+            </a:r>
+            <a:r>
+              <a:rPr lang="sv-SE" dirty="0" err="1"/>
+              <a:t>our</a:t>
+            </a:r>
+            <a:r>
+              <a:rPr lang="sv-SE" dirty="0"/>
+              <a:t> </a:t>
+            </a:r>
+            <a:r>
+              <a:rPr lang="sv-SE" dirty="0" err="1"/>
+              <a:t>application</a:t>
+            </a:r>
+            <a:r>
+              <a:rPr lang="sv-SE" dirty="0"/>
               <a:t>, </a:t>
             </a:r>
             <a:r>
-              <a:rPr lang="hu-HU" dirty="0" err="1"/>
-              <a:t>modules</a:t>
-            </a:r>
-            <a:r>
-              <a:rPr lang="hu-HU" dirty="0"/>
-              <a:t>, </a:t>
-            </a:r>
-            <a:r>
-              <a:rPr lang="hu-HU" dirty="0" err="1"/>
-              <a:t>functions</a:t>
-            </a:r>
-            <a:r>
-              <a:rPr lang="hu-HU" dirty="0"/>
-              <a:t>,etc.) </a:t>
-            </a:r>
-            <a:r>
-              <a:rPr lang="hu-HU" dirty="0" err="1"/>
-              <a:t>should</a:t>
-            </a:r>
-            <a:r>
-              <a:rPr lang="hu-HU" dirty="0"/>
-              <a:t> be </a:t>
-            </a:r>
-            <a:r>
-              <a:rPr lang="hu-HU" dirty="0" err="1"/>
-              <a:t>open</a:t>
-            </a:r>
-            <a:r>
-              <a:rPr lang="hu-HU" dirty="0"/>
-              <a:t> </a:t>
-            </a:r>
-            <a:r>
-              <a:rPr lang="hu-HU" dirty="0" err="1"/>
-              <a:t>for</a:t>
-            </a:r>
-            <a:r>
-              <a:rPr lang="hu-HU" dirty="0"/>
-              <a:t> </a:t>
-            </a:r>
-            <a:r>
-              <a:rPr lang="hu-HU" dirty="0" err="1"/>
-              <a:t>extension</a:t>
-            </a:r>
-            <a:r>
-              <a:rPr lang="hu-HU" dirty="0"/>
-              <a:t>, </a:t>
-            </a:r>
-            <a:r>
-              <a:rPr lang="hu-HU" dirty="0" err="1"/>
-              <a:t>but</a:t>
-            </a:r>
-            <a:r>
-              <a:rPr lang="hu-HU" dirty="0"/>
-              <a:t> </a:t>
-            </a:r>
-            <a:r>
-              <a:rPr lang="hu-HU" dirty="0" err="1"/>
-              <a:t>closed</a:t>
-            </a:r>
-            <a:r>
-              <a:rPr lang="hu-HU" dirty="0"/>
-              <a:t> </a:t>
-            </a:r>
-            <a:r>
-              <a:rPr lang="hu-HU" dirty="0" err="1"/>
-              <a:t>for</a:t>
-            </a:r>
-            <a:r>
-              <a:rPr lang="hu-HU" dirty="0"/>
-              <a:t> </a:t>
-            </a:r>
-            <a:r>
-              <a:rPr lang="hu-HU" dirty="0" err="1"/>
-              <a:t>modification</a:t>
-            </a:r>
-            <a:r>
-              <a:rPr lang="hu-HU" dirty="0"/>
-              <a:t>.</a:t>
-            </a:r>
-          </a:p>
-          <a:p>
-            <a:r>
-              <a:rPr lang="hu-HU" dirty="0"/>
-              <a:t>Open </a:t>
-            </a:r>
-            <a:r>
-              <a:rPr lang="hu-HU" dirty="0" err="1"/>
-              <a:t>to</a:t>
-            </a:r>
-            <a:r>
-              <a:rPr lang="hu-HU" dirty="0"/>
-              <a:t> </a:t>
-            </a:r>
-            <a:r>
-              <a:rPr lang="hu-HU" dirty="0" err="1"/>
-              <a:t>Extension</a:t>
-            </a:r>
-            <a:r>
-              <a:rPr lang="hu-HU" dirty="0"/>
-              <a:t> – New </a:t>
-            </a:r>
-            <a:r>
-              <a:rPr lang="hu-HU" dirty="0" err="1"/>
-              <a:t>behavior</a:t>
-            </a:r>
-            <a:r>
-              <a:rPr lang="hu-HU" dirty="0"/>
-              <a:t> </a:t>
-            </a:r>
-            <a:r>
-              <a:rPr lang="hu-HU" dirty="0" err="1"/>
-              <a:t>can</a:t>
-            </a:r>
-            <a:r>
-              <a:rPr lang="hu-HU" dirty="0"/>
-              <a:t> be </a:t>
-            </a:r>
-            <a:r>
-              <a:rPr lang="hu-HU" dirty="0" err="1"/>
-              <a:t>added</a:t>
-            </a:r>
-            <a:r>
-              <a:rPr lang="hu-HU" dirty="0"/>
-              <a:t> </a:t>
-            </a:r>
-            <a:r>
-              <a:rPr lang="hu-HU" dirty="0" err="1"/>
-              <a:t>in</a:t>
-            </a:r>
-            <a:r>
-              <a:rPr lang="hu-HU" dirty="0"/>
-              <a:t> </a:t>
-            </a:r>
-            <a:r>
-              <a:rPr lang="hu-HU" dirty="0" err="1"/>
-              <a:t>the</a:t>
-            </a:r>
-            <a:r>
-              <a:rPr lang="hu-HU" dirty="0"/>
-              <a:t> </a:t>
-            </a:r>
-            <a:r>
-              <a:rPr lang="hu-HU" dirty="0" err="1"/>
-              <a:t>future</a:t>
-            </a:r>
-            <a:endParaRPr lang="hu-HU" dirty="0"/>
-          </a:p>
-          <a:p>
-            <a:r>
-              <a:rPr lang="hu-HU" dirty="0" err="1"/>
-              <a:t>Closed</a:t>
-            </a:r>
-            <a:r>
-              <a:rPr lang="hu-HU" dirty="0"/>
-              <a:t> </a:t>
-            </a:r>
-            <a:r>
-              <a:rPr lang="hu-HU" dirty="0" err="1"/>
-              <a:t>to</a:t>
-            </a:r>
-            <a:r>
-              <a:rPr lang="hu-HU" dirty="0"/>
-              <a:t> </a:t>
-            </a:r>
-            <a:r>
-              <a:rPr lang="hu-HU" dirty="0" err="1"/>
-              <a:t>Modification</a:t>
-            </a:r>
-            <a:r>
-              <a:rPr lang="hu-HU" dirty="0"/>
-              <a:t> – </a:t>
-            </a:r>
-            <a:r>
-              <a:rPr lang="hu-HU" dirty="0" err="1"/>
-              <a:t>Changes</a:t>
-            </a:r>
-            <a:r>
-              <a:rPr lang="hu-HU" dirty="0"/>
-              <a:t> </a:t>
-            </a:r>
-            <a:r>
-              <a:rPr lang="hu-HU" dirty="0" err="1"/>
-              <a:t>to</a:t>
-            </a:r>
-            <a:r>
-              <a:rPr lang="hu-HU" dirty="0"/>
-              <a:t> </a:t>
-            </a:r>
-            <a:r>
-              <a:rPr lang="hu-HU" dirty="0" err="1"/>
-              <a:t>source</a:t>
-            </a:r>
-            <a:r>
-              <a:rPr lang="hu-HU" dirty="0"/>
-              <a:t> </a:t>
-            </a:r>
-            <a:r>
-              <a:rPr lang="hu-HU" dirty="0" err="1"/>
-              <a:t>or</a:t>
-            </a:r>
-            <a:r>
-              <a:rPr lang="hu-HU" dirty="0"/>
-              <a:t> </a:t>
-            </a:r>
-            <a:r>
-              <a:rPr lang="hu-HU" dirty="0" err="1"/>
-              <a:t>binary</a:t>
-            </a:r>
-            <a:r>
-              <a:rPr lang="hu-HU" dirty="0"/>
-              <a:t> </a:t>
-            </a:r>
-            <a:r>
-              <a:rPr lang="hu-HU" dirty="0" err="1"/>
-              <a:t>code</a:t>
-            </a:r>
-            <a:r>
-              <a:rPr lang="hu-HU" dirty="0"/>
-              <a:t> </a:t>
-            </a:r>
-            <a:r>
-              <a:rPr lang="hu-HU" dirty="0" err="1"/>
+              <a:rPr lang="sv-SE" dirty="0" err="1"/>
               <a:t>are</a:t>
             </a:r>
             <a:r>
-              <a:rPr lang="hu-HU" dirty="0"/>
-              <a:t> </a:t>
-            </a:r>
-            <a:r>
-              <a:rPr lang="hu-HU" dirty="0" err="1"/>
-              <a:t>not</a:t>
-            </a:r>
-            <a:r>
-              <a:rPr lang="hu-HU" dirty="0"/>
-              <a:t> </a:t>
-            </a:r>
-            <a:r>
-              <a:rPr lang="hu-HU" dirty="0" err="1"/>
-              <a:t>required</a:t>
-            </a:r>
-            <a:r>
-              <a:rPr lang="hu-HU" dirty="0"/>
-              <a:t>, </a:t>
-            </a:r>
-            <a:r>
-              <a:rPr lang="hu-HU" dirty="0" err="1"/>
+              <a:rPr lang="sv-SE" dirty="0"/>
+              <a:t> </a:t>
+            </a:r>
+            <a:r>
+              <a:rPr lang="sv-SE" dirty="0" err="1"/>
               <a:t>we</a:t>
             </a:r>
             <a:r>
-              <a:rPr lang="hu-HU" dirty="0"/>
-              <a:t> </a:t>
-            </a:r>
-            <a:r>
-              <a:rPr lang="hu-HU" dirty="0" err="1"/>
-              <a:t>should</a:t>
-            </a:r>
-            <a:r>
-              <a:rPr lang="hu-HU" dirty="0"/>
-              <a:t> </a:t>
-            </a:r>
-            <a:r>
-              <a:rPr lang="hu-HU" dirty="0" err="1"/>
-              <a:t>not</a:t>
-            </a:r>
-            <a:r>
-              <a:rPr lang="hu-HU" dirty="0"/>
-              <a:t> </a:t>
-            </a:r>
-            <a:r>
-              <a:rPr lang="hu-HU" dirty="0" err="1"/>
-              <a:t>recompile</a:t>
-            </a:r>
-            <a:r>
-              <a:rPr lang="hu-HU" dirty="0"/>
-              <a:t> </a:t>
-            </a:r>
-            <a:r>
-              <a:rPr lang="hu-HU" dirty="0" err="1"/>
-              <a:t>the</a:t>
-            </a:r>
-            <a:r>
-              <a:rPr lang="hu-HU" dirty="0"/>
-              <a:t> </a:t>
-            </a:r>
-            <a:r>
-              <a:rPr lang="hu-HU" dirty="0" err="1"/>
-              <a:t>code</a:t>
-            </a:r>
-            <a:r>
-              <a:rPr lang="hu-HU" dirty="0"/>
-              <a:t> </a:t>
-            </a:r>
-            <a:r>
-              <a:rPr lang="hu-HU" dirty="0" err="1"/>
-              <a:t>to</a:t>
-            </a:r>
-            <a:r>
-              <a:rPr lang="hu-HU" dirty="0"/>
-              <a:t> </a:t>
-            </a:r>
-            <a:r>
-              <a:rPr lang="hu-HU" dirty="0" err="1"/>
-              <a:t>achive</a:t>
-            </a:r>
-            <a:r>
-              <a:rPr lang="hu-HU" dirty="0"/>
-              <a:t> </a:t>
-            </a:r>
-            <a:r>
-              <a:rPr lang="hu-HU" dirty="0" err="1"/>
-              <a:t>this</a:t>
-            </a:r>
-            <a:r>
-              <a:rPr lang="hu-HU" dirty="0"/>
-              <a:t>.</a:t>
-            </a:r>
-          </a:p>
-          <a:p>
-            <a:r>
-              <a:rPr lang="hu-HU" dirty="0" err="1"/>
-              <a:t>Rely</a:t>
-            </a:r>
-            <a:r>
-              <a:rPr lang="hu-HU" dirty="0"/>
-              <a:t> </a:t>
-            </a:r>
-            <a:r>
-              <a:rPr lang="hu-HU" dirty="0" err="1"/>
-              <a:t>on</a:t>
-            </a:r>
-            <a:r>
-              <a:rPr lang="hu-HU" dirty="0"/>
-              <a:t> </a:t>
-            </a:r>
-            <a:r>
-              <a:rPr lang="hu-HU" dirty="0" err="1"/>
-              <a:t>abstractions</a:t>
-            </a:r>
-            <a:r>
-              <a:rPr lang="hu-HU" dirty="0"/>
-              <a:t>(</a:t>
-            </a:r>
-            <a:r>
-              <a:rPr lang="hu-HU" dirty="0" err="1"/>
-              <a:t>Interfaces</a:t>
-            </a:r>
-            <a:r>
-              <a:rPr lang="hu-HU" dirty="0"/>
-              <a:t> and </a:t>
-            </a:r>
-            <a:r>
-              <a:rPr lang="hu-HU" dirty="0" err="1"/>
-              <a:t>Abstract</a:t>
-            </a:r>
-            <a:r>
-              <a:rPr lang="hu-HU" dirty="0"/>
-              <a:t> </a:t>
-            </a:r>
-            <a:r>
-              <a:rPr lang="hu-HU" dirty="0" err="1"/>
-              <a:t>base</a:t>
-            </a:r>
-            <a:r>
-              <a:rPr lang="hu-HU" dirty="0"/>
-              <a:t> </a:t>
-            </a:r>
-            <a:r>
-              <a:rPr lang="hu-HU" dirty="0" err="1"/>
-              <a:t>classes</a:t>
-            </a:r>
-            <a:r>
-              <a:rPr lang="hu-HU" dirty="0"/>
-              <a:t>), </a:t>
-            </a:r>
-            <a:r>
-              <a:rPr lang="hu-HU" dirty="0" err="1"/>
-              <a:t>introducing</a:t>
-            </a:r>
-            <a:r>
-              <a:rPr lang="hu-HU" dirty="0"/>
-              <a:t> </a:t>
-            </a:r>
-            <a:r>
-              <a:rPr lang="hu-HU" dirty="0" err="1"/>
-              <a:t>seams</a:t>
-            </a:r>
-            <a:r>
-              <a:rPr lang="hu-HU" dirty="0"/>
-              <a:t>, </a:t>
-            </a:r>
-            <a:r>
-              <a:rPr lang="hu-HU" dirty="0" err="1"/>
-              <a:t>where</a:t>
-            </a:r>
-            <a:r>
-              <a:rPr lang="hu-HU" dirty="0"/>
-              <a:t> </a:t>
-            </a:r>
-            <a:r>
-              <a:rPr lang="hu-HU" dirty="0" err="1"/>
-              <a:t>we</a:t>
-            </a:r>
-            <a:r>
-              <a:rPr lang="hu-HU" dirty="0"/>
-              <a:t> </a:t>
-            </a:r>
-            <a:r>
-              <a:rPr lang="hu-HU" dirty="0" err="1"/>
-              <a:t>can</a:t>
-            </a:r>
-            <a:r>
-              <a:rPr lang="hu-HU" dirty="0"/>
-              <a:t> </a:t>
-            </a:r>
-            <a:r>
-              <a:rPr lang="hu-HU" dirty="0" err="1"/>
-              <a:t>separate</a:t>
-            </a:r>
-            <a:r>
-              <a:rPr lang="hu-HU" dirty="0"/>
-              <a:t> </a:t>
-            </a:r>
-            <a:r>
-              <a:rPr lang="hu-HU" dirty="0" err="1"/>
-              <a:t>different</a:t>
-            </a:r>
-            <a:r>
-              <a:rPr lang="hu-HU" dirty="0"/>
-              <a:t> </a:t>
-            </a:r>
-            <a:r>
-              <a:rPr lang="hu-HU" dirty="0" err="1"/>
-              <a:t>parts</a:t>
-            </a:r>
-            <a:r>
-              <a:rPr lang="hu-HU" dirty="0"/>
-              <a:t> of </a:t>
-            </a:r>
-            <a:r>
-              <a:rPr lang="hu-HU" dirty="0" err="1"/>
-              <a:t>our</a:t>
-            </a:r>
-            <a:r>
-              <a:rPr lang="hu-HU" dirty="0"/>
-              <a:t> </a:t>
-            </a:r>
-            <a:r>
-              <a:rPr lang="hu-HU" dirty="0" err="1"/>
-              <a:t>application</a:t>
-            </a:r>
-            <a:r>
-              <a:rPr lang="hu-HU" dirty="0"/>
-              <a:t>.</a:t>
+              <a:rPr lang="sv-SE" dirty="0"/>
+              <a:t> </a:t>
+            </a:r>
+            <a:r>
+              <a:rPr lang="sv-SE" dirty="0" err="1"/>
+              <a:t>using</a:t>
+            </a:r>
+            <a:r>
+              <a:rPr lang="sv-SE" dirty="0"/>
+              <a:t> the Adapter </a:t>
+            </a:r>
+            <a:r>
+              <a:rPr lang="sv-SE" dirty="0" err="1"/>
+              <a:t>pattern</a:t>
+            </a:r>
+            <a:r>
+              <a:rPr lang="hu-HU" dirty="0"/>
+              <a:t>?</a:t>
+            </a:r>
+            <a:r>
+              <a:rPr lang="sv-SE" dirty="0"/>
+              <a:t> </a:t>
             </a:r>
           </a:p>
         </p:txBody>
@@ -7861,10 +9164,56 @@
           </a:p>
         </p:txBody>
       </p:sp>
+      <p:sp>
+        <p:nvSpPr>
+          <p:cNvPr id="5" name="Date Placeholder 4"/>
+          <p:cNvSpPr>
+            <a:spLocks noGrp="1"/>
+          </p:cNvSpPr>
+          <p:nvPr>
+            <p:ph type="dt" sz="half" idx="10"/>
+          </p:nvPr>
+        </p:nvSpPr>
+        <p:spPr/>
+        <p:txBody>
+          <a:bodyPr/>
+          <a:lstStyle/>
+          <a:p>
+            <a:fld id="{CC1900F4-78B4-411B-B653-5E0886F15EFD}" type="datetime1">
+              <a:rPr lang="hu-HU" smtClean="0"/>
+              <a:t>2016.05.26.</a:t>
+            </a:fld>
+            <a:endParaRPr lang="hu-HU"/>
+          </a:p>
+        </p:txBody>
+      </p:sp>
+      <p:sp>
+        <p:nvSpPr>
+          <p:cNvPr id="6" name="Footer Placeholder 5"/>
+          <p:cNvSpPr>
+            <a:spLocks noGrp="1"/>
+          </p:cNvSpPr>
+          <p:nvPr>
+            <p:ph type="ftr" sz="quarter" idx="11"/>
+          </p:nvPr>
+        </p:nvSpPr>
+        <p:spPr/>
+        <p:txBody>
+          <a:bodyPr/>
+          <a:lstStyle/>
+          <a:p>
+            <a:r>
+              <a:rPr lang="en-US"/>
+              <a:t>Introduction to Design Patterns and Adapter Pattern </a:t>
+            </a:r>
+            <a:endParaRPr lang="hu-HU"/>
+          </a:p>
+        </p:txBody>
+      </p:sp>
     </p:spTree>
     <p:extLst>
       <p:ext uri="{BB962C8B-B14F-4D97-AF65-F5344CB8AC3E}">
-        <p14:creationId xmlns:p14="http://schemas.microsoft.com/office/powerpoint/2010/main" val="3415002473"/>
+        <p14:creationId xmlns:p14="http://schemas.microsoft.com/office/powerpoint/2010/main" val="1736693063"/>
       </p:ext>
     </p:extLst>
   </p:cSld>
@@ -7908,47 +9257,7 @@
           <a:p>
             <a:r>
               <a:rPr lang="hu-HU" dirty="0" err="1"/>
-              <a:t>Some</a:t>
-            </a:r>
-            <a:r>
-              <a:rPr lang="hu-HU" dirty="0"/>
-              <a:t> </a:t>
-            </a:r>
-            <a:r>
-              <a:rPr lang="hu-HU" dirty="0" err="1"/>
-              <a:t>words</a:t>
-            </a:r>
-            <a:r>
-              <a:rPr lang="hu-HU" dirty="0"/>
-              <a:t> </a:t>
-            </a:r>
-            <a:r>
-              <a:rPr lang="hu-HU" dirty="0" err="1"/>
-              <a:t>about</a:t>
-            </a:r>
-            <a:r>
-              <a:rPr lang="hu-HU" dirty="0"/>
-              <a:t> </a:t>
-            </a:r>
-            <a:r>
-              <a:rPr lang="hu-HU" dirty="0" err="1"/>
-              <a:t>the</a:t>
-            </a:r>
-            <a:r>
-              <a:rPr lang="hu-HU" dirty="0"/>
-              <a:t> Open/</a:t>
-            </a:r>
-            <a:r>
-              <a:rPr lang="hu-HU" dirty="0" err="1"/>
-              <a:t>Closed</a:t>
-            </a:r>
-            <a:r>
-              <a:rPr lang="hu-HU" dirty="0"/>
-              <a:t> </a:t>
-            </a:r>
-            <a:r>
-              <a:rPr lang="hu-HU" dirty="0" err="1"/>
-              <a:t>Principle</a:t>
+              <a:t>References</a:t>
             </a:r>
             <a:endParaRPr lang="hu-HU" dirty="0"/>
           </a:p>
@@ -7970,271 +9279,29 @@
           <a:lstStyle/>
           <a:p>
             <a:r>
-              <a:rPr lang="hu-HU" dirty="0"/>
-              <a:t>You can change by adding new classes.</a:t>
-            </a:r>
-          </a:p>
-          <a:p>
-            <a:r>
-              <a:rPr lang="hu-HU" dirty="0" err="1"/>
-              <a:t>Smaller</a:t>
-            </a:r>
-            <a:r>
-              <a:rPr lang="hu-HU" dirty="0"/>
-              <a:t> </a:t>
-            </a:r>
-            <a:r>
-              <a:rPr lang="hu-HU" dirty="0" err="1"/>
-              <a:t>classes</a:t>
-            </a:r>
-            <a:r>
-              <a:rPr lang="hu-HU" dirty="0"/>
-              <a:t>, </a:t>
-            </a:r>
-            <a:r>
-              <a:rPr lang="hu-HU" dirty="0" err="1"/>
-              <a:t>which</a:t>
-            </a:r>
-            <a:r>
-              <a:rPr lang="hu-HU" dirty="0"/>
-              <a:t> has </a:t>
-            </a:r>
-            <a:r>
-              <a:rPr lang="hu-HU" dirty="0" err="1"/>
-              <a:t>only</a:t>
-            </a:r>
-            <a:r>
-              <a:rPr lang="hu-HU" dirty="0"/>
-              <a:t> </a:t>
-            </a:r>
-            <a:r>
-              <a:rPr lang="hu-HU" dirty="0" err="1"/>
-              <a:t>one</a:t>
-            </a:r>
-            <a:r>
-              <a:rPr lang="hu-HU" dirty="0"/>
-              <a:t> </a:t>
-            </a:r>
-            <a:r>
-              <a:rPr lang="hu-HU" dirty="0" err="1"/>
-              <a:t>job</a:t>
-            </a:r>
-            <a:r>
-              <a:rPr lang="hu-HU" dirty="0"/>
-              <a:t> (</a:t>
-            </a:r>
-            <a:r>
-              <a:rPr lang="hu-HU" dirty="0" err="1"/>
-              <a:t>following</a:t>
-            </a:r>
-            <a:r>
-              <a:rPr lang="hu-HU" dirty="0"/>
-              <a:t> </a:t>
-            </a:r>
-            <a:r>
-              <a:rPr lang="hu-HU" dirty="0" err="1"/>
-              <a:t>the</a:t>
-            </a:r>
-            <a:r>
-              <a:rPr lang="hu-HU" dirty="0"/>
-              <a:t> </a:t>
-            </a:r>
-            <a:r>
-              <a:rPr lang="hu-HU" dirty="0" err="1"/>
-              <a:t>Single</a:t>
-            </a:r>
-            <a:r>
-              <a:rPr lang="hu-HU" dirty="0"/>
-              <a:t> </a:t>
-            </a:r>
-            <a:r>
-              <a:rPr lang="hu-HU" dirty="0" err="1"/>
-              <a:t>Responsibility</a:t>
-            </a:r>
-            <a:r>
-              <a:rPr lang="hu-HU" dirty="0"/>
-              <a:t> </a:t>
-            </a:r>
-            <a:r>
-              <a:rPr lang="hu-HU" dirty="0" err="1"/>
-              <a:t>principle</a:t>
-            </a:r>
-            <a:r>
-              <a:rPr lang="hu-HU" dirty="0"/>
-              <a:t>)</a:t>
-            </a:r>
-          </a:p>
-          <a:p>
-            <a:r>
-              <a:rPr lang="hu-HU" dirty="0" err="1"/>
-              <a:t>Easy</a:t>
-            </a:r>
-            <a:r>
-              <a:rPr lang="hu-HU" dirty="0"/>
-              <a:t> </a:t>
-            </a:r>
-            <a:r>
-              <a:rPr lang="hu-HU" dirty="0" err="1"/>
-              <a:t>to</a:t>
-            </a:r>
-            <a:r>
-              <a:rPr lang="hu-HU" dirty="0"/>
-              <a:t> test </a:t>
-            </a:r>
-            <a:r>
-              <a:rPr lang="hu-HU" dirty="0" err="1"/>
-              <a:t>new</a:t>
-            </a:r>
-            <a:r>
-              <a:rPr lang="hu-HU" dirty="0"/>
-              <a:t> </a:t>
-            </a:r>
-            <a:r>
-              <a:rPr lang="hu-HU" dirty="0" err="1"/>
-              <a:t>classes</a:t>
-            </a:r>
-            <a:r>
-              <a:rPr lang="hu-HU" dirty="0"/>
-              <a:t>, </a:t>
-            </a:r>
-            <a:r>
-              <a:rPr lang="hu-HU" dirty="0" err="1"/>
-              <a:t>since</a:t>
-            </a:r>
-            <a:r>
-              <a:rPr lang="hu-HU" dirty="0"/>
-              <a:t>:</a:t>
-            </a:r>
-          </a:p>
-          <a:p>
-            <a:pPr lvl="1"/>
-            <a:r>
-              <a:rPr lang="hu-HU" dirty="0" err="1"/>
-              <a:t>Nothing</a:t>
-            </a:r>
-            <a:r>
-              <a:rPr lang="hu-HU" dirty="0"/>
-              <a:t> </a:t>
-            </a:r>
-            <a:r>
-              <a:rPr lang="hu-HU" dirty="0" err="1"/>
-              <a:t>depends</a:t>
-            </a:r>
-            <a:r>
-              <a:rPr lang="hu-HU" dirty="0"/>
-              <a:t> </a:t>
-            </a:r>
-            <a:r>
-              <a:rPr lang="hu-HU" dirty="0" err="1"/>
-              <a:t>on</a:t>
-            </a:r>
-            <a:r>
-              <a:rPr lang="hu-HU" dirty="0"/>
-              <a:t> </a:t>
-            </a:r>
-            <a:r>
-              <a:rPr lang="hu-HU" dirty="0" err="1"/>
-              <a:t>new</a:t>
-            </a:r>
-            <a:r>
-              <a:rPr lang="hu-HU" dirty="0"/>
-              <a:t> </a:t>
-            </a:r>
-            <a:r>
-              <a:rPr lang="hu-HU" dirty="0" err="1"/>
-              <a:t>classes</a:t>
-            </a:r>
-            <a:r>
-              <a:rPr lang="hu-HU" dirty="0"/>
-              <a:t>.</a:t>
-            </a:r>
-          </a:p>
-          <a:p>
-            <a:pPr lvl="1"/>
-            <a:r>
-              <a:rPr lang="hu-HU" dirty="0"/>
-              <a:t>New </a:t>
-            </a:r>
-            <a:r>
-              <a:rPr lang="hu-HU" dirty="0" err="1"/>
-              <a:t>classes</a:t>
-            </a:r>
-            <a:r>
-              <a:rPr lang="hu-HU" dirty="0"/>
-              <a:t> </a:t>
-            </a:r>
-            <a:r>
-              <a:rPr lang="hu-HU" dirty="0" err="1"/>
-              <a:t>have</a:t>
-            </a:r>
-            <a:r>
-              <a:rPr lang="hu-HU" dirty="0"/>
-              <a:t> no </a:t>
-            </a:r>
-            <a:r>
-              <a:rPr lang="hu-HU" dirty="0" err="1"/>
-              <a:t>legacy</a:t>
-            </a:r>
-            <a:r>
-              <a:rPr lang="hu-HU" dirty="0"/>
-              <a:t> </a:t>
-            </a:r>
-            <a:r>
-              <a:rPr lang="hu-HU" dirty="0" err="1"/>
-              <a:t>coupling</a:t>
-            </a:r>
-            <a:r>
-              <a:rPr lang="hu-HU" dirty="0"/>
-              <a:t> </a:t>
-            </a:r>
-            <a:r>
-              <a:rPr lang="hu-HU" dirty="0" err="1"/>
-              <a:t>to</a:t>
-            </a:r>
-            <a:r>
-              <a:rPr lang="hu-HU" dirty="0"/>
-              <a:t> </a:t>
-            </a:r>
-            <a:r>
-              <a:rPr lang="hu-HU" dirty="0" err="1"/>
-              <a:t>make</a:t>
-            </a:r>
-            <a:r>
-              <a:rPr lang="hu-HU" dirty="0"/>
-              <a:t> </a:t>
-            </a:r>
-            <a:r>
-              <a:rPr lang="hu-HU" dirty="0" err="1"/>
-              <a:t>them</a:t>
-            </a:r>
-            <a:r>
-              <a:rPr lang="hu-HU" dirty="0"/>
-              <a:t> </a:t>
-            </a:r>
-            <a:r>
-              <a:rPr lang="hu-HU" dirty="0" err="1"/>
-              <a:t>hard</a:t>
-            </a:r>
-            <a:r>
-              <a:rPr lang="hu-HU" dirty="0"/>
-              <a:t> </a:t>
-            </a:r>
-            <a:r>
-              <a:rPr lang="hu-HU" dirty="0" err="1"/>
-              <a:t>to</a:t>
-            </a:r>
-            <a:r>
-              <a:rPr lang="hu-HU" dirty="0"/>
-              <a:t> design </a:t>
-            </a:r>
-            <a:r>
-              <a:rPr lang="hu-HU" dirty="0" err="1"/>
-              <a:t>or</a:t>
-            </a:r>
-            <a:r>
-              <a:rPr lang="hu-HU" dirty="0"/>
-              <a:t> test. </a:t>
-            </a:r>
+              <a:rPr lang="en-US" dirty="0"/>
+              <a:t>Design Patterns: Elements of Reusable Object-Oriented Software</a:t>
+            </a:r>
+            <a:r>
+              <a:rPr lang="hu-HU" dirty="0"/>
+              <a:t> (1994)</a:t>
+            </a:r>
+            <a:endParaRPr lang="sv-SE" dirty="0"/>
+          </a:p>
+          <a:p>
+            <a:r>
+              <a:rPr lang="hu-HU" dirty="0"/>
+              <a:t>Head First Design Patterns</a:t>
+            </a:r>
+          </a:p>
+          <a:p>
+            <a:r>
+              <a:rPr lang="hu-HU" dirty="0"/>
+              <a:t>https://dzone.com/articles/design-patterns-uncovered-0</a:t>
+            </a:r>
+          </a:p>
+          <a:p>
+            <a:endParaRPr lang="hu-HU" dirty="0"/>
           </a:p>
         </p:txBody>
       </p:sp>
@@ -8261,10 +9328,56 @@
           </a:p>
         </p:txBody>
       </p:sp>
+      <p:sp>
+        <p:nvSpPr>
+          <p:cNvPr id="5" name="Date Placeholder 4"/>
+          <p:cNvSpPr>
+            <a:spLocks noGrp="1"/>
+          </p:cNvSpPr>
+          <p:nvPr>
+            <p:ph type="dt" sz="half" idx="10"/>
+          </p:nvPr>
+        </p:nvSpPr>
+        <p:spPr/>
+        <p:txBody>
+          <a:bodyPr/>
+          <a:lstStyle/>
+          <a:p>
+            <a:fld id="{760E2FCA-1C8E-4BE9-B400-F7E210E82502}" type="datetime1">
+              <a:rPr lang="hu-HU" smtClean="0"/>
+              <a:t>2016.05.26.</a:t>
+            </a:fld>
+            <a:endParaRPr lang="hu-HU"/>
+          </a:p>
+        </p:txBody>
+      </p:sp>
+      <p:sp>
+        <p:nvSpPr>
+          <p:cNvPr id="6" name="Footer Placeholder 5"/>
+          <p:cNvSpPr>
+            <a:spLocks noGrp="1"/>
+          </p:cNvSpPr>
+          <p:nvPr>
+            <p:ph type="ftr" sz="quarter" idx="11"/>
+          </p:nvPr>
+        </p:nvSpPr>
+        <p:spPr/>
+        <p:txBody>
+          <a:bodyPr/>
+          <a:lstStyle/>
+          <a:p>
+            <a:r>
+              <a:rPr lang="en-US"/>
+              <a:t>Introduction to Design Patterns and Adapter Pattern </a:t>
+            </a:r>
+            <a:endParaRPr lang="hu-HU"/>
+          </a:p>
+        </p:txBody>
+      </p:sp>
     </p:spTree>
     <p:extLst>
       <p:ext uri="{BB962C8B-B14F-4D97-AF65-F5344CB8AC3E}">
-        <p14:creationId xmlns:p14="http://schemas.microsoft.com/office/powerpoint/2010/main" val="1216626679"/>
+        <p14:creationId xmlns:p14="http://schemas.microsoft.com/office/powerpoint/2010/main" val="2474760466"/>
       </p:ext>
     </p:extLst>
   </p:cSld>
@@ -8293,7 +9406,7 @@
       </p:grpSpPr>
       <p:sp>
         <p:nvSpPr>
-          <p:cNvPr id="2" name="Cím 1"/>
+          <p:cNvPr id="2" name="Title 1"/>
           <p:cNvSpPr>
             <a:spLocks noGrp="1"/>
           </p:cNvSpPr>
@@ -8301,49 +9414,84 @@
             <p:ph type="title"/>
           </p:nvPr>
         </p:nvSpPr>
-        <p:spPr/>
-        <p:txBody>
-          <a:bodyPr/>
-          <a:lstStyle/>
-          <a:p>
-            <a:r>
-              <a:rPr lang="hu-HU" dirty="0" err="1" smtClean="0"/>
-              <a:t>Code</a:t>
-            </a:r>
-            <a:r>
-              <a:rPr lang="hu-HU" dirty="0" smtClean="0"/>
-              <a:t> </a:t>
-            </a:r>
-            <a:r>
-              <a:rPr lang="hu-HU" dirty="0" err="1" smtClean="0"/>
-              <a:t>Example</a:t>
-            </a:r>
-            <a:endParaRPr lang="hu-HU" dirty="0"/>
-          </a:p>
-        </p:txBody>
-      </p:sp>
-      <p:sp>
-        <p:nvSpPr>
-          <p:cNvPr id="3" name="Tartalom helye 2"/>
-          <p:cNvSpPr>
-            <a:spLocks noGrp="1"/>
-          </p:cNvSpPr>
-          <p:nvPr>
-            <p:ph idx="1"/>
-          </p:nvPr>
-        </p:nvSpPr>
-        <p:spPr/>
-        <p:txBody>
-          <a:bodyPr/>
-          <a:lstStyle/>
-          <a:p>
+        <p:spPr>
+          <a:xfrm>
+            <a:off x="838200" y="2616712"/>
+            <a:ext cx="10519249" cy="1326023"/>
+          </a:xfrm>
+        </p:spPr>
+        <p:txBody>
+          <a:bodyPr>
+            <a:normAutofit/>
+          </a:bodyPr>
+          <a:lstStyle/>
+          <a:p>
+            <a:pPr algn="ctr"/>
+            <a:r>
+              <a:rPr lang="hu-HU" sz="8800" dirty="0"/>
+              <a:t>Q</a:t>
+            </a:r>
+            <a:r>
+              <a:rPr lang="sv-SE" sz="8800" dirty="0"/>
+              <a:t>&amp;</a:t>
+            </a:r>
+            <a:r>
+              <a:rPr lang="hu-HU" sz="8800" dirty="0"/>
+              <a:t>A</a:t>
+            </a:r>
+            <a:endParaRPr lang="sv-SE" sz="8800" dirty="0"/>
+          </a:p>
+        </p:txBody>
+      </p:sp>
+      <p:sp>
+        <p:nvSpPr>
+          <p:cNvPr id="4" name="Date Placeholder 3"/>
+          <p:cNvSpPr>
+            <a:spLocks noGrp="1"/>
+          </p:cNvSpPr>
+          <p:nvPr>
+            <p:ph type="dt" sz="half" idx="10"/>
+          </p:nvPr>
+        </p:nvSpPr>
+        <p:spPr/>
+        <p:txBody>
+          <a:bodyPr/>
+          <a:lstStyle/>
+          <a:p>
+            <a:fld id="{EEBCD2AD-9FFC-4B03-95EF-40825E88E425}" type="datetime1">
+              <a:rPr lang="hu-HU" smtClean="0"/>
+              <a:t>2016.05.26.</a:t>
+            </a:fld>
             <a:endParaRPr lang="hu-HU"/>
           </a:p>
         </p:txBody>
       </p:sp>
       <p:sp>
         <p:nvSpPr>
-          <p:cNvPr id="4" name="Dia számának helye 3"/>
+          <p:cNvPr id="5" name="Footer Placeholder 4"/>
+          <p:cNvSpPr>
+            <a:spLocks noGrp="1"/>
+          </p:cNvSpPr>
+          <p:nvPr>
+            <p:ph type="ftr" sz="quarter" idx="11"/>
+          </p:nvPr>
+        </p:nvSpPr>
+        <p:spPr/>
+        <p:txBody>
+          <a:bodyPr/>
+          <a:lstStyle/>
+          <a:p>
+            <a:r>
+              <a:rPr lang="en-US"/>
+              <a:t>Introduction to Design Patterns and Adapter Pattern </a:t>
+            </a:r>
+            <a:endParaRPr lang="hu-HU"/>
+          </a:p>
+        </p:txBody>
+      </p:sp>
+      <p:sp>
+        <p:nvSpPr>
+          <p:cNvPr id="6" name="Slide Number Placeholder 5"/>
           <p:cNvSpPr>
             <a:spLocks noGrp="1"/>
           </p:cNvSpPr>
@@ -8367,7 +9515,7 @@
     </p:spTree>
     <p:extLst>
       <p:ext uri="{BB962C8B-B14F-4D97-AF65-F5344CB8AC3E}">
-        <p14:creationId xmlns:p14="http://schemas.microsoft.com/office/powerpoint/2010/main" val="4936233"/>
+        <p14:creationId xmlns:p14="http://schemas.microsoft.com/office/powerpoint/2010/main" val="3612482069"/>
       </p:ext>
     </p:extLst>
   </p:cSld>
@@ -8411,11 +9559,204 @@
           <a:p>
             <a:r>
               <a:rPr lang="hu-HU" dirty="0" err="1"/>
-              <a:t>Approaches</a:t>
-            </a:r>
-            <a:r>
-              <a:rPr lang="hu-HU" dirty="0"/>
-              <a:t> </a:t>
+              <a:t>Some</a:t>
+            </a:r>
+            <a:r>
+              <a:rPr lang="hu-HU" dirty="0"/>
+              <a:t> </a:t>
+            </a:r>
+            <a:r>
+              <a:rPr lang="hu-HU" dirty="0" err="1"/>
+              <a:t>words</a:t>
+            </a:r>
+            <a:r>
+              <a:rPr lang="hu-HU" dirty="0"/>
+              <a:t> </a:t>
+            </a:r>
+            <a:r>
+              <a:rPr lang="hu-HU" dirty="0" err="1"/>
+              <a:t>about</a:t>
+            </a:r>
+            <a:r>
+              <a:rPr lang="hu-HU" dirty="0"/>
+              <a:t> </a:t>
+            </a:r>
+            <a:r>
+              <a:rPr lang="hu-HU" dirty="0" err="1"/>
+              <a:t>the</a:t>
+            </a:r>
+            <a:r>
+              <a:rPr lang="hu-HU" dirty="0"/>
+              <a:t> Open/</a:t>
+            </a:r>
+            <a:r>
+              <a:rPr lang="hu-HU" dirty="0" err="1"/>
+              <a:t>Closed</a:t>
+            </a:r>
+            <a:r>
+              <a:rPr lang="hu-HU" dirty="0"/>
+              <a:t> </a:t>
+            </a:r>
+            <a:r>
+              <a:rPr lang="hu-HU" dirty="0" err="1"/>
+              <a:t>Principle</a:t>
+            </a:r>
+            <a:endParaRPr lang="hu-HU" dirty="0"/>
+          </a:p>
+        </p:txBody>
+      </p:sp>
+      <p:sp>
+        <p:nvSpPr>
+          <p:cNvPr id="3" name="Tartalom helye 2"/>
+          <p:cNvSpPr>
+            <a:spLocks noGrp="1"/>
+          </p:cNvSpPr>
+          <p:nvPr>
+            <p:ph idx="1"/>
+          </p:nvPr>
+        </p:nvSpPr>
+        <p:spPr/>
+        <p:txBody>
+          <a:bodyPr/>
+          <a:lstStyle/>
+          <a:p>
+            <a:r>
+              <a:rPr lang="hu-HU" dirty="0"/>
+              <a:t>The Open/ </a:t>
+            </a:r>
+            <a:r>
+              <a:rPr lang="hu-HU" dirty="0" err="1"/>
+              <a:t>Closed</a:t>
+            </a:r>
+            <a:r>
+              <a:rPr lang="hu-HU" dirty="0"/>
+              <a:t> </a:t>
+            </a:r>
+            <a:r>
+              <a:rPr lang="hu-HU" dirty="0" err="1"/>
+              <a:t>Principle</a:t>
+            </a:r>
+            <a:r>
+              <a:rPr lang="hu-HU" dirty="0"/>
+              <a:t> </a:t>
+            </a:r>
+            <a:r>
+              <a:rPr lang="hu-HU" dirty="0" err="1"/>
+              <a:t>states</a:t>
+            </a:r>
+            <a:r>
+              <a:rPr lang="hu-HU" dirty="0"/>
+              <a:t> </a:t>
+            </a:r>
+            <a:r>
+              <a:rPr lang="hu-HU" dirty="0" err="1"/>
+              <a:t>that</a:t>
+            </a:r>
+            <a:r>
+              <a:rPr lang="hu-HU" dirty="0"/>
+              <a:t> software </a:t>
+            </a:r>
+            <a:r>
+              <a:rPr lang="hu-HU" dirty="0" err="1"/>
+              <a:t>entities</a:t>
+            </a:r>
+            <a:r>
+              <a:rPr lang="hu-HU" dirty="0"/>
+              <a:t>(</a:t>
+            </a:r>
+            <a:r>
+              <a:rPr lang="hu-HU" dirty="0" err="1"/>
+              <a:t>classes</a:t>
+            </a:r>
+            <a:r>
+              <a:rPr lang="hu-HU" dirty="0"/>
+              <a:t>, </a:t>
+            </a:r>
+            <a:r>
+              <a:rPr lang="hu-HU" dirty="0" err="1"/>
+              <a:t>modules</a:t>
+            </a:r>
+            <a:r>
+              <a:rPr lang="hu-HU" dirty="0"/>
+              <a:t>, </a:t>
+            </a:r>
+            <a:r>
+              <a:rPr lang="hu-HU" dirty="0" err="1"/>
+              <a:t>functions</a:t>
+            </a:r>
+            <a:r>
+              <a:rPr lang="hu-HU" dirty="0"/>
+              <a:t>,etc.) </a:t>
+            </a:r>
+            <a:r>
+              <a:rPr lang="hu-HU" dirty="0" err="1"/>
+              <a:t>should</a:t>
+            </a:r>
+            <a:r>
+              <a:rPr lang="hu-HU" dirty="0"/>
+              <a:t> be </a:t>
+            </a:r>
+            <a:r>
+              <a:rPr lang="hu-HU" dirty="0" err="1"/>
+              <a:t>open</a:t>
+            </a:r>
+            <a:r>
+              <a:rPr lang="hu-HU" dirty="0"/>
+              <a:t> </a:t>
+            </a:r>
+            <a:r>
+              <a:rPr lang="hu-HU" dirty="0" err="1"/>
+              <a:t>for</a:t>
+            </a:r>
+            <a:r>
+              <a:rPr lang="hu-HU" dirty="0"/>
+              <a:t> </a:t>
+            </a:r>
+            <a:r>
+              <a:rPr lang="hu-HU" dirty="0" err="1"/>
+              <a:t>extension</a:t>
+            </a:r>
+            <a:r>
+              <a:rPr lang="hu-HU" dirty="0"/>
+              <a:t>, </a:t>
+            </a:r>
+            <a:r>
+              <a:rPr lang="hu-HU" dirty="0" err="1"/>
+              <a:t>but</a:t>
+            </a:r>
+            <a:r>
+              <a:rPr lang="hu-HU" dirty="0"/>
+              <a:t> </a:t>
+            </a:r>
+            <a:r>
+              <a:rPr lang="hu-HU" dirty="0" err="1"/>
+              <a:t>closed</a:t>
+            </a:r>
+            <a:r>
+              <a:rPr lang="hu-HU" dirty="0"/>
+              <a:t> </a:t>
+            </a:r>
+            <a:r>
+              <a:rPr lang="hu-HU" dirty="0" err="1"/>
+              <a:t>for</a:t>
+            </a:r>
+            <a:r>
+              <a:rPr lang="hu-HU" dirty="0"/>
+              <a:t> </a:t>
+            </a:r>
+            <a:r>
+              <a:rPr lang="hu-HU" dirty="0" err="1"/>
+              <a:t>modification</a:t>
+            </a:r>
+            <a:r>
+              <a:rPr lang="hu-HU" dirty="0"/>
+              <a:t>.</a:t>
+            </a:r>
+          </a:p>
+          <a:p>
+            <a:r>
+              <a:rPr lang="hu-HU" dirty="0"/>
+              <a:t>Open </a:t>
             </a:r>
             <a:r>
               <a:rPr lang="hu-HU" dirty="0" err="1"/>
@@ -8427,93 +9768,268 @@
             </a:r>
             <a:r>
               <a:rPr lang="hu-HU" dirty="0" err="1"/>
-              <a:t>Achieve</a:t>
-            </a:r>
-            <a:r>
-              <a:rPr lang="hu-HU" dirty="0"/>
-              <a:t> OCP</a:t>
-            </a:r>
-          </a:p>
-        </p:txBody>
-      </p:sp>
-      <p:sp>
-        <p:nvSpPr>
-          <p:cNvPr id="3" name="Tartalom helye 2"/>
-          <p:cNvSpPr>
-            <a:spLocks noGrp="1"/>
-          </p:cNvSpPr>
-          <p:nvPr>
-            <p:ph idx="1"/>
-          </p:nvPr>
-        </p:nvSpPr>
-        <p:spPr/>
-        <p:txBody>
-          <a:bodyPr/>
-          <a:lstStyle/>
-          <a:p>
-            <a:r>
-              <a:rPr lang="hu-HU" dirty="0" err="1"/>
-              <a:t>Inheritance</a:t>
-            </a:r>
-            <a:r>
-              <a:rPr lang="hu-HU" dirty="0"/>
-              <a:t> / </a:t>
-            </a:r>
-            <a:r>
-              <a:rPr lang="hu-HU" dirty="0" err="1"/>
-              <a:t>Template</a:t>
-            </a:r>
-            <a:r>
-              <a:rPr lang="hu-HU" dirty="0"/>
-              <a:t> </a:t>
-            </a:r>
-            <a:r>
-              <a:rPr lang="hu-HU" dirty="0" err="1"/>
-              <a:t>Method</a:t>
-            </a:r>
-            <a:r>
-              <a:rPr lang="hu-HU" dirty="0"/>
-              <a:t> </a:t>
-            </a:r>
-            <a:r>
-              <a:rPr lang="hu-HU" dirty="0" err="1"/>
-              <a:t>Pattern</a:t>
+              <a:t>Extension</a:t>
+            </a:r>
+            <a:r>
+              <a:rPr lang="hu-HU" dirty="0"/>
+              <a:t> – New </a:t>
+            </a:r>
+            <a:r>
+              <a:rPr lang="hu-HU" dirty="0" err="1"/>
+              <a:t>behavior</a:t>
+            </a:r>
+            <a:r>
+              <a:rPr lang="hu-HU" dirty="0"/>
+              <a:t> </a:t>
+            </a:r>
+            <a:r>
+              <a:rPr lang="hu-HU" dirty="0" err="1"/>
+              <a:t>can</a:t>
+            </a:r>
+            <a:r>
+              <a:rPr lang="hu-HU" dirty="0"/>
+              <a:t> be </a:t>
+            </a:r>
+            <a:r>
+              <a:rPr lang="hu-HU" dirty="0" err="1"/>
+              <a:t>added</a:t>
+            </a:r>
+            <a:r>
+              <a:rPr lang="hu-HU" dirty="0"/>
+              <a:t> </a:t>
+            </a:r>
+            <a:r>
+              <a:rPr lang="hu-HU" dirty="0" err="1"/>
+              <a:t>in</a:t>
+            </a:r>
+            <a:r>
+              <a:rPr lang="hu-HU" dirty="0"/>
+              <a:t> </a:t>
+            </a:r>
+            <a:r>
+              <a:rPr lang="hu-HU" dirty="0" err="1"/>
+              <a:t>the</a:t>
+            </a:r>
+            <a:r>
+              <a:rPr lang="hu-HU" dirty="0"/>
+              <a:t> </a:t>
+            </a:r>
+            <a:r>
+              <a:rPr lang="hu-HU" dirty="0" err="1"/>
+              <a:t>future</a:t>
             </a:r>
             <a:endParaRPr lang="hu-HU" dirty="0"/>
           </a:p>
           <a:p>
-            <a:pPr lvl="1"/>
-            <a:r>
-              <a:rPr lang="hu-HU" dirty="0" err="1"/>
-              <a:t>Child</a:t>
-            </a:r>
-            <a:r>
-              <a:rPr lang="hu-HU" dirty="0"/>
-              <a:t> </a:t>
-            </a:r>
-            <a:r>
-              <a:rPr lang="hu-HU" dirty="0" err="1"/>
-              <a:t>types</a:t>
-            </a:r>
-            <a:r>
-              <a:rPr lang="hu-HU" dirty="0"/>
-              <a:t> </a:t>
-            </a:r>
-            <a:r>
-              <a:rPr lang="hu-HU" dirty="0" err="1"/>
-              <a:t>override</a:t>
-            </a:r>
-            <a:r>
-              <a:rPr lang="hu-HU" dirty="0"/>
-              <a:t> </a:t>
-            </a:r>
-            <a:r>
-              <a:rPr lang="hu-HU" dirty="0" err="1"/>
-              <a:t>behavior</a:t>
-            </a:r>
-            <a:r>
-              <a:rPr lang="hu-HU" dirty="0"/>
-              <a:t> of a </a:t>
+            <a:r>
+              <a:rPr lang="hu-HU" dirty="0" err="1"/>
+              <a:t>Closed</a:t>
+            </a:r>
+            <a:r>
+              <a:rPr lang="hu-HU" dirty="0"/>
+              <a:t> </a:t>
+            </a:r>
+            <a:r>
+              <a:rPr lang="hu-HU" dirty="0" err="1"/>
+              <a:t>to</a:t>
+            </a:r>
+            <a:r>
+              <a:rPr lang="hu-HU" dirty="0"/>
+              <a:t> </a:t>
+            </a:r>
+            <a:r>
+              <a:rPr lang="hu-HU" dirty="0" err="1"/>
+              <a:t>Modification</a:t>
+            </a:r>
+            <a:r>
+              <a:rPr lang="hu-HU" dirty="0"/>
+              <a:t> – </a:t>
+            </a:r>
+            <a:r>
+              <a:rPr lang="hu-HU" dirty="0" err="1"/>
+              <a:t>Changes</a:t>
+            </a:r>
+            <a:r>
+              <a:rPr lang="hu-HU" dirty="0"/>
+              <a:t> </a:t>
+            </a:r>
+            <a:r>
+              <a:rPr lang="hu-HU" dirty="0" err="1"/>
+              <a:t>to</a:t>
+            </a:r>
+            <a:r>
+              <a:rPr lang="hu-HU" dirty="0"/>
+              <a:t> </a:t>
+            </a:r>
+            <a:r>
+              <a:rPr lang="hu-HU" dirty="0" err="1"/>
+              <a:t>source</a:t>
+            </a:r>
+            <a:r>
+              <a:rPr lang="hu-HU" dirty="0"/>
+              <a:t> </a:t>
+            </a:r>
+            <a:r>
+              <a:rPr lang="hu-HU" dirty="0" err="1"/>
+              <a:t>or</a:t>
+            </a:r>
+            <a:r>
+              <a:rPr lang="hu-HU" dirty="0"/>
+              <a:t> </a:t>
+            </a:r>
+            <a:r>
+              <a:rPr lang="hu-HU" dirty="0" err="1"/>
+              <a:t>binary</a:t>
+            </a:r>
+            <a:r>
+              <a:rPr lang="hu-HU" dirty="0"/>
+              <a:t> </a:t>
+            </a:r>
+            <a:r>
+              <a:rPr lang="hu-HU" dirty="0" err="1"/>
+              <a:t>code</a:t>
+            </a:r>
+            <a:r>
+              <a:rPr lang="hu-HU" dirty="0"/>
+              <a:t> </a:t>
+            </a:r>
+            <a:r>
+              <a:rPr lang="hu-HU" dirty="0" err="1"/>
+              <a:t>are</a:t>
+            </a:r>
+            <a:r>
+              <a:rPr lang="hu-HU" dirty="0"/>
+              <a:t> </a:t>
+            </a:r>
+            <a:r>
+              <a:rPr lang="hu-HU" dirty="0" err="1"/>
+              <a:t>not</a:t>
+            </a:r>
+            <a:r>
+              <a:rPr lang="hu-HU" dirty="0"/>
+              <a:t> </a:t>
+            </a:r>
+            <a:r>
+              <a:rPr lang="hu-HU" dirty="0" err="1"/>
+              <a:t>required</a:t>
+            </a:r>
+            <a:r>
+              <a:rPr lang="hu-HU" dirty="0"/>
+              <a:t>, </a:t>
+            </a:r>
+            <a:r>
+              <a:rPr lang="hu-HU" dirty="0" err="1"/>
+              <a:t>we</a:t>
+            </a:r>
+            <a:r>
+              <a:rPr lang="hu-HU" dirty="0"/>
+              <a:t> </a:t>
+            </a:r>
+            <a:r>
+              <a:rPr lang="hu-HU" dirty="0" err="1"/>
+              <a:t>should</a:t>
+            </a:r>
+            <a:r>
+              <a:rPr lang="hu-HU" dirty="0"/>
+              <a:t> </a:t>
+            </a:r>
+            <a:r>
+              <a:rPr lang="hu-HU" dirty="0" err="1"/>
+              <a:t>not</a:t>
+            </a:r>
+            <a:r>
+              <a:rPr lang="hu-HU" dirty="0"/>
+              <a:t> </a:t>
+            </a:r>
+            <a:r>
+              <a:rPr lang="hu-HU" dirty="0" err="1"/>
+              <a:t>recompile</a:t>
+            </a:r>
+            <a:r>
+              <a:rPr lang="hu-HU" dirty="0"/>
+              <a:t> </a:t>
+            </a:r>
+            <a:r>
+              <a:rPr lang="hu-HU" dirty="0" err="1"/>
+              <a:t>the</a:t>
+            </a:r>
+            <a:r>
+              <a:rPr lang="hu-HU" dirty="0"/>
+              <a:t> </a:t>
+            </a:r>
+            <a:r>
+              <a:rPr lang="hu-HU" dirty="0" err="1"/>
+              <a:t>code</a:t>
+            </a:r>
+            <a:r>
+              <a:rPr lang="hu-HU" dirty="0"/>
+              <a:t> </a:t>
+            </a:r>
+            <a:r>
+              <a:rPr lang="hu-HU" dirty="0" err="1"/>
+              <a:t>to</a:t>
+            </a:r>
+            <a:r>
+              <a:rPr lang="hu-HU" dirty="0"/>
+              <a:t> </a:t>
+            </a:r>
+            <a:r>
+              <a:rPr lang="hu-HU" dirty="0" err="1"/>
+              <a:t>achive</a:t>
+            </a:r>
+            <a:r>
+              <a:rPr lang="hu-HU" dirty="0"/>
+              <a:t> </a:t>
+            </a:r>
+            <a:r>
+              <a:rPr lang="hu-HU" dirty="0" err="1"/>
+              <a:t>this</a:t>
+            </a:r>
+            <a:r>
+              <a:rPr lang="hu-HU" dirty="0"/>
+              <a:t>.</a:t>
+            </a:r>
+          </a:p>
+          <a:p>
+            <a:r>
+              <a:rPr lang="hu-HU" dirty="0" err="1"/>
+              <a:t>Rely</a:t>
+            </a:r>
+            <a:r>
+              <a:rPr lang="hu-HU" dirty="0"/>
+              <a:t> </a:t>
+            </a:r>
+            <a:r>
+              <a:rPr lang="hu-HU" dirty="0" err="1"/>
+              <a:t>on</a:t>
+            </a:r>
+            <a:r>
+              <a:rPr lang="hu-HU" dirty="0"/>
+              <a:t> </a:t>
+            </a:r>
+            <a:r>
+              <a:rPr lang="hu-HU" dirty="0" err="1"/>
+              <a:t>abstractions</a:t>
+            </a:r>
+            <a:r>
+              <a:rPr lang="hu-HU" dirty="0"/>
+              <a:t>(</a:t>
+            </a:r>
+            <a:r>
+              <a:rPr lang="hu-HU" dirty="0" err="1"/>
+              <a:t>Interfaces</a:t>
+            </a:r>
+            <a:r>
+              <a:rPr lang="hu-HU" dirty="0"/>
+              <a:t> and </a:t>
+            </a:r>
+            <a:r>
+              <a:rPr lang="hu-HU" dirty="0" err="1"/>
+              <a:t>Abstract</a:t>
+            </a:r>
+            <a:r>
+              <a:rPr lang="hu-HU" dirty="0"/>
+              <a:t> </a:t>
             </a:r>
             <a:r>
               <a:rPr lang="hu-HU" dirty="0" err="1"/>
@@ -8525,196 +10041,23 @@
             </a:r>
             <a:r>
               <a:rPr lang="hu-HU" dirty="0" err="1"/>
-              <a:t>class</a:t>
-            </a:r>
-            <a:r>
-              <a:rPr lang="hu-HU" dirty="0"/>
-              <a:t>(</a:t>
-            </a:r>
-            <a:r>
-              <a:rPr lang="hu-HU" dirty="0" err="1"/>
-              <a:t>or</a:t>
-            </a:r>
-            <a:r>
-              <a:rPr lang="hu-HU" dirty="0"/>
-              <a:t> </a:t>
-            </a:r>
-            <a:r>
-              <a:rPr lang="hu-HU" dirty="0" err="1"/>
-              <a:t>interface</a:t>
-            </a:r>
-            <a:r>
-              <a:rPr lang="hu-HU" dirty="0"/>
-              <a:t>)</a:t>
-            </a:r>
-          </a:p>
-          <a:p>
-            <a:r>
-              <a:rPr lang="hu-HU" dirty="0" err="1"/>
-              <a:t>Composition</a:t>
-            </a:r>
-            <a:r>
-              <a:rPr lang="hu-HU" dirty="0"/>
-              <a:t> / </a:t>
-            </a:r>
-            <a:r>
-              <a:rPr lang="hu-HU" dirty="0" err="1"/>
-              <a:t>Strategy</a:t>
-            </a:r>
-            <a:r>
-              <a:rPr lang="hu-HU" dirty="0"/>
-              <a:t> </a:t>
-            </a:r>
-            <a:r>
-              <a:rPr lang="hu-HU" dirty="0" err="1"/>
-              <a:t>Pattern</a:t>
-            </a:r>
-            <a:endParaRPr lang="hu-HU" dirty="0"/>
-          </a:p>
-          <a:p>
-            <a:pPr lvl="1"/>
-            <a:r>
-              <a:rPr lang="hu-HU" dirty="0" err="1"/>
-              <a:t>Client</a:t>
-            </a:r>
-            <a:r>
-              <a:rPr lang="hu-HU" dirty="0"/>
-              <a:t> </a:t>
-            </a:r>
-            <a:r>
-              <a:rPr lang="hu-HU" dirty="0" err="1"/>
-              <a:t>code</a:t>
-            </a:r>
-            <a:r>
-              <a:rPr lang="hu-HU" dirty="0"/>
-              <a:t> </a:t>
-            </a:r>
-            <a:r>
-              <a:rPr lang="hu-HU" dirty="0" err="1"/>
-              <a:t>depeds</a:t>
-            </a:r>
-            <a:r>
-              <a:rPr lang="hu-HU" dirty="0"/>
-              <a:t> </a:t>
-            </a:r>
-            <a:r>
-              <a:rPr lang="hu-HU" dirty="0" err="1"/>
-              <a:t>on</a:t>
-            </a:r>
-            <a:r>
-              <a:rPr lang="hu-HU" dirty="0"/>
-              <a:t> </a:t>
-            </a:r>
-            <a:r>
-              <a:rPr lang="hu-HU" dirty="0" err="1"/>
-              <a:t>abstraction</a:t>
-            </a:r>
-            <a:r>
-              <a:rPr lang="hu-HU" dirty="0"/>
-              <a:t>(</a:t>
-            </a:r>
-            <a:r>
-              <a:rPr lang="hu-HU" dirty="0" err="1"/>
-              <a:t>Pass</a:t>
-            </a:r>
-            <a:r>
-              <a:rPr lang="hu-HU" dirty="0"/>
-              <a:t> </a:t>
-            </a:r>
-            <a:r>
-              <a:rPr lang="hu-HU" dirty="0" err="1"/>
-              <a:t>in</a:t>
-            </a:r>
-            <a:r>
-              <a:rPr lang="hu-HU" dirty="0"/>
-              <a:t> </a:t>
-            </a:r>
-            <a:r>
-              <a:rPr lang="hu-HU" dirty="0" err="1"/>
-              <a:t>Implementation</a:t>
-            </a:r>
-            <a:r>
-              <a:rPr lang="hu-HU" dirty="0"/>
-              <a:t> </a:t>
-            </a:r>
-            <a:r>
-              <a:rPr lang="hu-HU" dirty="0" err="1"/>
-              <a:t>in</a:t>
-            </a:r>
-            <a:r>
-              <a:rPr lang="hu-HU" dirty="0"/>
-              <a:t> </a:t>
-            </a:r>
-            <a:r>
-              <a:rPr lang="hu-HU" dirty="0" err="1"/>
-              <a:t>the</a:t>
-            </a:r>
-            <a:r>
-              <a:rPr lang="hu-HU" dirty="0"/>
-              <a:t> </a:t>
-            </a:r>
-            <a:r>
-              <a:rPr lang="hu-HU" dirty="0" err="1"/>
-              <a:t>costructor</a:t>
-            </a:r>
-            <a:r>
-              <a:rPr lang="hu-HU" dirty="0"/>
-              <a:t>)</a:t>
-            </a:r>
-          </a:p>
-          <a:p>
-            <a:pPr lvl="1"/>
-            <a:r>
-              <a:rPr lang="hu-HU" dirty="0" err="1"/>
-              <a:t>Provides</a:t>
-            </a:r>
-            <a:r>
-              <a:rPr lang="hu-HU" dirty="0"/>
-              <a:t> a „</a:t>
-            </a:r>
-            <a:r>
-              <a:rPr lang="hu-HU" dirty="0" err="1"/>
-              <a:t>plug</a:t>
-            </a:r>
-            <a:r>
-              <a:rPr lang="hu-HU" dirty="0"/>
-              <a:t> </a:t>
-            </a:r>
-            <a:r>
-              <a:rPr lang="hu-HU" dirty="0" err="1"/>
-              <a:t>in</a:t>
-            </a:r>
-            <a:r>
-              <a:rPr lang="hu-HU" dirty="0"/>
-              <a:t>” </a:t>
-            </a:r>
-            <a:r>
-              <a:rPr lang="hu-HU" dirty="0" err="1"/>
-              <a:t>model</a:t>
-            </a:r>
-            <a:endParaRPr lang="hu-HU" dirty="0"/>
-          </a:p>
-          <a:p>
-            <a:pPr lvl="1"/>
-            <a:r>
-              <a:rPr lang="hu-HU" dirty="0" err="1"/>
-              <a:t>Implementations</a:t>
-            </a:r>
-            <a:r>
-              <a:rPr lang="hu-HU" dirty="0"/>
-              <a:t> </a:t>
-            </a:r>
-            <a:r>
-              <a:rPr lang="hu-HU" dirty="0" err="1"/>
-              <a:t>utilize</a:t>
-            </a:r>
-            <a:r>
-              <a:rPr lang="hu-HU" dirty="0"/>
-              <a:t> </a:t>
-            </a:r>
-            <a:r>
-              <a:rPr lang="hu-HU" dirty="0" err="1"/>
-              <a:t>Inheritance</a:t>
+              <a:t>classes</a:t>
+            </a:r>
+            <a:r>
+              <a:rPr lang="hu-HU" dirty="0"/>
+              <a:t>), </a:t>
+            </a:r>
+            <a:r>
+              <a:rPr lang="hu-HU" dirty="0" err="1"/>
+              <a:t>introducing</a:t>
+            </a:r>
+            <a:r>
+              <a:rPr lang="hu-HU" dirty="0"/>
+              <a:t> </a:t>
+            </a:r>
+            <a:r>
+              <a:rPr lang="hu-HU" dirty="0" err="1"/>
+              <a:t>seams</a:t>
             </a:r>
             <a:r>
               <a:rPr lang="hu-HU" dirty="0"/>
@@ -8722,25 +10065,68 @@
             </a:r>
             <a:r>
               <a:rPr lang="hu-HU" dirty="0" err="1"/>
-              <a:t>Client</a:t>
-            </a:r>
-            <a:r>
-              <a:rPr lang="hu-HU" dirty="0"/>
-              <a:t> </a:t>
-            </a:r>
-            <a:r>
-              <a:rPr lang="hu-HU" dirty="0" err="1"/>
-              <a:t>utilizes</a:t>
-            </a:r>
-            <a:r>
-              <a:rPr lang="hu-HU" dirty="0"/>
-              <a:t> </a:t>
-            </a:r>
-            <a:r>
-              <a:rPr lang="hu-HU" dirty="0" err="1"/>
-              <a:t>composition</a:t>
-            </a:r>
-            <a:endParaRPr lang="hu-HU" dirty="0"/>
+              <a:t>where</a:t>
+            </a:r>
+            <a:r>
+              <a:rPr lang="hu-HU" dirty="0"/>
+              <a:t> </a:t>
+            </a:r>
+            <a:r>
+              <a:rPr lang="hu-HU" dirty="0" err="1"/>
+              <a:t>we</a:t>
+            </a:r>
+            <a:r>
+              <a:rPr lang="hu-HU" dirty="0"/>
+              <a:t> </a:t>
+            </a:r>
+            <a:r>
+              <a:rPr lang="hu-HU" dirty="0" err="1"/>
+              <a:t>can</a:t>
+            </a:r>
+            <a:r>
+              <a:rPr lang="hu-HU" dirty="0"/>
+              <a:t> </a:t>
+            </a:r>
+            <a:r>
+              <a:rPr lang="hu-HU" dirty="0" err="1"/>
+              <a:t>separate</a:t>
+            </a:r>
+            <a:r>
+              <a:rPr lang="hu-HU" dirty="0"/>
+              <a:t> </a:t>
+            </a:r>
+            <a:r>
+              <a:rPr lang="hu-HU" dirty="0" err="1"/>
+              <a:t>different</a:t>
+            </a:r>
+            <a:r>
+              <a:rPr lang="hu-HU" dirty="0"/>
+              <a:t> </a:t>
+            </a:r>
+            <a:r>
+              <a:rPr lang="hu-HU" dirty="0" err="1"/>
+              <a:t>parts</a:t>
+            </a:r>
+            <a:r>
+              <a:rPr lang="hu-HU" dirty="0"/>
+              <a:t> of </a:t>
+            </a:r>
+            <a:r>
+              <a:rPr lang="hu-HU" dirty="0" err="1"/>
+              <a:t>our</a:t>
+            </a:r>
+            <a:r>
+              <a:rPr lang="hu-HU" dirty="0"/>
+              <a:t> </a:t>
+            </a:r>
+            <a:r>
+              <a:rPr lang="hu-HU" dirty="0" err="1"/>
+              <a:t>application</a:t>
+            </a:r>
+            <a:r>
+              <a:rPr lang="hu-HU" dirty="0"/>
+              <a:t>.</a:t>
+            </a:r>
           </a:p>
         </p:txBody>
       </p:sp>
@@ -8767,10 +10153,56 @@
           </a:p>
         </p:txBody>
       </p:sp>
+      <p:sp>
+        <p:nvSpPr>
+          <p:cNvPr id="5" name="Date Placeholder 4"/>
+          <p:cNvSpPr>
+            <a:spLocks noGrp="1"/>
+          </p:cNvSpPr>
+          <p:nvPr>
+            <p:ph type="dt" sz="half" idx="10"/>
+          </p:nvPr>
+        </p:nvSpPr>
+        <p:spPr/>
+        <p:txBody>
+          <a:bodyPr/>
+          <a:lstStyle/>
+          <a:p>
+            <a:fld id="{C3FB1BA7-4465-44AE-BA5D-C1E87021F247}" type="datetime1">
+              <a:rPr lang="hu-HU" smtClean="0"/>
+              <a:t>2016.05.26.</a:t>
+            </a:fld>
+            <a:endParaRPr lang="hu-HU"/>
+          </a:p>
+        </p:txBody>
+      </p:sp>
+      <p:sp>
+        <p:nvSpPr>
+          <p:cNvPr id="6" name="Footer Placeholder 5"/>
+          <p:cNvSpPr>
+            <a:spLocks noGrp="1"/>
+          </p:cNvSpPr>
+          <p:nvPr>
+            <p:ph type="ftr" sz="quarter" idx="11"/>
+          </p:nvPr>
+        </p:nvSpPr>
+        <p:spPr/>
+        <p:txBody>
+          <a:bodyPr/>
+          <a:lstStyle/>
+          <a:p>
+            <a:r>
+              <a:rPr lang="en-US"/>
+              <a:t>Introduction to Design Patterns and Adapter Pattern </a:t>
+            </a:r>
+            <a:endParaRPr lang="hu-HU"/>
+          </a:p>
+        </p:txBody>
+      </p:sp>
     </p:spTree>
     <p:extLst>
       <p:ext uri="{BB962C8B-B14F-4D97-AF65-F5344CB8AC3E}">
-        <p14:creationId xmlns:p14="http://schemas.microsoft.com/office/powerpoint/2010/main" val="2495193176"/>
+        <p14:creationId xmlns:p14="http://schemas.microsoft.com/office/powerpoint/2010/main" val="3415002473"/>
       </p:ext>
     </p:extLst>
   </p:cSld>
@@ -8813,36 +10245,48 @@
           <a:lstStyle/>
           <a:p>
             <a:r>
-              <a:rPr lang="hu-HU" dirty="0" err="1" smtClean="0"/>
-              <a:t>When</a:t>
-            </a:r>
-            <a:r>
-              <a:rPr lang="hu-HU" dirty="0" smtClean="0"/>
-              <a:t> </a:t>
-            </a:r>
-            <a:r>
-              <a:rPr lang="hu-HU" dirty="0" err="1" smtClean="0"/>
-              <a:t>do</a:t>
-            </a:r>
-            <a:r>
-              <a:rPr lang="hu-HU" dirty="0" smtClean="0"/>
-              <a:t> </a:t>
-            </a:r>
-            <a:r>
-              <a:rPr lang="hu-HU" dirty="0" err="1" smtClean="0"/>
-              <a:t>we</a:t>
-            </a:r>
-            <a:r>
-              <a:rPr lang="hu-HU" dirty="0" smtClean="0"/>
-              <a:t> </a:t>
-            </a:r>
-            <a:r>
-              <a:rPr lang="hu-HU" dirty="0" err="1" smtClean="0"/>
-              <a:t>apply</a:t>
-            </a:r>
-            <a:r>
-              <a:rPr lang="hu-HU" dirty="0" smtClean="0"/>
-              <a:t> OCP?</a:t>
+              <a:rPr lang="hu-HU" dirty="0" err="1"/>
+              <a:t>Some</a:t>
+            </a:r>
+            <a:r>
+              <a:rPr lang="hu-HU" dirty="0"/>
+              <a:t> </a:t>
+            </a:r>
+            <a:r>
+              <a:rPr lang="hu-HU" dirty="0" err="1"/>
+              <a:t>words</a:t>
+            </a:r>
+            <a:r>
+              <a:rPr lang="hu-HU" dirty="0"/>
+              <a:t> </a:t>
+            </a:r>
+            <a:r>
+              <a:rPr lang="hu-HU" dirty="0" err="1"/>
+              <a:t>about</a:t>
+            </a:r>
+            <a:r>
+              <a:rPr lang="hu-HU" dirty="0"/>
+              <a:t> </a:t>
+            </a:r>
+            <a:r>
+              <a:rPr lang="hu-HU" dirty="0" err="1"/>
+              <a:t>the</a:t>
+            </a:r>
+            <a:r>
+              <a:rPr lang="hu-HU" dirty="0"/>
+              <a:t> Open/</a:t>
+            </a:r>
+            <a:r>
+              <a:rPr lang="hu-HU" dirty="0" err="1"/>
+              <a:t>Closed</a:t>
+            </a:r>
+            <a:r>
+              <a:rPr lang="hu-HU" dirty="0"/>
+              <a:t> </a:t>
+            </a:r>
+            <a:r>
+              <a:rPr lang="hu-HU" dirty="0" err="1"/>
+              <a:t>Principle</a:t>
             </a:r>
             <a:endParaRPr lang="hu-HU" dirty="0"/>
           </a:p>
@@ -8860,389 +10304,281 @@
         </p:nvSpPr>
         <p:spPr/>
         <p:txBody>
-          <a:bodyPr>
-            <a:normAutofit lnSpcReduction="10000"/>
-          </a:bodyPr>
-          <a:lstStyle/>
-          <a:p>
-            <a:r>
-              <a:rPr lang="hu-HU" dirty="0" err="1" smtClean="0"/>
-              <a:t>Experience</a:t>
-            </a:r>
-            <a:r>
-              <a:rPr lang="hu-HU" dirty="0" smtClean="0"/>
-              <a:t> </a:t>
-            </a:r>
-            <a:r>
-              <a:rPr lang="hu-HU" dirty="0" err="1" smtClean="0"/>
-              <a:t>tells</a:t>
-            </a:r>
-            <a:r>
-              <a:rPr lang="hu-HU" dirty="0" smtClean="0"/>
-              <a:t> </a:t>
-            </a:r>
-            <a:r>
-              <a:rPr lang="hu-HU" dirty="0" err="1" smtClean="0"/>
-              <a:t>you</a:t>
-            </a:r>
-            <a:endParaRPr lang="hu-HU" dirty="0"/>
-          </a:p>
-          <a:p>
-            <a:r>
-              <a:rPr lang="hu-HU" dirty="0" smtClean="0"/>
-              <a:t>„</a:t>
-            </a:r>
-            <a:r>
-              <a:rPr lang="hu-HU" dirty="0" err="1" smtClean="0"/>
-              <a:t>Fool</a:t>
-            </a:r>
-            <a:r>
-              <a:rPr lang="hu-HU" dirty="0" smtClean="0"/>
-              <a:t> </a:t>
-            </a:r>
-            <a:r>
-              <a:rPr lang="hu-HU" dirty="0" err="1" smtClean="0"/>
-              <a:t>me</a:t>
-            </a:r>
-            <a:r>
-              <a:rPr lang="hu-HU" dirty="0" smtClean="0"/>
-              <a:t> </a:t>
-            </a:r>
-            <a:r>
-              <a:rPr lang="hu-HU" dirty="0" err="1" smtClean="0"/>
-              <a:t>once</a:t>
-            </a:r>
-            <a:r>
-              <a:rPr lang="hu-HU" dirty="0" smtClean="0"/>
+          <a:bodyPr/>
+          <a:lstStyle/>
+          <a:p>
+            <a:r>
+              <a:rPr lang="hu-HU" dirty="0"/>
+              <a:t>You can change by adding new classes.</a:t>
+            </a:r>
+          </a:p>
+          <a:p>
+            <a:r>
+              <a:rPr lang="hu-HU" dirty="0" err="1"/>
+              <a:t>Smaller</a:t>
+            </a:r>
+            <a:r>
+              <a:rPr lang="hu-HU" dirty="0"/>
+              <a:t> </a:t>
+            </a:r>
+            <a:r>
+              <a:rPr lang="hu-HU" dirty="0" err="1"/>
+              <a:t>classes</a:t>
+            </a:r>
+            <a:r>
+              <a:rPr lang="hu-HU" dirty="0"/>
               <a:t>, </a:t>
             </a:r>
             <a:r>
-              <a:rPr lang="hu-HU" dirty="0" err="1" smtClean="0"/>
-              <a:t>shame</a:t>
-            </a:r>
-            <a:r>
-              <a:rPr lang="hu-HU" dirty="0" smtClean="0"/>
-              <a:t> </a:t>
-            </a:r>
-            <a:r>
-              <a:rPr lang="hu-HU" dirty="0" err="1" smtClean="0"/>
+              <a:rPr lang="hu-HU" dirty="0" err="1"/>
+              <a:t>which</a:t>
+            </a:r>
+            <a:r>
+              <a:rPr lang="hu-HU" dirty="0"/>
+              <a:t> has </a:t>
+            </a:r>
+            <a:r>
+              <a:rPr lang="hu-HU" dirty="0" err="1"/>
+              <a:t>only</a:t>
+            </a:r>
+            <a:r>
+              <a:rPr lang="hu-HU" dirty="0"/>
+              <a:t> </a:t>
+            </a:r>
+            <a:r>
+              <a:rPr lang="hu-HU" dirty="0" err="1"/>
+              <a:t>one</a:t>
+            </a:r>
+            <a:r>
+              <a:rPr lang="hu-HU" dirty="0"/>
+              <a:t> </a:t>
+            </a:r>
+            <a:r>
+              <a:rPr lang="hu-HU" dirty="0" err="1"/>
+              <a:t>job</a:t>
+            </a:r>
+            <a:r>
+              <a:rPr lang="hu-HU" dirty="0"/>
+              <a:t> (</a:t>
+            </a:r>
+            <a:r>
+              <a:rPr lang="hu-HU" dirty="0" err="1"/>
+              <a:t>following</a:t>
+            </a:r>
+            <a:r>
+              <a:rPr lang="hu-HU" dirty="0"/>
+              <a:t> </a:t>
+            </a:r>
+            <a:r>
+              <a:rPr lang="hu-HU" dirty="0" err="1"/>
+              <a:t>the</a:t>
+            </a:r>
+            <a:r>
+              <a:rPr lang="hu-HU" dirty="0"/>
+              <a:t> </a:t>
+            </a:r>
+            <a:r>
+              <a:rPr lang="hu-HU" dirty="0" err="1"/>
+              <a:t>Single</a:t>
+            </a:r>
+            <a:r>
+              <a:rPr lang="hu-HU" dirty="0"/>
+              <a:t> </a:t>
+            </a:r>
+            <a:r>
+              <a:rPr lang="hu-HU" dirty="0" err="1"/>
+              <a:t>Responsibility</a:t>
+            </a:r>
+            <a:r>
+              <a:rPr lang="hu-HU" dirty="0"/>
+              <a:t> </a:t>
+            </a:r>
+            <a:r>
+              <a:rPr lang="hu-HU" dirty="0" err="1"/>
+              <a:t>principle</a:t>
+            </a:r>
+            <a:r>
+              <a:rPr lang="hu-HU" dirty="0"/>
+              <a:t>)</a:t>
+            </a:r>
+          </a:p>
+          <a:p>
+            <a:r>
+              <a:rPr lang="hu-HU" dirty="0" err="1"/>
+              <a:t>Easy</a:t>
+            </a:r>
+            <a:r>
+              <a:rPr lang="hu-HU" dirty="0"/>
+              <a:t> </a:t>
+            </a:r>
+            <a:r>
+              <a:rPr lang="hu-HU" dirty="0" err="1"/>
+              <a:t>to</a:t>
+            </a:r>
+            <a:r>
+              <a:rPr lang="hu-HU" dirty="0"/>
+              <a:t> test </a:t>
+            </a:r>
+            <a:r>
+              <a:rPr lang="hu-HU" dirty="0" err="1"/>
+              <a:t>new</a:t>
+            </a:r>
+            <a:r>
+              <a:rPr lang="hu-HU" dirty="0"/>
+              <a:t> </a:t>
+            </a:r>
+            <a:r>
+              <a:rPr lang="hu-HU" dirty="0" err="1"/>
+              <a:t>classes</a:t>
+            </a:r>
+            <a:r>
+              <a:rPr lang="hu-HU" dirty="0"/>
+              <a:t>, </a:t>
+            </a:r>
+            <a:r>
+              <a:rPr lang="hu-HU" dirty="0" err="1"/>
+              <a:t>since</a:t>
+            </a:r>
+            <a:r>
+              <a:rPr lang="hu-HU" dirty="0"/>
+              <a:t>:</a:t>
+            </a:r>
+          </a:p>
+          <a:p>
+            <a:pPr lvl="1"/>
+            <a:r>
+              <a:rPr lang="hu-HU" dirty="0" err="1"/>
+              <a:t>Nothing</a:t>
+            </a:r>
+            <a:r>
+              <a:rPr lang="hu-HU" dirty="0"/>
+              <a:t> </a:t>
+            </a:r>
+            <a:r>
+              <a:rPr lang="hu-HU" dirty="0" err="1"/>
+              <a:t>depends</a:t>
+            </a:r>
+            <a:r>
+              <a:rPr lang="hu-HU" dirty="0"/>
+              <a:t> </a:t>
+            </a:r>
+            <a:r>
+              <a:rPr lang="hu-HU" dirty="0" err="1"/>
               <a:t>on</a:t>
             </a:r>
             <a:r>
-              <a:rPr lang="hu-HU" dirty="0" smtClean="0"/>
-              <a:t> </a:t>
-            </a:r>
-            <a:r>
-              <a:rPr lang="hu-HU" dirty="0" err="1" smtClean="0"/>
-              <a:t>you</a:t>
-            </a:r>
-            <a:r>
-              <a:rPr lang="hu-HU" dirty="0" smtClean="0"/>
-              <a:t>,. </a:t>
-            </a:r>
-            <a:r>
-              <a:rPr lang="hu-HU" dirty="0" err="1" smtClean="0"/>
-              <a:t>Fool</a:t>
-            </a:r>
-            <a:r>
-              <a:rPr lang="hu-HU" dirty="0" smtClean="0"/>
-              <a:t> </a:t>
-            </a:r>
-            <a:r>
-              <a:rPr lang="hu-HU" dirty="0" err="1" smtClean="0"/>
-              <a:t>me</a:t>
-            </a:r>
-            <a:r>
-              <a:rPr lang="hu-HU" dirty="0" smtClean="0"/>
-              <a:t> </a:t>
-            </a:r>
-            <a:r>
-              <a:rPr lang="hu-HU" dirty="0" err="1" smtClean="0"/>
-              <a:t>twice</a:t>
-            </a:r>
-            <a:r>
-              <a:rPr lang="hu-HU" dirty="0" smtClean="0"/>
-              <a:t> </a:t>
-            </a:r>
-            <a:r>
-              <a:rPr lang="hu-HU" dirty="0" err="1" smtClean="0"/>
-              <a:t>shame</a:t>
-            </a:r>
-            <a:r>
-              <a:rPr lang="hu-HU" dirty="0" smtClean="0"/>
-              <a:t> </a:t>
-            </a:r>
-            <a:r>
-              <a:rPr lang="hu-HU" dirty="0" err="1" smtClean="0"/>
-              <a:t>on</a:t>
-            </a:r>
-            <a:r>
-              <a:rPr lang="hu-HU" dirty="0" smtClean="0"/>
-              <a:t> </a:t>
-            </a:r>
-            <a:r>
-              <a:rPr lang="hu-HU" dirty="0" err="1" smtClean="0"/>
-              <a:t>me</a:t>
-            </a:r>
-            <a:r>
-              <a:rPr lang="hu-HU" dirty="0" smtClean="0"/>
-              <a:t>”</a:t>
-            </a:r>
-          </a:p>
-          <a:p>
-            <a:r>
-              <a:rPr lang="hu-HU" dirty="0" smtClean="0"/>
-              <a:t>Dont </a:t>
-            </a:r>
-            <a:r>
-              <a:rPr lang="hu-HU" dirty="0" err="1" smtClean="0"/>
-              <a:t>apply</a:t>
-            </a:r>
-            <a:r>
-              <a:rPr lang="hu-HU" dirty="0" smtClean="0"/>
-              <a:t> OCP </a:t>
-            </a:r>
-            <a:r>
-              <a:rPr lang="hu-HU" dirty="0" err="1" smtClean="0"/>
-              <a:t>at</a:t>
-            </a:r>
-            <a:r>
-              <a:rPr lang="hu-HU" dirty="0" smtClean="0"/>
-              <a:t> </a:t>
-            </a:r>
-            <a:r>
-              <a:rPr lang="hu-HU" dirty="0" err="1" smtClean="0"/>
-              <a:t>first</a:t>
-            </a:r>
-            <a:endParaRPr lang="hu-HU" dirty="0" smtClean="0"/>
-          </a:p>
-          <a:p>
-            <a:r>
-              <a:rPr lang="hu-HU" dirty="0" err="1" smtClean="0"/>
-              <a:t>If</a:t>
-            </a:r>
-            <a:r>
-              <a:rPr lang="hu-HU" dirty="0" smtClean="0"/>
-              <a:t> </a:t>
-            </a:r>
-            <a:r>
-              <a:rPr lang="hu-HU" dirty="0" err="1" smtClean="0"/>
-              <a:t>the</a:t>
-            </a:r>
-            <a:r>
-              <a:rPr lang="hu-HU" dirty="0" smtClean="0"/>
-              <a:t> </a:t>
-            </a:r>
-            <a:r>
-              <a:rPr lang="hu-HU" dirty="0" err="1" smtClean="0"/>
-              <a:t>module</a:t>
-            </a:r>
-            <a:r>
-              <a:rPr lang="hu-HU" dirty="0" smtClean="0"/>
-              <a:t> </a:t>
-            </a:r>
-            <a:r>
-              <a:rPr lang="hu-HU" dirty="0" err="1" smtClean="0"/>
-              <a:t>changes</a:t>
-            </a:r>
-            <a:r>
-              <a:rPr lang="hu-HU" dirty="0" smtClean="0"/>
-              <a:t> </a:t>
-            </a:r>
-            <a:r>
-              <a:rPr lang="hu-HU" dirty="0" err="1" smtClean="0"/>
-              <a:t>once</a:t>
-            </a:r>
-            <a:r>
-              <a:rPr lang="hu-HU" dirty="0" smtClean="0"/>
-              <a:t>, </a:t>
-            </a:r>
-            <a:r>
-              <a:rPr lang="hu-HU" dirty="0" err="1" smtClean="0"/>
-              <a:t>accept</a:t>
-            </a:r>
-            <a:r>
-              <a:rPr lang="hu-HU" dirty="0" smtClean="0"/>
-              <a:t> </a:t>
-            </a:r>
-            <a:r>
-              <a:rPr lang="hu-HU" dirty="0" err="1" smtClean="0"/>
-              <a:t>it</a:t>
-            </a:r>
-            <a:r>
-              <a:rPr lang="hu-HU" dirty="0" smtClean="0"/>
+              <a:rPr lang="hu-HU" dirty="0"/>
+              <a:t> </a:t>
+            </a:r>
+            <a:r>
+              <a:rPr lang="hu-HU" dirty="0" err="1"/>
+              <a:t>new</a:t>
+            </a:r>
+            <a:r>
+              <a:rPr lang="hu-HU" dirty="0"/>
+              <a:t> </a:t>
+            </a:r>
+            <a:r>
+              <a:rPr lang="hu-HU" dirty="0" err="1"/>
+              <a:t>classes</a:t>
+            </a:r>
+            <a:r>
+              <a:rPr lang="hu-HU" dirty="0"/>
               <a:t>.</a:t>
             </a:r>
           </a:p>
           <a:p>
-            <a:r>
-              <a:rPr lang="hu-HU" dirty="0" err="1" smtClean="0"/>
-              <a:t>If</a:t>
-            </a:r>
-            <a:r>
-              <a:rPr lang="hu-HU" dirty="0" smtClean="0"/>
-              <a:t> </a:t>
-            </a:r>
-            <a:r>
-              <a:rPr lang="hu-HU" dirty="0" err="1" smtClean="0"/>
-              <a:t>it</a:t>
-            </a:r>
-            <a:r>
-              <a:rPr lang="hu-HU" dirty="0" smtClean="0"/>
-              <a:t> </a:t>
-            </a:r>
-            <a:r>
-              <a:rPr lang="hu-HU" dirty="0" err="1" smtClean="0"/>
-              <a:t>changes</a:t>
-            </a:r>
-            <a:r>
-              <a:rPr lang="hu-HU" dirty="0"/>
-              <a:t> </a:t>
-            </a:r>
-            <a:r>
-              <a:rPr lang="hu-HU" dirty="0" err="1" smtClean="0"/>
-              <a:t>at</a:t>
-            </a:r>
-            <a:r>
-              <a:rPr lang="hu-HU" dirty="0" smtClean="0"/>
-              <a:t> </a:t>
-            </a:r>
-            <a:r>
-              <a:rPr lang="hu-HU" dirty="0" err="1" smtClean="0"/>
-              <a:t>the</a:t>
-            </a:r>
-            <a:r>
-              <a:rPr lang="hu-HU" dirty="0" smtClean="0"/>
-              <a:t> </a:t>
-            </a:r>
-            <a:r>
-              <a:rPr lang="hu-HU" dirty="0" err="1" smtClean="0"/>
-              <a:t>second</a:t>
-            </a:r>
-            <a:r>
-              <a:rPr lang="hu-HU" dirty="0" smtClean="0"/>
-              <a:t> </a:t>
-            </a:r>
-            <a:r>
-              <a:rPr lang="hu-HU" dirty="0" err="1" smtClean="0"/>
-              <a:t>time</a:t>
-            </a:r>
-            <a:r>
-              <a:rPr lang="hu-HU" dirty="0" smtClean="0"/>
-              <a:t>, </a:t>
-            </a:r>
-            <a:r>
-              <a:rPr lang="hu-HU" dirty="0" err="1" smtClean="0"/>
-              <a:t>refactor</a:t>
-            </a:r>
-            <a:r>
-              <a:rPr lang="hu-HU" dirty="0" smtClean="0"/>
-              <a:t> </a:t>
-            </a:r>
-            <a:r>
-              <a:rPr lang="hu-HU" dirty="0" err="1" smtClean="0"/>
+            <a:pPr lvl="1"/>
+            <a:r>
+              <a:rPr lang="hu-HU" dirty="0"/>
+              <a:t>New </a:t>
+            </a:r>
+            <a:r>
+              <a:rPr lang="hu-HU" dirty="0" err="1"/>
+              <a:t>classes</a:t>
+            </a:r>
+            <a:r>
+              <a:rPr lang="hu-HU" dirty="0"/>
+              <a:t> </a:t>
+            </a:r>
+            <a:r>
+              <a:rPr lang="hu-HU" dirty="0" err="1"/>
+              <a:t>have</a:t>
+            </a:r>
+            <a:r>
+              <a:rPr lang="hu-HU" dirty="0"/>
+              <a:t> no </a:t>
+            </a:r>
+            <a:r>
+              <a:rPr lang="hu-HU" dirty="0" err="1"/>
+              <a:t>legacy</a:t>
+            </a:r>
+            <a:r>
+              <a:rPr lang="hu-HU" dirty="0"/>
+              <a:t> </a:t>
+            </a:r>
+            <a:r>
+              <a:rPr lang="hu-HU" dirty="0" err="1"/>
+              <a:t>coupling</a:t>
+            </a:r>
+            <a:r>
+              <a:rPr lang="hu-HU" dirty="0"/>
+              <a:t> </a:t>
+            </a:r>
+            <a:r>
+              <a:rPr lang="hu-HU" dirty="0" err="1"/>
               <a:t>to</a:t>
             </a:r>
             <a:r>
-              <a:rPr lang="hu-HU" dirty="0" smtClean="0"/>
-              <a:t> </a:t>
-            </a:r>
-            <a:r>
-              <a:rPr lang="hu-HU" dirty="0" err="1" smtClean="0"/>
-              <a:t>achive</a:t>
-            </a:r>
-            <a:r>
-              <a:rPr lang="hu-HU" dirty="0" smtClean="0"/>
-              <a:t> OCP.</a:t>
-            </a:r>
-          </a:p>
-          <a:p>
-            <a:endParaRPr lang="hu-HU" dirty="0"/>
-          </a:p>
-          <a:p>
-            <a:r>
-              <a:rPr lang="hu-HU" dirty="0" err="1" smtClean="0"/>
-              <a:t>Remember</a:t>
-            </a:r>
-            <a:r>
-              <a:rPr lang="hu-HU" dirty="0" smtClean="0"/>
-              <a:t>:</a:t>
-            </a:r>
-          </a:p>
-          <a:p>
-            <a:r>
-              <a:rPr lang="hu-HU" dirty="0" err="1" smtClean="0"/>
-              <a:t>Thre</a:t>
-            </a:r>
-            <a:r>
-              <a:rPr lang="hu-HU" dirty="0" smtClean="0"/>
-              <a:t> </a:t>
-            </a:r>
-            <a:r>
-              <a:rPr lang="hu-HU" dirty="0" err="1" smtClean="0"/>
-              <a:t>Aint</a:t>
-            </a:r>
-            <a:r>
-              <a:rPr lang="hu-HU" dirty="0" smtClean="0"/>
-              <a:t> no </a:t>
-            </a:r>
-            <a:r>
-              <a:rPr lang="hu-HU" dirty="0" err="1" smtClean="0"/>
-              <a:t>such</a:t>
-            </a:r>
-            <a:r>
-              <a:rPr lang="hu-HU" dirty="0" smtClean="0"/>
-              <a:t> </a:t>
-            </a:r>
-            <a:r>
-              <a:rPr lang="hu-HU" dirty="0" err="1" smtClean="0"/>
-              <a:t>thing</a:t>
-            </a:r>
-            <a:r>
-              <a:rPr lang="hu-HU" dirty="0" smtClean="0"/>
-              <a:t> </a:t>
-            </a:r>
-            <a:r>
-              <a:rPr lang="hu-HU" dirty="0" err="1" smtClean="0"/>
-              <a:t>as</a:t>
-            </a:r>
-            <a:r>
-              <a:rPr lang="hu-HU" dirty="0" smtClean="0"/>
-              <a:t> a free </a:t>
-            </a:r>
-            <a:r>
-              <a:rPr lang="hu-HU" dirty="0" err="1" smtClean="0"/>
-              <a:t>lunch</a:t>
-            </a:r>
-            <a:r>
-              <a:rPr lang="hu-HU" dirty="0" smtClean="0"/>
-              <a:t>.</a:t>
-            </a:r>
-          </a:p>
-          <a:p>
-            <a:r>
-              <a:rPr lang="hu-HU" dirty="0" smtClean="0"/>
-              <a:t>OCP </a:t>
-            </a:r>
-            <a:r>
-              <a:rPr lang="hu-HU" dirty="0" err="1" smtClean="0"/>
-              <a:t>adds</a:t>
-            </a:r>
-            <a:r>
-              <a:rPr lang="hu-HU" dirty="0" smtClean="0"/>
-              <a:t> </a:t>
-            </a:r>
-            <a:r>
-              <a:rPr lang="hu-HU" dirty="0" err="1" smtClean="0"/>
-              <a:t>complexity</a:t>
-            </a:r>
-            <a:endParaRPr lang="hu-HU" dirty="0"/>
-          </a:p>
-        </p:txBody>
-      </p:sp>
-      <p:sp>
-        <p:nvSpPr>
-          <p:cNvPr id="4" name="Dia számának helye 3"/>
+              <a:rPr lang="hu-HU" dirty="0"/>
+              <a:t> </a:t>
+            </a:r>
+            <a:r>
+              <a:rPr lang="hu-HU" dirty="0" err="1"/>
+              <a:t>make</a:t>
+            </a:r>
+            <a:r>
+              <a:rPr lang="hu-HU" dirty="0"/>
+              <a:t> </a:t>
+            </a:r>
+            <a:r>
+              <a:rPr lang="hu-HU" dirty="0" err="1"/>
+              <a:t>them</a:t>
+            </a:r>
+            <a:r>
+              <a:rPr lang="hu-HU" dirty="0"/>
+              <a:t> </a:t>
+            </a:r>
+            <a:r>
+              <a:rPr lang="hu-HU" dirty="0" err="1"/>
+              <a:t>hard</a:t>
+            </a:r>
+            <a:r>
+              <a:rPr lang="hu-HU" dirty="0"/>
+              <a:t> </a:t>
+            </a:r>
+            <a:r>
+              <a:rPr lang="hu-HU" dirty="0" err="1"/>
+              <a:t>to</a:t>
+            </a:r>
+            <a:r>
+              <a:rPr lang="hu-HU" dirty="0"/>
+              <a:t> design </a:t>
+            </a:r>
+            <a:r>
+              <a:rPr lang="hu-HU" dirty="0" err="1"/>
+              <a:t>or</a:t>
+            </a:r>
+            <a:r>
+              <a:rPr lang="hu-HU" dirty="0"/>
+              <a:t> test. </a:t>
+            </a:r>
+          </a:p>
+        </p:txBody>
+      </p:sp>
+      <p:sp>
+        <p:nvSpPr>
+          <p:cNvPr id="4" name="Slide Number Placeholder 3"/>
           <p:cNvSpPr>
             <a:spLocks noGrp="1"/>
           </p:cNvSpPr>
@@ -9263,10 +10599,205 @@
           </a:p>
         </p:txBody>
       </p:sp>
+      <p:sp>
+        <p:nvSpPr>
+          <p:cNvPr id="5" name="Date Placeholder 4"/>
+          <p:cNvSpPr>
+            <a:spLocks noGrp="1"/>
+          </p:cNvSpPr>
+          <p:nvPr>
+            <p:ph type="dt" sz="half" idx="10"/>
+          </p:nvPr>
+        </p:nvSpPr>
+        <p:spPr/>
+        <p:txBody>
+          <a:bodyPr/>
+          <a:lstStyle/>
+          <a:p>
+            <a:fld id="{AD113F3D-A13E-43A0-8137-BB4929FCF050}" type="datetime1">
+              <a:rPr lang="hu-HU" smtClean="0"/>
+              <a:t>2016.05.26.</a:t>
+            </a:fld>
+            <a:endParaRPr lang="hu-HU"/>
+          </a:p>
+        </p:txBody>
+      </p:sp>
+      <p:sp>
+        <p:nvSpPr>
+          <p:cNvPr id="6" name="Footer Placeholder 5"/>
+          <p:cNvSpPr>
+            <a:spLocks noGrp="1"/>
+          </p:cNvSpPr>
+          <p:nvPr>
+            <p:ph type="ftr" sz="quarter" idx="11"/>
+          </p:nvPr>
+        </p:nvSpPr>
+        <p:spPr/>
+        <p:txBody>
+          <a:bodyPr/>
+          <a:lstStyle/>
+          <a:p>
+            <a:r>
+              <a:rPr lang="en-US"/>
+              <a:t>Introduction to Design Patterns and Adapter Pattern </a:t>
+            </a:r>
+            <a:endParaRPr lang="hu-HU"/>
+          </a:p>
+        </p:txBody>
+      </p:sp>
     </p:spTree>
     <p:extLst>
       <p:ext uri="{BB962C8B-B14F-4D97-AF65-F5344CB8AC3E}">
-        <p14:creationId xmlns:p14="http://schemas.microsoft.com/office/powerpoint/2010/main" val="369854987"/>
+        <p14:creationId xmlns:p14="http://schemas.microsoft.com/office/powerpoint/2010/main" val="1216626679"/>
+      </p:ext>
+    </p:extLst>
+  </p:cSld>
+  <p:clrMapOvr>
+    <a:masterClrMapping/>
+  </p:clrMapOvr>
+</p:sld>
+</file>
+
+<file path=ppt/slides/slide29.xml><?xml version="1.0" encoding="utf-8"?>
+<p:sld xmlns:a="http://schemas.openxmlformats.org/drawingml/2006/main" xmlns:r="http://schemas.openxmlformats.org/officeDocument/2006/relationships" xmlns:p="http://schemas.openxmlformats.org/presentationml/2006/main">
+  <p:cSld>
+    <p:spTree>
+      <p:nvGrpSpPr>
+        <p:cNvPr id="1" name=""/>
+        <p:cNvGrpSpPr/>
+        <p:nvPr/>
+      </p:nvGrpSpPr>
+      <p:grpSpPr>
+        <a:xfrm>
+          <a:off x="0" y="0"/>
+          <a:ext cx="0" cy="0"/>
+          <a:chOff x="0" y="0"/>
+          <a:chExt cx="0" cy="0"/>
+        </a:xfrm>
+      </p:grpSpPr>
+      <p:sp>
+        <p:nvSpPr>
+          <p:cNvPr id="2" name="Cím 1"/>
+          <p:cNvSpPr>
+            <a:spLocks noGrp="1"/>
+          </p:cNvSpPr>
+          <p:nvPr>
+            <p:ph type="title"/>
+          </p:nvPr>
+        </p:nvSpPr>
+        <p:spPr/>
+        <p:txBody>
+          <a:bodyPr/>
+          <a:lstStyle/>
+          <a:p>
+            <a:r>
+              <a:rPr lang="hu-HU" dirty="0" err="1"/>
+              <a:t>Code</a:t>
+            </a:r>
+            <a:r>
+              <a:rPr lang="hu-HU" dirty="0"/>
+              <a:t> </a:t>
+            </a:r>
+            <a:r>
+              <a:rPr lang="hu-HU" dirty="0" err="1"/>
+              <a:t>Example</a:t>
+            </a:r>
+            <a:endParaRPr lang="hu-HU" dirty="0"/>
+          </a:p>
+        </p:txBody>
+      </p:sp>
+      <p:sp>
+        <p:nvSpPr>
+          <p:cNvPr id="3" name="Tartalom helye 2"/>
+          <p:cNvSpPr>
+            <a:spLocks noGrp="1"/>
+          </p:cNvSpPr>
+          <p:nvPr>
+            <p:ph idx="1"/>
+          </p:nvPr>
+        </p:nvSpPr>
+        <p:spPr/>
+        <p:txBody>
+          <a:bodyPr/>
+          <a:lstStyle/>
+          <a:p>
+            <a:endParaRPr lang="hu-HU"/>
+          </a:p>
+        </p:txBody>
+      </p:sp>
+      <p:sp>
+        <p:nvSpPr>
+          <p:cNvPr id="4" name="Dia számának helye 3"/>
+          <p:cNvSpPr>
+            <a:spLocks noGrp="1"/>
+          </p:cNvSpPr>
+          <p:nvPr>
+            <p:ph type="sldNum" sz="quarter" idx="12"/>
+          </p:nvPr>
+        </p:nvSpPr>
+        <p:spPr/>
+        <p:txBody>
+          <a:bodyPr/>
+          <a:lstStyle/>
+          <a:p>
+            <a:fld id="{F28C9355-BD38-4B88-A605-51440FB067EA}" type="slidenum">
+              <a:rPr lang="hu-HU" smtClean="0"/>
+              <a:t>29</a:t>
+            </a:fld>
+            <a:endParaRPr lang="hu-HU"/>
+          </a:p>
+        </p:txBody>
+      </p:sp>
+      <p:sp>
+        <p:nvSpPr>
+          <p:cNvPr id="5" name="Date Placeholder 4"/>
+          <p:cNvSpPr>
+            <a:spLocks noGrp="1"/>
+          </p:cNvSpPr>
+          <p:nvPr>
+            <p:ph type="dt" sz="half" idx="10"/>
+          </p:nvPr>
+        </p:nvSpPr>
+        <p:spPr/>
+        <p:txBody>
+          <a:bodyPr/>
+          <a:lstStyle/>
+          <a:p>
+            <a:fld id="{40F04838-CE40-4D58-8A8B-B6D2151AD830}" type="datetime1">
+              <a:rPr lang="hu-HU" smtClean="0"/>
+              <a:t>2016.05.26.</a:t>
+            </a:fld>
+            <a:endParaRPr lang="hu-HU"/>
+          </a:p>
+        </p:txBody>
+      </p:sp>
+      <p:sp>
+        <p:nvSpPr>
+          <p:cNvPr id="6" name="Footer Placeholder 5"/>
+          <p:cNvSpPr>
+            <a:spLocks noGrp="1"/>
+          </p:cNvSpPr>
+          <p:nvPr>
+            <p:ph type="ftr" sz="quarter" idx="11"/>
+          </p:nvPr>
+        </p:nvSpPr>
+        <p:spPr/>
+        <p:txBody>
+          <a:bodyPr/>
+          <a:lstStyle/>
+          <a:p>
+            <a:r>
+              <a:rPr lang="en-US"/>
+              <a:t>Introduction to Design Patterns and Adapter Pattern </a:t>
+            </a:r>
+            <a:endParaRPr lang="hu-HU"/>
+          </a:p>
+        </p:txBody>
+      </p:sp>
+    </p:spTree>
+    <p:extLst>
+      <p:ext uri="{BB962C8B-B14F-4D97-AF65-F5344CB8AC3E}">
+        <p14:creationId xmlns:p14="http://schemas.microsoft.com/office/powerpoint/2010/main" val="4936233"/>
       </p:ext>
     </p:extLst>
   </p:cSld>
@@ -9730,10 +11261,1046 @@
           </a:p>
         </p:txBody>
       </p:sp>
+      <p:sp>
+        <p:nvSpPr>
+          <p:cNvPr id="5" name="Date Placeholder 4"/>
+          <p:cNvSpPr>
+            <a:spLocks noGrp="1"/>
+          </p:cNvSpPr>
+          <p:nvPr>
+            <p:ph type="dt" sz="half" idx="10"/>
+          </p:nvPr>
+        </p:nvSpPr>
+        <p:spPr/>
+        <p:txBody>
+          <a:bodyPr/>
+          <a:lstStyle/>
+          <a:p>
+            <a:fld id="{638E8AB5-6CC0-4143-BC7D-E6E089900825}" type="datetime1">
+              <a:rPr lang="hu-HU" smtClean="0"/>
+              <a:t>2016.05.26.</a:t>
+            </a:fld>
+            <a:endParaRPr lang="hu-HU"/>
+          </a:p>
+        </p:txBody>
+      </p:sp>
+      <p:sp>
+        <p:nvSpPr>
+          <p:cNvPr id="6" name="Footer Placeholder 5"/>
+          <p:cNvSpPr>
+            <a:spLocks noGrp="1"/>
+          </p:cNvSpPr>
+          <p:nvPr>
+            <p:ph type="ftr" sz="quarter" idx="11"/>
+          </p:nvPr>
+        </p:nvSpPr>
+        <p:spPr/>
+        <p:txBody>
+          <a:bodyPr/>
+          <a:lstStyle/>
+          <a:p>
+            <a:r>
+              <a:rPr lang="en-US"/>
+              <a:t>Introduction to Design Patterns and Adapter Pattern </a:t>
+            </a:r>
+            <a:endParaRPr lang="hu-HU"/>
+          </a:p>
+        </p:txBody>
+      </p:sp>
     </p:spTree>
     <p:extLst>
       <p:ext uri="{BB962C8B-B14F-4D97-AF65-F5344CB8AC3E}">
         <p14:creationId xmlns:p14="http://schemas.microsoft.com/office/powerpoint/2010/main" val="2065305413"/>
+      </p:ext>
+    </p:extLst>
+  </p:cSld>
+  <p:clrMapOvr>
+    <a:masterClrMapping/>
+  </p:clrMapOvr>
+</p:sld>
+</file>
+
+<file path=ppt/slides/slide30.xml><?xml version="1.0" encoding="utf-8"?>
+<p:sld xmlns:a="http://schemas.openxmlformats.org/drawingml/2006/main" xmlns:r="http://schemas.openxmlformats.org/officeDocument/2006/relationships" xmlns:p="http://schemas.openxmlformats.org/presentationml/2006/main">
+  <p:cSld>
+    <p:spTree>
+      <p:nvGrpSpPr>
+        <p:cNvPr id="1" name=""/>
+        <p:cNvGrpSpPr/>
+        <p:nvPr/>
+      </p:nvGrpSpPr>
+      <p:grpSpPr>
+        <a:xfrm>
+          <a:off x="0" y="0"/>
+          <a:ext cx="0" cy="0"/>
+          <a:chOff x="0" y="0"/>
+          <a:chExt cx="0" cy="0"/>
+        </a:xfrm>
+      </p:grpSpPr>
+      <p:sp>
+        <p:nvSpPr>
+          <p:cNvPr id="2" name="Cím 1"/>
+          <p:cNvSpPr>
+            <a:spLocks noGrp="1"/>
+          </p:cNvSpPr>
+          <p:nvPr>
+            <p:ph type="title"/>
+          </p:nvPr>
+        </p:nvSpPr>
+        <p:spPr/>
+        <p:txBody>
+          <a:bodyPr/>
+          <a:lstStyle/>
+          <a:p>
+            <a:r>
+              <a:rPr lang="hu-HU" dirty="0" err="1"/>
+              <a:t>Approaches</a:t>
+            </a:r>
+            <a:r>
+              <a:rPr lang="hu-HU" dirty="0"/>
+              <a:t> </a:t>
+            </a:r>
+            <a:r>
+              <a:rPr lang="hu-HU" dirty="0" err="1"/>
+              <a:t>to</a:t>
+            </a:r>
+            <a:r>
+              <a:rPr lang="hu-HU" dirty="0"/>
+              <a:t> </a:t>
+            </a:r>
+            <a:r>
+              <a:rPr lang="hu-HU" dirty="0" err="1"/>
+              <a:t>Achieve</a:t>
+            </a:r>
+            <a:r>
+              <a:rPr lang="hu-HU" dirty="0"/>
+              <a:t> OCP</a:t>
+            </a:r>
+          </a:p>
+        </p:txBody>
+      </p:sp>
+      <p:sp>
+        <p:nvSpPr>
+          <p:cNvPr id="3" name="Tartalom helye 2"/>
+          <p:cNvSpPr>
+            <a:spLocks noGrp="1"/>
+          </p:cNvSpPr>
+          <p:nvPr>
+            <p:ph idx="1"/>
+          </p:nvPr>
+        </p:nvSpPr>
+        <p:spPr/>
+        <p:txBody>
+          <a:bodyPr/>
+          <a:lstStyle/>
+          <a:p>
+            <a:r>
+              <a:rPr lang="hu-HU" dirty="0" err="1"/>
+              <a:t>Inheritance</a:t>
+            </a:r>
+            <a:r>
+              <a:rPr lang="hu-HU" dirty="0"/>
+              <a:t> / </a:t>
+            </a:r>
+            <a:r>
+              <a:rPr lang="hu-HU" dirty="0" err="1"/>
+              <a:t>Template</a:t>
+            </a:r>
+            <a:r>
+              <a:rPr lang="hu-HU" dirty="0"/>
+              <a:t> </a:t>
+            </a:r>
+            <a:r>
+              <a:rPr lang="hu-HU" dirty="0" err="1"/>
+              <a:t>Method</a:t>
+            </a:r>
+            <a:r>
+              <a:rPr lang="hu-HU" dirty="0"/>
+              <a:t> </a:t>
+            </a:r>
+            <a:r>
+              <a:rPr lang="hu-HU" dirty="0" err="1"/>
+              <a:t>Pattern</a:t>
+            </a:r>
+            <a:endParaRPr lang="hu-HU" dirty="0"/>
+          </a:p>
+          <a:p>
+            <a:pPr lvl="1"/>
+            <a:r>
+              <a:rPr lang="hu-HU" dirty="0" err="1"/>
+              <a:t>Child</a:t>
+            </a:r>
+            <a:r>
+              <a:rPr lang="hu-HU" dirty="0"/>
+              <a:t> </a:t>
+            </a:r>
+            <a:r>
+              <a:rPr lang="hu-HU" dirty="0" err="1"/>
+              <a:t>types</a:t>
+            </a:r>
+            <a:r>
+              <a:rPr lang="hu-HU" dirty="0"/>
+              <a:t> </a:t>
+            </a:r>
+            <a:r>
+              <a:rPr lang="hu-HU" dirty="0" err="1"/>
+              <a:t>override</a:t>
+            </a:r>
+            <a:r>
+              <a:rPr lang="hu-HU" dirty="0"/>
+              <a:t> </a:t>
+            </a:r>
+            <a:r>
+              <a:rPr lang="hu-HU" dirty="0" err="1"/>
+              <a:t>behavior</a:t>
+            </a:r>
+            <a:r>
+              <a:rPr lang="hu-HU" dirty="0"/>
+              <a:t> of a </a:t>
+            </a:r>
+            <a:r>
+              <a:rPr lang="hu-HU" dirty="0" err="1"/>
+              <a:t>base</a:t>
+            </a:r>
+            <a:r>
+              <a:rPr lang="hu-HU" dirty="0"/>
+              <a:t> </a:t>
+            </a:r>
+            <a:r>
+              <a:rPr lang="hu-HU" dirty="0" err="1"/>
+              <a:t>class</a:t>
+            </a:r>
+            <a:r>
+              <a:rPr lang="hu-HU" dirty="0"/>
+              <a:t>(</a:t>
+            </a:r>
+            <a:r>
+              <a:rPr lang="hu-HU" dirty="0" err="1"/>
+              <a:t>or</a:t>
+            </a:r>
+            <a:r>
+              <a:rPr lang="hu-HU" dirty="0"/>
+              <a:t> </a:t>
+            </a:r>
+            <a:r>
+              <a:rPr lang="hu-HU" dirty="0" err="1"/>
+              <a:t>interface</a:t>
+            </a:r>
+            <a:r>
+              <a:rPr lang="hu-HU" dirty="0"/>
+              <a:t>)</a:t>
+            </a:r>
+          </a:p>
+          <a:p>
+            <a:r>
+              <a:rPr lang="hu-HU" dirty="0" err="1"/>
+              <a:t>Composition</a:t>
+            </a:r>
+            <a:r>
+              <a:rPr lang="hu-HU" dirty="0"/>
+              <a:t> / </a:t>
+            </a:r>
+            <a:r>
+              <a:rPr lang="hu-HU" dirty="0" err="1"/>
+              <a:t>Strategy</a:t>
+            </a:r>
+            <a:r>
+              <a:rPr lang="hu-HU" dirty="0"/>
+              <a:t> </a:t>
+            </a:r>
+            <a:r>
+              <a:rPr lang="hu-HU" dirty="0" err="1"/>
+              <a:t>Pattern</a:t>
+            </a:r>
+            <a:endParaRPr lang="hu-HU" dirty="0"/>
+          </a:p>
+          <a:p>
+            <a:pPr lvl="1"/>
+            <a:r>
+              <a:rPr lang="hu-HU" dirty="0" err="1"/>
+              <a:t>Client</a:t>
+            </a:r>
+            <a:r>
+              <a:rPr lang="hu-HU" dirty="0"/>
+              <a:t> </a:t>
+            </a:r>
+            <a:r>
+              <a:rPr lang="hu-HU" dirty="0" err="1"/>
+              <a:t>code</a:t>
+            </a:r>
+            <a:r>
+              <a:rPr lang="hu-HU" dirty="0"/>
+              <a:t> </a:t>
+            </a:r>
+            <a:r>
+              <a:rPr lang="hu-HU" dirty="0" err="1"/>
+              <a:t>depeds</a:t>
+            </a:r>
+            <a:r>
+              <a:rPr lang="hu-HU" dirty="0"/>
+              <a:t> </a:t>
+            </a:r>
+            <a:r>
+              <a:rPr lang="hu-HU" dirty="0" err="1"/>
+              <a:t>on</a:t>
+            </a:r>
+            <a:r>
+              <a:rPr lang="hu-HU" dirty="0"/>
+              <a:t> </a:t>
+            </a:r>
+            <a:r>
+              <a:rPr lang="hu-HU" dirty="0" err="1"/>
+              <a:t>abstraction</a:t>
+            </a:r>
+            <a:r>
+              <a:rPr lang="hu-HU" dirty="0"/>
+              <a:t>(</a:t>
+            </a:r>
+            <a:r>
+              <a:rPr lang="hu-HU" dirty="0" err="1"/>
+              <a:t>Pass</a:t>
+            </a:r>
+            <a:r>
+              <a:rPr lang="hu-HU" dirty="0"/>
+              <a:t> </a:t>
+            </a:r>
+            <a:r>
+              <a:rPr lang="hu-HU" dirty="0" err="1"/>
+              <a:t>in</a:t>
+            </a:r>
+            <a:r>
+              <a:rPr lang="hu-HU" dirty="0"/>
+              <a:t> </a:t>
+            </a:r>
+            <a:r>
+              <a:rPr lang="hu-HU" dirty="0" err="1"/>
+              <a:t>Implementation</a:t>
+            </a:r>
+            <a:r>
+              <a:rPr lang="hu-HU" dirty="0"/>
+              <a:t> </a:t>
+            </a:r>
+            <a:r>
+              <a:rPr lang="hu-HU" dirty="0" err="1"/>
+              <a:t>in</a:t>
+            </a:r>
+            <a:r>
+              <a:rPr lang="hu-HU" dirty="0"/>
+              <a:t> </a:t>
+            </a:r>
+            <a:r>
+              <a:rPr lang="hu-HU" dirty="0" err="1"/>
+              <a:t>the</a:t>
+            </a:r>
+            <a:r>
+              <a:rPr lang="hu-HU" dirty="0"/>
+              <a:t> </a:t>
+            </a:r>
+            <a:r>
+              <a:rPr lang="hu-HU" dirty="0" err="1"/>
+              <a:t>costructor</a:t>
+            </a:r>
+            <a:r>
+              <a:rPr lang="hu-HU" dirty="0"/>
+              <a:t>)</a:t>
+            </a:r>
+          </a:p>
+          <a:p>
+            <a:pPr lvl="1"/>
+            <a:r>
+              <a:rPr lang="hu-HU" dirty="0" err="1"/>
+              <a:t>Provides</a:t>
+            </a:r>
+            <a:r>
+              <a:rPr lang="hu-HU" dirty="0"/>
+              <a:t> a „</a:t>
+            </a:r>
+            <a:r>
+              <a:rPr lang="hu-HU" dirty="0" err="1"/>
+              <a:t>plug</a:t>
+            </a:r>
+            <a:r>
+              <a:rPr lang="hu-HU" dirty="0"/>
+              <a:t> </a:t>
+            </a:r>
+            <a:r>
+              <a:rPr lang="hu-HU" dirty="0" err="1"/>
+              <a:t>in</a:t>
+            </a:r>
+            <a:r>
+              <a:rPr lang="hu-HU" dirty="0"/>
+              <a:t>” </a:t>
+            </a:r>
+            <a:r>
+              <a:rPr lang="hu-HU" dirty="0" err="1"/>
+              <a:t>model</a:t>
+            </a:r>
+            <a:endParaRPr lang="hu-HU" dirty="0"/>
+          </a:p>
+          <a:p>
+            <a:pPr lvl="1"/>
+            <a:r>
+              <a:rPr lang="hu-HU" dirty="0" err="1"/>
+              <a:t>Implementations</a:t>
+            </a:r>
+            <a:r>
+              <a:rPr lang="hu-HU" dirty="0"/>
+              <a:t> </a:t>
+            </a:r>
+            <a:r>
+              <a:rPr lang="hu-HU" dirty="0" err="1"/>
+              <a:t>utilize</a:t>
+            </a:r>
+            <a:r>
+              <a:rPr lang="hu-HU" dirty="0"/>
+              <a:t> </a:t>
+            </a:r>
+            <a:r>
+              <a:rPr lang="hu-HU" dirty="0" err="1"/>
+              <a:t>Inheritance</a:t>
+            </a:r>
+            <a:r>
+              <a:rPr lang="hu-HU" dirty="0"/>
+              <a:t>, </a:t>
+            </a:r>
+            <a:r>
+              <a:rPr lang="hu-HU" dirty="0" err="1"/>
+              <a:t>Client</a:t>
+            </a:r>
+            <a:r>
+              <a:rPr lang="hu-HU" dirty="0"/>
+              <a:t> </a:t>
+            </a:r>
+            <a:r>
+              <a:rPr lang="hu-HU" dirty="0" err="1"/>
+              <a:t>utilizes</a:t>
+            </a:r>
+            <a:r>
+              <a:rPr lang="hu-HU" dirty="0"/>
+              <a:t> </a:t>
+            </a:r>
+            <a:r>
+              <a:rPr lang="hu-HU" dirty="0" err="1"/>
+              <a:t>composition</a:t>
+            </a:r>
+            <a:endParaRPr lang="hu-HU" dirty="0"/>
+          </a:p>
+        </p:txBody>
+      </p:sp>
+      <p:sp>
+        <p:nvSpPr>
+          <p:cNvPr id="4" name="Slide Number Placeholder 3"/>
+          <p:cNvSpPr>
+            <a:spLocks noGrp="1"/>
+          </p:cNvSpPr>
+          <p:nvPr>
+            <p:ph type="sldNum" sz="quarter" idx="12"/>
+          </p:nvPr>
+        </p:nvSpPr>
+        <p:spPr/>
+        <p:txBody>
+          <a:bodyPr/>
+          <a:lstStyle/>
+          <a:p>
+            <a:fld id="{F28C9355-BD38-4B88-A605-51440FB067EA}" type="slidenum">
+              <a:rPr lang="hu-HU" smtClean="0"/>
+              <a:t>30</a:t>
+            </a:fld>
+            <a:endParaRPr lang="hu-HU"/>
+          </a:p>
+        </p:txBody>
+      </p:sp>
+      <p:sp>
+        <p:nvSpPr>
+          <p:cNvPr id="5" name="Date Placeholder 4"/>
+          <p:cNvSpPr>
+            <a:spLocks noGrp="1"/>
+          </p:cNvSpPr>
+          <p:nvPr>
+            <p:ph type="dt" sz="half" idx="10"/>
+          </p:nvPr>
+        </p:nvSpPr>
+        <p:spPr/>
+        <p:txBody>
+          <a:bodyPr/>
+          <a:lstStyle/>
+          <a:p>
+            <a:fld id="{0709E611-1566-488A-ABC5-ED36DA3BF59E}" type="datetime1">
+              <a:rPr lang="hu-HU" smtClean="0"/>
+              <a:t>2016.05.26.</a:t>
+            </a:fld>
+            <a:endParaRPr lang="hu-HU"/>
+          </a:p>
+        </p:txBody>
+      </p:sp>
+      <p:sp>
+        <p:nvSpPr>
+          <p:cNvPr id="6" name="Footer Placeholder 5"/>
+          <p:cNvSpPr>
+            <a:spLocks noGrp="1"/>
+          </p:cNvSpPr>
+          <p:nvPr>
+            <p:ph type="ftr" sz="quarter" idx="11"/>
+          </p:nvPr>
+        </p:nvSpPr>
+        <p:spPr/>
+        <p:txBody>
+          <a:bodyPr/>
+          <a:lstStyle/>
+          <a:p>
+            <a:r>
+              <a:rPr lang="en-US"/>
+              <a:t>Introduction to Design Patterns and Adapter Pattern </a:t>
+            </a:r>
+            <a:endParaRPr lang="hu-HU"/>
+          </a:p>
+        </p:txBody>
+      </p:sp>
+    </p:spTree>
+    <p:extLst>
+      <p:ext uri="{BB962C8B-B14F-4D97-AF65-F5344CB8AC3E}">
+        <p14:creationId xmlns:p14="http://schemas.microsoft.com/office/powerpoint/2010/main" val="2495193176"/>
+      </p:ext>
+    </p:extLst>
+  </p:cSld>
+  <p:clrMapOvr>
+    <a:masterClrMapping/>
+  </p:clrMapOvr>
+</p:sld>
+</file>
+
+<file path=ppt/slides/slide31.xml><?xml version="1.0" encoding="utf-8"?>
+<p:sld xmlns:a="http://schemas.openxmlformats.org/drawingml/2006/main" xmlns:r="http://schemas.openxmlformats.org/officeDocument/2006/relationships" xmlns:p="http://schemas.openxmlformats.org/presentationml/2006/main">
+  <p:cSld>
+    <p:spTree>
+      <p:nvGrpSpPr>
+        <p:cNvPr id="1" name=""/>
+        <p:cNvGrpSpPr/>
+        <p:nvPr/>
+      </p:nvGrpSpPr>
+      <p:grpSpPr>
+        <a:xfrm>
+          <a:off x="0" y="0"/>
+          <a:ext cx="0" cy="0"/>
+          <a:chOff x="0" y="0"/>
+          <a:chExt cx="0" cy="0"/>
+        </a:xfrm>
+      </p:grpSpPr>
+      <p:sp>
+        <p:nvSpPr>
+          <p:cNvPr id="2" name="Cím 1"/>
+          <p:cNvSpPr>
+            <a:spLocks noGrp="1"/>
+          </p:cNvSpPr>
+          <p:nvPr>
+            <p:ph type="title"/>
+          </p:nvPr>
+        </p:nvSpPr>
+        <p:spPr/>
+        <p:txBody>
+          <a:bodyPr/>
+          <a:lstStyle/>
+          <a:p>
+            <a:r>
+              <a:rPr lang="hu-HU" dirty="0" err="1"/>
+              <a:t>When</a:t>
+            </a:r>
+            <a:r>
+              <a:rPr lang="hu-HU" dirty="0"/>
+              <a:t> </a:t>
+            </a:r>
+            <a:r>
+              <a:rPr lang="hu-HU" dirty="0" err="1"/>
+              <a:t>do</a:t>
+            </a:r>
+            <a:r>
+              <a:rPr lang="hu-HU" dirty="0"/>
+              <a:t> </a:t>
+            </a:r>
+            <a:r>
+              <a:rPr lang="hu-HU" dirty="0" err="1"/>
+              <a:t>we</a:t>
+            </a:r>
+            <a:r>
+              <a:rPr lang="hu-HU" dirty="0"/>
+              <a:t> </a:t>
+            </a:r>
+            <a:r>
+              <a:rPr lang="hu-HU" dirty="0" err="1"/>
+              <a:t>apply</a:t>
+            </a:r>
+            <a:r>
+              <a:rPr lang="hu-HU" dirty="0"/>
+              <a:t> OCP?</a:t>
+            </a:r>
+          </a:p>
+        </p:txBody>
+      </p:sp>
+      <p:sp>
+        <p:nvSpPr>
+          <p:cNvPr id="3" name="Tartalom helye 2"/>
+          <p:cNvSpPr>
+            <a:spLocks noGrp="1"/>
+          </p:cNvSpPr>
+          <p:nvPr>
+            <p:ph idx="1"/>
+          </p:nvPr>
+        </p:nvSpPr>
+        <p:spPr/>
+        <p:txBody>
+          <a:bodyPr>
+            <a:normAutofit lnSpcReduction="10000"/>
+          </a:bodyPr>
+          <a:lstStyle/>
+          <a:p>
+            <a:r>
+              <a:rPr lang="hu-HU" dirty="0" err="1"/>
+              <a:t>Experience</a:t>
+            </a:r>
+            <a:r>
+              <a:rPr lang="hu-HU" dirty="0"/>
+              <a:t> </a:t>
+            </a:r>
+            <a:r>
+              <a:rPr lang="hu-HU" dirty="0" err="1"/>
+              <a:t>tells</a:t>
+            </a:r>
+            <a:r>
+              <a:rPr lang="hu-HU" dirty="0"/>
+              <a:t> </a:t>
+            </a:r>
+            <a:r>
+              <a:rPr lang="hu-HU" dirty="0" err="1"/>
+              <a:t>you</a:t>
+            </a:r>
+            <a:endParaRPr lang="hu-HU" dirty="0"/>
+          </a:p>
+          <a:p>
+            <a:r>
+              <a:rPr lang="hu-HU" dirty="0"/>
+              <a:t>„</a:t>
+            </a:r>
+            <a:r>
+              <a:rPr lang="hu-HU" dirty="0" err="1"/>
+              <a:t>Fool</a:t>
+            </a:r>
+            <a:r>
+              <a:rPr lang="hu-HU" dirty="0"/>
+              <a:t> </a:t>
+            </a:r>
+            <a:r>
+              <a:rPr lang="hu-HU" dirty="0" err="1"/>
+              <a:t>me</a:t>
+            </a:r>
+            <a:r>
+              <a:rPr lang="hu-HU" dirty="0"/>
+              <a:t> </a:t>
+            </a:r>
+            <a:r>
+              <a:rPr lang="hu-HU" dirty="0" err="1"/>
+              <a:t>once</a:t>
+            </a:r>
+            <a:r>
+              <a:rPr lang="hu-HU" dirty="0"/>
+              <a:t>, </a:t>
+            </a:r>
+            <a:r>
+              <a:rPr lang="hu-HU" dirty="0" err="1"/>
+              <a:t>shame</a:t>
+            </a:r>
+            <a:r>
+              <a:rPr lang="hu-HU" dirty="0"/>
+              <a:t> </a:t>
+            </a:r>
+            <a:r>
+              <a:rPr lang="hu-HU" dirty="0" err="1"/>
+              <a:t>on</a:t>
+            </a:r>
+            <a:r>
+              <a:rPr lang="hu-HU" dirty="0"/>
+              <a:t> </a:t>
+            </a:r>
+            <a:r>
+              <a:rPr lang="hu-HU" dirty="0" err="1"/>
+              <a:t>you</a:t>
+            </a:r>
+            <a:r>
+              <a:rPr lang="hu-HU" dirty="0"/>
+              <a:t>,. </a:t>
+            </a:r>
+            <a:r>
+              <a:rPr lang="hu-HU" dirty="0" err="1"/>
+              <a:t>Fool</a:t>
+            </a:r>
+            <a:r>
+              <a:rPr lang="hu-HU" dirty="0"/>
+              <a:t> </a:t>
+            </a:r>
+            <a:r>
+              <a:rPr lang="hu-HU" dirty="0" err="1"/>
+              <a:t>me</a:t>
+            </a:r>
+            <a:r>
+              <a:rPr lang="hu-HU" dirty="0"/>
+              <a:t> </a:t>
+            </a:r>
+            <a:r>
+              <a:rPr lang="hu-HU" dirty="0" err="1"/>
+              <a:t>twice</a:t>
+            </a:r>
+            <a:r>
+              <a:rPr lang="hu-HU" dirty="0"/>
+              <a:t> </a:t>
+            </a:r>
+            <a:r>
+              <a:rPr lang="hu-HU" dirty="0" err="1"/>
+              <a:t>shame</a:t>
+            </a:r>
+            <a:r>
+              <a:rPr lang="hu-HU" dirty="0"/>
+              <a:t> </a:t>
+            </a:r>
+            <a:r>
+              <a:rPr lang="hu-HU" dirty="0" err="1"/>
+              <a:t>on</a:t>
+            </a:r>
+            <a:r>
+              <a:rPr lang="hu-HU" dirty="0"/>
+              <a:t> </a:t>
+            </a:r>
+            <a:r>
+              <a:rPr lang="hu-HU" dirty="0" err="1"/>
+              <a:t>me</a:t>
+            </a:r>
+            <a:r>
+              <a:rPr lang="hu-HU" dirty="0"/>
+              <a:t>”</a:t>
+            </a:r>
+          </a:p>
+          <a:p>
+            <a:r>
+              <a:rPr lang="hu-HU" dirty="0"/>
+              <a:t>Dont </a:t>
+            </a:r>
+            <a:r>
+              <a:rPr lang="hu-HU" dirty="0" err="1"/>
+              <a:t>apply</a:t>
+            </a:r>
+            <a:r>
+              <a:rPr lang="hu-HU" dirty="0"/>
+              <a:t> OCP </a:t>
+            </a:r>
+            <a:r>
+              <a:rPr lang="hu-HU" dirty="0" err="1"/>
+              <a:t>at</a:t>
+            </a:r>
+            <a:r>
+              <a:rPr lang="hu-HU" dirty="0"/>
+              <a:t> </a:t>
+            </a:r>
+            <a:r>
+              <a:rPr lang="hu-HU" dirty="0" err="1"/>
+              <a:t>first</a:t>
+            </a:r>
+            <a:endParaRPr lang="hu-HU" dirty="0"/>
+          </a:p>
+          <a:p>
+            <a:r>
+              <a:rPr lang="hu-HU" dirty="0" err="1"/>
+              <a:t>If</a:t>
+            </a:r>
+            <a:r>
+              <a:rPr lang="hu-HU" dirty="0"/>
+              <a:t> </a:t>
+            </a:r>
+            <a:r>
+              <a:rPr lang="hu-HU" dirty="0" err="1"/>
+              <a:t>the</a:t>
+            </a:r>
+            <a:r>
+              <a:rPr lang="hu-HU" dirty="0"/>
+              <a:t> </a:t>
+            </a:r>
+            <a:r>
+              <a:rPr lang="hu-HU" dirty="0" err="1"/>
+              <a:t>module</a:t>
+            </a:r>
+            <a:r>
+              <a:rPr lang="hu-HU" dirty="0"/>
+              <a:t> </a:t>
+            </a:r>
+            <a:r>
+              <a:rPr lang="hu-HU" dirty="0" err="1"/>
+              <a:t>changes</a:t>
+            </a:r>
+            <a:r>
+              <a:rPr lang="hu-HU" dirty="0"/>
+              <a:t> </a:t>
+            </a:r>
+            <a:r>
+              <a:rPr lang="hu-HU" dirty="0" err="1"/>
+              <a:t>once</a:t>
+            </a:r>
+            <a:r>
+              <a:rPr lang="hu-HU" dirty="0"/>
+              <a:t>, </a:t>
+            </a:r>
+            <a:r>
+              <a:rPr lang="hu-HU" dirty="0" err="1"/>
+              <a:t>accept</a:t>
+            </a:r>
+            <a:r>
+              <a:rPr lang="hu-HU" dirty="0"/>
+              <a:t> </a:t>
+            </a:r>
+            <a:r>
+              <a:rPr lang="hu-HU" dirty="0" err="1"/>
+              <a:t>it</a:t>
+            </a:r>
+            <a:r>
+              <a:rPr lang="hu-HU" dirty="0"/>
+              <a:t>.</a:t>
+            </a:r>
+          </a:p>
+          <a:p>
+            <a:r>
+              <a:rPr lang="hu-HU" dirty="0" err="1"/>
+              <a:t>If</a:t>
+            </a:r>
+            <a:r>
+              <a:rPr lang="hu-HU" dirty="0"/>
+              <a:t> </a:t>
+            </a:r>
+            <a:r>
+              <a:rPr lang="hu-HU" dirty="0" err="1"/>
+              <a:t>it</a:t>
+            </a:r>
+            <a:r>
+              <a:rPr lang="hu-HU" dirty="0"/>
+              <a:t> </a:t>
+            </a:r>
+            <a:r>
+              <a:rPr lang="hu-HU" dirty="0" err="1"/>
+              <a:t>changes</a:t>
+            </a:r>
+            <a:r>
+              <a:rPr lang="hu-HU" dirty="0"/>
+              <a:t> </a:t>
+            </a:r>
+            <a:r>
+              <a:rPr lang="hu-HU" dirty="0" err="1"/>
+              <a:t>at</a:t>
+            </a:r>
+            <a:r>
+              <a:rPr lang="hu-HU" dirty="0"/>
+              <a:t> </a:t>
+            </a:r>
+            <a:r>
+              <a:rPr lang="hu-HU" dirty="0" err="1"/>
+              <a:t>the</a:t>
+            </a:r>
+            <a:r>
+              <a:rPr lang="hu-HU" dirty="0"/>
+              <a:t> </a:t>
+            </a:r>
+            <a:r>
+              <a:rPr lang="hu-HU" dirty="0" err="1"/>
+              <a:t>second</a:t>
+            </a:r>
+            <a:r>
+              <a:rPr lang="hu-HU" dirty="0"/>
+              <a:t> </a:t>
+            </a:r>
+            <a:r>
+              <a:rPr lang="hu-HU" dirty="0" err="1"/>
+              <a:t>time</a:t>
+            </a:r>
+            <a:r>
+              <a:rPr lang="hu-HU" dirty="0"/>
+              <a:t>, </a:t>
+            </a:r>
+            <a:r>
+              <a:rPr lang="hu-HU" dirty="0" err="1"/>
+              <a:t>refactor</a:t>
+            </a:r>
+            <a:r>
+              <a:rPr lang="hu-HU" dirty="0"/>
+              <a:t> </a:t>
+            </a:r>
+            <a:r>
+              <a:rPr lang="hu-HU" dirty="0" err="1"/>
+              <a:t>to</a:t>
+            </a:r>
+            <a:r>
+              <a:rPr lang="hu-HU" dirty="0"/>
+              <a:t> </a:t>
+            </a:r>
+            <a:r>
+              <a:rPr lang="hu-HU" dirty="0" err="1"/>
+              <a:t>achive</a:t>
+            </a:r>
+            <a:r>
+              <a:rPr lang="hu-HU" dirty="0"/>
+              <a:t> OCP.</a:t>
+            </a:r>
+          </a:p>
+          <a:p>
+            <a:endParaRPr lang="hu-HU" dirty="0"/>
+          </a:p>
+          <a:p>
+            <a:r>
+              <a:rPr lang="hu-HU" dirty="0" err="1"/>
+              <a:t>Remember</a:t>
+            </a:r>
+            <a:r>
+              <a:rPr lang="hu-HU" dirty="0"/>
+              <a:t>:</a:t>
+            </a:r>
+          </a:p>
+          <a:p>
+            <a:r>
+              <a:rPr lang="hu-HU" dirty="0" err="1"/>
+              <a:t>Thre</a:t>
+            </a:r>
+            <a:r>
+              <a:rPr lang="hu-HU" dirty="0"/>
+              <a:t> </a:t>
+            </a:r>
+            <a:r>
+              <a:rPr lang="hu-HU" dirty="0" err="1"/>
+              <a:t>Aint</a:t>
+            </a:r>
+            <a:r>
+              <a:rPr lang="hu-HU" dirty="0"/>
+              <a:t> no </a:t>
+            </a:r>
+            <a:r>
+              <a:rPr lang="hu-HU" dirty="0" err="1"/>
+              <a:t>such</a:t>
+            </a:r>
+            <a:r>
+              <a:rPr lang="hu-HU" dirty="0"/>
+              <a:t> </a:t>
+            </a:r>
+            <a:r>
+              <a:rPr lang="hu-HU" dirty="0" err="1"/>
+              <a:t>thing</a:t>
+            </a:r>
+            <a:r>
+              <a:rPr lang="hu-HU" dirty="0"/>
+              <a:t> </a:t>
+            </a:r>
+            <a:r>
+              <a:rPr lang="hu-HU" dirty="0" err="1"/>
+              <a:t>as</a:t>
+            </a:r>
+            <a:r>
+              <a:rPr lang="hu-HU" dirty="0"/>
+              <a:t> a free </a:t>
+            </a:r>
+            <a:r>
+              <a:rPr lang="hu-HU" dirty="0" err="1"/>
+              <a:t>lunch</a:t>
+            </a:r>
+            <a:r>
+              <a:rPr lang="hu-HU" dirty="0"/>
+              <a:t>.</a:t>
+            </a:r>
+          </a:p>
+          <a:p>
+            <a:r>
+              <a:rPr lang="hu-HU" dirty="0"/>
+              <a:t>OCP </a:t>
+            </a:r>
+            <a:r>
+              <a:rPr lang="hu-HU" dirty="0" err="1"/>
+              <a:t>adds</a:t>
+            </a:r>
+            <a:r>
+              <a:rPr lang="hu-HU" dirty="0"/>
+              <a:t> </a:t>
+            </a:r>
+            <a:r>
+              <a:rPr lang="hu-HU" dirty="0" err="1"/>
+              <a:t>complexity</a:t>
+            </a:r>
+            <a:endParaRPr lang="hu-HU" dirty="0"/>
+          </a:p>
+        </p:txBody>
+      </p:sp>
+      <p:sp>
+        <p:nvSpPr>
+          <p:cNvPr id="4" name="Dia számának helye 3"/>
+          <p:cNvSpPr>
+            <a:spLocks noGrp="1"/>
+          </p:cNvSpPr>
+          <p:nvPr>
+            <p:ph type="sldNum" sz="quarter" idx="12"/>
+          </p:nvPr>
+        </p:nvSpPr>
+        <p:spPr/>
+        <p:txBody>
+          <a:bodyPr/>
+          <a:lstStyle/>
+          <a:p>
+            <a:fld id="{F28C9355-BD38-4B88-A605-51440FB067EA}" type="slidenum">
+              <a:rPr lang="hu-HU" smtClean="0"/>
+              <a:t>31</a:t>
+            </a:fld>
+            <a:endParaRPr lang="hu-HU"/>
+          </a:p>
+        </p:txBody>
+      </p:sp>
+      <p:sp>
+        <p:nvSpPr>
+          <p:cNvPr id="5" name="Date Placeholder 4"/>
+          <p:cNvSpPr>
+            <a:spLocks noGrp="1"/>
+          </p:cNvSpPr>
+          <p:nvPr>
+            <p:ph type="dt" sz="half" idx="10"/>
+          </p:nvPr>
+        </p:nvSpPr>
+        <p:spPr/>
+        <p:txBody>
+          <a:bodyPr/>
+          <a:lstStyle/>
+          <a:p>
+            <a:fld id="{58ED05A6-EB6E-4B64-BA83-C2CAFA808DFD}" type="datetime1">
+              <a:rPr lang="hu-HU" smtClean="0"/>
+              <a:t>2016.05.26.</a:t>
+            </a:fld>
+            <a:endParaRPr lang="hu-HU"/>
+          </a:p>
+        </p:txBody>
+      </p:sp>
+      <p:sp>
+        <p:nvSpPr>
+          <p:cNvPr id="6" name="Footer Placeholder 5"/>
+          <p:cNvSpPr>
+            <a:spLocks noGrp="1"/>
+          </p:cNvSpPr>
+          <p:nvPr>
+            <p:ph type="ftr" sz="quarter" idx="11"/>
+          </p:nvPr>
+        </p:nvSpPr>
+        <p:spPr/>
+        <p:txBody>
+          <a:bodyPr/>
+          <a:lstStyle/>
+          <a:p>
+            <a:r>
+              <a:rPr lang="en-US"/>
+              <a:t>Introduction to Design Patterns and Adapter Pattern </a:t>
+            </a:r>
+            <a:endParaRPr lang="hu-HU"/>
+          </a:p>
+        </p:txBody>
+      </p:sp>
+    </p:spTree>
+    <p:extLst>
+      <p:ext uri="{BB962C8B-B14F-4D97-AF65-F5344CB8AC3E}">
+        <p14:creationId xmlns:p14="http://schemas.microsoft.com/office/powerpoint/2010/main" val="369854987"/>
       </p:ext>
     </p:extLst>
   </p:cSld>
@@ -10065,6 +12632,52 @@
               <a:rPr lang="hu-HU" smtClean="0"/>
               <a:t>4</a:t>
             </a:fld>
+            <a:endParaRPr lang="hu-HU"/>
+          </a:p>
+        </p:txBody>
+      </p:sp>
+      <p:sp>
+        <p:nvSpPr>
+          <p:cNvPr id="5" name="Date Placeholder 4"/>
+          <p:cNvSpPr>
+            <a:spLocks noGrp="1"/>
+          </p:cNvSpPr>
+          <p:nvPr>
+            <p:ph type="dt" sz="half" idx="10"/>
+          </p:nvPr>
+        </p:nvSpPr>
+        <p:spPr/>
+        <p:txBody>
+          <a:bodyPr/>
+          <a:lstStyle/>
+          <a:p>
+            <a:fld id="{35829E57-67E1-43CF-B62E-DE1AE8ACCF41}" type="datetime1">
+              <a:rPr lang="hu-HU" smtClean="0"/>
+              <a:t>2016.05.26.</a:t>
+            </a:fld>
+            <a:endParaRPr lang="hu-HU"/>
+          </a:p>
+        </p:txBody>
+      </p:sp>
+      <p:sp>
+        <p:nvSpPr>
+          <p:cNvPr id="6" name="Footer Placeholder 5"/>
+          <p:cNvSpPr>
+            <a:spLocks noGrp="1"/>
+          </p:cNvSpPr>
+          <p:nvPr>
+            <p:ph type="ftr" sz="quarter" idx="11"/>
+          </p:nvPr>
+        </p:nvSpPr>
+        <p:spPr/>
+        <p:txBody>
+          <a:bodyPr/>
+          <a:lstStyle/>
+          <a:p>
+            <a:r>
+              <a:rPr lang="en-US"/>
+              <a:t>Introduction to Design Patterns and Adapter Pattern </a:t>
+            </a:r>
             <a:endParaRPr lang="hu-HU"/>
           </a:p>
         </p:txBody>
@@ -10519,6 +13132,52 @@
           </a:p>
         </p:txBody>
       </p:sp>
+      <p:sp>
+        <p:nvSpPr>
+          <p:cNvPr id="5" name="Date Placeholder 4"/>
+          <p:cNvSpPr>
+            <a:spLocks noGrp="1"/>
+          </p:cNvSpPr>
+          <p:nvPr>
+            <p:ph type="dt" sz="half" idx="10"/>
+          </p:nvPr>
+        </p:nvSpPr>
+        <p:spPr/>
+        <p:txBody>
+          <a:bodyPr/>
+          <a:lstStyle/>
+          <a:p>
+            <a:fld id="{DD927CAF-6ECC-4DE4-AC9F-94A5B85EF5AB}" type="datetime1">
+              <a:rPr lang="hu-HU" smtClean="0"/>
+              <a:t>2016.05.26.</a:t>
+            </a:fld>
+            <a:endParaRPr lang="hu-HU"/>
+          </a:p>
+        </p:txBody>
+      </p:sp>
+      <p:sp>
+        <p:nvSpPr>
+          <p:cNvPr id="7" name="Footer Placeholder 6"/>
+          <p:cNvSpPr>
+            <a:spLocks noGrp="1"/>
+          </p:cNvSpPr>
+          <p:nvPr>
+            <p:ph type="ftr" sz="quarter" idx="11"/>
+          </p:nvPr>
+        </p:nvSpPr>
+        <p:spPr/>
+        <p:txBody>
+          <a:bodyPr/>
+          <a:lstStyle/>
+          <a:p>
+            <a:r>
+              <a:rPr lang="en-US"/>
+              <a:t>Introduction to Design Patterns and Adapter Pattern </a:t>
+            </a:r>
+            <a:endParaRPr lang="hu-HU"/>
+          </a:p>
+        </p:txBody>
+      </p:sp>
     </p:spTree>
     <p:extLst>
       <p:ext uri="{BB962C8B-B14F-4D97-AF65-F5344CB8AC3E}">
@@ -10911,6 +13570,52 @@
           </a:p>
         </p:txBody>
       </p:sp>
+      <p:sp>
+        <p:nvSpPr>
+          <p:cNvPr id="5" name="Date Placeholder 4"/>
+          <p:cNvSpPr>
+            <a:spLocks noGrp="1"/>
+          </p:cNvSpPr>
+          <p:nvPr>
+            <p:ph type="dt" sz="half" idx="10"/>
+          </p:nvPr>
+        </p:nvSpPr>
+        <p:spPr/>
+        <p:txBody>
+          <a:bodyPr/>
+          <a:lstStyle/>
+          <a:p>
+            <a:fld id="{9E4FBAFC-BD39-48FE-8838-4B2DF2115A86}" type="datetime1">
+              <a:rPr lang="hu-HU" smtClean="0"/>
+              <a:t>2016.05.26.</a:t>
+            </a:fld>
+            <a:endParaRPr lang="hu-HU"/>
+          </a:p>
+        </p:txBody>
+      </p:sp>
+      <p:sp>
+        <p:nvSpPr>
+          <p:cNvPr id="6" name="Footer Placeholder 5"/>
+          <p:cNvSpPr>
+            <a:spLocks noGrp="1"/>
+          </p:cNvSpPr>
+          <p:nvPr>
+            <p:ph type="ftr" sz="quarter" idx="11"/>
+          </p:nvPr>
+        </p:nvSpPr>
+        <p:spPr/>
+        <p:txBody>
+          <a:bodyPr/>
+          <a:lstStyle/>
+          <a:p>
+            <a:r>
+              <a:rPr lang="en-US"/>
+              <a:t>Introduction to Design Patterns and Adapter Pattern </a:t>
+            </a:r>
+            <a:endParaRPr lang="hu-HU"/>
+          </a:p>
+        </p:txBody>
+      </p:sp>
     </p:spTree>
     <p:extLst>
       <p:ext uri="{BB962C8B-B14F-4D97-AF65-F5344CB8AC3E}">
@@ -11008,14 +13713,60 @@
         </p:blipFill>
         <p:spPr>
           <a:xfrm>
-            <a:off x="1527984" y="2453640"/>
-            <a:ext cx="9136032" cy="2377406"/>
+            <a:off x="2202425" y="2453640"/>
+            <a:ext cx="8255113" cy="2148171"/>
           </a:xfrm>
           <a:prstGeom prst="rect">
             <a:avLst/>
           </a:prstGeom>
         </p:spPr>
       </p:pic>
+      <p:sp>
+        <p:nvSpPr>
+          <p:cNvPr id="5" name="Date Placeholder 4"/>
+          <p:cNvSpPr>
+            <a:spLocks noGrp="1"/>
+          </p:cNvSpPr>
+          <p:nvPr>
+            <p:ph type="dt" sz="half" idx="10"/>
+          </p:nvPr>
+        </p:nvSpPr>
+        <p:spPr/>
+        <p:txBody>
+          <a:bodyPr/>
+          <a:lstStyle/>
+          <a:p>
+            <a:fld id="{BF270BCC-00A0-4CF0-A3C7-A61132318C2C}" type="datetime1">
+              <a:rPr lang="hu-HU" smtClean="0"/>
+              <a:t>2016.05.26.</a:t>
+            </a:fld>
+            <a:endParaRPr lang="hu-HU"/>
+          </a:p>
+        </p:txBody>
+      </p:sp>
+      <p:sp>
+        <p:nvSpPr>
+          <p:cNvPr id="6" name="Footer Placeholder 5"/>
+          <p:cNvSpPr>
+            <a:spLocks noGrp="1"/>
+          </p:cNvSpPr>
+          <p:nvPr>
+            <p:ph type="ftr" sz="quarter" idx="11"/>
+          </p:nvPr>
+        </p:nvSpPr>
+        <p:spPr/>
+        <p:txBody>
+          <a:bodyPr/>
+          <a:lstStyle/>
+          <a:p>
+            <a:r>
+              <a:rPr lang="en-US"/>
+              <a:t>Introduction to Design Patterns and Adapter Pattern </a:t>
+            </a:r>
+            <a:endParaRPr lang="hu-HU"/>
+          </a:p>
+        </p:txBody>
+      </p:sp>
     </p:spTree>
     <p:extLst>
       <p:ext uri="{BB962C8B-B14F-4D97-AF65-F5344CB8AC3E}">
@@ -11128,7 +13879,7 @@
         </p:blipFill>
         <p:spPr>
           <a:xfrm>
-            <a:off x="1974740" y="1825625"/>
+            <a:off x="2539199" y="1796128"/>
             <a:ext cx="7113601" cy="4091156"/>
           </a:xfrm>
           <a:prstGeom prst="rect">
@@ -11136,6 +13887,52 @@
           </a:prstGeom>
         </p:spPr>
       </p:pic>
+      <p:sp>
+        <p:nvSpPr>
+          <p:cNvPr id="5" name="Date Placeholder 4"/>
+          <p:cNvSpPr>
+            <a:spLocks noGrp="1"/>
+          </p:cNvSpPr>
+          <p:nvPr>
+            <p:ph type="dt" sz="half" idx="10"/>
+          </p:nvPr>
+        </p:nvSpPr>
+        <p:spPr/>
+        <p:txBody>
+          <a:bodyPr/>
+          <a:lstStyle/>
+          <a:p>
+            <a:fld id="{CB98748F-943E-42A1-A485-32312472FB27}" type="datetime1">
+              <a:rPr lang="hu-HU" smtClean="0"/>
+              <a:t>2016.05.26.</a:t>
+            </a:fld>
+            <a:endParaRPr lang="hu-HU"/>
+          </a:p>
+        </p:txBody>
+      </p:sp>
+      <p:sp>
+        <p:nvSpPr>
+          <p:cNvPr id="6" name="Footer Placeholder 5"/>
+          <p:cNvSpPr>
+            <a:spLocks noGrp="1"/>
+          </p:cNvSpPr>
+          <p:nvPr>
+            <p:ph type="ftr" sz="quarter" idx="11"/>
+          </p:nvPr>
+        </p:nvSpPr>
+        <p:spPr/>
+        <p:txBody>
+          <a:bodyPr/>
+          <a:lstStyle/>
+          <a:p>
+            <a:r>
+              <a:rPr lang="en-US"/>
+              <a:t>Introduction to Design Patterns and Adapter Pattern </a:t>
+            </a:r>
+            <a:endParaRPr lang="hu-HU"/>
+          </a:p>
+        </p:txBody>
+      </p:sp>
     </p:spTree>
     <p:extLst>
       <p:ext uri="{BB962C8B-B14F-4D97-AF65-F5344CB8AC3E}">
@@ -11206,7 +14003,7 @@
         <p:spPr/>
         <p:txBody>
           <a:bodyPr>
-            <a:normAutofit fontScale="92500" lnSpcReduction="10000"/>
+            <a:normAutofit fontScale="92500"/>
           </a:bodyPr>
           <a:lstStyle/>
           <a:p>
@@ -11365,197 +14162,14 @@
           <a:p>
             <a:pPr lvl="1"/>
             <a:r>
-              <a:rPr lang="hu-HU" dirty="0" err="1"/>
-              <a:t>You</a:t>
-            </a:r>
-            <a:r>
-              <a:rPr lang="hu-HU" dirty="0"/>
-              <a:t> </a:t>
-            </a:r>
-            <a:r>
-              <a:rPr lang="hu-HU" dirty="0" err="1"/>
-              <a:t>are</a:t>
-            </a:r>
-            <a:r>
-              <a:rPr lang="hu-HU" dirty="0"/>
-              <a:t> designing a </a:t>
-            </a:r>
-            <a:r>
-              <a:rPr lang="hu-HU" dirty="0" err="1"/>
-              <a:t>class</a:t>
-            </a:r>
-            <a:r>
-              <a:rPr lang="hu-HU" dirty="0"/>
-              <a:t> </a:t>
-            </a:r>
-            <a:r>
-              <a:rPr lang="hu-HU" dirty="0" err="1"/>
-              <a:t>or</a:t>
-            </a:r>
-            <a:r>
-              <a:rPr lang="hu-HU" dirty="0"/>
-              <a:t> </a:t>
-            </a:r>
-            <a:r>
-              <a:rPr lang="hu-HU" dirty="0" err="1"/>
-              <a:t>a</a:t>
-            </a:r>
-            <a:r>
-              <a:rPr lang="hu-HU" dirty="0"/>
-              <a:t> </a:t>
-            </a:r>
-            <a:r>
-              <a:rPr lang="hu-HU" dirty="0" err="1"/>
-              <a:t>framework</a:t>
-            </a:r>
-            <a:r>
-              <a:rPr lang="hu-HU" dirty="0"/>
-              <a:t> and </a:t>
-            </a:r>
-            <a:r>
-              <a:rPr lang="hu-HU" dirty="0" err="1"/>
-              <a:t>you</a:t>
-            </a:r>
-            <a:r>
-              <a:rPr lang="hu-HU" dirty="0"/>
-              <a:t> </a:t>
-            </a:r>
-            <a:r>
-              <a:rPr lang="hu-HU" dirty="0" err="1"/>
-              <a:t>want</a:t>
-            </a:r>
-            <a:r>
-              <a:rPr lang="hu-HU" dirty="0"/>
-              <a:t> </a:t>
-            </a:r>
-            <a:r>
-              <a:rPr lang="hu-HU" dirty="0" err="1"/>
-              <a:t>to</a:t>
-            </a:r>
-            <a:r>
-              <a:rPr lang="hu-HU" dirty="0"/>
-              <a:t> </a:t>
-            </a:r>
-            <a:r>
-              <a:rPr lang="hu-HU" dirty="0" err="1"/>
-              <a:t>ensure</a:t>
-            </a:r>
-            <a:r>
-              <a:rPr lang="hu-HU" dirty="0"/>
-              <a:t> </a:t>
-            </a:r>
-            <a:r>
-              <a:rPr lang="hu-HU" dirty="0" err="1"/>
-              <a:t>it</a:t>
-            </a:r>
-            <a:r>
-              <a:rPr lang="hu-HU" dirty="0"/>
-              <a:t> is </a:t>
-            </a:r>
-            <a:r>
-              <a:rPr lang="hu-HU" dirty="0" err="1"/>
-              <a:t>usable</a:t>
-            </a:r>
-            <a:r>
-              <a:rPr lang="hu-HU" dirty="0"/>
-              <a:t> </a:t>
-            </a:r>
-            <a:r>
-              <a:rPr lang="hu-HU" dirty="0" err="1"/>
-              <a:t>by</a:t>
-            </a:r>
-            <a:r>
-              <a:rPr lang="hu-HU" dirty="0"/>
-              <a:t> a </a:t>
-            </a:r>
-            <a:r>
-              <a:rPr lang="hu-HU" dirty="0" err="1"/>
-              <a:t>wide</a:t>
-            </a:r>
-            <a:r>
-              <a:rPr lang="hu-HU" dirty="0"/>
-              <a:t> </a:t>
-            </a:r>
-            <a:r>
-              <a:rPr lang="hu-HU" dirty="0" err="1"/>
-              <a:t>variety</a:t>
-            </a:r>
-            <a:r>
-              <a:rPr lang="hu-HU" dirty="0"/>
-              <a:t> of </a:t>
-            </a:r>
-            <a:r>
-              <a:rPr lang="hu-HU" dirty="0" err="1"/>
-              <a:t>as-yet-unwritten</a:t>
-            </a:r>
-            <a:r>
-              <a:rPr lang="hu-HU" dirty="0"/>
-              <a:t> </a:t>
-            </a:r>
-            <a:r>
-              <a:rPr lang="hu-HU" dirty="0" err="1"/>
-              <a:t>classes</a:t>
-            </a:r>
-            <a:r>
-              <a:rPr lang="hu-HU" dirty="0"/>
-              <a:t>, </a:t>
-            </a:r>
-            <a:r>
-              <a:rPr lang="hu-HU" dirty="0" err="1"/>
-              <a:t>you</a:t>
-            </a:r>
-            <a:r>
-              <a:rPr lang="hu-HU" dirty="0"/>
-              <a:t> </a:t>
-            </a:r>
-            <a:r>
-              <a:rPr lang="hu-HU" dirty="0" err="1"/>
-              <a:t>can</a:t>
-            </a:r>
-            <a:r>
-              <a:rPr lang="hu-HU" dirty="0"/>
-              <a:t> add </a:t>
-            </a:r>
-            <a:r>
-              <a:rPr lang="hu-HU" dirty="0" err="1"/>
-              <a:t>support</a:t>
-            </a:r>
-            <a:r>
-              <a:rPr lang="hu-HU" dirty="0"/>
-              <a:t> </a:t>
-            </a:r>
-            <a:r>
-              <a:rPr lang="hu-HU" dirty="0" err="1"/>
-              <a:t>for</a:t>
-            </a:r>
-            <a:r>
-              <a:rPr lang="hu-HU" dirty="0"/>
-              <a:t> adapter </a:t>
-            </a:r>
-            <a:r>
-              <a:rPr lang="hu-HU" dirty="0" err="1"/>
-              <a:t>as</a:t>
-            </a:r>
-            <a:r>
-              <a:rPr lang="hu-HU" dirty="0"/>
-              <a:t> part of </a:t>
-            </a:r>
-            <a:r>
-              <a:rPr lang="hu-HU" dirty="0" err="1"/>
-              <a:t>your</a:t>
-            </a:r>
-            <a:r>
-              <a:rPr lang="hu-HU" dirty="0"/>
-              <a:t> </a:t>
-            </a:r>
-            <a:r>
-              <a:rPr lang="hu-HU" dirty="0" err="1"/>
-              <a:t>interface</a:t>
-            </a:r>
-            <a:r>
-              <a:rPr lang="hu-HU" dirty="0"/>
-              <a:t>.</a:t>
-            </a:r>
+              <a:rPr lang="en-US" dirty="0"/>
+              <a:t>you want to create a reusable class that cooperates with unrelated or unforeseen classes, that is, classes that don't necessarily have compatible </a:t>
+            </a:r>
+            <a:r>
+              <a:rPr lang="sv-SE" dirty="0"/>
+              <a:t>interfaces.</a:t>
+            </a:r>
+            <a:endParaRPr lang="hu-HU" dirty="0"/>
           </a:p>
           <a:p>
             <a:r>
@@ -11740,6 +14354,52 @@
               <a:rPr lang="hu-HU" smtClean="0"/>
               <a:t>9</a:t>
             </a:fld>
+            <a:endParaRPr lang="hu-HU"/>
+          </a:p>
+        </p:txBody>
+      </p:sp>
+      <p:sp>
+        <p:nvSpPr>
+          <p:cNvPr id="5" name="Date Placeholder 4"/>
+          <p:cNvSpPr>
+            <a:spLocks noGrp="1"/>
+          </p:cNvSpPr>
+          <p:nvPr>
+            <p:ph type="dt" sz="half" idx="10"/>
+          </p:nvPr>
+        </p:nvSpPr>
+        <p:spPr/>
+        <p:txBody>
+          <a:bodyPr/>
+          <a:lstStyle/>
+          <a:p>
+            <a:fld id="{C94A03AA-C98C-41E0-9950-5BED2082E82A}" type="datetime1">
+              <a:rPr lang="hu-HU" smtClean="0"/>
+              <a:t>2016.05.26.</a:t>
+            </a:fld>
+            <a:endParaRPr lang="hu-HU"/>
+          </a:p>
+        </p:txBody>
+      </p:sp>
+      <p:sp>
+        <p:nvSpPr>
+          <p:cNvPr id="6" name="Footer Placeholder 5"/>
+          <p:cNvSpPr>
+            <a:spLocks noGrp="1"/>
+          </p:cNvSpPr>
+          <p:nvPr>
+            <p:ph type="ftr" sz="quarter" idx="11"/>
+          </p:nvPr>
+        </p:nvSpPr>
+        <p:spPr/>
+        <p:txBody>
+          <a:bodyPr/>
+          <a:lstStyle/>
+          <a:p>
+            <a:r>
+              <a:rPr lang="en-US"/>
+              <a:t>Introduction to Design Patterns and Adapter Pattern </a:t>
+            </a:r>
             <a:endParaRPr lang="hu-HU"/>
           </a:p>
         </p:txBody>

--- a/DP01_Into_And_Adapter_Pattern.pptx
+++ b/DP01_Into_And_Adapter_Pattern.pptx
@@ -5,7 +5,7 @@
     <p:sldMasterId id="2147483660" r:id="rId1"/>
   </p:sldMasterIdLst>
   <p:notesMasterIdLst>
-    <p:notesMasterId r:id="rId33"/>
+    <p:notesMasterId r:id="rId28"/>
   </p:notesMasterIdLst>
   <p:sldIdLst>
     <p:sldId id="256" r:id="rId2"/>
@@ -34,11 +34,6 @@
     <p:sldId id="263" r:id="rId25"/>
     <p:sldId id="264" r:id="rId26"/>
     <p:sldId id="288" r:id="rId27"/>
-    <p:sldId id="276" r:id="rId28"/>
-    <p:sldId id="277" r:id="rId29"/>
-    <p:sldId id="284" r:id="rId30"/>
-    <p:sldId id="278" r:id="rId31"/>
-    <p:sldId id="285" r:id="rId32"/>
   </p:sldIdLst>
   <p:sldSz cx="12192000" cy="6858000"/>
   <p:notesSz cx="6858000" cy="9144000"/>
@@ -2043,90 +2038,6 @@
     <p:extLst>
       <p:ext uri="{BB962C8B-B14F-4D97-AF65-F5344CB8AC3E}">
         <p14:creationId xmlns:p14="http://schemas.microsoft.com/office/powerpoint/2010/main" val="2306725996"/>
-      </p:ext>
-    </p:extLst>
-  </p:cSld>
-  <p:clrMapOvr>
-    <a:masterClrMapping/>
-  </p:clrMapOvr>
-</p:notes>
-</file>
-
-<file path=ppt/notesSlides/notesSlide6.xml><?xml version="1.0" encoding="utf-8"?>
-<p:notes xmlns:a="http://schemas.openxmlformats.org/drawingml/2006/main" xmlns:r="http://schemas.openxmlformats.org/officeDocument/2006/relationships" xmlns:p="http://schemas.openxmlformats.org/presentationml/2006/main">
-  <p:cSld>
-    <p:spTree>
-      <p:nvGrpSpPr>
-        <p:cNvPr id="1" name=""/>
-        <p:cNvGrpSpPr/>
-        <p:nvPr/>
-      </p:nvGrpSpPr>
-      <p:grpSpPr>
-        <a:xfrm>
-          <a:off x="0" y="0"/>
-          <a:ext cx="0" cy="0"/>
-          <a:chOff x="0" y="0"/>
-          <a:chExt cx="0" cy="0"/>
-        </a:xfrm>
-      </p:grpSpPr>
-      <p:sp>
-        <p:nvSpPr>
-          <p:cNvPr id="2" name="Slide Image Placeholder 1"/>
-          <p:cNvSpPr>
-            <a:spLocks noGrp="1" noRot="1" noChangeAspect="1"/>
-          </p:cNvSpPr>
-          <p:nvPr>
-            <p:ph type="sldImg"/>
-          </p:nvPr>
-        </p:nvSpPr>
-        <p:spPr/>
-      </p:sp>
-      <p:sp>
-        <p:nvSpPr>
-          <p:cNvPr id="3" name="Notes Placeholder 2"/>
-          <p:cNvSpPr>
-            <a:spLocks noGrp="1"/>
-          </p:cNvSpPr>
-          <p:nvPr>
-            <p:ph type="body" idx="1"/>
-          </p:nvPr>
-        </p:nvSpPr>
-        <p:spPr/>
-        <p:txBody>
-          <a:bodyPr/>
-          <a:lstStyle/>
-          <a:p>
-            <a:endParaRPr lang="sv-SE"/>
-          </a:p>
-        </p:txBody>
-      </p:sp>
-      <p:sp>
-        <p:nvSpPr>
-          <p:cNvPr id="4" name="Slide Number Placeholder 3"/>
-          <p:cNvSpPr>
-            <a:spLocks noGrp="1"/>
-          </p:cNvSpPr>
-          <p:nvPr>
-            <p:ph type="sldNum" sz="quarter" idx="10"/>
-          </p:nvPr>
-        </p:nvSpPr>
-        <p:spPr/>
-        <p:txBody>
-          <a:bodyPr/>
-          <a:lstStyle/>
-          <a:p>
-            <a:fld id="{27C334D5-55AD-42ED-8491-40C1A78BB94C}" type="slidenum">
-              <a:rPr lang="hu-HU" smtClean="0"/>
-              <a:t>27</a:t>
-            </a:fld>
-            <a:endParaRPr lang="hu-HU"/>
-          </a:p>
-        </p:txBody>
-      </p:sp>
-    </p:spTree>
-    <p:extLst>
-      <p:ext uri="{BB962C8B-B14F-4D97-AF65-F5344CB8AC3E}">
-        <p14:creationId xmlns:p14="http://schemas.microsoft.com/office/powerpoint/2010/main" val="985439375"/>
       </p:ext>
     </p:extLst>
   </p:cSld>
@@ -9525,1288 +9436,6 @@
 </p:sld>
 </file>
 
-<file path=ppt/slides/slide27.xml><?xml version="1.0" encoding="utf-8"?>
-<p:sld xmlns:a="http://schemas.openxmlformats.org/drawingml/2006/main" xmlns:r="http://schemas.openxmlformats.org/officeDocument/2006/relationships" xmlns:p="http://schemas.openxmlformats.org/presentationml/2006/main">
-  <p:cSld>
-    <p:spTree>
-      <p:nvGrpSpPr>
-        <p:cNvPr id="1" name=""/>
-        <p:cNvGrpSpPr/>
-        <p:nvPr/>
-      </p:nvGrpSpPr>
-      <p:grpSpPr>
-        <a:xfrm>
-          <a:off x="0" y="0"/>
-          <a:ext cx="0" cy="0"/>
-          <a:chOff x="0" y="0"/>
-          <a:chExt cx="0" cy="0"/>
-        </a:xfrm>
-      </p:grpSpPr>
-      <p:sp>
-        <p:nvSpPr>
-          <p:cNvPr id="2" name="Cím 1"/>
-          <p:cNvSpPr>
-            <a:spLocks noGrp="1"/>
-          </p:cNvSpPr>
-          <p:nvPr>
-            <p:ph type="title"/>
-          </p:nvPr>
-        </p:nvSpPr>
-        <p:spPr/>
-        <p:txBody>
-          <a:bodyPr/>
-          <a:lstStyle/>
-          <a:p>
-            <a:r>
-              <a:rPr lang="hu-HU" dirty="0" err="1"/>
-              <a:t>Some</a:t>
-            </a:r>
-            <a:r>
-              <a:rPr lang="hu-HU" dirty="0"/>
-              <a:t> </a:t>
-            </a:r>
-            <a:r>
-              <a:rPr lang="hu-HU" dirty="0" err="1"/>
-              <a:t>words</a:t>
-            </a:r>
-            <a:r>
-              <a:rPr lang="hu-HU" dirty="0"/>
-              <a:t> </a:t>
-            </a:r>
-            <a:r>
-              <a:rPr lang="hu-HU" dirty="0" err="1"/>
-              <a:t>about</a:t>
-            </a:r>
-            <a:r>
-              <a:rPr lang="hu-HU" dirty="0"/>
-              <a:t> </a:t>
-            </a:r>
-            <a:r>
-              <a:rPr lang="hu-HU" dirty="0" err="1"/>
-              <a:t>the</a:t>
-            </a:r>
-            <a:r>
-              <a:rPr lang="hu-HU" dirty="0"/>
-              <a:t> Open/</a:t>
-            </a:r>
-            <a:r>
-              <a:rPr lang="hu-HU" dirty="0" err="1"/>
-              <a:t>Closed</a:t>
-            </a:r>
-            <a:r>
-              <a:rPr lang="hu-HU" dirty="0"/>
-              <a:t> </a:t>
-            </a:r>
-            <a:r>
-              <a:rPr lang="hu-HU" dirty="0" err="1"/>
-              <a:t>Principle</a:t>
-            </a:r>
-            <a:endParaRPr lang="hu-HU" dirty="0"/>
-          </a:p>
-        </p:txBody>
-      </p:sp>
-      <p:sp>
-        <p:nvSpPr>
-          <p:cNvPr id="3" name="Tartalom helye 2"/>
-          <p:cNvSpPr>
-            <a:spLocks noGrp="1"/>
-          </p:cNvSpPr>
-          <p:nvPr>
-            <p:ph idx="1"/>
-          </p:nvPr>
-        </p:nvSpPr>
-        <p:spPr/>
-        <p:txBody>
-          <a:bodyPr/>
-          <a:lstStyle/>
-          <a:p>
-            <a:r>
-              <a:rPr lang="hu-HU" dirty="0"/>
-              <a:t>The Open/ </a:t>
-            </a:r>
-            <a:r>
-              <a:rPr lang="hu-HU" dirty="0" err="1"/>
-              <a:t>Closed</a:t>
-            </a:r>
-            <a:r>
-              <a:rPr lang="hu-HU" dirty="0"/>
-              <a:t> </a:t>
-            </a:r>
-            <a:r>
-              <a:rPr lang="hu-HU" dirty="0" err="1"/>
-              <a:t>Principle</a:t>
-            </a:r>
-            <a:r>
-              <a:rPr lang="hu-HU" dirty="0"/>
-              <a:t> </a:t>
-            </a:r>
-            <a:r>
-              <a:rPr lang="hu-HU" dirty="0" err="1"/>
-              <a:t>states</a:t>
-            </a:r>
-            <a:r>
-              <a:rPr lang="hu-HU" dirty="0"/>
-              <a:t> </a:t>
-            </a:r>
-            <a:r>
-              <a:rPr lang="hu-HU" dirty="0" err="1"/>
-              <a:t>that</a:t>
-            </a:r>
-            <a:r>
-              <a:rPr lang="hu-HU" dirty="0"/>
-              <a:t> software </a:t>
-            </a:r>
-            <a:r>
-              <a:rPr lang="hu-HU" dirty="0" err="1"/>
-              <a:t>entities</a:t>
-            </a:r>
-            <a:r>
-              <a:rPr lang="hu-HU" dirty="0"/>
-              <a:t>(</a:t>
-            </a:r>
-            <a:r>
-              <a:rPr lang="hu-HU" dirty="0" err="1"/>
-              <a:t>classes</a:t>
-            </a:r>
-            <a:r>
-              <a:rPr lang="hu-HU" dirty="0"/>
-              <a:t>, </a:t>
-            </a:r>
-            <a:r>
-              <a:rPr lang="hu-HU" dirty="0" err="1"/>
-              <a:t>modules</a:t>
-            </a:r>
-            <a:r>
-              <a:rPr lang="hu-HU" dirty="0"/>
-              <a:t>, </a:t>
-            </a:r>
-            <a:r>
-              <a:rPr lang="hu-HU" dirty="0" err="1"/>
-              <a:t>functions</a:t>
-            </a:r>
-            <a:r>
-              <a:rPr lang="hu-HU" dirty="0"/>
-              <a:t>,etc.) </a:t>
-            </a:r>
-            <a:r>
-              <a:rPr lang="hu-HU" dirty="0" err="1"/>
-              <a:t>should</a:t>
-            </a:r>
-            <a:r>
-              <a:rPr lang="hu-HU" dirty="0"/>
-              <a:t> be </a:t>
-            </a:r>
-            <a:r>
-              <a:rPr lang="hu-HU" dirty="0" err="1"/>
-              <a:t>open</a:t>
-            </a:r>
-            <a:r>
-              <a:rPr lang="hu-HU" dirty="0"/>
-              <a:t> </a:t>
-            </a:r>
-            <a:r>
-              <a:rPr lang="hu-HU" dirty="0" err="1"/>
-              <a:t>for</a:t>
-            </a:r>
-            <a:r>
-              <a:rPr lang="hu-HU" dirty="0"/>
-              <a:t> </a:t>
-            </a:r>
-            <a:r>
-              <a:rPr lang="hu-HU" dirty="0" err="1"/>
-              <a:t>extension</a:t>
-            </a:r>
-            <a:r>
-              <a:rPr lang="hu-HU" dirty="0"/>
-              <a:t>, </a:t>
-            </a:r>
-            <a:r>
-              <a:rPr lang="hu-HU" dirty="0" err="1"/>
-              <a:t>but</a:t>
-            </a:r>
-            <a:r>
-              <a:rPr lang="hu-HU" dirty="0"/>
-              <a:t> </a:t>
-            </a:r>
-            <a:r>
-              <a:rPr lang="hu-HU" dirty="0" err="1"/>
-              <a:t>closed</a:t>
-            </a:r>
-            <a:r>
-              <a:rPr lang="hu-HU" dirty="0"/>
-              <a:t> </a:t>
-            </a:r>
-            <a:r>
-              <a:rPr lang="hu-HU" dirty="0" err="1"/>
-              <a:t>for</a:t>
-            </a:r>
-            <a:r>
-              <a:rPr lang="hu-HU" dirty="0"/>
-              <a:t> </a:t>
-            </a:r>
-            <a:r>
-              <a:rPr lang="hu-HU" dirty="0" err="1"/>
-              <a:t>modification</a:t>
-            </a:r>
-            <a:r>
-              <a:rPr lang="hu-HU" dirty="0"/>
-              <a:t>.</a:t>
-            </a:r>
-          </a:p>
-          <a:p>
-            <a:r>
-              <a:rPr lang="hu-HU" dirty="0"/>
-              <a:t>Open </a:t>
-            </a:r>
-            <a:r>
-              <a:rPr lang="hu-HU" dirty="0" err="1"/>
-              <a:t>to</a:t>
-            </a:r>
-            <a:r>
-              <a:rPr lang="hu-HU" dirty="0"/>
-              <a:t> </a:t>
-            </a:r>
-            <a:r>
-              <a:rPr lang="hu-HU" dirty="0" err="1"/>
-              <a:t>Extension</a:t>
-            </a:r>
-            <a:r>
-              <a:rPr lang="hu-HU" dirty="0"/>
-              <a:t> – New </a:t>
-            </a:r>
-            <a:r>
-              <a:rPr lang="hu-HU" dirty="0" err="1"/>
-              <a:t>behavior</a:t>
-            </a:r>
-            <a:r>
-              <a:rPr lang="hu-HU" dirty="0"/>
-              <a:t> </a:t>
-            </a:r>
-            <a:r>
-              <a:rPr lang="hu-HU" dirty="0" err="1"/>
-              <a:t>can</a:t>
-            </a:r>
-            <a:r>
-              <a:rPr lang="hu-HU" dirty="0"/>
-              <a:t> be </a:t>
-            </a:r>
-            <a:r>
-              <a:rPr lang="hu-HU" dirty="0" err="1"/>
-              <a:t>added</a:t>
-            </a:r>
-            <a:r>
-              <a:rPr lang="hu-HU" dirty="0"/>
-              <a:t> </a:t>
-            </a:r>
-            <a:r>
-              <a:rPr lang="hu-HU" dirty="0" err="1"/>
-              <a:t>in</a:t>
-            </a:r>
-            <a:r>
-              <a:rPr lang="hu-HU" dirty="0"/>
-              <a:t> </a:t>
-            </a:r>
-            <a:r>
-              <a:rPr lang="hu-HU" dirty="0" err="1"/>
-              <a:t>the</a:t>
-            </a:r>
-            <a:r>
-              <a:rPr lang="hu-HU" dirty="0"/>
-              <a:t> </a:t>
-            </a:r>
-            <a:r>
-              <a:rPr lang="hu-HU" dirty="0" err="1"/>
-              <a:t>future</a:t>
-            </a:r>
-            <a:endParaRPr lang="hu-HU" dirty="0"/>
-          </a:p>
-          <a:p>
-            <a:r>
-              <a:rPr lang="hu-HU" dirty="0" err="1"/>
-              <a:t>Closed</a:t>
-            </a:r>
-            <a:r>
-              <a:rPr lang="hu-HU" dirty="0"/>
-              <a:t> </a:t>
-            </a:r>
-            <a:r>
-              <a:rPr lang="hu-HU" dirty="0" err="1"/>
-              <a:t>to</a:t>
-            </a:r>
-            <a:r>
-              <a:rPr lang="hu-HU" dirty="0"/>
-              <a:t> </a:t>
-            </a:r>
-            <a:r>
-              <a:rPr lang="hu-HU" dirty="0" err="1"/>
-              <a:t>Modification</a:t>
-            </a:r>
-            <a:r>
-              <a:rPr lang="hu-HU" dirty="0"/>
-              <a:t> – </a:t>
-            </a:r>
-            <a:r>
-              <a:rPr lang="hu-HU" dirty="0" err="1"/>
-              <a:t>Changes</a:t>
-            </a:r>
-            <a:r>
-              <a:rPr lang="hu-HU" dirty="0"/>
-              <a:t> </a:t>
-            </a:r>
-            <a:r>
-              <a:rPr lang="hu-HU" dirty="0" err="1"/>
-              <a:t>to</a:t>
-            </a:r>
-            <a:r>
-              <a:rPr lang="hu-HU" dirty="0"/>
-              <a:t> </a:t>
-            </a:r>
-            <a:r>
-              <a:rPr lang="hu-HU" dirty="0" err="1"/>
-              <a:t>source</a:t>
-            </a:r>
-            <a:r>
-              <a:rPr lang="hu-HU" dirty="0"/>
-              <a:t> </a:t>
-            </a:r>
-            <a:r>
-              <a:rPr lang="hu-HU" dirty="0" err="1"/>
-              <a:t>or</a:t>
-            </a:r>
-            <a:r>
-              <a:rPr lang="hu-HU" dirty="0"/>
-              <a:t> </a:t>
-            </a:r>
-            <a:r>
-              <a:rPr lang="hu-HU" dirty="0" err="1"/>
-              <a:t>binary</a:t>
-            </a:r>
-            <a:r>
-              <a:rPr lang="hu-HU" dirty="0"/>
-              <a:t> </a:t>
-            </a:r>
-            <a:r>
-              <a:rPr lang="hu-HU" dirty="0" err="1"/>
-              <a:t>code</a:t>
-            </a:r>
-            <a:r>
-              <a:rPr lang="hu-HU" dirty="0"/>
-              <a:t> </a:t>
-            </a:r>
-            <a:r>
-              <a:rPr lang="hu-HU" dirty="0" err="1"/>
-              <a:t>are</a:t>
-            </a:r>
-            <a:r>
-              <a:rPr lang="hu-HU" dirty="0"/>
-              <a:t> </a:t>
-            </a:r>
-            <a:r>
-              <a:rPr lang="hu-HU" dirty="0" err="1"/>
-              <a:t>not</a:t>
-            </a:r>
-            <a:r>
-              <a:rPr lang="hu-HU" dirty="0"/>
-              <a:t> </a:t>
-            </a:r>
-            <a:r>
-              <a:rPr lang="hu-HU" dirty="0" err="1"/>
-              <a:t>required</a:t>
-            </a:r>
-            <a:r>
-              <a:rPr lang="hu-HU" dirty="0"/>
-              <a:t>, </a:t>
-            </a:r>
-            <a:r>
-              <a:rPr lang="hu-HU" dirty="0" err="1"/>
-              <a:t>we</a:t>
-            </a:r>
-            <a:r>
-              <a:rPr lang="hu-HU" dirty="0"/>
-              <a:t> </a:t>
-            </a:r>
-            <a:r>
-              <a:rPr lang="hu-HU" dirty="0" err="1"/>
-              <a:t>should</a:t>
-            </a:r>
-            <a:r>
-              <a:rPr lang="hu-HU" dirty="0"/>
-              <a:t> </a:t>
-            </a:r>
-            <a:r>
-              <a:rPr lang="hu-HU" dirty="0" err="1"/>
-              <a:t>not</a:t>
-            </a:r>
-            <a:r>
-              <a:rPr lang="hu-HU" dirty="0"/>
-              <a:t> </a:t>
-            </a:r>
-            <a:r>
-              <a:rPr lang="hu-HU" dirty="0" err="1"/>
-              <a:t>recompile</a:t>
-            </a:r>
-            <a:r>
-              <a:rPr lang="hu-HU" dirty="0"/>
-              <a:t> </a:t>
-            </a:r>
-            <a:r>
-              <a:rPr lang="hu-HU" dirty="0" err="1"/>
-              <a:t>the</a:t>
-            </a:r>
-            <a:r>
-              <a:rPr lang="hu-HU" dirty="0"/>
-              <a:t> </a:t>
-            </a:r>
-            <a:r>
-              <a:rPr lang="hu-HU" dirty="0" err="1"/>
-              <a:t>code</a:t>
-            </a:r>
-            <a:r>
-              <a:rPr lang="hu-HU" dirty="0"/>
-              <a:t> </a:t>
-            </a:r>
-            <a:r>
-              <a:rPr lang="hu-HU" dirty="0" err="1"/>
-              <a:t>to</a:t>
-            </a:r>
-            <a:r>
-              <a:rPr lang="hu-HU" dirty="0"/>
-              <a:t> </a:t>
-            </a:r>
-            <a:r>
-              <a:rPr lang="hu-HU" dirty="0" err="1"/>
-              <a:t>achive</a:t>
-            </a:r>
-            <a:r>
-              <a:rPr lang="hu-HU" dirty="0"/>
-              <a:t> </a:t>
-            </a:r>
-            <a:r>
-              <a:rPr lang="hu-HU" dirty="0" err="1"/>
-              <a:t>this</a:t>
-            </a:r>
-            <a:r>
-              <a:rPr lang="hu-HU" dirty="0"/>
-              <a:t>.</a:t>
-            </a:r>
-          </a:p>
-          <a:p>
-            <a:r>
-              <a:rPr lang="hu-HU" dirty="0" err="1"/>
-              <a:t>Rely</a:t>
-            </a:r>
-            <a:r>
-              <a:rPr lang="hu-HU" dirty="0"/>
-              <a:t> </a:t>
-            </a:r>
-            <a:r>
-              <a:rPr lang="hu-HU" dirty="0" err="1"/>
-              <a:t>on</a:t>
-            </a:r>
-            <a:r>
-              <a:rPr lang="hu-HU" dirty="0"/>
-              <a:t> </a:t>
-            </a:r>
-            <a:r>
-              <a:rPr lang="hu-HU" dirty="0" err="1"/>
-              <a:t>abstractions</a:t>
-            </a:r>
-            <a:r>
-              <a:rPr lang="hu-HU" dirty="0"/>
-              <a:t>(</a:t>
-            </a:r>
-            <a:r>
-              <a:rPr lang="hu-HU" dirty="0" err="1"/>
-              <a:t>Interfaces</a:t>
-            </a:r>
-            <a:r>
-              <a:rPr lang="hu-HU" dirty="0"/>
-              <a:t> and </a:t>
-            </a:r>
-            <a:r>
-              <a:rPr lang="hu-HU" dirty="0" err="1"/>
-              <a:t>Abstract</a:t>
-            </a:r>
-            <a:r>
-              <a:rPr lang="hu-HU" dirty="0"/>
-              <a:t> </a:t>
-            </a:r>
-            <a:r>
-              <a:rPr lang="hu-HU" dirty="0" err="1"/>
-              <a:t>base</a:t>
-            </a:r>
-            <a:r>
-              <a:rPr lang="hu-HU" dirty="0"/>
-              <a:t> </a:t>
-            </a:r>
-            <a:r>
-              <a:rPr lang="hu-HU" dirty="0" err="1"/>
-              <a:t>classes</a:t>
-            </a:r>
-            <a:r>
-              <a:rPr lang="hu-HU" dirty="0"/>
-              <a:t>), </a:t>
-            </a:r>
-            <a:r>
-              <a:rPr lang="hu-HU" dirty="0" err="1"/>
-              <a:t>introducing</a:t>
-            </a:r>
-            <a:r>
-              <a:rPr lang="hu-HU" dirty="0"/>
-              <a:t> </a:t>
-            </a:r>
-            <a:r>
-              <a:rPr lang="hu-HU" dirty="0" err="1"/>
-              <a:t>seams</a:t>
-            </a:r>
-            <a:r>
-              <a:rPr lang="hu-HU" dirty="0"/>
-              <a:t>, </a:t>
-            </a:r>
-            <a:r>
-              <a:rPr lang="hu-HU" dirty="0" err="1"/>
-              <a:t>where</a:t>
-            </a:r>
-            <a:r>
-              <a:rPr lang="hu-HU" dirty="0"/>
-              <a:t> </a:t>
-            </a:r>
-            <a:r>
-              <a:rPr lang="hu-HU" dirty="0" err="1"/>
-              <a:t>we</a:t>
-            </a:r>
-            <a:r>
-              <a:rPr lang="hu-HU" dirty="0"/>
-              <a:t> </a:t>
-            </a:r>
-            <a:r>
-              <a:rPr lang="hu-HU" dirty="0" err="1"/>
-              <a:t>can</a:t>
-            </a:r>
-            <a:r>
-              <a:rPr lang="hu-HU" dirty="0"/>
-              <a:t> </a:t>
-            </a:r>
-            <a:r>
-              <a:rPr lang="hu-HU" dirty="0" err="1"/>
-              <a:t>separate</a:t>
-            </a:r>
-            <a:r>
-              <a:rPr lang="hu-HU" dirty="0"/>
-              <a:t> </a:t>
-            </a:r>
-            <a:r>
-              <a:rPr lang="hu-HU" dirty="0" err="1"/>
-              <a:t>different</a:t>
-            </a:r>
-            <a:r>
-              <a:rPr lang="hu-HU" dirty="0"/>
-              <a:t> </a:t>
-            </a:r>
-            <a:r>
-              <a:rPr lang="hu-HU" dirty="0" err="1"/>
-              <a:t>parts</a:t>
-            </a:r>
-            <a:r>
-              <a:rPr lang="hu-HU" dirty="0"/>
-              <a:t> of </a:t>
-            </a:r>
-            <a:r>
-              <a:rPr lang="hu-HU" dirty="0" err="1"/>
-              <a:t>our</a:t>
-            </a:r>
-            <a:r>
-              <a:rPr lang="hu-HU" dirty="0"/>
-              <a:t> </a:t>
-            </a:r>
-            <a:r>
-              <a:rPr lang="hu-HU" dirty="0" err="1"/>
-              <a:t>application</a:t>
-            </a:r>
-            <a:r>
-              <a:rPr lang="hu-HU" dirty="0"/>
-              <a:t>.</a:t>
-            </a:r>
-          </a:p>
-        </p:txBody>
-      </p:sp>
-      <p:sp>
-        <p:nvSpPr>
-          <p:cNvPr id="4" name="Slide Number Placeholder 3"/>
-          <p:cNvSpPr>
-            <a:spLocks noGrp="1"/>
-          </p:cNvSpPr>
-          <p:nvPr>
-            <p:ph type="sldNum" sz="quarter" idx="12"/>
-          </p:nvPr>
-        </p:nvSpPr>
-        <p:spPr/>
-        <p:txBody>
-          <a:bodyPr/>
-          <a:lstStyle/>
-          <a:p>
-            <a:fld id="{F28C9355-BD38-4B88-A605-51440FB067EA}" type="slidenum">
-              <a:rPr lang="hu-HU" smtClean="0"/>
-              <a:t>27</a:t>
-            </a:fld>
-            <a:endParaRPr lang="hu-HU"/>
-          </a:p>
-        </p:txBody>
-      </p:sp>
-      <p:sp>
-        <p:nvSpPr>
-          <p:cNvPr id="5" name="Date Placeholder 4"/>
-          <p:cNvSpPr>
-            <a:spLocks noGrp="1"/>
-          </p:cNvSpPr>
-          <p:nvPr>
-            <p:ph type="dt" sz="half" idx="10"/>
-          </p:nvPr>
-        </p:nvSpPr>
-        <p:spPr/>
-        <p:txBody>
-          <a:bodyPr/>
-          <a:lstStyle/>
-          <a:p>
-            <a:fld id="{C3FB1BA7-4465-44AE-BA5D-C1E87021F247}" type="datetime1">
-              <a:rPr lang="hu-HU" smtClean="0"/>
-              <a:t>2016.05.26.</a:t>
-            </a:fld>
-            <a:endParaRPr lang="hu-HU"/>
-          </a:p>
-        </p:txBody>
-      </p:sp>
-      <p:sp>
-        <p:nvSpPr>
-          <p:cNvPr id="6" name="Footer Placeholder 5"/>
-          <p:cNvSpPr>
-            <a:spLocks noGrp="1"/>
-          </p:cNvSpPr>
-          <p:nvPr>
-            <p:ph type="ftr" sz="quarter" idx="11"/>
-          </p:nvPr>
-        </p:nvSpPr>
-        <p:spPr/>
-        <p:txBody>
-          <a:bodyPr/>
-          <a:lstStyle/>
-          <a:p>
-            <a:r>
-              <a:rPr lang="en-US"/>
-              <a:t>Introduction to Design Patterns and Adapter Pattern </a:t>
-            </a:r>
-            <a:endParaRPr lang="hu-HU"/>
-          </a:p>
-        </p:txBody>
-      </p:sp>
-    </p:spTree>
-    <p:extLst>
-      <p:ext uri="{BB962C8B-B14F-4D97-AF65-F5344CB8AC3E}">
-        <p14:creationId xmlns:p14="http://schemas.microsoft.com/office/powerpoint/2010/main" val="3415002473"/>
-      </p:ext>
-    </p:extLst>
-  </p:cSld>
-  <p:clrMapOvr>
-    <a:masterClrMapping/>
-  </p:clrMapOvr>
-</p:sld>
-</file>
-
-<file path=ppt/slides/slide28.xml><?xml version="1.0" encoding="utf-8"?>
-<p:sld xmlns:a="http://schemas.openxmlformats.org/drawingml/2006/main" xmlns:r="http://schemas.openxmlformats.org/officeDocument/2006/relationships" xmlns:p="http://schemas.openxmlformats.org/presentationml/2006/main">
-  <p:cSld>
-    <p:spTree>
-      <p:nvGrpSpPr>
-        <p:cNvPr id="1" name=""/>
-        <p:cNvGrpSpPr/>
-        <p:nvPr/>
-      </p:nvGrpSpPr>
-      <p:grpSpPr>
-        <a:xfrm>
-          <a:off x="0" y="0"/>
-          <a:ext cx="0" cy="0"/>
-          <a:chOff x="0" y="0"/>
-          <a:chExt cx="0" cy="0"/>
-        </a:xfrm>
-      </p:grpSpPr>
-      <p:sp>
-        <p:nvSpPr>
-          <p:cNvPr id="2" name="Cím 1"/>
-          <p:cNvSpPr>
-            <a:spLocks noGrp="1"/>
-          </p:cNvSpPr>
-          <p:nvPr>
-            <p:ph type="title"/>
-          </p:nvPr>
-        </p:nvSpPr>
-        <p:spPr/>
-        <p:txBody>
-          <a:bodyPr/>
-          <a:lstStyle/>
-          <a:p>
-            <a:r>
-              <a:rPr lang="hu-HU" dirty="0" err="1"/>
-              <a:t>Some</a:t>
-            </a:r>
-            <a:r>
-              <a:rPr lang="hu-HU" dirty="0"/>
-              <a:t> </a:t>
-            </a:r>
-            <a:r>
-              <a:rPr lang="hu-HU" dirty="0" err="1"/>
-              <a:t>words</a:t>
-            </a:r>
-            <a:r>
-              <a:rPr lang="hu-HU" dirty="0"/>
-              <a:t> </a:t>
-            </a:r>
-            <a:r>
-              <a:rPr lang="hu-HU" dirty="0" err="1"/>
-              <a:t>about</a:t>
-            </a:r>
-            <a:r>
-              <a:rPr lang="hu-HU" dirty="0"/>
-              <a:t> </a:t>
-            </a:r>
-            <a:r>
-              <a:rPr lang="hu-HU" dirty="0" err="1"/>
-              <a:t>the</a:t>
-            </a:r>
-            <a:r>
-              <a:rPr lang="hu-HU" dirty="0"/>
-              <a:t> Open/</a:t>
-            </a:r>
-            <a:r>
-              <a:rPr lang="hu-HU" dirty="0" err="1"/>
-              <a:t>Closed</a:t>
-            </a:r>
-            <a:r>
-              <a:rPr lang="hu-HU" dirty="0"/>
-              <a:t> </a:t>
-            </a:r>
-            <a:r>
-              <a:rPr lang="hu-HU" dirty="0" err="1"/>
-              <a:t>Principle</a:t>
-            </a:r>
-            <a:endParaRPr lang="hu-HU" dirty="0"/>
-          </a:p>
-        </p:txBody>
-      </p:sp>
-      <p:sp>
-        <p:nvSpPr>
-          <p:cNvPr id="3" name="Tartalom helye 2"/>
-          <p:cNvSpPr>
-            <a:spLocks noGrp="1"/>
-          </p:cNvSpPr>
-          <p:nvPr>
-            <p:ph idx="1"/>
-          </p:nvPr>
-        </p:nvSpPr>
-        <p:spPr/>
-        <p:txBody>
-          <a:bodyPr/>
-          <a:lstStyle/>
-          <a:p>
-            <a:r>
-              <a:rPr lang="hu-HU" dirty="0"/>
-              <a:t>You can change by adding new classes.</a:t>
-            </a:r>
-          </a:p>
-          <a:p>
-            <a:r>
-              <a:rPr lang="hu-HU" dirty="0" err="1"/>
-              <a:t>Smaller</a:t>
-            </a:r>
-            <a:r>
-              <a:rPr lang="hu-HU" dirty="0"/>
-              <a:t> </a:t>
-            </a:r>
-            <a:r>
-              <a:rPr lang="hu-HU" dirty="0" err="1"/>
-              <a:t>classes</a:t>
-            </a:r>
-            <a:r>
-              <a:rPr lang="hu-HU" dirty="0"/>
-              <a:t>, </a:t>
-            </a:r>
-            <a:r>
-              <a:rPr lang="hu-HU" dirty="0" err="1"/>
-              <a:t>which</a:t>
-            </a:r>
-            <a:r>
-              <a:rPr lang="hu-HU" dirty="0"/>
-              <a:t> has </a:t>
-            </a:r>
-            <a:r>
-              <a:rPr lang="hu-HU" dirty="0" err="1"/>
-              <a:t>only</a:t>
-            </a:r>
-            <a:r>
-              <a:rPr lang="hu-HU" dirty="0"/>
-              <a:t> </a:t>
-            </a:r>
-            <a:r>
-              <a:rPr lang="hu-HU" dirty="0" err="1"/>
-              <a:t>one</a:t>
-            </a:r>
-            <a:r>
-              <a:rPr lang="hu-HU" dirty="0"/>
-              <a:t> </a:t>
-            </a:r>
-            <a:r>
-              <a:rPr lang="hu-HU" dirty="0" err="1"/>
-              <a:t>job</a:t>
-            </a:r>
-            <a:r>
-              <a:rPr lang="hu-HU" dirty="0"/>
-              <a:t> (</a:t>
-            </a:r>
-            <a:r>
-              <a:rPr lang="hu-HU" dirty="0" err="1"/>
-              <a:t>following</a:t>
-            </a:r>
-            <a:r>
-              <a:rPr lang="hu-HU" dirty="0"/>
-              <a:t> </a:t>
-            </a:r>
-            <a:r>
-              <a:rPr lang="hu-HU" dirty="0" err="1"/>
-              <a:t>the</a:t>
-            </a:r>
-            <a:r>
-              <a:rPr lang="hu-HU" dirty="0"/>
-              <a:t> </a:t>
-            </a:r>
-            <a:r>
-              <a:rPr lang="hu-HU" dirty="0" err="1"/>
-              <a:t>Single</a:t>
-            </a:r>
-            <a:r>
-              <a:rPr lang="hu-HU" dirty="0"/>
-              <a:t> </a:t>
-            </a:r>
-            <a:r>
-              <a:rPr lang="hu-HU" dirty="0" err="1"/>
-              <a:t>Responsibility</a:t>
-            </a:r>
-            <a:r>
-              <a:rPr lang="hu-HU" dirty="0"/>
-              <a:t> </a:t>
-            </a:r>
-            <a:r>
-              <a:rPr lang="hu-HU" dirty="0" err="1"/>
-              <a:t>principle</a:t>
-            </a:r>
-            <a:r>
-              <a:rPr lang="hu-HU" dirty="0"/>
-              <a:t>)</a:t>
-            </a:r>
-          </a:p>
-          <a:p>
-            <a:r>
-              <a:rPr lang="hu-HU" dirty="0" err="1"/>
-              <a:t>Easy</a:t>
-            </a:r>
-            <a:r>
-              <a:rPr lang="hu-HU" dirty="0"/>
-              <a:t> </a:t>
-            </a:r>
-            <a:r>
-              <a:rPr lang="hu-HU" dirty="0" err="1"/>
-              <a:t>to</a:t>
-            </a:r>
-            <a:r>
-              <a:rPr lang="hu-HU" dirty="0"/>
-              <a:t> test </a:t>
-            </a:r>
-            <a:r>
-              <a:rPr lang="hu-HU" dirty="0" err="1"/>
-              <a:t>new</a:t>
-            </a:r>
-            <a:r>
-              <a:rPr lang="hu-HU" dirty="0"/>
-              <a:t> </a:t>
-            </a:r>
-            <a:r>
-              <a:rPr lang="hu-HU" dirty="0" err="1"/>
-              <a:t>classes</a:t>
-            </a:r>
-            <a:r>
-              <a:rPr lang="hu-HU" dirty="0"/>
-              <a:t>, </a:t>
-            </a:r>
-            <a:r>
-              <a:rPr lang="hu-HU" dirty="0" err="1"/>
-              <a:t>since</a:t>
-            </a:r>
-            <a:r>
-              <a:rPr lang="hu-HU" dirty="0"/>
-              <a:t>:</a:t>
-            </a:r>
-          </a:p>
-          <a:p>
-            <a:pPr lvl="1"/>
-            <a:r>
-              <a:rPr lang="hu-HU" dirty="0" err="1"/>
-              <a:t>Nothing</a:t>
-            </a:r>
-            <a:r>
-              <a:rPr lang="hu-HU" dirty="0"/>
-              <a:t> </a:t>
-            </a:r>
-            <a:r>
-              <a:rPr lang="hu-HU" dirty="0" err="1"/>
-              <a:t>depends</a:t>
-            </a:r>
-            <a:r>
-              <a:rPr lang="hu-HU" dirty="0"/>
-              <a:t> </a:t>
-            </a:r>
-            <a:r>
-              <a:rPr lang="hu-HU" dirty="0" err="1"/>
-              <a:t>on</a:t>
-            </a:r>
-            <a:r>
-              <a:rPr lang="hu-HU" dirty="0"/>
-              <a:t> </a:t>
-            </a:r>
-            <a:r>
-              <a:rPr lang="hu-HU" dirty="0" err="1"/>
-              <a:t>new</a:t>
-            </a:r>
-            <a:r>
-              <a:rPr lang="hu-HU" dirty="0"/>
-              <a:t> </a:t>
-            </a:r>
-            <a:r>
-              <a:rPr lang="hu-HU" dirty="0" err="1"/>
-              <a:t>classes</a:t>
-            </a:r>
-            <a:r>
-              <a:rPr lang="hu-HU" dirty="0"/>
-              <a:t>.</a:t>
-            </a:r>
-          </a:p>
-          <a:p>
-            <a:pPr lvl="1"/>
-            <a:r>
-              <a:rPr lang="hu-HU" dirty="0"/>
-              <a:t>New </a:t>
-            </a:r>
-            <a:r>
-              <a:rPr lang="hu-HU" dirty="0" err="1"/>
-              <a:t>classes</a:t>
-            </a:r>
-            <a:r>
-              <a:rPr lang="hu-HU" dirty="0"/>
-              <a:t> </a:t>
-            </a:r>
-            <a:r>
-              <a:rPr lang="hu-HU" dirty="0" err="1"/>
-              <a:t>have</a:t>
-            </a:r>
-            <a:r>
-              <a:rPr lang="hu-HU" dirty="0"/>
-              <a:t> no </a:t>
-            </a:r>
-            <a:r>
-              <a:rPr lang="hu-HU" dirty="0" err="1"/>
-              <a:t>legacy</a:t>
-            </a:r>
-            <a:r>
-              <a:rPr lang="hu-HU" dirty="0"/>
-              <a:t> </a:t>
-            </a:r>
-            <a:r>
-              <a:rPr lang="hu-HU" dirty="0" err="1"/>
-              <a:t>coupling</a:t>
-            </a:r>
-            <a:r>
-              <a:rPr lang="hu-HU" dirty="0"/>
-              <a:t> </a:t>
-            </a:r>
-            <a:r>
-              <a:rPr lang="hu-HU" dirty="0" err="1"/>
-              <a:t>to</a:t>
-            </a:r>
-            <a:r>
-              <a:rPr lang="hu-HU" dirty="0"/>
-              <a:t> </a:t>
-            </a:r>
-            <a:r>
-              <a:rPr lang="hu-HU" dirty="0" err="1"/>
-              <a:t>make</a:t>
-            </a:r>
-            <a:r>
-              <a:rPr lang="hu-HU" dirty="0"/>
-              <a:t> </a:t>
-            </a:r>
-            <a:r>
-              <a:rPr lang="hu-HU" dirty="0" err="1"/>
-              <a:t>them</a:t>
-            </a:r>
-            <a:r>
-              <a:rPr lang="hu-HU" dirty="0"/>
-              <a:t> </a:t>
-            </a:r>
-            <a:r>
-              <a:rPr lang="hu-HU" dirty="0" err="1"/>
-              <a:t>hard</a:t>
-            </a:r>
-            <a:r>
-              <a:rPr lang="hu-HU" dirty="0"/>
-              <a:t> </a:t>
-            </a:r>
-            <a:r>
-              <a:rPr lang="hu-HU" dirty="0" err="1"/>
-              <a:t>to</a:t>
-            </a:r>
-            <a:r>
-              <a:rPr lang="hu-HU" dirty="0"/>
-              <a:t> design </a:t>
-            </a:r>
-            <a:r>
-              <a:rPr lang="hu-HU" dirty="0" err="1"/>
-              <a:t>or</a:t>
-            </a:r>
-            <a:r>
-              <a:rPr lang="hu-HU" dirty="0"/>
-              <a:t> test. </a:t>
-            </a:r>
-          </a:p>
-        </p:txBody>
-      </p:sp>
-      <p:sp>
-        <p:nvSpPr>
-          <p:cNvPr id="4" name="Slide Number Placeholder 3"/>
-          <p:cNvSpPr>
-            <a:spLocks noGrp="1"/>
-          </p:cNvSpPr>
-          <p:nvPr>
-            <p:ph type="sldNum" sz="quarter" idx="12"/>
-          </p:nvPr>
-        </p:nvSpPr>
-        <p:spPr/>
-        <p:txBody>
-          <a:bodyPr/>
-          <a:lstStyle/>
-          <a:p>
-            <a:fld id="{F28C9355-BD38-4B88-A605-51440FB067EA}" type="slidenum">
-              <a:rPr lang="hu-HU" smtClean="0"/>
-              <a:t>28</a:t>
-            </a:fld>
-            <a:endParaRPr lang="hu-HU"/>
-          </a:p>
-        </p:txBody>
-      </p:sp>
-      <p:sp>
-        <p:nvSpPr>
-          <p:cNvPr id="5" name="Date Placeholder 4"/>
-          <p:cNvSpPr>
-            <a:spLocks noGrp="1"/>
-          </p:cNvSpPr>
-          <p:nvPr>
-            <p:ph type="dt" sz="half" idx="10"/>
-          </p:nvPr>
-        </p:nvSpPr>
-        <p:spPr/>
-        <p:txBody>
-          <a:bodyPr/>
-          <a:lstStyle/>
-          <a:p>
-            <a:fld id="{AD113F3D-A13E-43A0-8137-BB4929FCF050}" type="datetime1">
-              <a:rPr lang="hu-HU" smtClean="0"/>
-              <a:t>2016.05.26.</a:t>
-            </a:fld>
-            <a:endParaRPr lang="hu-HU"/>
-          </a:p>
-        </p:txBody>
-      </p:sp>
-      <p:sp>
-        <p:nvSpPr>
-          <p:cNvPr id="6" name="Footer Placeholder 5"/>
-          <p:cNvSpPr>
-            <a:spLocks noGrp="1"/>
-          </p:cNvSpPr>
-          <p:nvPr>
-            <p:ph type="ftr" sz="quarter" idx="11"/>
-          </p:nvPr>
-        </p:nvSpPr>
-        <p:spPr/>
-        <p:txBody>
-          <a:bodyPr/>
-          <a:lstStyle/>
-          <a:p>
-            <a:r>
-              <a:rPr lang="en-US"/>
-              <a:t>Introduction to Design Patterns and Adapter Pattern </a:t>
-            </a:r>
-            <a:endParaRPr lang="hu-HU"/>
-          </a:p>
-        </p:txBody>
-      </p:sp>
-    </p:spTree>
-    <p:extLst>
-      <p:ext uri="{BB962C8B-B14F-4D97-AF65-F5344CB8AC3E}">
-        <p14:creationId xmlns:p14="http://schemas.microsoft.com/office/powerpoint/2010/main" val="1216626679"/>
-      </p:ext>
-    </p:extLst>
-  </p:cSld>
-  <p:clrMapOvr>
-    <a:masterClrMapping/>
-  </p:clrMapOvr>
-</p:sld>
-</file>
-
-<file path=ppt/slides/slide29.xml><?xml version="1.0" encoding="utf-8"?>
-<p:sld xmlns:a="http://schemas.openxmlformats.org/drawingml/2006/main" xmlns:r="http://schemas.openxmlformats.org/officeDocument/2006/relationships" xmlns:p="http://schemas.openxmlformats.org/presentationml/2006/main">
-  <p:cSld>
-    <p:spTree>
-      <p:nvGrpSpPr>
-        <p:cNvPr id="1" name=""/>
-        <p:cNvGrpSpPr/>
-        <p:nvPr/>
-      </p:nvGrpSpPr>
-      <p:grpSpPr>
-        <a:xfrm>
-          <a:off x="0" y="0"/>
-          <a:ext cx="0" cy="0"/>
-          <a:chOff x="0" y="0"/>
-          <a:chExt cx="0" cy="0"/>
-        </a:xfrm>
-      </p:grpSpPr>
-      <p:sp>
-        <p:nvSpPr>
-          <p:cNvPr id="2" name="Cím 1"/>
-          <p:cNvSpPr>
-            <a:spLocks noGrp="1"/>
-          </p:cNvSpPr>
-          <p:nvPr>
-            <p:ph type="title"/>
-          </p:nvPr>
-        </p:nvSpPr>
-        <p:spPr/>
-        <p:txBody>
-          <a:bodyPr/>
-          <a:lstStyle/>
-          <a:p>
-            <a:r>
-              <a:rPr lang="hu-HU" dirty="0" err="1"/>
-              <a:t>Code</a:t>
-            </a:r>
-            <a:r>
-              <a:rPr lang="hu-HU" dirty="0"/>
-              <a:t> </a:t>
-            </a:r>
-            <a:r>
-              <a:rPr lang="hu-HU" dirty="0" err="1"/>
-              <a:t>Example</a:t>
-            </a:r>
-            <a:endParaRPr lang="hu-HU" dirty="0"/>
-          </a:p>
-        </p:txBody>
-      </p:sp>
-      <p:sp>
-        <p:nvSpPr>
-          <p:cNvPr id="3" name="Tartalom helye 2"/>
-          <p:cNvSpPr>
-            <a:spLocks noGrp="1"/>
-          </p:cNvSpPr>
-          <p:nvPr>
-            <p:ph idx="1"/>
-          </p:nvPr>
-        </p:nvSpPr>
-        <p:spPr/>
-        <p:txBody>
-          <a:bodyPr/>
-          <a:lstStyle/>
-          <a:p>
-            <a:endParaRPr lang="hu-HU"/>
-          </a:p>
-        </p:txBody>
-      </p:sp>
-      <p:sp>
-        <p:nvSpPr>
-          <p:cNvPr id="4" name="Dia számának helye 3"/>
-          <p:cNvSpPr>
-            <a:spLocks noGrp="1"/>
-          </p:cNvSpPr>
-          <p:nvPr>
-            <p:ph type="sldNum" sz="quarter" idx="12"/>
-          </p:nvPr>
-        </p:nvSpPr>
-        <p:spPr/>
-        <p:txBody>
-          <a:bodyPr/>
-          <a:lstStyle/>
-          <a:p>
-            <a:fld id="{F28C9355-BD38-4B88-A605-51440FB067EA}" type="slidenum">
-              <a:rPr lang="hu-HU" smtClean="0"/>
-              <a:t>29</a:t>
-            </a:fld>
-            <a:endParaRPr lang="hu-HU"/>
-          </a:p>
-        </p:txBody>
-      </p:sp>
-      <p:sp>
-        <p:nvSpPr>
-          <p:cNvPr id="5" name="Date Placeholder 4"/>
-          <p:cNvSpPr>
-            <a:spLocks noGrp="1"/>
-          </p:cNvSpPr>
-          <p:nvPr>
-            <p:ph type="dt" sz="half" idx="10"/>
-          </p:nvPr>
-        </p:nvSpPr>
-        <p:spPr/>
-        <p:txBody>
-          <a:bodyPr/>
-          <a:lstStyle/>
-          <a:p>
-            <a:fld id="{40F04838-CE40-4D58-8A8B-B6D2151AD830}" type="datetime1">
-              <a:rPr lang="hu-HU" smtClean="0"/>
-              <a:t>2016.05.26.</a:t>
-            </a:fld>
-            <a:endParaRPr lang="hu-HU"/>
-          </a:p>
-        </p:txBody>
-      </p:sp>
-      <p:sp>
-        <p:nvSpPr>
-          <p:cNvPr id="6" name="Footer Placeholder 5"/>
-          <p:cNvSpPr>
-            <a:spLocks noGrp="1"/>
-          </p:cNvSpPr>
-          <p:nvPr>
-            <p:ph type="ftr" sz="quarter" idx="11"/>
-          </p:nvPr>
-        </p:nvSpPr>
-        <p:spPr/>
-        <p:txBody>
-          <a:bodyPr/>
-          <a:lstStyle/>
-          <a:p>
-            <a:r>
-              <a:rPr lang="en-US"/>
-              <a:t>Introduction to Design Patterns and Adapter Pattern </a:t>
-            </a:r>
-            <a:endParaRPr lang="hu-HU"/>
-          </a:p>
-        </p:txBody>
-      </p:sp>
-    </p:spTree>
-    <p:extLst>
-      <p:ext uri="{BB962C8B-B14F-4D97-AF65-F5344CB8AC3E}">
-        <p14:creationId xmlns:p14="http://schemas.microsoft.com/office/powerpoint/2010/main" val="4936233"/>
-      </p:ext>
-    </p:extLst>
-  </p:cSld>
-  <p:clrMapOvr>
-    <a:masterClrMapping/>
-  </p:clrMapOvr>
-</p:sld>
-</file>
-
 <file path=ppt/slides/slide3.xml><?xml version="1.0" encoding="utf-8"?>
 <p:sld xmlns:a="http://schemas.openxmlformats.org/drawingml/2006/main" xmlns:r="http://schemas.openxmlformats.org/officeDocument/2006/relationships" xmlns:p="http://schemas.openxmlformats.org/presentationml/2006/main">
   <p:cSld>
@@ -11311,996 +9940,6 @@
     <p:extLst>
       <p:ext uri="{BB962C8B-B14F-4D97-AF65-F5344CB8AC3E}">
         <p14:creationId xmlns:p14="http://schemas.microsoft.com/office/powerpoint/2010/main" val="2065305413"/>
-      </p:ext>
-    </p:extLst>
-  </p:cSld>
-  <p:clrMapOvr>
-    <a:masterClrMapping/>
-  </p:clrMapOvr>
-</p:sld>
-</file>
-
-<file path=ppt/slides/slide30.xml><?xml version="1.0" encoding="utf-8"?>
-<p:sld xmlns:a="http://schemas.openxmlformats.org/drawingml/2006/main" xmlns:r="http://schemas.openxmlformats.org/officeDocument/2006/relationships" xmlns:p="http://schemas.openxmlformats.org/presentationml/2006/main">
-  <p:cSld>
-    <p:spTree>
-      <p:nvGrpSpPr>
-        <p:cNvPr id="1" name=""/>
-        <p:cNvGrpSpPr/>
-        <p:nvPr/>
-      </p:nvGrpSpPr>
-      <p:grpSpPr>
-        <a:xfrm>
-          <a:off x="0" y="0"/>
-          <a:ext cx="0" cy="0"/>
-          <a:chOff x="0" y="0"/>
-          <a:chExt cx="0" cy="0"/>
-        </a:xfrm>
-      </p:grpSpPr>
-      <p:sp>
-        <p:nvSpPr>
-          <p:cNvPr id="2" name="Cím 1"/>
-          <p:cNvSpPr>
-            <a:spLocks noGrp="1"/>
-          </p:cNvSpPr>
-          <p:nvPr>
-            <p:ph type="title"/>
-          </p:nvPr>
-        </p:nvSpPr>
-        <p:spPr/>
-        <p:txBody>
-          <a:bodyPr/>
-          <a:lstStyle/>
-          <a:p>
-            <a:r>
-              <a:rPr lang="hu-HU" dirty="0" err="1"/>
-              <a:t>Approaches</a:t>
-            </a:r>
-            <a:r>
-              <a:rPr lang="hu-HU" dirty="0"/>
-              <a:t> </a:t>
-            </a:r>
-            <a:r>
-              <a:rPr lang="hu-HU" dirty="0" err="1"/>
-              <a:t>to</a:t>
-            </a:r>
-            <a:r>
-              <a:rPr lang="hu-HU" dirty="0"/>
-              <a:t> </a:t>
-            </a:r>
-            <a:r>
-              <a:rPr lang="hu-HU" dirty="0" err="1"/>
-              <a:t>Achieve</a:t>
-            </a:r>
-            <a:r>
-              <a:rPr lang="hu-HU" dirty="0"/>
-              <a:t> OCP</a:t>
-            </a:r>
-          </a:p>
-        </p:txBody>
-      </p:sp>
-      <p:sp>
-        <p:nvSpPr>
-          <p:cNvPr id="3" name="Tartalom helye 2"/>
-          <p:cNvSpPr>
-            <a:spLocks noGrp="1"/>
-          </p:cNvSpPr>
-          <p:nvPr>
-            <p:ph idx="1"/>
-          </p:nvPr>
-        </p:nvSpPr>
-        <p:spPr/>
-        <p:txBody>
-          <a:bodyPr/>
-          <a:lstStyle/>
-          <a:p>
-            <a:r>
-              <a:rPr lang="hu-HU" dirty="0" err="1"/>
-              <a:t>Inheritance</a:t>
-            </a:r>
-            <a:r>
-              <a:rPr lang="hu-HU" dirty="0"/>
-              <a:t> / </a:t>
-            </a:r>
-            <a:r>
-              <a:rPr lang="hu-HU" dirty="0" err="1"/>
-              <a:t>Template</a:t>
-            </a:r>
-            <a:r>
-              <a:rPr lang="hu-HU" dirty="0"/>
-              <a:t> </a:t>
-            </a:r>
-            <a:r>
-              <a:rPr lang="hu-HU" dirty="0" err="1"/>
-              <a:t>Method</a:t>
-            </a:r>
-            <a:r>
-              <a:rPr lang="hu-HU" dirty="0"/>
-              <a:t> </a:t>
-            </a:r>
-            <a:r>
-              <a:rPr lang="hu-HU" dirty="0" err="1"/>
-              <a:t>Pattern</a:t>
-            </a:r>
-            <a:endParaRPr lang="hu-HU" dirty="0"/>
-          </a:p>
-          <a:p>
-            <a:pPr lvl="1"/>
-            <a:r>
-              <a:rPr lang="hu-HU" dirty="0" err="1"/>
-              <a:t>Child</a:t>
-            </a:r>
-            <a:r>
-              <a:rPr lang="hu-HU" dirty="0"/>
-              <a:t> </a:t>
-            </a:r>
-            <a:r>
-              <a:rPr lang="hu-HU" dirty="0" err="1"/>
-              <a:t>types</a:t>
-            </a:r>
-            <a:r>
-              <a:rPr lang="hu-HU" dirty="0"/>
-              <a:t> </a:t>
-            </a:r>
-            <a:r>
-              <a:rPr lang="hu-HU" dirty="0" err="1"/>
-              <a:t>override</a:t>
-            </a:r>
-            <a:r>
-              <a:rPr lang="hu-HU" dirty="0"/>
-              <a:t> </a:t>
-            </a:r>
-            <a:r>
-              <a:rPr lang="hu-HU" dirty="0" err="1"/>
-              <a:t>behavior</a:t>
-            </a:r>
-            <a:r>
-              <a:rPr lang="hu-HU" dirty="0"/>
-              <a:t> of a </a:t>
-            </a:r>
-            <a:r>
-              <a:rPr lang="hu-HU" dirty="0" err="1"/>
-              <a:t>base</a:t>
-            </a:r>
-            <a:r>
-              <a:rPr lang="hu-HU" dirty="0"/>
-              <a:t> </a:t>
-            </a:r>
-            <a:r>
-              <a:rPr lang="hu-HU" dirty="0" err="1"/>
-              <a:t>class</a:t>
-            </a:r>
-            <a:r>
-              <a:rPr lang="hu-HU" dirty="0"/>
-              <a:t>(</a:t>
-            </a:r>
-            <a:r>
-              <a:rPr lang="hu-HU" dirty="0" err="1"/>
-              <a:t>or</a:t>
-            </a:r>
-            <a:r>
-              <a:rPr lang="hu-HU" dirty="0"/>
-              <a:t> </a:t>
-            </a:r>
-            <a:r>
-              <a:rPr lang="hu-HU" dirty="0" err="1"/>
-              <a:t>interface</a:t>
-            </a:r>
-            <a:r>
-              <a:rPr lang="hu-HU" dirty="0"/>
-              <a:t>)</a:t>
-            </a:r>
-          </a:p>
-          <a:p>
-            <a:r>
-              <a:rPr lang="hu-HU" dirty="0" err="1"/>
-              <a:t>Composition</a:t>
-            </a:r>
-            <a:r>
-              <a:rPr lang="hu-HU" dirty="0"/>
-              <a:t> / </a:t>
-            </a:r>
-            <a:r>
-              <a:rPr lang="hu-HU" dirty="0" err="1"/>
-              <a:t>Strategy</a:t>
-            </a:r>
-            <a:r>
-              <a:rPr lang="hu-HU" dirty="0"/>
-              <a:t> </a:t>
-            </a:r>
-            <a:r>
-              <a:rPr lang="hu-HU" dirty="0" err="1"/>
-              <a:t>Pattern</a:t>
-            </a:r>
-            <a:endParaRPr lang="hu-HU" dirty="0"/>
-          </a:p>
-          <a:p>
-            <a:pPr lvl="1"/>
-            <a:r>
-              <a:rPr lang="hu-HU" dirty="0" err="1"/>
-              <a:t>Client</a:t>
-            </a:r>
-            <a:r>
-              <a:rPr lang="hu-HU" dirty="0"/>
-              <a:t> </a:t>
-            </a:r>
-            <a:r>
-              <a:rPr lang="hu-HU" dirty="0" err="1"/>
-              <a:t>code</a:t>
-            </a:r>
-            <a:r>
-              <a:rPr lang="hu-HU" dirty="0"/>
-              <a:t> </a:t>
-            </a:r>
-            <a:r>
-              <a:rPr lang="hu-HU" dirty="0" err="1"/>
-              <a:t>depeds</a:t>
-            </a:r>
-            <a:r>
-              <a:rPr lang="hu-HU" dirty="0"/>
-              <a:t> </a:t>
-            </a:r>
-            <a:r>
-              <a:rPr lang="hu-HU" dirty="0" err="1"/>
-              <a:t>on</a:t>
-            </a:r>
-            <a:r>
-              <a:rPr lang="hu-HU" dirty="0"/>
-              <a:t> </a:t>
-            </a:r>
-            <a:r>
-              <a:rPr lang="hu-HU" dirty="0" err="1"/>
-              <a:t>abstraction</a:t>
-            </a:r>
-            <a:r>
-              <a:rPr lang="hu-HU" dirty="0"/>
-              <a:t>(</a:t>
-            </a:r>
-            <a:r>
-              <a:rPr lang="hu-HU" dirty="0" err="1"/>
-              <a:t>Pass</a:t>
-            </a:r>
-            <a:r>
-              <a:rPr lang="hu-HU" dirty="0"/>
-              <a:t> </a:t>
-            </a:r>
-            <a:r>
-              <a:rPr lang="hu-HU" dirty="0" err="1"/>
-              <a:t>in</a:t>
-            </a:r>
-            <a:r>
-              <a:rPr lang="hu-HU" dirty="0"/>
-              <a:t> </a:t>
-            </a:r>
-            <a:r>
-              <a:rPr lang="hu-HU" dirty="0" err="1"/>
-              <a:t>Implementation</a:t>
-            </a:r>
-            <a:r>
-              <a:rPr lang="hu-HU" dirty="0"/>
-              <a:t> </a:t>
-            </a:r>
-            <a:r>
-              <a:rPr lang="hu-HU" dirty="0" err="1"/>
-              <a:t>in</a:t>
-            </a:r>
-            <a:r>
-              <a:rPr lang="hu-HU" dirty="0"/>
-              <a:t> </a:t>
-            </a:r>
-            <a:r>
-              <a:rPr lang="hu-HU" dirty="0" err="1"/>
-              <a:t>the</a:t>
-            </a:r>
-            <a:r>
-              <a:rPr lang="hu-HU" dirty="0"/>
-              <a:t> </a:t>
-            </a:r>
-            <a:r>
-              <a:rPr lang="hu-HU" dirty="0" err="1"/>
-              <a:t>costructor</a:t>
-            </a:r>
-            <a:r>
-              <a:rPr lang="hu-HU" dirty="0"/>
-              <a:t>)</a:t>
-            </a:r>
-          </a:p>
-          <a:p>
-            <a:pPr lvl="1"/>
-            <a:r>
-              <a:rPr lang="hu-HU" dirty="0" err="1"/>
-              <a:t>Provides</a:t>
-            </a:r>
-            <a:r>
-              <a:rPr lang="hu-HU" dirty="0"/>
-              <a:t> a „</a:t>
-            </a:r>
-            <a:r>
-              <a:rPr lang="hu-HU" dirty="0" err="1"/>
-              <a:t>plug</a:t>
-            </a:r>
-            <a:r>
-              <a:rPr lang="hu-HU" dirty="0"/>
-              <a:t> </a:t>
-            </a:r>
-            <a:r>
-              <a:rPr lang="hu-HU" dirty="0" err="1"/>
-              <a:t>in</a:t>
-            </a:r>
-            <a:r>
-              <a:rPr lang="hu-HU" dirty="0"/>
-              <a:t>” </a:t>
-            </a:r>
-            <a:r>
-              <a:rPr lang="hu-HU" dirty="0" err="1"/>
-              <a:t>model</a:t>
-            </a:r>
-            <a:endParaRPr lang="hu-HU" dirty="0"/>
-          </a:p>
-          <a:p>
-            <a:pPr lvl="1"/>
-            <a:r>
-              <a:rPr lang="hu-HU" dirty="0" err="1"/>
-              <a:t>Implementations</a:t>
-            </a:r>
-            <a:r>
-              <a:rPr lang="hu-HU" dirty="0"/>
-              <a:t> </a:t>
-            </a:r>
-            <a:r>
-              <a:rPr lang="hu-HU" dirty="0" err="1"/>
-              <a:t>utilize</a:t>
-            </a:r>
-            <a:r>
-              <a:rPr lang="hu-HU" dirty="0"/>
-              <a:t> </a:t>
-            </a:r>
-            <a:r>
-              <a:rPr lang="hu-HU" dirty="0" err="1"/>
-              <a:t>Inheritance</a:t>
-            </a:r>
-            <a:r>
-              <a:rPr lang="hu-HU" dirty="0"/>
-              <a:t>, </a:t>
-            </a:r>
-            <a:r>
-              <a:rPr lang="hu-HU" dirty="0" err="1"/>
-              <a:t>Client</a:t>
-            </a:r>
-            <a:r>
-              <a:rPr lang="hu-HU" dirty="0"/>
-              <a:t> </a:t>
-            </a:r>
-            <a:r>
-              <a:rPr lang="hu-HU" dirty="0" err="1"/>
-              <a:t>utilizes</a:t>
-            </a:r>
-            <a:r>
-              <a:rPr lang="hu-HU" dirty="0"/>
-              <a:t> </a:t>
-            </a:r>
-            <a:r>
-              <a:rPr lang="hu-HU" dirty="0" err="1"/>
-              <a:t>composition</a:t>
-            </a:r>
-            <a:endParaRPr lang="hu-HU" dirty="0"/>
-          </a:p>
-        </p:txBody>
-      </p:sp>
-      <p:sp>
-        <p:nvSpPr>
-          <p:cNvPr id="4" name="Slide Number Placeholder 3"/>
-          <p:cNvSpPr>
-            <a:spLocks noGrp="1"/>
-          </p:cNvSpPr>
-          <p:nvPr>
-            <p:ph type="sldNum" sz="quarter" idx="12"/>
-          </p:nvPr>
-        </p:nvSpPr>
-        <p:spPr/>
-        <p:txBody>
-          <a:bodyPr/>
-          <a:lstStyle/>
-          <a:p>
-            <a:fld id="{F28C9355-BD38-4B88-A605-51440FB067EA}" type="slidenum">
-              <a:rPr lang="hu-HU" smtClean="0"/>
-              <a:t>30</a:t>
-            </a:fld>
-            <a:endParaRPr lang="hu-HU"/>
-          </a:p>
-        </p:txBody>
-      </p:sp>
-      <p:sp>
-        <p:nvSpPr>
-          <p:cNvPr id="5" name="Date Placeholder 4"/>
-          <p:cNvSpPr>
-            <a:spLocks noGrp="1"/>
-          </p:cNvSpPr>
-          <p:nvPr>
-            <p:ph type="dt" sz="half" idx="10"/>
-          </p:nvPr>
-        </p:nvSpPr>
-        <p:spPr/>
-        <p:txBody>
-          <a:bodyPr/>
-          <a:lstStyle/>
-          <a:p>
-            <a:fld id="{0709E611-1566-488A-ABC5-ED36DA3BF59E}" type="datetime1">
-              <a:rPr lang="hu-HU" smtClean="0"/>
-              <a:t>2016.05.26.</a:t>
-            </a:fld>
-            <a:endParaRPr lang="hu-HU"/>
-          </a:p>
-        </p:txBody>
-      </p:sp>
-      <p:sp>
-        <p:nvSpPr>
-          <p:cNvPr id="6" name="Footer Placeholder 5"/>
-          <p:cNvSpPr>
-            <a:spLocks noGrp="1"/>
-          </p:cNvSpPr>
-          <p:nvPr>
-            <p:ph type="ftr" sz="quarter" idx="11"/>
-          </p:nvPr>
-        </p:nvSpPr>
-        <p:spPr/>
-        <p:txBody>
-          <a:bodyPr/>
-          <a:lstStyle/>
-          <a:p>
-            <a:r>
-              <a:rPr lang="en-US"/>
-              <a:t>Introduction to Design Patterns and Adapter Pattern </a:t>
-            </a:r>
-            <a:endParaRPr lang="hu-HU"/>
-          </a:p>
-        </p:txBody>
-      </p:sp>
-    </p:spTree>
-    <p:extLst>
-      <p:ext uri="{BB962C8B-B14F-4D97-AF65-F5344CB8AC3E}">
-        <p14:creationId xmlns:p14="http://schemas.microsoft.com/office/powerpoint/2010/main" val="2495193176"/>
-      </p:ext>
-    </p:extLst>
-  </p:cSld>
-  <p:clrMapOvr>
-    <a:masterClrMapping/>
-  </p:clrMapOvr>
-</p:sld>
-</file>
-
-<file path=ppt/slides/slide31.xml><?xml version="1.0" encoding="utf-8"?>
-<p:sld xmlns:a="http://schemas.openxmlformats.org/drawingml/2006/main" xmlns:r="http://schemas.openxmlformats.org/officeDocument/2006/relationships" xmlns:p="http://schemas.openxmlformats.org/presentationml/2006/main">
-  <p:cSld>
-    <p:spTree>
-      <p:nvGrpSpPr>
-        <p:cNvPr id="1" name=""/>
-        <p:cNvGrpSpPr/>
-        <p:nvPr/>
-      </p:nvGrpSpPr>
-      <p:grpSpPr>
-        <a:xfrm>
-          <a:off x="0" y="0"/>
-          <a:ext cx="0" cy="0"/>
-          <a:chOff x="0" y="0"/>
-          <a:chExt cx="0" cy="0"/>
-        </a:xfrm>
-      </p:grpSpPr>
-      <p:sp>
-        <p:nvSpPr>
-          <p:cNvPr id="2" name="Cím 1"/>
-          <p:cNvSpPr>
-            <a:spLocks noGrp="1"/>
-          </p:cNvSpPr>
-          <p:nvPr>
-            <p:ph type="title"/>
-          </p:nvPr>
-        </p:nvSpPr>
-        <p:spPr/>
-        <p:txBody>
-          <a:bodyPr/>
-          <a:lstStyle/>
-          <a:p>
-            <a:r>
-              <a:rPr lang="hu-HU" dirty="0" err="1"/>
-              <a:t>When</a:t>
-            </a:r>
-            <a:r>
-              <a:rPr lang="hu-HU" dirty="0"/>
-              <a:t> </a:t>
-            </a:r>
-            <a:r>
-              <a:rPr lang="hu-HU" dirty="0" err="1"/>
-              <a:t>do</a:t>
-            </a:r>
-            <a:r>
-              <a:rPr lang="hu-HU" dirty="0"/>
-              <a:t> </a:t>
-            </a:r>
-            <a:r>
-              <a:rPr lang="hu-HU" dirty="0" err="1"/>
-              <a:t>we</a:t>
-            </a:r>
-            <a:r>
-              <a:rPr lang="hu-HU" dirty="0"/>
-              <a:t> </a:t>
-            </a:r>
-            <a:r>
-              <a:rPr lang="hu-HU" dirty="0" err="1"/>
-              <a:t>apply</a:t>
-            </a:r>
-            <a:r>
-              <a:rPr lang="hu-HU" dirty="0"/>
-              <a:t> OCP?</a:t>
-            </a:r>
-          </a:p>
-        </p:txBody>
-      </p:sp>
-      <p:sp>
-        <p:nvSpPr>
-          <p:cNvPr id="3" name="Tartalom helye 2"/>
-          <p:cNvSpPr>
-            <a:spLocks noGrp="1"/>
-          </p:cNvSpPr>
-          <p:nvPr>
-            <p:ph idx="1"/>
-          </p:nvPr>
-        </p:nvSpPr>
-        <p:spPr/>
-        <p:txBody>
-          <a:bodyPr>
-            <a:normAutofit lnSpcReduction="10000"/>
-          </a:bodyPr>
-          <a:lstStyle/>
-          <a:p>
-            <a:r>
-              <a:rPr lang="hu-HU" dirty="0" err="1"/>
-              <a:t>Experience</a:t>
-            </a:r>
-            <a:r>
-              <a:rPr lang="hu-HU" dirty="0"/>
-              <a:t> </a:t>
-            </a:r>
-            <a:r>
-              <a:rPr lang="hu-HU" dirty="0" err="1"/>
-              <a:t>tells</a:t>
-            </a:r>
-            <a:r>
-              <a:rPr lang="hu-HU" dirty="0"/>
-              <a:t> </a:t>
-            </a:r>
-            <a:r>
-              <a:rPr lang="hu-HU" dirty="0" err="1"/>
-              <a:t>you</a:t>
-            </a:r>
-            <a:endParaRPr lang="hu-HU" dirty="0"/>
-          </a:p>
-          <a:p>
-            <a:r>
-              <a:rPr lang="hu-HU" dirty="0"/>
-              <a:t>„</a:t>
-            </a:r>
-            <a:r>
-              <a:rPr lang="hu-HU" dirty="0" err="1"/>
-              <a:t>Fool</a:t>
-            </a:r>
-            <a:r>
-              <a:rPr lang="hu-HU" dirty="0"/>
-              <a:t> </a:t>
-            </a:r>
-            <a:r>
-              <a:rPr lang="hu-HU" dirty="0" err="1"/>
-              <a:t>me</a:t>
-            </a:r>
-            <a:r>
-              <a:rPr lang="hu-HU" dirty="0"/>
-              <a:t> </a:t>
-            </a:r>
-            <a:r>
-              <a:rPr lang="hu-HU" dirty="0" err="1"/>
-              <a:t>once</a:t>
-            </a:r>
-            <a:r>
-              <a:rPr lang="hu-HU" dirty="0"/>
-              <a:t>, </a:t>
-            </a:r>
-            <a:r>
-              <a:rPr lang="hu-HU" dirty="0" err="1"/>
-              <a:t>shame</a:t>
-            </a:r>
-            <a:r>
-              <a:rPr lang="hu-HU" dirty="0"/>
-              <a:t> </a:t>
-            </a:r>
-            <a:r>
-              <a:rPr lang="hu-HU" dirty="0" err="1"/>
-              <a:t>on</a:t>
-            </a:r>
-            <a:r>
-              <a:rPr lang="hu-HU" dirty="0"/>
-              <a:t> </a:t>
-            </a:r>
-            <a:r>
-              <a:rPr lang="hu-HU" dirty="0" err="1"/>
-              <a:t>you</a:t>
-            </a:r>
-            <a:r>
-              <a:rPr lang="hu-HU" dirty="0"/>
-              <a:t>,. </a:t>
-            </a:r>
-            <a:r>
-              <a:rPr lang="hu-HU" dirty="0" err="1"/>
-              <a:t>Fool</a:t>
-            </a:r>
-            <a:r>
-              <a:rPr lang="hu-HU" dirty="0"/>
-              <a:t> </a:t>
-            </a:r>
-            <a:r>
-              <a:rPr lang="hu-HU" dirty="0" err="1"/>
-              <a:t>me</a:t>
-            </a:r>
-            <a:r>
-              <a:rPr lang="hu-HU" dirty="0"/>
-              <a:t> </a:t>
-            </a:r>
-            <a:r>
-              <a:rPr lang="hu-HU" dirty="0" err="1"/>
-              <a:t>twice</a:t>
-            </a:r>
-            <a:r>
-              <a:rPr lang="hu-HU" dirty="0"/>
-              <a:t> </a:t>
-            </a:r>
-            <a:r>
-              <a:rPr lang="hu-HU" dirty="0" err="1"/>
-              <a:t>shame</a:t>
-            </a:r>
-            <a:r>
-              <a:rPr lang="hu-HU" dirty="0"/>
-              <a:t> </a:t>
-            </a:r>
-            <a:r>
-              <a:rPr lang="hu-HU" dirty="0" err="1"/>
-              <a:t>on</a:t>
-            </a:r>
-            <a:r>
-              <a:rPr lang="hu-HU" dirty="0"/>
-              <a:t> </a:t>
-            </a:r>
-            <a:r>
-              <a:rPr lang="hu-HU" dirty="0" err="1"/>
-              <a:t>me</a:t>
-            </a:r>
-            <a:r>
-              <a:rPr lang="hu-HU" dirty="0"/>
-              <a:t>”</a:t>
-            </a:r>
-          </a:p>
-          <a:p>
-            <a:r>
-              <a:rPr lang="hu-HU" dirty="0"/>
-              <a:t>Dont </a:t>
-            </a:r>
-            <a:r>
-              <a:rPr lang="hu-HU" dirty="0" err="1"/>
-              <a:t>apply</a:t>
-            </a:r>
-            <a:r>
-              <a:rPr lang="hu-HU" dirty="0"/>
-              <a:t> OCP </a:t>
-            </a:r>
-            <a:r>
-              <a:rPr lang="hu-HU" dirty="0" err="1"/>
-              <a:t>at</a:t>
-            </a:r>
-            <a:r>
-              <a:rPr lang="hu-HU" dirty="0"/>
-              <a:t> </a:t>
-            </a:r>
-            <a:r>
-              <a:rPr lang="hu-HU" dirty="0" err="1"/>
-              <a:t>first</a:t>
-            </a:r>
-            <a:endParaRPr lang="hu-HU" dirty="0"/>
-          </a:p>
-          <a:p>
-            <a:r>
-              <a:rPr lang="hu-HU" dirty="0" err="1"/>
-              <a:t>If</a:t>
-            </a:r>
-            <a:r>
-              <a:rPr lang="hu-HU" dirty="0"/>
-              <a:t> </a:t>
-            </a:r>
-            <a:r>
-              <a:rPr lang="hu-HU" dirty="0" err="1"/>
-              <a:t>the</a:t>
-            </a:r>
-            <a:r>
-              <a:rPr lang="hu-HU" dirty="0"/>
-              <a:t> </a:t>
-            </a:r>
-            <a:r>
-              <a:rPr lang="hu-HU" dirty="0" err="1"/>
-              <a:t>module</a:t>
-            </a:r>
-            <a:r>
-              <a:rPr lang="hu-HU" dirty="0"/>
-              <a:t> </a:t>
-            </a:r>
-            <a:r>
-              <a:rPr lang="hu-HU" dirty="0" err="1"/>
-              <a:t>changes</a:t>
-            </a:r>
-            <a:r>
-              <a:rPr lang="hu-HU" dirty="0"/>
-              <a:t> </a:t>
-            </a:r>
-            <a:r>
-              <a:rPr lang="hu-HU" dirty="0" err="1"/>
-              <a:t>once</a:t>
-            </a:r>
-            <a:r>
-              <a:rPr lang="hu-HU" dirty="0"/>
-              <a:t>, </a:t>
-            </a:r>
-            <a:r>
-              <a:rPr lang="hu-HU" dirty="0" err="1"/>
-              <a:t>accept</a:t>
-            </a:r>
-            <a:r>
-              <a:rPr lang="hu-HU" dirty="0"/>
-              <a:t> </a:t>
-            </a:r>
-            <a:r>
-              <a:rPr lang="hu-HU" dirty="0" err="1"/>
-              <a:t>it</a:t>
-            </a:r>
-            <a:r>
-              <a:rPr lang="hu-HU" dirty="0"/>
-              <a:t>.</a:t>
-            </a:r>
-          </a:p>
-          <a:p>
-            <a:r>
-              <a:rPr lang="hu-HU" dirty="0" err="1"/>
-              <a:t>If</a:t>
-            </a:r>
-            <a:r>
-              <a:rPr lang="hu-HU" dirty="0"/>
-              <a:t> </a:t>
-            </a:r>
-            <a:r>
-              <a:rPr lang="hu-HU" dirty="0" err="1"/>
-              <a:t>it</a:t>
-            </a:r>
-            <a:r>
-              <a:rPr lang="hu-HU" dirty="0"/>
-              <a:t> </a:t>
-            </a:r>
-            <a:r>
-              <a:rPr lang="hu-HU" dirty="0" err="1"/>
-              <a:t>changes</a:t>
-            </a:r>
-            <a:r>
-              <a:rPr lang="hu-HU" dirty="0"/>
-              <a:t> </a:t>
-            </a:r>
-            <a:r>
-              <a:rPr lang="hu-HU" dirty="0" err="1"/>
-              <a:t>at</a:t>
-            </a:r>
-            <a:r>
-              <a:rPr lang="hu-HU" dirty="0"/>
-              <a:t> </a:t>
-            </a:r>
-            <a:r>
-              <a:rPr lang="hu-HU" dirty="0" err="1"/>
-              <a:t>the</a:t>
-            </a:r>
-            <a:r>
-              <a:rPr lang="hu-HU" dirty="0"/>
-              <a:t> </a:t>
-            </a:r>
-            <a:r>
-              <a:rPr lang="hu-HU" dirty="0" err="1"/>
-              <a:t>second</a:t>
-            </a:r>
-            <a:r>
-              <a:rPr lang="hu-HU" dirty="0"/>
-              <a:t> </a:t>
-            </a:r>
-            <a:r>
-              <a:rPr lang="hu-HU" dirty="0" err="1"/>
-              <a:t>time</a:t>
-            </a:r>
-            <a:r>
-              <a:rPr lang="hu-HU" dirty="0"/>
-              <a:t>, </a:t>
-            </a:r>
-            <a:r>
-              <a:rPr lang="hu-HU" dirty="0" err="1"/>
-              <a:t>refactor</a:t>
-            </a:r>
-            <a:r>
-              <a:rPr lang="hu-HU" dirty="0"/>
-              <a:t> </a:t>
-            </a:r>
-            <a:r>
-              <a:rPr lang="hu-HU" dirty="0" err="1"/>
-              <a:t>to</a:t>
-            </a:r>
-            <a:r>
-              <a:rPr lang="hu-HU" dirty="0"/>
-              <a:t> </a:t>
-            </a:r>
-            <a:r>
-              <a:rPr lang="hu-HU" dirty="0" err="1"/>
-              <a:t>achive</a:t>
-            </a:r>
-            <a:r>
-              <a:rPr lang="hu-HU" dirty="0"/>
-              <a:t> OCP.</a:t>
-            </a:r>
-          </a:p>
-          <a:p>
-            <a:endParaRPr lang="hu-HU" dirty="0"/>
-          </a:p>
-          <a:p>
-            <a:r>
-              <a:rPr lang="hu-HU" dirty="0" err="1"/>
-              <a:t>Remember</a:t>
-            </a:r>
-            <a:r>
-              <a:rPr lang="hu-HU" dirty="0"/>
-              <a:t>:</a:t>
-            </a:r>
-          </a:p>
-          <a:p>
-            <a:r>
-              <a:rPr lang="hu-HU" dirty="0" err="1"/>
-              <a:t>Thre</a:t>
-            </a:r>
-            <a:r>
-              <a:rPr lang="hu-HU" dirty="0"/>
-              <a:t> </a:t>
-            </a:r>
-            <a:r>
-              <a:rPr lang="hu-HU" dirty="0" err="1"/>
-              <a:t>Aint</a:t>
-            </a:r>
-            <a:r>
-              <a:rPr lang="hu-HU" dirty="0"/>
-              <a:t> no </a:t>
-            </a:r>
-            <a:r>
-              <a:rPr lang="hu-HU" dirty="0" err="1"/>
-              <a:t>such</a:t>
-            </a:r>
-            <a:r>
-              <a:rPr lang="hu-HU" dirty="0"/>
-              <a:t> </a:t>
-            </a:r>
-            <a:r>
-              <a:rPr lang="hu-HU" dirty="0" err="1"/>
-              <a:t>thing</a:t>
-            </a:r>
-            <a:r>
-              <a:rPr lang="hu-HU" dirty="0"/>
-              <a:t> </a:t>
-            </a:r>
-            <a:r>
-              <a:rPr lang="hu-HU" dirty="0" err="1"/>
-              <a:t>as</a:t>
-            </a:r>
-            <a:r>
-              <a:rPr lang="hu-HU" dirty="0"/>
-              <a:t> a free </a:t>
-            </a:r>
-            <a:r>
-              <a:rPr lang="hu-HU" dirty="0" err="1"/>
-              <a:t>lunch</a:t>
-            </a:r>
-            <a:r>
-              <a:rPr lang="hu-HU" dirty="0"/>
-              <a:t>.</a:t>
-            </a:r>
-          </a:p>
-          <a:p>
-            <a:r>
-              <a:rPr lang="hu-HU" dirty="0"/>
-              <a:t>OCP </a:t>
-            </a:r>
-            <a:r>
-              <a:rPr lang="hu-HU" dirty="0" err="1"/>
-              <a:t>adds</a:t>
-            </a:r>
-            <a:r>
-              <a:rPr lang="hu-HU" dirty="0"/>
-              <a:t> </a:t>
-            </a:r>
-            <a:r>
-              <a:rPr lang="hu-HU" dirty="0" err="1"/>
-              <a:t>complexity</a:t>
-            </a:r>
-            <a:endParaRPr lang="hu-HU" dirty="0"/>
-          </a:p>
-        </p:txBody>
-      </p:sp>
-      <p:sp>
-        <p:nvSpPr>
-          <p:cNvPr id="4" name="Dia számának helye 3"/>
-          <p:cNvSpPr>
-            <a:spLocks noGrp="1"/>
-          </p:cNvSpPr>
-          <p:nvPr>
-            <p:ph type="sldNum" sz="quarter" idx="12"/>
-          </p:nvPr>
-        </p:nvSpPr>
-        <p:spPr/>
-        <p:txBody>
-          <a:bodyPr/>
-          <a:lstStyle/>
-          <a:p>
-            <a:fld id="{F28C9355-BD38-4B88-A605-51440FB067EA}" type="slidenum">
-              <a:rPr lang="hu-HU" smtClean="0"/>
-              <a:t>31</a:t>
-            </a:fld>
-            <a:endParaRPr lang="hu-HU"/>
-          </a:p>
-        </p:txBody>
-      </p:sp>
-      <p:sp>
-        <p:nvSpPr>
-          <p:cNvPr id="5" name="Date Placeholder 4"/>
-          <p:cNvSpPr>
-            <a:spLocks noGrp="1"/>
-          </p:cNvSpPr>
-          <p:nvPr>
-            <p:ph type="dt" sz="half" idx="10"/>
-          </p:nvPr>
-        </p:nvSpPr>
-        <p:spPr/>
-        <p:txBody>
-          <a:bodyPr/>
-          <a:lstStyle/>
-          <a:p>
-            <a:fld id="{58ED05A6-EB6E-4B64-BA83-C2CAFA808DFD}" type="datetime1">
-              <a:rPr lang="hu-HU" smtClean="0"/>
-              <a:t>2016.05.26.</a:t>
-            </a:fld>
-            <a:endParaRPr lang="hu-HU"/>
-          </a:p>
-        </p:txBody>
-      </p:sp>
-      <p:sp>
-        <p:nvSpPr>
-          <p:cNvPr id="6" name="Footer Placeholder 5"/>
-          <p:cNvSpPr>
-            <a:spLocks noGrp="1"/>
-          </p:cNvSpPr>
-          <p:nvPr>
-            <p:ph type="ftr" sz="quarter" idx="11"/>
-          </p:nvPr>
-        </p:nvSpPr>
-        <p:spPr/>
-        <p:txBody>
-          <a:bodyPr/>
-          <a:lstStyle/>
-          <a:p>
-            <a:r>
-              <a:rPr lang="en-US"/>
-              <a:t>Introduction to Design Patterns and Adapter Pattern </a:t>
-            </a:r>
-            <a:endParaRPr lang="hu-HU"/>
-          </a:p>
-        </p:txBody>
-      </p:sp>
-    </p:spTree>
-    <p:extLst>
-      <p:ext uri="{BB962C8B-B14F-4D97-AF65-F5344CB8AC3E}">
-        <p14:creationId xmlns:p14="http://schemas.microsoft.com/office/powerpoint/2010/main" val="369854987"/>
       </p:ext>
     </p:extLst>
   </p:cSld>
